--- a/What is Node.pptx
+++ b/What is Node.pptx
@@ -12,6 +12,11 @@
     <p:sldId id="260" r:id="rId6"/>
     <p:sldId id="261" r:id="rId7"/>
     <p:sldId id="262" r:id="rId8"/>
+    <p:sldId id="264" r:id="rId9"/>
+    <p:sldId id="265" r:id="rId10"/>
+    <p:sldId id="266" r:id="rId11"/>
+    <p:sldId id="267" r:id="rId12"/>
+    <p:sldId id="263" r:id="rId13"/>
   </p:sldIdLst>
   <p:sldSz cx="12192000" cy="6858000"/>
   <p:notesSz cx="6858000" cy="9144000"/>
@@ -110,6 +115,11 @@
       </a:defRPr>
     </a:lvl9pPr>
   </p:defaultTextStyle>
+  <p:extLst>
+    <p:ext uri="{EFAFB233-063F-42B5-8137-9DF3F51BA10A}">
+      <p15:sldGuideLst xmlns:p15="http://schemas.microsoft.com/office/powerpoint/2012/main"/>
+    </p:ext>
+  </p:extLst>
 </p:presentation>
 </file>
 
@@ -260,7 +270,7 @@
           <a:p>
             <a:fld id="{17C5991C-D94C-4C76-AE92-3C44B7FD323B}" type="datetimeFigureOut">
               <a:rPr lang="en-US" smtClean="0"/>
-              <a:t>3/27/2023</a:t>
+              <a:t>3/28/2023</a:t>
             </a:fld>
             <a:endParaRPr lang="en-US"/>
           </a:p>
@@ -458,7 +468,7 @@
           <a:p>
             <a:fld id="{17C5991C-D94C-4C76-AE92-3C44B7FD323B}" type="datetimeFigureOut">
               <a:rPr lang="en-US" smtClean="0"/>
-              <a:t>3/27/2023</a:t>
+              <a:t>3/28/2023</a:t>
             </a:fld>
             <a:endParaRPr lang="en-US"/>
           </a:p>
@@ -666,7 +676,7 @@
           <a:p>
             <a:fld id="{17C5991C-D94C-4C76-AE92-3C44B7FD323B}" type="datetimeFigureOut">
               <a:rPr lang="en-US" smtClean="0"/>
-              <a:t>3/27/2023</a:t>
+              <a:t>3/28/2023</a:t>
             </a:fld>
             <a:endParaRPr lang="en-US"/>
           </a:p>
@@ -864,7 +874,7 @@
           <a:p>
             <a:fld id="{17C5991C-D94C-4C76-AE92-3C44B7FD323B}" type="datetimeFigureOut">
               <a:rPr lang="en-US" smtClean="0"/>
-              <a:t>3/27/2023</a:t>
+              <a:t>3/28/2023</a:t>
             </a:fld>
             <a:endParaRPr lang="en-US"/>
           </a:p>
@@ -1139,7 +1149,7 @@
           <a:p>
             <a:fld id="{17C5991C-D94C-4C76-AE92-3C44B7FD323B}" type="datetimeFigureOut">
               <a:rPr lang="en-US" smtClean="0"/>
-              <a:t>3/27/2023</a:t>
+              <a:t>3/28/2023</a:t>
             </a:fld>
             <a:endParaRPr lang="en-US"/>
           </a:p>
@@ -1404,7 +1414,7 @@
           <a:p>
             <a:fld id="{17C5991C-D94C-4C76-AE92-3C44B7FD323B}" type="datetimeFigureOut">
               <a:rPr lang="en-US" smtClean="0"/>
-              <a:t>3/27/2023</a:t>
+              <a:t>3/28/2023</a:t>
             </a:fld>
             <a:endParaRPr lang="en-US"/>
           </a:p>
@@ -1816,7 +1826,7 @@
           <a:p>
             <a:fld id="{17C5991C-D94C-4C76-AE92-3C44B7FD323B}" type="datetimeFigureOut">
               <a:rPr lang="en-US" smtClean="0"/>
-              <a:t>3/27/2023</a:t>
+              <a:t>3/28/2023</a:t>
             </a:fld>
             <a:endParaRPr lang="en-US"/>
           </a:p>
@@ -1957,7 +1967,7 @@
           <a:p>
             <a:fld id="{17C5991C-D94C-4C76-AE92-3C44B7FD323B}" type="datetimeFigureOut">
               <a:rPr lang="en-US" smtClean="0"/>
-              <a:t>3/27/2023</a:t>
+              <a:t>3/28/2023</a:t>
             </a:fld>
             <a:endParaRPr lang="en-US"/>
           </a:p>
@@ -2070,7 +2080,7 @@
           <a:p>
             <a:fld id="{17C5991C-D94C-4C76-AE92-3C44B7FD323B}" type="datetimeFigureOut">
               <a:rPr lang="en-US" smtClean="0"/>
-              <a:t>3/27/2023</a:t>
+              <a:t>3/28/2023</a:t>
             </a:fld>
             <a:endParaRPr lang="en-US"/>
           </a:p>
@@ -2381,7 +2391,7 @@
           <a:p>
             <a:fld id="{17C5991C-D94C-4C76-AE92-3C44B7FD323B}" type="datetimeFigureOut">
               <a:rPr lang="en-US" smtClean="0"/>
-              <a:t>3/27/2023</a:t>
+              <a:t>3/28/2023</a:t>
             </a:fld>
             <a:endParaRPr lang="en-US"/>
           </a:p>
@@ -2669,7 +2679,7 @@
           <a:p>
             <a:fld id="{17C5991C-D94C-4C76-AE92-3C44B7FD323B}" type="datetimeFigureOut">
               <a:rPr lang="en-US" smtClean="0"/>
-              <a:t>3/27/2023</a:t>
+              <a:t>3/28/2023</a:t>
             </a:fld>
             <a:endParaRPr lang="en-US"/>
           </a:p>
@@ -2910,7 +2920,7 @@
           <a:p>
             <a:fld id="{17C5991C-D94C-4C76-AE92-3C44B7FD323B}" type="datetimeFigureOut">
               <a:rPr lang="en-US" smtClean="0"/>
-              <a:t>3/27/2023</a:t>
+              <a:t>3/28/2023</a:t>
             </a:fld>
             <a:endParaRPr lang="en-US"/>
           </a:p>
@@ -3436,6 +3446,695 @@
 </p:sld>
 </file>
 
+<file path=ppt/slides/slide10.xml><?xml version="1.0" encoding="utf-8"?>
+<p:sld xmlns:a="http://schemas.openxmlformats.org/drawingml/2006/main" xmlns:r="http://schemas.openxmlformats.org/officeDocument/2006/relationships" xmlns:p="http://schemas.openxmlformats.org/presentationml/2006/main">
+  <p:cSld>
+    <p:spTree>
+      <p:nvGrpSpPr>
+        <p:cNvPr id="1" name=""/>
+        <p:cNvGrpSpPr/>
+        <p:nvPr/>
+      </p:nvGrpSpPr>
+      <p:grpSpPr>
+        <a:xfrm>
+          <a:off x="0" y="0"/>
+          <a:ext cx="0" cy="0"/>
+          <a:chOff x="0" y="0"/>
+          <a:chExt cx="0" cy="0"/>
+        </a:xfrm>
+      </p:grpSpPr>
+      <p:sp>
+        <p:nvSpPr>
+          <p:cNvPr id="2" name="Title 1">
+            <a:extLst>
+              <a:ext uri="{FF2B5EF4-FFF2-40B4-BE49-F238E27FC236}">
+                <a16:creationId xmlns:a16="http://schemas.microsoft.com/office/drawing/2014/main" id="{F033CB13-6A70-22A1-4636-5035793FB7CC}"/>
+              </a:ext>
+            </a:extLst>
+          </p:cNvPr>
+          <p:cNvSpPr>
+            <a:spLocks noGrp="1"/>
+          </p:cNvSpPr>
+          <p:nvPr>
+            <p:ph type="title"/>
+          </p:nvPr>
+        </p:nvSpPr>
+        <p:spPr/>
+        <p:txBody>
+          <a:bodyPr/>
+          <a:lstStyle/>
+          <a:p>
+            <a:r>
+              <a:rPr lang="en-US" dirty="0"/>
+              <a:t>JavaScript Summary</a:t>
+            </a:r>
+          </a:p>
+        </p:txBody>
+      </p:sp>
+      <p:sp>
+        <p:nvSpPr>
+          <p:cNvPr id="4" name="Rectangle 3">
+            <a:extLst>
+              <a:ext uri="{FF2B5EF4-FFF2-40B4-BE49-F238E27FC236}">
+                <a16:creationId xmlns:a16="http://schemas.microsoft.com/office/drawing/2014/main" id="{F0651B9C-35A6-D6BA-7B01-DA52069612D6}"/>
+              </a:ext>
+            </a:extLst>
+          </p:cNvPr>
+          <p:cNvSpPr/>
+          <p:nvPr/>
+        </p:nvSpPr>
+        <p:spPr>
+          <a:xfrm>
+            <a:off x="955342" y="1787857"/>
+            <a:ext cx="2538485" cy="655092"/>
+          </a:xfrm>
+          <a:prstGeom prst="rect">
+            <a:avLst/>
+          </a:prstGeom>
+        </p:spPr>
+        <p:style>
+          <a:lnRef idx="2">
+            <a:schemeClr val="accent1">
+              <a:shade val="50000"/>
+            </a:schemeClr>
+          </a:lnRef>
+          <a:fillRef idx="1">
+            <a:schemeClr val="accent1"/>
+          </a:fillRef>
+          <a:effectRef idx="0">
+            <a:schemeClr val="accent1"/>
+          </a:effectRef>
+          <a:fontRef idx="minor">
+            <a:schemeClr val="lt1"/>
+          </a:fontRef>
+        </p:style>
+        <p:txBody>
+          <a:bodyPr rtlCol="0" anchor="ctr"/>
+          <a:lstStyle/>
+          <a:p>
+            <a:pPr algn="ctr"/>
+            <a:r>
+              <a:rPr lang="en-US" dirty="0"/>
+              <a:t>Weakly Typed Language</a:t>
+            </a:r>
+          </a:p>
+        </p:txBody>
+      </p:sp>
+      <p:sp>
+        <p:nvSpPr>
+          <p:cNvPr id="5" name="Rectangle 4">
+            <a:extLst>
+              <a:ext uri="{FF2B5EF4-FFF2-40B4-BE49-F238E27FC236}">
+                <a16:creationId xmlns:a16="http://schemas.microsoft.com/office/drawing/2014/main" id="{E528A759-41AE-9034-228B-5614EFE12D64}"/>
+              </a:ext>
+            </a:extLst>
+          </p:cNvPr>
+          <p:cNvSpPr/>
+          <p:nvPr/>
+        </p:nvSpPr>
+        <p:spPr>
+          <a:xfrm>
+            <a:off x="4640238" y="1787857"/>
+            <a:ext cx="2538485" cy="655092"/>
+          </a:xfrm>
+          <a:prstGeom prst="rect">
+            <a:avLst/>
+          </a:prstGeom>
+        </p:spPr>
+        <p:style>
+          <a:lnRef idx="2">
+            <a:schemeClr val="accent1">
+              <a:shade val="50000"/>
+            </a:schemeClr>
+          </a:lnRef>
+          <a:fillRef idx="1">
+            <a:schemeClr val="accent1"/>
+          </a:fillRef>
+          <a:effectRef idx="0">
+            <a:schemeClr val="accent1"/>
+          </a:effectRef>
+          <a:fontRef idx="minor">
+            <a:schemeClr val="lt1"/>
+          </a:fontRef>
+        </p:style>
+        <p:txBody>
+          <a:bodyPr rtlCol="0" anchor="ctr"/>
+          <a:lstStyle/>
+          <a:p>
+            <a:pPr algn="ctr"/>
+            <a:r>
+              <a:rPr lang="en-US" dirty="0"/>
+              <a:t>Object-Oriented Language</a:t>
+            </a:r>
+          </a:p>
+        </p:txBody>
+      </p:sp>
+      <p:sp>
+        <p:nvSpPr>
+          <p:cNvPr id="6" name="Rectangle 5">
+            <a:extLst>
+              <a:ext uri="{FF2B5EF4-FFF2-40B4-BE49-F238E27FC236}">
+                <a16:creationId xmlns:a16="http://schemas.microsoft.com/office/drawing/2014/main" id="{8CF02DE1-BB0B-233A-7485-3A2547827FC5}"/>
+              </a:ext>
+            </a:extLst>
+          </p:cNvPr>
+          <p:cNvSpPr/>
+          <p:nvPr/>
+        </p:nvSpPr>
+        <p:spPr>
+          <a:xfrm>
+            <a:off x="8815315" y="1772575"/>
+            <a:ext cx="2538485" cy="655092"/>
+          </a:xfrm>
+          <a:prstGeom prst="rect">
+            <a:avLst/>
+          </a:prstGeom>
+        </p:spPr>
+        <p:style>
+          <a:lnRef idx="2">
+            <a:schemeClr val="accent1">
+              <a:shade val="50000"/>
+            </a:schemeClr>
+          </a:lnRef>
+          <a:fillRef idx="1">
+            <a:schemeClr val="accent1"/>
+          </a:fillRef>
+          <a:effectRef idx="0">
+            <a:schemeClr val="accent1"/>
+          </a:effectRef>
+          <a:fontRef idx="minor">
+            <a:schemeClr val="lt1"/>
+          </a:fontRef>
+        </p:style>
+        <p:txBody>
+          <a:bodyPr rtlCol="0" anchor="ctr"/>
+          <a:lstStyle/>
+          <a:p>
+            <a:pPr algn="ctr"/>
+            <a:r>
+              <a:rPr lang="en-US" dirty="0"/>
+              <a:t>Versatile Language</a:t>
+            </a:r>
+          </a:p>
+        </p:txBody>
+      </p:sp>
+      <p:sp>
+        <p:nvSpPr>
+          <p:cNvPr id="7" name="Rectangle 6">
+            <a:extLst>
+              <a:ext uri="{FF2B5EF4-FFF2-40B4-BE49-F238E27FC236}">
+                <a16:creationId xmlns:a16="http://schemas.microsoft.com/office/drawing/2014/main" id="{BCDC9F80-6426-DF07-6216-B9C75B395DAF}"/>
+              </a:ext>
+            </a:extLst>
+          </p:cNvPr>
+          <p:cNvSpPr/>
+          <p:nvPr/>
+        </p:nvSpPr>
+        <p:spPr>
+          <a:xfrm>
+            <a:off x="913829" y="2975212"/>
+            <a:ext cx="2538485" cy="655092"/>
+          </a:xfrm>
+          <a:prstGeom prst="rect">
+            <a:avLst/>
+          </a:prstGeom>
+        </p:spPr>
+        <p:style>
+          <a:lnRef idx="2">
+            <a:schemeClr val="accent1">
+              <a:shade val="50000"/>
+            </a:schemeClr>
+          </a:lnRef>
+          <a:fillRef idx="1">
+            <a:schemeClr val="accent1"/>
+          </a:fillRef>
+          <a:effectRef idx="0">
+            <a:schemeClr val="accent1"/>
+          </a:effectRef>
+          <a:fontRef idx="minor">
+            <a:schemeClr val="lt1"/>
+          </a:fontRef>
+        </p:style>
+        <p:txBody>
+          <a:bodyPr rtlCol="0" anchor="ctr"/>
+          <a:lstStyle/>
+          <a:p>
+            <a:pPr algn="ctr"/>
+            <a:r>
+              <a:rPr lang="en-US" dirty="0"/>
+              <a:t>No explicit type assignment</a:t>
+            </a:r>
+          </a:p>
+        </p:txBody>
+      </p:sp>
+      <p:sp>
+        <p:nvSpPr>
+          <p:cNvPr id="8" name="Rectangle 7">
+            <a:extLst>
+              <a:ext uri="{FF2B5EF4-FFF2-40B4-BE49-F238E27FC236}">
+                <a16:creationId xmlns:a16="http://schemas.microsoft.com/office/drawing/2014/main" id="{F52DB878-538E-0ECE-F0D6-BC98466FD4D9}"/>
+              </a:ext>
+            </a:extLst>
+          </p:cNvPr>
+          <p:cNvSpPr/>
+          <p:nvPr/>
+        </p:nvSpPr>
+        <p:spPr>
+          <a:xfrm>
+            <a:off x="913829" y="4162567"/>
+            <a:ext cx="2538485" cy="655092"/>
+          </a:xfrm>
+          <a:prstGeom prst="rect">
+            <a:avLst/>
+          </a:prstGeom>
+        </p:spPr>
+        <p:style>
+          <a:lnRef idx="2">
+            <a:schemeClr val="accent1">
+              <a:shade val="50000"/>
+            </a:schemeClr>
+          </a:lnRef>
+          <a:fillRef idx="1">
+            <a:schemeClr val="accent1"/>
+          </a:fillRef>
+          <a:effectRef idx="0">
+            <a:schemeClr val="accent1"/>
+          </a:effectRef>
+          <a:fontRef idx="minor">
+            <a:schemeClr val="lt1"/>
+          </a:fontRef>
+        </p:style>
+        <p:txBody>
+          <a:bodyPr rtlCol="0" anchor="ctr"/>
+          <a:lstStyle/>
+          <a:p>
+            <a:pPr algn="ctr"/>
+            <a:r>
+              <a:rPr lang="en-US" dirty="0"/>
+              <a:t>Data types can be switched dynamically</a:t>
+            </a:r>
+          </a:p>
+        </p:txBody>
+      </p:sp>
+      <p:sp>
+        <p:nvSpPr>
+          <p:cNvPr id="9" name="Rectangle 8">
+            <a:extLst>
+              <a:ext uri="{FF2B5EF4-FFF2-40B4-BE49-F238E27FC236}">
+                <a16:creationId xmlns:a16="http://schemas.microsoft.com/office/drawing/2014/main" id="{73F80FC6-1772-FFBB-4B34-2298113B9188}"/>
+              </a:ext>
+            </a:extLst>
+          </p:cNvPr>
+          <p:cNvSpPr/>
+          <p:nvPr/>
+        </p:nvSpPr>
+        <p:spPr>
+          <a:xfrm>
+            <a:off x="4640238" y="2934269"/>
+            <a:ext cx="2538485" cy="655092"/>
+          </a:xfrm>
+          <a:prstGeom prst="rect">
+            <a:avLst/>
+          </a:prstGeom>
+        </p:spPr>
+        <p:style>
+          <a:lnRef idx="2">
+            <a:schemeClr val="accent1">
+              <a:shade val="50000"/>
+            </a:schemeClr>
+          </a:lnRef>
+          <a:fillRef idx="1">
+            <a:schemeClr val="accent1"/>
+          </a:fillRef>
+          <a:effectRef idx="0">
+            <a:schemeClr val="accent1"/>
+          </a:effectRef>
+          <a:fontRef idx="minor">
+            <a:schemeClr val="lt1"/>
+          </a:fontRef>
+        </p:style>
+        <p:txBody>
+          <a:bodyPr rtlCol="0" anchor="ctr"/>
+          <a:lstStyle/>
+          <a:p>
+            <a:pPr algn="ctr"/>
+            <a:r>
+              <a:rPr lang="en-US" dirty="0"/>
+              <a:t>Data can be organized in logical objects</a:t>
+            </a:r>
+          </a:p>
+        </p:txBody>
+      </p:sp>
+      <p:sp>
+        <p:nvSpPr>
+          <p:cNvPr id="10" name="Rectangle 9">
+            <a:extLst>
+              <a:ext uri="{FF2B5EF4-FFF2-40B4-BE49-F238E27FC236}">
+                <a16:creationId xmlns:a16="http://schemas.microsoft.com/office/drawing/2014/main" id="{6969A8F7-025F-2E52-E0AA-41AD4039B105}"/>
+              </a:ext>
+            </a:extLst>
+          </p:cNvPr>
+          <p:cNvSpPr/>
+          <p:nvPr/>
+        </p:nvSpPr>
+        <p:spPr>
+          <a:xfrm>
+            <a:off x="4640238" y="4165979"/>
+            <a:ext cx="2538485" cy="655092"/>
+          </a:xfrm>
+          <a:prstGeom prst="rect">
+            <a:avLst/>
+          </a:prstGeom>
+        </p:spPr>
+        <p:style>
+          <a:lnRef idx="2">
+            <a:schemeClr val="accent1">
+              <a:shade val="50000"/>
+            </a:schemeClr>
+          </a:lnRef>
+          <a:fillRef idx="1">
+            <a:schemeClr val="accent1"/>
+          </a:fillRef>
+          <a:effectRef idx="0">
+            <a:schemeClr val="accent1"/>
+          </a:effectRef>
+          <a:fontRef idx="minor">
+            <a:schemeClr val="lt1"/>
+          </a:fontRef>
+        </p:style>
+        <p:txBody>
+          <a:bodyPr rtlCol="0" anchor="ctr"/>
+          <a:lstStyle/>
+          <a:p>
+            <a:pPr algn="ctr"/>
+            <a:r>
+              <a:rPr lang="en-US" dirty="0"/>
+              <a:t>Primitive and reference types</a:t>
+            </a:r>
+          </a:p>
+        </p:txBody>
+      </p:sp>
+      <p:sp>
+        <p:nvSpPr>
+          <p:cNvPr id="11" name="Rectangle 10">
+            <a:extLst>
+              <a:ext uri="{FF2B5EF4-FFF2-40B4-BE49-F238E27FC236}">
+                <a16:creationId xmlns:a16="http://schemas.microsoft.com/office/drawing/2014/main" id="{5539F8D7-5A8B-2D2C-EDC5-F32AD7F8DC40}"/>
+              </a:ext>
+            </a:extLst>
+          </p:cNvPr>
+          <p:cNvSpPr/>
+          <p:nvPr/>
+        </p:nvSpPr>
+        <p:spPr>
+          <a:xfrm>
+            <a:off x="8815315" y="2934269"/>
+            <a:ext cx="2538485" cy="655092"/>
+          </a:xfrm>
+          <a:prstGeom prst="rect">
+            <a:avLst/>
+          </a:prstGeom>
+        </p:spPr>
+        <p:style>
+          <a:lnRef idx="2">
+            <a:schemeClr val="accent1">
+              <a:shade val="50000"/>
+            </a:schemeClr>
+          </a:lnRef>
+          <a:fillRef idx="1">
+            <a:schemeClr val="accent1"/>
+          </a:fillRef>
+          <a:effectRef idx="0">
+            <a:schemeClr val="accent1"/>
+          </a:effectRef>
+          <a:fontRef idx="minor">
+            <a:schemeClr val="lt1"/>
+          </a:fontRef>
+        </p:style>
+        <p:txBody>
+          <a:bodyPr rtlCol="0" anchor="ctr"/>
+          <a:lstStyle/>
+          <a:p>
+            <a:pPr algn="ctr"/>
+            <a:r>
+              <a:rPr lang="en-US" dirty="0"/>
+              <a:t>Runs in browser &amp; directly on a PC/server</a:t>
+            </a:r>
+          </a:p>
+        </p:txBody>
+      </p:sp>
+      <p:sp>
+        <p:nvSpPr>
+          <p:cNvPr id="12" name="Rectangle 11">
+            <a:extLst>
+              <a:ext uri="{FF2B5EF4-FFF2-40B4-BE49-F238E27FC236}">
+                <a16:creationId xmlns:a16="http://schemas.microsoft.com/office/drawing/2014/main" id="{72773A52-854D-670F-023D-C5BE2AF64589}"/>
+              </a:ext>
+            </a:extLst>
+          </p:cNvPr>
+          <p:cNvSpPr/>
+          <p:nvPr/>
+        </p:nvSpPr>
+        <p:spPr>
+          <a:xfrm>
+            <a:off x="8815315" y="4162567"/>
+            <a:ext cx="2538485" cy="655092"/>
+          </a:xfrm>
+          <a:prstGeom prst="rect">
+            <a:avLst/>
+          </a:prstGeom>
+        </p:spPr>
+        <p:style>
+          <a:lnRef idx="2">
+            <a:schemeClr val="accent1">
+              <a:shade val="50000"/>
+            </a:schemeClr>
+          </a:lnRef>
+          <a:fillRef idx="1">
+            <a:schemeClr val="accent1"/>
+          </a:fillRef>
+          <a:effectRef idx="0">
+            <a:schemeClr val="accent1"/>
+          </a:effectRef>
+          <a:fontRef idx="minor">
+            <a:schemeClr val="lt1"/>
+          </a:fontRef>
+        </p:style>
+        <p:txBody>
+          <a:bodyPr rtlCol="0" anchor="ctr"/>
+          <a:lstStyle/>
+          <a:p>
+            <a:pPr algn="ctr"/>
+            <a:r>
+              <a:rPr lang="en-US" dirty="0"/>
+              <a:t>Can perform a broad variety of tasks</a:t>
+            </a:r>
+          </a:p>
+        </p:txBody>
+      </p:sp>
+    </p:spTree>
+    <p:extLst>
+      <p:ext uri="{BB962C8B-B14F-4D97-AF65-F5344CB8AC3E}">
+        <p14:creationId xmlns:p14="http://schemas.microsoft.com/office/powerpoint/2010/main" val="3164982894"/>
+      </p:ext>
+    </p:extLst>
+  </p:cSld>
+  <p:clrMapOvr>
+    <a:masterClrMapping/>
+  </p:clrMapOvr>
+</p:sld>
+</file>
+
+<file path=ppt/slides/slide11.xml><?xml version="1.0" encoding="utf-8"?>
+<p:sld xmlns:a="http://schemas.openxmlformats.org/drawingml/2006/main" xmlns:r="http://schemas.openxmlformats.org/officeDocument/2006/relationships" xmlns:p="http://schemas.openxmlformats.org/presentationml/2006/main">
+  <p:cSld>
+    <p:spTree>
+      <p:nvGrpSpPr>
+        <p:cNvPr id="1" name=""/>
+        <p:cNvGrpSpPr/>
+        <p:nvPr/>
+      </p:nvGrpSpPr>
+      <p:grpSpPr>
+        <a:xfrm>
+          <a:off x="0" y="0"/>
+          <a:ext cx="0" cy="0"/>
+          <a:chOff x="0" y="0"/>
+          <a:chExt cx="0" cy="0"/>
+        </a:xfrm>
+      </p:grpSpPr>
+      <p:sp>
+        <p:nvSpPr>
+          <p:cNvPr id="2" name="Title 1">
+            <a:extLst>
+              <a:ext uri="{FF2B5EF4-FFF2-40B4-BE49-F238E27FC236}">
+                <a16:creationId xmlns:a16="http://schemas.microsoft.com/office/drawing/2014/main" id="{AABC7757-C13C-1933-8CB4-F6027C61841B}"/>
+              </a:ext>
+            </a:extLst>
+          </p:cNvPr>
+          <p:cNvSpPr>
+            <a:spLocks noGrp="1"/>
+          </p:cNvSpPr>
+          <p:nvPr>
+            <p:ph type="title"/>
+          </p:nvPr>
+        </p:nvSpPr>
+        <p:spPr/>
+        <p:txBody>
+          <a:bodyPr/>
+          <a:lstStyle/>
+          <a:p>
+            <a:r>
+              <a:rPr lang="en-US" dirty="0"/>
+              <a:t>JS:</a:t>
+            </a:r>
+          </a:p>
+        </p:txBody>
+      </p:sp>
+      <p:sp>
+        <p:nvSpPr>
+          <p:cNvPr id="3" name="Content Placeholder 2">
+            <a:extLst>
+              <a:ext uri="{FF2B5EF4-FFF2-40B4-BE49-F238E27FC236}">
+                <a16:creationId xmlns:a16="http://schemas.microsoft.com/office/drawing/2014/main" id="{04E4D12A-445C-5C4A-755C-56AF3CF85EF8}"/>
+              </a:ext>
+            </a:extLst>
+          </p:cNvPr>
+          <p:cNvSpPr>
+            <a:spLocks noGrp="1"/>
+          </p:cNvSpPr>
+          <p:nvPr>
+            <p:ph idx="1"/>
+          </p:nvPr>
+        </p:nvSpPr>
+        <p:spPr/>
+        <p:txBody>
+          <a:bodyPr/>
+          <a:lstStyle/>
+          <a:p>
+            <a:r>
+              <a:rPr lang="en-US" dirty="0"/>
+              <a:t>Refreshing the core syntax</a:t>
+            </a:r>
+          </a:p>
+          <a:p>
+            <a:r>
+              <a:rPr lang="en-US" dirty="0"/>
+              <a:t>Working with objects, Properties &amp; Methods</a:t>
+            </a:r>
+          </a:p>
+          <a:p>
+            <a:r>
+              <a:rPr lang="en-US" dirty="0"/>
+              <a:t>Arrays &amp; Array methods</a:t>
+            </a:r>
+          </a:p>
+          <a:p>
+            <a:r>
+              <a:rPr lang="en-US" dirty="0"/>
+              <a:t>Understanding Spread &amp; Rest Operators.</a:t>
+            </a:r>
+          </a:p>
+          <a:p>
+            <a:r>
+              <a:rPr lang="en-US" dirty="0"/>
+              <a:t>Destructuring </a:t>
+            </a:r>
+          </a:p>
+        </p:txBody>
+      </p:sp>
+    </p:spTree>
+    <p:extLst>
+      <p:ext uri="{BB962C8B-B14F-4D97-AF65-F5344CB8AC3E}">
+        <p14:creationId xmlns:p14="http://schemas.microsoft.com/office/powerpoint/2010/main" val="2087655263"/>
+      </p:ext>
+    </p:extLst>
+  </p:cSld>
+  <p:clrMapOvr>
+    <a:masterClrMapping/>
+  </p:clrMapOvr>
+</p:sld>
+</file>
+
+<file path=ppt/slides/slide12.xml><?xml version="1.0" encoding="utf-8"?>
+<p:sld xmlns:a="http://schemas.openxmlformats.org/drawingml/2006/main" xmlns:r="http://schemas.openxmlformats.org/officeDocument/2006/relationships" xmlns:p="http://schemas.openxmlformats.org/presentationml/2006/main">
+  <p:cSld>
+    <p:spTree>
+      <p:nvGrpSpPr>
+        <p:cNvPr id="1" name=""/>
+        <p:cNvGrpSpPr/>
+        <p:nvPr/>
+      </p:nvGrpSpPr>
+      <p:grpSpPr>
+        <a:xfrm>
+          <a:off x="0" y="0"/>
+          <a:ext cx="0" cy="0"/>
+          <a:chOff x="0" y="0"/>
+          <a:chExt cx="0" cy="0"/>
+        </a:xfrm>
+      </p:grpSpPr>
+      <p:sp>
+        <p:nvSpPr>
+          <p:cNvPr id="2" name="Title 1">
+            <a:extLst>
+              <a:ext uri="{FF2B5EF4-FFF2-40B4-BE49-F238E27FC236}">
+                <a16:creationId xmlns:a16="http://schemas.microsoft.com/office/drawing/2014/main" id="{BD2EFFF9-1D2B-8E03-B45F-061CFB5D0B3B}"/>
+              </a:ext>
+            </a:extLst>
+          </p:cNvPr>
+          <p:cNvSpPr>
+            <a:spLocks noGrp="1"/>
+          </p:cNvSpPr>
+          <p:nvPr>
+            <p:ph type="title"/>
+          </p:nvPr>
+        </p:nvSpPr>
+        <p:spPr/>
+        <p:txBody>
+          <a:bodyPr/>
+          <a:lstStyle/>
+          <a:p>
+            <a:endParaRPr lang="en-US"/>
+          </a:p>
+        </p:txBody>
+      </p:sp>
+      <p:sp>
+        <p:nvSpPr>
+          <p:cNvPr id="3" name="Content Placeholder 2">
+            <a:extLst>
+              <a:ext uri="{FF2B5EF4-FFF2-40B4-BE49-F238E27FC236}">
+                <a16:creationId xmlns:a16="http://schemas.microsoft.com/office/drawing/2014/main" id="{E9633C35-FD6F-9F47-812F-B667F47E95D7}"/>
+              </a:ext>
+            </a:extLst>
+          </p:cNvPr>
+          <p:cNvSpPr>
+            <a:spLocks noGrp="1"/>
+          </p:cNvSpPr>
+          <p:nvPr>
+            <p:ph idx="1"/>
+          </p:nvPr>
+        </p:nvSpPr>
+        <p:spPr/>
+        <p:txBody>
+          <a:bodyPr/>
+          <a:lstStyle/>
+          <a:p>
+            <a:endParaRPr lang="en-US"/>
+          </a:p>
+        </p:txBody>
+      </p:sp>
+    </p:spTree>
+    <p:extLst>
+      <p:ext uri="{BB962C8B-B14F-4D97-AF65-F5344CB8AC3E}">
+        <p14:creationId xmlns:p14="http://schemas.microsoft.com/office/powerpoint/2010/main" val="1265353013"/>
+      </p:ext>
+    </p:extLst>
+  </p:cSld>
+  <p:clrMapOvr>
+    <a:masterClrMapping/>
+  </p:clrMapOvr>
+</p:sld>
+</file>
+
 <file path=ppt/slides/slide2.xml><?xml version="1.0" encoding="utf-8"?>
 <p:sld xmlns:a="http://schemas.openxmlformats.org/drawingml/2006/main" xmlns:r="http://schemas.openxmlformats.org/officeDocument/2006/relationships" xmlns:p="http://schemas.openxmlformats.org/presentationml/2006/main">
   <p:cSld>
@@ -6181,6 +6880,999 @@
     <p:extLst>
       <p:ext uri="{BB962C8B-B14F-4D97-AF65-F5344CB8AC3E}">
         <p14:creationId xmlns:p14="http://schemas.microsoft.com/office/powerpoint/2010/main" val="3805639099"/>
+      </p:ext>
+    </p:extLst>
+  </p:cSld>
+  <p:clrMapOvr>
+    <a:masterClrMapping/>
+  </p:clrMapOvr>
+</p:sld>
+</file>
+
+<file path=ppt/slides/slide8.xml><?xml version="1.0" encoding="utf-8"?>
+<p:sld xmlns:a="http://schemas.openxmlformats.org/drawingml/2006/main" xmlns:r="http://schemas.openxmlformats.org/officeDocument/2006/relationships" xmlns:p="http://schemas.openxmlformats.org/presentationml/2006/main">
+  <p:cSld>
+    <p:spTree>
+      <p:nvGrpSpPr>
+        <p:cNvPr id="1" name=""/>
+        <p:cNvGrpSpPr/>
+        <p:nvPr/>
+      </p:nvGrpSpPr>
+      <p:grpSpPr>
+        <a:xfrm>
+          <a:off x="0" y="0"/>
+          <a:ext cx="0" cy="0"/>
+          <a:chOff x="0" y="0"/>
+          <a:chExt cx="0" cy="0"/>
+        </a:xfrm>
+      </p:grpSpPr>
+      <p:sp>
+        <p:nvSpPr>
+          <p:cNvPr id="2" name="Title 1">
+            <a:extLst>
+              <a:ext uri="{FF2B5EF4-FFF2-40B4-BE49-F238E27FC236}">
+                <a16:creationId xmlns:a16="http://schemas.microsoft.com/office/drawing/2014/main" id="{128B3C52-9372-4900-A02E-10EE961EA0BB}"/>
+              </a:ext>
+            </a:extLst>
+          </p:cNvPr>
+          <p:cNvSpPr>
+            <a:spLocks noGrp="1"/>
+          </p:cNvSpPr>
+          <p:nvPr>
+            <p:ph type="title"/>
+          </p:nvPr>
+        </p:nvSpPr>
+        <p:spPr/>
+        <p:txBody>
+          <a:bodyPr/>
+          <a:lstStyle/>
+          <a:p>
+            <a:r>
+              <a:rPr lang="en-US" dirty="0"/>
+              <a:t>The REPL</a:t>
+            </a:r>
+          </a:p>
+        </p:txBody>
+      </p:sp>
+      <p:sp>
+        <p:nvSpPr>
+          <p:cNvPr id="7" name="TextBox 6">
+            <a:extLst>
+              <a:ext uri="{FF2B5EF4-FFF2-40B4-BE49-F238E27FC236}">
+                <a16:creationId xmlns:a16="http://schemas.microsoft.com/office/drawing/2014/main" id="{A9860397-121C-8D5A-1FB7-FCE8F5793A1A}"/>
+              </a:ext>
+            </a:extLst>
+          </p:cNvPr>
+          <p:cNvSpPr txBox="1"/>
+          <p:nvPr/>
+        </p:nvSpPr>
+        <p:spPr>
+          <a:xfrm>
+            <a:off x="2244114" y="1398300"/>
+            <a:ext cx="1044995" cy="584775"/>
+          </a:xfrm>
+          <a:prstGeom prst="rect">
+            <a:avLst/>
+          </a:prstGeom>
+          <a:noFill/>
+        </p:spPr>
+        <p:txBody>
+          <a:bodyPr wrap="square" rtlCol="0">
+            <a:spAutoFit/>
+          </a:bodyPr>
+          <a:lstStyle/>
+          <a:p>
+            <a:r>
+              <a:rPr lang="en-US" sz="3200" dirty="0"/>
+              <a:t>R</a:t>
+            </a:r>
+            <a:r>
+              <a:rPr lang="en-US" sz="1400" dirty="0"/>
+              <a:t> </a:t>
+            </a:r>
+            <a:r>
+              <a:rPr lang="en-US" sz="2000" dirty="0" err="1"/>
+              <a:t>ead</a:t>
+            </a:r>
+            <a:endParaRPr lang="en-US" sz="4400" dirty="0"/>
+          </a:p>
+        </p:txBody>
+      </p:sp>
+      <p:sp>
+        <p:nvSpPr>
+          <p:cNvPr id="8" name="TextBox 7">
+            <a:extLst>
+              <a:ext uri="{FF2B5EF4-FFF2-40B4-BE49-F238E27FC236}">
+                <a16:creationId xmlns:a16="http://schemas.microsoft.com/office/drawing/2014/main" id="{5AB6F2C9-E2A8-4F7E-A9DD-55D44C9E4B14}"/>
+              </a:ext>
+            </a:extLst>
+          </p:cNvPr>
+          <p:cNvSpPr txBox="1"/>
+          <p:nvPr/>
+        </p:nvSpPr>
+        <p:spPr>
+          <a:xfrm>
+            <a:off x="2244114" y="2064962"/>
+            <a:ext cx="772391" cy="584775"/>
+          </a:xfrm>
+          <a:prstGeom prst="rect">
+            <a:avLst/>
+          </a:prstGeom>
+          <a:noFill/>
+        </p:spPr>
+        <p:txBody>
+          <a:bodyPr wrap="none" rtlCol="0">
+            <a:spAutoFit/>
+          </a:bodyPr>
+          <a:lstStyle/>
+          <a:p>
+            <a:r>
+              <a:rPr lang="en-US" sz="3200" dirty="0"/>
+              <a:t>E </a:t>
+            </a:r>
+            <a:r>
+              <a:rPr lang="en-US" sz="2000" dirty="0" err="1"/>
+              <a:t>val</a:t>
+            </a:r>
+            <a:endParaRPr lang="en-US" sz="3200" dirty="0"/>
+          </a:p>
+        </p:txBody>
+      </p:sp>
+      <p:sp>
+        <p:nvSpPr>
+          <p:cNvPr id="11" name="TextBox 10">
+            <a:extLst>
+              <a:ext uri="{FF2B5EF4-FFF2-40B4-BE49-F238E27FC236}">
+                <a16:creationId xmlns:a16="http://schemas.microsoft.com/office/drawing/2014/main" id="{EDBD7865-5F52-769A-2E38-7293010DBBDA}"/>
+              </a:ext>
+            </a:extLst>
+          </p:cNvPr>
+          <p:cNvSpPr txBox="1"/>
+          <p:nvPr/>
+        </p:nvSpPr>
+        <p:spPr>
+          <a:xfrm>
+            <a:off x="2244114" y="2844225"/>
+            <a:ext cx="857158" cy="584775"/>
+          </a:xfrm>
+          <a:prstGeom prst="rect">
+            <a:avLst/>
+          </a:prstGeom>
+          <a:noFill/>
+        </p:spPr>
+        <p:txBody>
+          <a:bodyPr wrap="none" rtlCol="0">
+            <a:spAutoFit/>
+          </a:bodyPr>
+          <a:lstStyle/>
+          <a:p>
+            <a:r>
+              <a:rPr lang="en-US" sz="3200" dirty="0"/>
+              <a:t>P </a:t>
+            </a:r>
+            <a:r>
+              <a:rPr lang="en-US" sz="2000" dirty="0" err="1"/>
+              <a:t>rint</a:t>
+            </a:r>
+            <a:endParaRPr lang="en-US" sz="3200" dirty="0"/>
+          </a:p>
+        </p:txBody>
+      </p:sp>
+      <p:sp>
+        <p:nvSpPr>
+          <p:cNvPr id="12" name="TextBox 11">
+            <a:extLst>
+              <a:ext uri="{FF2B5EF4-FFF2-40B4-BE49-F238E27FC236}">
+                <a16:creationId xmlns:a16="http://schemas.microsoft.com/office/drawing/2014/main" id="{5BDC873F-BABE-5278-41D8-F6DA76937FE9}"/>
+              </a:ext>
+            </a:extLst>
+          </p:cNvPr>
+          <p:cNvSpPr txBox="1"/>
+          <p:nvPr/>
+        </p:nvSpPr>
+        <p:spPr>
+          <a:xfrm>
+            <a:off x="2244114" y="3705375"/>
+            <a:ext cx="854721" cy="584775"/>
+          </a:xfrm>
+          <a:prstGeom prst="rect">
+            <a:avLst/>
+          </a:prstGeom>
+          <a:noFill/>
+        </p:spPr>
+        <p:txBody>
+          <a:bodyPr wrap="none" rtlCol="0">
+            <a:spAutoFit/>
+          </a:bodyPr>
+          <a:lstStyle/>
+          <a:p>
+            <a:r>
+              <a:rPr lang="en-US" sz="3200" dirty="0"/>
+              <a:t>L </a:t>
+            </a:r>
+            <a:r>
+              <a:rPr lang="en-US" sz="2000" dirty="0" err="1"/>
+              <a:t>oop</a:t>
+            </a:r>
+            <a:endParaRPr lang="en-US" sz="3200" dirty="0"/>
+          </a:p>
+        </p:txBody>
+      </p:sp>
+      <p:cxnSp>
+        <p:nvCxnSpPr>
+          <p:cNvPr id="14" name="Connector: Elbow 13">
+            <a:extLst>
+              <a:ext uri="{FF2B5EF4-FFF2-40B4-BE49-F238E27FC236}">
+                <a16:creationId xmlns:a16="http://schemas.microsoft.com/office/drawing/2014/main" id="{B0D144F3-9FE7-BE7F-E179-7ED15759BAD5}"/>
+              </a:ext>
+            </a:extLst>
+          </p:cNvPr>
+          <p:cNvCxnSpPr>
+            <a:stCxn id="12" idx="1"/>
+            <a:endCxn id="7" idx="1"/>
+          </p:cNvCxnSpPr>
+          <p:nvPr/>
+        </p:nvCxnSpPr>
+        <p:spPr>
+          <a:xfrm rot="10800000">
+            <a:off x="2244114" y="1690689"/>
+            <a:ext cx="12700" cy="2307075"/>
+          </a:xfrm>
+          <a:prstGeom prst="bentConnector3">
+            <a:avLst>
+              <a:gd name="adj1" fmla="val 1800000"/>
+            </a:avLst>
+          </a:prstGeom>
+          <a:ln>
+            <a:tailEnd type="triangle"/>
+          </a:ln>
+        </p:spPr>
+        <p:style>
+          <a:lnRef idx="1">
+            <a:schemeClr val="accent1"/>
+          </a:lnRef>
+          <a:fillRef idx="0">
+            <a:schemeClr val="accent1"/>
+          </a:fillRef>
+          <a:effectRef idx="0">
+            <a:schemeClr val="accent1"/>
+          </a:effectRef>
+          <a:fontRef idx="minor">
+            <a:schemeClr val="tx1"/>
+          </a:fontRef>
+        </p:style>
+      </p:cxnSp>
+      <p:sp>
+        <p:nvSpPr>
+          <p:cNvPr id="15" name="Arrow: Right 14">
+            <a:extLst>
+              <a:ext uri="{FF2B5EF4-FFF2-40B4-BE49-F238E27FC236}">
+                <a16:creationId xmlns:a16="http://schemas.microsoft.com/office/drawing/2014/main" id="{E020120F-B0D3-2FDF-295C-5C9030F3A4F5}"/>
+              </a:ext>
+            </a:extLst>
+          </p:cNvPr>
+          <p:cNvSpPr/>
+          <p:nvPr/>
+        </p:nvSpPr>
+        <p:spPr>
+          <a:xfrm>
+            <a:off x="3821092" y="1608800"/>
+            <a:ext cx="1747861" cy="374275"/>
+          </a:xfrm>
+          <a:prstGeom prst="rightArrow">
+            <a:avLst/>
+          </a:prstGeom>
+        </p:spPr>
+        <p:style>
+          <a:lnRef idx="2">
+            <a:schemeClr val="accent1">
+              <a:shade val="50000"/>
+            </a:schemeClr>
+          </a:lnRef>
+          <a:fillRef idx="1">
+            <a:schemeClr val="accent1"/>
+          </a:fillRef>
+          <a:effectRef idx="0">
+            <a:schemeClr val="accent1"/>
+          </a:effectRef>
+          <a:fontRef idx="minor">
+            <a:schemeClr val="lt1"/>
+          </a:fontRef>
+        </p:style>
+        <p:txBody>
+          <a:bodyPr rtlCol="0" anchor="ctr"/>
+          <a:lstStyle/>
+          <a:p>
+            <a:pPr algn="ctr"/>
+            <a:endParaRPr lang="en-US"/>
+          </a:p>
+        </p:txBody>
+      </p:sp>
+      <p:sp>
+        <p:nvSpPr>
+          <p:cNvPr id="16" name="Rectangle 15">
+            <a:extLst>
+              <a:ext uri="{FF2B5EF4-FFF2-40B4-BE49-F238E27FC236}">
+                <a16:creationId xmlns:a16="http://schemas.microsoft.com/office/drawing/2014/main" id="{DCFF42C3-8A58-D2E2-16F5-9469ABD6F0A6}"/>
+              </a:ext>
+            </a:extLst>
+          </p:cNvPr>
+          <p:cNvSpPr/>
+          <p:nvPr/>
+        </p:nvSpPr>
+        <p:spPr>
+          <a:xfrm>
+            <a:off x="6400800" y="1241946"/>
+            <a:ext cx="4258101" cy="823016"/>
+          </a:xfrm>
+          <a:prstGeom prst="rect">
+            <a:avLst/>
+          </a:prstGeom>
+        </p:spPr>
+        <p:style>
+          <a:lnRef idx="2">
+            <a:schemeClr val="accent1">
+              <a:shade val="50000"/>
+            </a:schemeClr>
+          </a:lnRef>
+          <a:fillRef idx="1">
+            <a:schemeClr val="accent1"/>
+          </a:fillRef>
+          <a:effectRef idx="0">
+            <a:schemeClr val="accent1"/>
+          </a:effectRef>
+          <a:fontRef idx="minor">
+            <a:schemeClr val="lt1"/>
+          </a:fontRef>
+        </p:style>
+        <p:txBody>
+          <a:bodyPr rtlCol="0" anchor="ctr"/>
+          <a:lstStyle/>
+          <a:p>
+            <a:pPr algn="ctr"/>
+            <a:r>
+              <a:rPr lang="en-US" dirty="0"/>
+              <a:t>Read User Input</a:t>
+            </a:r>
+          </a:p>
+        </p:txBody>
+      </p:sp>
+      <p:sp>
+        <p:nvSpPr>
+          <p:cNvPr id="17" name="Arrow: Right 16">
+            <a:extLst>
+              <a:ext uri="{FF2B5EF4-FFF2-40B4-BE49-F238E27FC236}">
+                <a16:creationId xmlns:a16="http://schemas.microsoft.com/office/drawing/2014/main" id="{32F9047F-DCD0-6B23-23A7-481477BC1B55}"/>
+              </a:ext>
+            </a:extLst>
+          </p:cNvPr>
+          <p:cNvSpPr/>
+          <p:nvPr/>
+        </p:nvSpPr>
+        <p:spPr>
+          <a:xfrm>
+            <a:off x="3821092" y="2275462"/>
+            <a:ext cx="1747861" cy="374275"/>
+          </a:xfrm>
+          <a:prstGeom prst="rightArrow">
+            <a:avLst/>
+          </a:prstGeom>
+        </p:spPr>
+        <p:style>
+          <a:lnRef idx="2">
+            <a:schemeClr val="accent1">
+              <a:shade val="50000"/>
+            </a:schemeClr>
+          </a:lnRef>
+          <a:fillRef idx="1">
+            <a:schemeClr val="accent1"/>
+          </a:fillRef>
+          <a:effectRef idx="0">
+            <a:schemeClr val="accent1"/>
+          </a:effectRef>
+          <a:fontRef idx="minor">
+            <a:schemeClr val="lt1"/>
+          </a:fontRef>
+        </p:style>
+        <p:txBody>
+          <a:bodyPr rtlCol="0" anchor="ctr"/>
+          <a:lstStyle/>
+          <a:p>
+            <a:pPr algn="ctr"/>
+            <a:endParaRPr lang="en-US"/>
+          </a:p>
+        </p:txBody>
+      </p:sp>
+      <p:sp>
+        <p:nvSpPr>
+          <p:cNvPr id="18" name="Rectangle 17">
+            <a:extLst>
+              <a:ext uri="{FF2B5EF4-FFF2-40B4-BE49-F238E27FC236}">
+                <a16:creationId xmlns:a16="http://schemas.microsoft.com/office/drawing/2014/main" id="{A0D0EB0E-179E-39F7-3A88-1ADE71B6585C}"/>
+              </a:ext>
+            </a:extLst>
+          </p:cNvPr>
+          <p:cNvSpPr/>
+          <p:nvPr/>
+        </p:nvSpPr>
+        <p:spPr>
+          <a:xfrm>
+            <a:off x="6400800" y="1908608"/>
+            <a:ext cx="4258101" cy="823016"/>
+          </a:xfrm>
+          <a:prstGeom prst="rect">
+            <a:avLst/>
+          </a:prstGeom>
+        </p:spPr>
+        <p:style>
+          <a:lnRef idx="2">
+            <a:schemeClr val="accent1">
+              <a:shade val="50000"/>
+            </a:schemeClr>
+          </a:lnRef>
+          <a:fillRef idx="1">
+            <a:schemeClr val="accent1"/>
+          </a:fillRef>
+          <a:effectRef idx="0">
+            <a:schemeClr val="accent1"/>
+          </a:effectRef>
+          <a:fontRef idx="minor">
+            <a:schemeClr val="lt1"/>
+          </a:fontRef>
+        </p:style>
+        <p:txBody>
+          <a:bodyPr rtlCol="0" anchor="ctr"/>
+          <a:lstStyle/>
+          <a:p>
+            <a:pPr algn="ctr"/>
+            <a:r>
+              <a:rPr lang="en-US" dirty="0"/>
+              <a:t>Evaluate User Input</a:t>
+            </a:r>
+          </a:p>
+        </p:txBody>
+      </p:sp>
+      <p:sp>
+        <p:nvSpPr>
+          <p:cNvPr id="19" name="Arrow: Right 18">
+            <a:extLst>
+              <a:ext uri="{FF2B5EF4-FFF2-40B4-BE49-F238E27FC236}">
+                <a16:creationId xmlns:a16="http://schemas.microsoft.com/office/drawing/2014/main" id="{0F1C4601-DC62-7907-A780-ADE81AF48A47}"/>
+              </a:ext>
+            </a:extLst>
+          </p:cNvPr>
+          <p:cNvSpPr/>
+          <p:nvPr/>
+        </p:nvSpPr>
+        <p:spPr>
+          <a:xfrm>
+            <a:off x="3821092" y="3121499"/>
+            <a:ext cx="1747861" cy="374275"/>
+          </a:xfrm>
+          <a:prstGeom prst="rightArrow">
+            <a:avLst/>
+          </a:prstGeom>
+        </p:spPr>
+        <p:style>
+          <a:lnRef idx="2">
+            <a:schemeClr val="accent1">
+              <a:shade val="50000"/>
+            </a:schemeClr>
+          </a:lnRef>
+          <a:fillRef idx="1">
+            <a:schemeClr val="accent1"/>
+          </a:fillRef>
+          <a:effectRef idx="0">
+            <a:schemeClr val="accent1"/>
+          </a:effectRef>
+          <a:fontRef idx="minor">
+            <a:schemeClr val="lt1"/>
+          </a:fontRef>
+        </p:style>
+        <p:txBody>
+          <a:bodyPr rtlCol="0" anchor="ctr"/>
+          <a:lstStyle/>
+          <a:p>
+            <a:pPr algn="ctr"/>
+            <a:endParaRPr lang="en-US"/>
+          </a:p>
+        </p:txBody>
+      </p:sp>
+      <p:sp>
+        <p:nvSpPr>
+          <p:cNvPr id="20" name="Rectangle 19">
+            <a:extLst>
+              <a:ext uri="{FF2B5EF4-FFF2-40B4-BE49-F238E27FC236}">
+                <a16:creationId xmlns:a16="http://schemas.microsoft.com/office/drawing/2014/main" id="{5BB2591C-EB7A-2E0D-3DE2-35A0171FE634}"/>
+              </a:ext>
+            </a:extLst>
+          </p:cNvPr>
+          <p:cNvSpPr/>
+          <p:nvPr/>
+        </p:nvSpPr>
+        <p:spPr>
+          <a:xfrm>
+            <a:off x="6400800" y="2754645"/>
+            <a:ext cx="4258101" cy="823016"/>
+          </a:xfrm>
+          <a:prstGeom prst="rect">
+            <a:avLst/>
+          </a:prstGeom>
+        </p:spPr>
+        <p:style>
+          <a:lnRef idx="2">
+            <a:schemeClr val="accent1">
+              <a:shade val="50000"/>
+            </a:schemeClr>
+          </a:lnRef>
+          <a:fillRef idx="1">
+            <a:schemeClr val="accent1"/>
+          </a:fillRef>
+          <a:effectRef idx="0">
+            <a:schemeClr val="accent1"/>
+          </a:effectRef>
+          <a:fontRef idx="minor">
+            <a:schemeClr val="lt1"/>
+          </a:fontRef>
+        </p:style>
+        <p:txBody>
+          <a:bodyPr rtlCol="0" anchor="ctr"/>
+          <a:lstStyle/>
+          <a:p>
+            <a:pPr algn="ctr"/>
+            <a:r>
+              <a:rPr lang="en-US" dirty="0"/>
+              <a:t>Print Output (Result)</a:t>
+            </a:r>
+          </a:p>
+        </p:txBody>
+      </p:sp>
+      <p:sp>
+        <p:nvSpPr>
+          <p:cNvPr id="21" name="Arrow: Right 20">
+            <a:extLst>
+              <a:ext uri="{FF2B5EF4-FFF2-40B4-BE49-F238E27FC236}">
+                <a16:creationId xmlns:a16="http://schemas.microsoft.com/office/drawing/2014/main" id="{054EA3ED-5B37-D123-FAAE-7C4171A1436E}"/>
+              </a:ext>
+            </a:extLst>
+          </p:cNvPr>
+          <p:cNvSpPr/>
+          <p:nvPr/>
+        </p:nvSpPr>
+        <p:spPr>
+          <a:xfrm>
+            <a:off x="3821092" y="3812571"/>
+            <a:ext cx="1747861" cy="374275"/>
+          </a:xfrm>
+          <a:prstGeom prst="rightArrow">
+            <a:avLst/>
+          </a:prstGeom>
+        </p:spPr>
+        <p:style>
+          <a:lnRef idx="2">
+            <a:schemeClr val="accent1">
+              <a:shade val="50000"/>
+            </a:schemeClr>
+          </a:lnRef>
+          <a:fillRef idx="1">
+            <a:schemeClr val="accent1"/>
+          </a:fillRef>
+          <a:effectRef idx="0">
+            <a:schemeClr val="accent1"/>
+          </a:effectRef>
+          <a:fontRef idx="minor">
+            <a:schemeClr val="lt1"/>
+          </a:fontRef>
+        </p:style>
+        <p:txBody>
+          <a:bodyPr rtlCol="0" anchor="ctr"/>
+          <a:lstStyle/>
+          <a:p>
+            <a:pPr algn="ctr"/>
+            <a:endParaRPr lang="en-US"/>
+          </a:p>
+        </p:txBody>
+      </p:sp>
+      <p:sp>
+        <p:nvSpPr>
+          <p:cNvPr id="22" name="Rectangle 21">
+            <a:extLst>
+              <a:ext uri="{FF2B5EF4-FFF2-40B4-BE49-F238E27FC236}">
+                <a16:creationId xmlns:a16="http://schemas.microsoft.com/office/drawing/2014/main" id="{C29DBEFB-CAEC-6CB5-3528-10E40B35AFB3}"/>
+              </a:ext>
+            </a:extLst>
+          </p:cNvPr>
+          <p:cNvSpPr/>
+          <p:nvPr/>
+        </p:nvSpPr>
+        <p:spPr>
+          <a:xfrm>
+            <a:off x="6400800" y="3445717"/>
+            <a:ext cx="4258101" cy="823016"/>
+          </a:xfrm>
+          <a:prstGeom prst="rect">
+            <a:avLst/>
+          </a:prstGeom>
+        </p:spPr>
+        <p:style>
+          <a:lnRef idx="2">
+            <a:schemeClr val="accent1">
+              <a:shade val="50000"/>
+            </a:schemeClr>
+          </a:lnRef>
+          <a:fillRef idx="1">
+            <a:schemeClr val="accent1"/>
+          </a:fillRef>
+          <a:effectRef idx="0">
+            <a:schemeClr val="accent1"/>
+          </a:effectRef>
+          <a:fontRef idx="minor">
+            <a:schemeClr val="lt1"/>
+          </a:fontRef>
+        </p:style>
+        <p:txBody>
+          <a:bodyPr rtlCol="0" anchor="ctr"/>
+          <a:lstStyle/>
+          <a:p>
+            <a:pPr algn="ctr"/>
+            <a:r>
+              <a:rPr lang="en-US" dirty="0"/>
+              <a:t>Wait for new Input</a:t>
+            </a:r>
+          </a:p>
+        </p:txBody>
+      </p:sp>
+    </p:spTree>
+    <p:extLst>
+      <p:ext uri="{BB962C8B-B14F-4D97-AF65-F5344CB8AC3E}">
+        <p14:creationId xmlns:p14="http://schemas.microsoft.com/office/powerpoint/2010/main" val="4290440960"/>
+      </p:ext>
+    </p:extLst>
+  </p:cSld>
+  <p:clrMapOvr>
+    <a:masterClrMapping/>
+  </p:clrMapOvr>
+</p:sld>
+</file>
+
+<file path=ppt/slides/slide9.xml><?xml version="1.0" encoding="utf-8"?>
+<p:sld xmlns:a="http://schemas.openxmlformats.org/drawingml/2006/main" xmlns:r="http://schemas.openxmlformats.org/officeDocument/2006/relationships" xmlns:p="http://schemas.openxmlformats.org/presentationml/2006/main">
+  <p:cSld>
+    <p:spTree>
+      <p:nvGrpSpPr>
+        <p:cNvPr id="1" name=""/>
+        <p:cNvGrpSpPr/>
+        <p:nvPr/>
+      </p:nvGrpSpPr>
+      <p:grpSpPr>
+        <a:xfrm>
+          <a:off x="0" y="0"/>
+          <a:ext cx="0" cy="0"/>
+          <a:chOff x="0" y="0"/>
+          <a:chExt cx="0" cy="0"/>
+        </a:xfrm>
+      </p:grpSpPr>
+      <p:sp>
+        <p:nvSpPr>
+          <p:cNvPr id="2" name="Title 1">
+            <a:extLst>
+              <a:ext uri="{FF2B5EF4-FFF2-40B4-BE49-F238E27FC236}">
+                <a16:creationId xmlns:a16="http://schemas.microsoft.com/office/drawing/2014/main" id="{BD2BB359-71AF-732B-4917-CBCBF1B352E7}"/>
+              </a:ext>
+            </a:extLst>
+          </p:cNvPr>
+          <p:cNvSpPr>
+            <a:spLocks noGrp="1"/>
+          </p:cNvSpPr>
+          <p:nvPr>
+            <p:ph type="title"/>
+          </p:nvPr>
+        </p:nvSpPr>
+        <p:spPr/>
+        <p:txBody>
+          <a:bodyPr/>
+          <a:lstStyle/>
+          <a:p>
+            <a:r>
+              <a:rPr lang="en-US" dirty="0"/>
+              <a:t>Running Node.js Code</a:t>
+            </a:r>
+          </a:p>
+        </p:txBody>
+      </p:sp>
+      <p:sp>
+        <p:nvSpPr>
+          <p:cNvPr id="3" name="Content Placeholder 2">
+            <a:extLst>
+              <a:ext uri="{FF2B5EF4-FFF2-40B4-BE49-F238E27FC236}">
+                <a16:creationId xmlns:a16="http://schemas.microsoft.com/office/drawing/2014/main" id="{6861A8D0-55A7-C7CC-285E-136347DDB52F}"/>
+              </a:ext>
+            </a:extLst>
+          </p:cNvPr>
+          <p:cNvSpPr>
+            <a:spLocks noGrp="1"/>
+          </p:cNvSpPr>
+          <p:nvPr>
+            <p:ph idx="1"/>
+          </p:nvPr>
+        </p:nvSpPr>
+        <p:spPr>
+          <a:xfrm>
+            <a:off x="838200" y="1825625"/>
+            <a:ext cx="3883925" cy="4351338"/>
+          </a:xfrm>
+        </p:spPr>
+        <p:txBody>
+          <a:bodyPr/>
+          <a:lstStyle/>
+          <a:p>
+            <a:pPr marL="0" indent="0">
+              <a:buNone/>
+            </a:pPr>
+            <a:r>
+              <a:rPr lang="en-US" dirty="0"/>
+              <a:t>Execute files</a:t>
+            </a:r>
+          </a:p>
+          <a:p>
+            <a:pPr marL="0" indent="0">
+              <a:buNone/>
+            </a:pPr>
+            <a:endParaRPr lang="en-US" dirty="0"/>
+          </a:p>
+          <a:p>
+            <a:pPr marL="0" indent="0">
+              <a:buNone/>
+            </a:pPr>
+            <a:endParaRPr lang="en-US" dirty="0"/>
+          </a:p>
+          <a:p>
+            <a:r>
+              <a:rPr lang="en-US" dirty="0"/>
+              <a:t>Used for real apps</a:t>
+            </a:r>
+          </a:p>
+          <a:p>
+            <a:r>
+              <a:rPr lang="en-US" dirty="0"/>
+              <a:t>Predictable sequence of steps</a:t>
+            </a:r>
+          </a:p>
+        </p:txBody>
+      </p:sp>
+      <p:sp>
+        <p:nvSpPr>
+          <p:cNvPr id="4" name="Content Placeholder 2">
+            <a:extLst>
+              <a:ext uri="{FF2B5EF4-FFF2-40B4-BE49-F238E27FC236}">
+                <a16:creationId xmlns:a16="http://schemas.microsoft.com/office/drawing/2014/main" id="{1F343672-171A-3BA8-096B-183D994584B8}"/>
+              </a:ext>
+            </a:extLst>
+          </p:cNvPr>
+          <p:cNvSpPr txBox="1">
+            <a:spLocks/>
+          </p:cNvSpPr>
+          <p:nvPr/>
+        </p:nvSpPr>
+        <p:spPr>
+          <a:xfrm>
+            <a:off x="7348182" y="1690688"/>
+            <a:ext cx="4579961" cy="4351338"/>
+          </a:xfrm>
+          <a:prstGeom prst="rect">
+            <a:avLst/>
+          </a:prstGeom>
+        </p:spPr>
+        <p:txBody>
+          <a:bodyPr vert="horz" lIns="91440" tIns="45720" rIns="91440" bIns="45720" rtlCol="0">
+            <a:normAutofit/>
+          </a:bodyPr>
+          <a:lstStyle>
+            <a:lvl1pPr marL="228600" indent="-228600" algn="l" defTabSz="914400" rtl="0" eaLnBrk="1" latinLnBrk="0" hangingPunct="1">
+              <a:lnSpc>
+                <a:spcPct val="90000"/>
+              </a:lnSpc>
+              <a:spcBef>
+                <a:spcPts val="1000"/>
+              </a:spcBef>
+              <a:buFont typeface="Arial" panose="020B0604020202020204" pitchFamily="34" charset="0"/>
+              <a:buChar char="•"/>
+              <a:defRPr sz="2800" kern="1200">
+                <a:solidFill>
+                  <a:schemeClr val="tx1"/>
+                </a:solidFill>
+                <a:latin typeface="+mn-lt"/>
+                <a:ea typeface="+mn-ea"/>
+                <a:cs typeface="+mn-cs"/>
+              </a:defRPr>
+            </a:lvl1pPr>
+            <a:lvl2pPr marL="685800" indent="-228600" algn="l" defTabSz="914400" rtl="0" eaLnBrk="1" latinLnBrk="0" hangingPunct="1">
+              <a:lnSpc>
+                <a:spcPct val="90000"/>
+              </a:lnSpc>
+              <a:spcBef>
+                <a:spcPts val="500"/>
+              </a:spcBef>
+              <a:buFont typeface="Arial" panose="020B0604020202020204" pitchFamily="34" charset="0"/>
+              <a:buChar char="•"/>
+              <a:defRPr sz="2400" kern="1200">
+                <a:solidFill>
+                  <a:schemeClr val="tx1"/>
+                </a:solidFill>
+                <a:latin typeface="+mn-lt"/>
+                <a:ea typeface="+mn-ea"/>
+                <a:cs typeface="+mn-cs"/>
+              </a:defRPr>
+            </a:lvl2pPr>
+            <a:lvl3pPr marL="1143000" indent="-228600" algn="l" defTabSz="914400" rtl="0" eaLnBrk="1" latinLnBrk="0" hangingPunct="1">
+              <a:lnSpc>
+                <a:spcPct val="90000"/>
+              </a:lnSpc>
+              <a:spcBef>
+                <a:spcPts val="500"/>
+              </a:spcBef>
+              <a:buFont typeface="Arial" panose="020B0604020202020204" pitchFamily="34" charset="0"/>
+              <a:buChar char="•"/>
+              <a:defRPr sz="2000" kern="1200">
+                <a:solidFill>
+                  <a:schemeClr val="tx1"/>
+                </a:solidFill>
+                <a:latin typeface="+mn-lt"/>
+                <a:ea typeface="+mn-ea"/>
+                <a:cs typeface="+mn-cs"/>
+              </a:defRPr>
+            </a:lvl3pPr>
+            <a:lvl4pPr marL="1600200" indent="-228600" algn="l" defTabSz="914400" rtl="0" eaLnBrk="1" latinLnBrk="0" hangingPunct="1">
+              <a:lnSpc>
+                <a:spcPct val="90000"/>
+              </a:lnSpc>
+              <a:spcBef>
+                <a:spcPts val="500"/>
+              </a:spcBef>
+              <a:buFont typeface="Arial" panose="020B0604020202020204" pitchFamily="34" charset="0"/>
+              <a:buChar char="•"/>
+              <a:defRPr sz="1800" kern="1200">
+                <a:solidFill>
+                  <a:schemeClr val="tx1"/>
+                </a:solidFill>
+                <a:latin typeface="+mn-lt"/>
+                <a:ea typeface="+mn-ea"/>
+                <a:cs typeface="+mn-cs"/>
+              </a:defRPr>
+            </a:lvl4pPr>
+            <a:lvl5pPr marL="2057400" indent="-228600" algn="l" defTabSz="914400" rtl="0" eaLnBrk="1" latinLnBrk="0" hangingPunct="1">
+              <a:lnSpc>
+                <a:spcPct val="90000"/>
+              </a:lnSpc>
+              <a:spcBef>
+                <a:spcPts val="500"/>
+              </a:spcBef>
+              <a:buFont typeface="Arial" panose="020B0604020202020204" pitchFamily="34" charset="0"/>
+              <a:buChar char="•"/>
+              <a:defRPr sz="1800" kern="1200">
+                <a:solidFill>
+                  <a:schemeClr val="tx1"/>
+                </a:solidFill>
+                <a:latin typeface="+mn-lt"/>
+                <a:ea typeface="+mn-ea"/>
+                <a:cs typeface="+mn-cs"/>
+              </a:defRPr>
+            </a:lvl5pPr>
+            <a:lvl6pPr marL="2514600" indent="-228600" algn="l" defTabSz="914400" rtl="0" eaLnBrk="1" latinLnBrk="0" hangingPunct="1">
+              <a:lnSpc>
+                <a:spcPct val="90000"/>
+              </a:lnSpc>
+              <a:spcBef>
+                <a:spcPts val="500"/>
+              </a:spcBef>
+              <a:buFont typeface="Arial" panose="020B0604020202020204" pitchFamily="34" charset="0"/>
+              <a:buChar char="•"/>
+              <a:defRPr sz="1800" kern="1200">
+                <a:solidFill>
+                  <a:schemeClr val="tx1"/>
+                </a:solidFill>
+                <a:latin typeface="+mn-lt"/>
+                <a:ea typeface="+mn-ea"/>
+                <a:cs typeface="+mn-cs"/>
+              </a:defRPr>
+            </a:lvl6pPr>
+            <a:lvl7pPr marL="2971800" indent="-228600" algn="l" defTabSz="914400" rtl="0" eaLnBrk="1" latinLnBrk="0" hangingPunct="1">
+              <a:lnSpc>
+                <a:spcPct val="90000"/>
+              </a:lnSpc>
+              <a:spcBef>
+                <a:spcPts val="500"/>
+              </a:spcBef>
+              <a:buFont typeface="Arial" panose="020B0604020202020204" pitchFamily="34" charset="0"/>
+              <a:buChar char="•"/>
+              <a:defRPr sz="1800" kern="1200">
+                <a:solidFill>
+                  <a:schemeClr val="tx1"/>
+                </a:solidFill>
+                <a:latin typeface="+mn-lt"/>
+                <a:ea typeface="+mn-ea"/>
+                <a:cs typeface="+mn-cs"/>
+              </a:defRPr>
+            </a:lvl7pPr>
+            <a:lvl8pPr marL="3429000" indent="-228600" algn="l" defTabSz="914400" rtl="0" eaLnBrk="1" latinLnBrk="0" hangingPunct="1">
+              <a:lnSpc>
+                <a:spcPct val="90000"/>
+              </a:lnSpc>
+              <a:spcBef>
+                <a:spcPts val="500"/>
+              </a:spcBef>
+              <a:buFont typeface="Arial" panose="020B0604020202020204" pitchFamily="34" charset="0"/>
+              <a:buChar char="•"/>
+              <a:defRPr sz="1800" kern="1200">
+                <a:solidFill>
+                  <a:schemeClr val="tx1"/>
+                </a:solidFill>
+                <a:latin typeface="+mn-lt"/>
+                <a:ea typeface="+mn-ea"/>
+                <a:cs typeface="+mn-cs"/>
+              </a:defRPr>
+            </a:lvl8pPr>
+            <a:lvl9pPr marL="3886200" indent="-228600" algn="l" defTabSz="914400" rtl="0" eaLnBrk="1" latinLnBrk="0" hangingPunct="1">
+              <a:lnSpc>
+                <a:spcPct val="90000"/>
+              </a:lnSpc>
+              <a:spcBef>
+                <a:spcPts val="500"/>
+              </a:spcBef>
+              <a:buFont typeface="Arial" panose="020B0604020202020204" pitchFamily="34" charset="0"/>
+              <a:buChar char="•"/>
+              <a:defRPr sz="1800" kern="1200">
+                <a:solidFill>
+                  <a:schemeClr val="tx1"/>
+                </a:solidFill>
+                <a:latin typeface="+mn-lt"/>
+                <a:ea typeface="+mn-ea"/>
+                <a:cs typeface="+mn-cs"/>
+              </a:defRPr>
+            </a:lvl9pPr>
+          </a:lstStyle>
+          <a:p>
+            <a:pPr marL="0" indent="0">
+              <a:buFont typeface="Arial" panose="020B0604020202020204" pitchFamily="34" charset="0"/>
+              <a:buNone/>
+            </a:pPr>
+            <a:r>
+              <a:rPr lang="en-US" dirty="0"/>
+              <a:t>Use the REPL</a:t>
+            </a:r>
+          </a:p>
+          <a:p>
+            <a:pPr marL="0" indent="0">
+              <a:buFont typeface="Arial" panose="020B0604020202020204" pitchFamily="34" charset="0"/>
+              <a:buNone/>
+            </a:pPr>
+            <a:endParaRPr lang="en-US" dirty="0"/>
+          </a:p>
+          <a:p>
+            <a:pPr marL="0" indent="0">
+              <a:buFont typeface="Arial" panose="020B0604020202020204" pitchFamily="34" charset="0"/>
+              <a:buNone/>
+            </a:pPr>
+            <a:endParaRPr lang="en-US" dirty="0"/>
+          </a:p>
+          <a:p>
+            <a:r>
+              <a:rPr lang="en-US" dirty="0"/>
+              <a:t>Great playground!</a:t>
+            </a:r>
+          </a:p>
+          <a:p>
+            <a:r>
+              <a:rPr lang="en-US" dirty="0"/>
+              <a:t>Execute code as we write it</a:t>
+            </a:r>
+          </a:p>
+        </p:txBody>
+      </p:sp>
+    </p:spTree>
+    <p:extLst>
+      <p:ext uri="{BB962C8B-B14F-4D97-AF65-F5344CB8AC3E}">
+        <p14:creationId xmlns:p14="http://schemas.microsoft.com/office/powerpoint/2010/main" val="2558732992"/>
       </p:ext>
     </p:extLst>
   </p:cSld>

--- a/What is Node.pptx
+++ b/What is Node.pptx
@@ -16,7 +16,11 @@
     <p:sldId id="265" r:id="rId10"/>
     <p:sldId id="266" r:id="rId11"/>
     <p:sldId id="267" r:id="rId12"/>
-    <p:sldId id="263" r:id="rId13"/>
+    <p:sldId id="268" r:id="rId13"/>
+    <p:sldId id="263" r:id="rId14"/>
+    <p:sldId id="269" r:id="rId15"/>
+    <p:sldId id="270" r:id="rId16"/>
+    <p:sldId id="271" r:id="rId17"/>
   </p:sldIdLst>
   <p:sldSz cx="12192000" cy="6858000"/>
   <p:notesSz cx="6858000" cy="9144000"/>
@@ -270,7 +274,7 @@
           <a:p>
             <a:fld id="{17C5991C-D94C-4C76-AE92-3C44B7FD323B}" type="datetimeFigureOut">
               <a:rPr lang="en-US" smtClean="0"/>
-              <a:t>3/28/2023</a:t>
+              <a:t>3/30/2023</a:t>
             </a:fld>
             <a:endParaRPr lang="en-US"/>
           </a:p>
@@ -468,7 +472,7 @@
           <a:p>
             <a:fld id="{17C5991C-D94C-4C76-AE92-3C44B7FD323B}" type="datetimeFigureOut">
               <a:rPr lang="en-US" smtClean="0"/>
-              <a:t>3/28/2023</a:t>
+              <a:t>3/30/2023</a:t>
             </a:fld>
             <a:endParaRPr lang="en-US"/>
           </a:p>
@@ -676,7 +680,7 @@
           <a:p>
             <a:fld id="{17C5991C-D94C-4C76-AE92-3C44B7FD323B}" type="datetimeFigureOut">
               <a:rPr lang="en-US" smtClean="0"/>
-              <a:t>3/28/2023</a:t>
+              <a:t>3/30/2023</a:t>
             </a:fld>
             <a:endParaRPr lang="en-US"/>
           </a:p>
@@ -874,7 +878,7 @@
           <a:p>
             <a:fld id="{17C5991C-D94C-4C76-AE92-3C44B7FD323B}" type="datetimeFigureOut">
               <a:rPr lang="en-US" smtClean="0"/>
-              <a:t>3/28/2023</a:t>
+              <a:t>3/30/2023</a:t>
             </a:fld>
             <a:endParaRPr lang="en-US"/>
           </a:p>
@@ -1149,7 +1153,7 @@
           <a:p>
             <a:fld id="{17C5991C-D94C-4C76-AE92-3C44B7FD323B}" type="datetimeFigureOut">
               <a:rPr lang="en-US" smtClean="0"/>
-              <a:t>3/28/2023</a:t>
+              <a:t>3/30/2023</a:t>
             </a:fld>
             <a:endParaRPr lang="en-US"/>
           </a:p>
@@ -1414,7 +1418,7 @@
           <a:p>
             <a:fld id="{17C5991C-D94C-4C76-AE92-3C44B7FD323B}" type="datetimeFigureOut">
               <a:rPr lang="en-US" smtClean="0"/>
-              <a:t>3/28/2023</a:t>
+              <a:t>3/30/2023</a:t>
             </a:fld>
             <a:endParaRPr lang="en-US"/>
           </a:p>
@@ -1826,7 +1830,7 @@
           <a:p>
             <a:fld id="{17C5991C-D94C-4C76-AE92-3C44B7FD323B}" type="datetimeFigureOut">
               <a:rPr lang="en-US" smtClean="0"/>
-              <a:t>3/28/2023</a:t>
+              <a:t>3/30/2023</a:t>
             </a:fld>
             <a:endParaRPr lang="en-US"/>
           </a:p>
@@ -1967,7 +1971,7 @@
           <a:p>
             <a:fld id="{17C5991C-D94C-4C76-AE92-3C44B7FD323B}" type="datetimeFigureOut">
               <a:rPr lang="en-US" smtClean="0"/>
-              <a:t>3/28/2023</a:t>
+              <a:t>3/30/2023</a:t>
             </a:fld>
             <a:endParaRPr lang="en-US"/>
           </a:p>
@@ -2080,7 +2084,7 @@
           <a:p>
             <a:fld id="{17C5991C-D94C-4C76-AE92-3C44B7FD323B}" type="datetimeFigureOut">
               <a:rPr lang="en-US" smtClean="0"/>
-              <a:t>3/28/2023</a:t>
+              <a:t>3/30/2023</a:t>
             </a:fld>
             <a:endParaRPr lang="en-US"/>
           </a:p>
@@ -2391,7 +2395,7 @@
           <a:p>
             <a:fld id="{17C5991C-D94C-4C76-AE92-3C44B7FD323B}" type="datetimeFigureOut">
               <a:rPr lang="en-US" smtClean="0"/>
-              <a:t>3/28/2023</a:t>
+              <a:t>3/30/2023</a:t>
             </a:fld>
             <a:endParaRPr lang="en-US"/>
           </a:p>
@@ -2679,7 +2683,7 @@
           <a:p>
             <a:fld id="{17C5991C-D94C-4C76-AE92-3C44B7FD323B}" type="datetimeFigureOut">
               <a:rPr lang="en-US" smtClean="0"/>
-              <a:t>3/28/2023</a:t>
+              <a:t>3/30/2023</a:t>
             </a:fld>
             <a:endParaRPr lang="en-US"/>
           </a:p>
@@ -2920,7 +2924,7 @@
           <a:p>
             <a:fld id="{17C5991C-D94C-4C76-AE92-3C44B7FD323B}" type="datetimeFigureOut">
               <a:rPr lang="en-US" smtClean="0"/>
-              <a:t>3/28/2023</a:t>
+              <a:t>3/30/2023</a:t>
             </a:fld>
             <a:endParaRPr lang="en-US"/>
           </a:p>
@@ -4040,6 +4044,34 @@
               <a:t>Destructuring </a:t>
             </a:r>
           </a:p>
+          <a:p>
+            <a:r>
+              <a:rPr lang="en-US" dirty="0"/>
+              <a:t>Async Code &amp; Promises</a:t>
+            </a:r>
+          </a:p>
+          <a:p>
+            <a:r>
+              <a:rPr lang="en-US" dirty="0"/>
+              <a:t>Promises (Pending=&gt;</a:t>
+            </a:r>
+            <a:r>
+              <a:rPr lang="en-US" dirty="0" err="1"/>
+              <a:t>resolve.then</a:t>
+            </a:r>
+            <a:r>
+              <a:rPr lang="en-US" dirty="0"/>
+              <a:t>()=&gt;</a:t>
+            </a:r>
+            <a:r>
+              <a:rPr lang="en-US" dirty="0" err="1"/>
+              <a:t>reject.catch</a:t>
+            </a:r>
+            <a:r>
+              <a:rPr lang="en-US" dirty="0"/>
+              <a:t>())</a:t>
+            </a:r>
+          </a:p>
         </p:txBody>
       </p:sp>
     </p:spTree>
@@ -4077,6 +4109,104 @@
           <p:cNvPr id="2" name="Title 1">
             <a:extLst>
               <a:ext uri="{FF2B5EF4-FFF2-40B4-BE49-F238E27FC236}">
+                <a16:creationId xmlns:a16="http://schemas.microsoft.com/office/drawing/2014/main" id="{663F2AD8-33CB-A5F4-8D0B-8652BC224643}"/>
+              </a:ext>
+            </a:extLst>
+          </p:cNvPr>
+          <p:cNvSpPr>
+            <a:spLocks noGrp="1"/>
+          </p:cNvSpPr>
+          <p:nvPr>
+            <p:ph type="title"/>
+          </p:nvPr>
+        </p:nvSpPr>
+        <p:spPr/>
+        <p:txBody>
+          <a:bodyPr/>
+          <a:lstStyle/>
+          <a:p>
+            <a:r>
+              <a:rPr lang="en-US" dirty="0"/>
+              <a:t>Functions is First Class Citizens</a:t>
+            </a:r>
+          </a:p>
+        </p:txBody>
+      </p:sp>
+      <p:sp>
+        <p:nvSpPr>
+          <p:cNvPr id="3" name="Content Placeholder 2">
+            <a:extLst>
+              <a:ext uri="{FF2B5EF4-FFF2-40B4-BE49-F238E27FC236}">
+                <a16:creationId xmlns:a16="http://schemas.microsoft.com/office/drawing/2014/main" id="{D9DDB0F0-BC8E-7E2F-321D-BC6E19D4F8EC}"/>
+              </a:ext>
+            </a:extLst>
+          </p:cNvPr>
+          <p:cNvSpPr>
+            <a:spLocks noGrp="1"/>
+          </p:cNvSpPr>
+          <p:nvPr>
+            <p:ph idx="1"/>
+          </p:nvPr>
+        </p:nvSpPr>
+        <p:spPr/>
+        <p:txBody>
+          <a:bodyPr/>
+          <a:lstStyle/>
+          <a:p>
+            <a:r>
+              <a:rPr lang="en-US" dirty="0"/>
+              <a:t>In JavaScript we can assign a function to a variable.</a:t>
+            </a:r>
+          </a:p>
+          <a:p>
+            <a:r>
+              <a:rPr lang="en-US" dirty="0"/>
+              <a:t>Pass a function as an Argument</a:t>
+            </a:r>
+          </a:p>
+          <a:p>
+            <a:r>
+              <a:rPr lang="en-US" dirty="0"/>
+              <a:t>Returning functions</a:t>
+            </a:r>
+          </a:p>
+        </p:txBody>
+      </p:sp>
+    </p:spTree>
+    <p:extLst>
+      <p:ext uri="{BB962C8B-B14F-4D97-AF65-F5344CB8AC3E}">
+        <p14:creationId xmlns:p14="http://schemas.microsoft.com/office/powerpoint/2010/main" val="3160974247"/>
+      </p:ext>
+    </p:extLst>
+  </p:cSld>
+  <p:clrMapOvr>
+    <a:masterClrMapping/>
+  </p:clrMapOvr>
+</p:sld>
+</file>
+
+<file path=ppt/slides/slide13.xml><?xml version="1.0" encoding="utf-8"?>
+<p:sld xmlns:a="http://schemas.openxmlformats.org/drawingml/2006/main" xmlns:r="http://schemas.openxmlformats.org/officeDocument/2006/relationships" xmlns:p="http://schemas.openxmlformats.org/presentationml/2006/main">
+  <p:cSld>
+    <p:spTree>
+      <p:nvGrpSpPr>
+        <p:cNvPr id="1" name=""/>
+        <p:cNvGrpSpPr/>
+        <p:nvPr/>
+      </p:nvGrpSpPr>
+      <p:grpSpPr>
+        <a:xfrm>
+          <a:off x="0" y="0"/>
+          <a:ext cx="0" cy="0"/>
+          <a:chOff x="0" y="0"/>
+          <a:chExt cx="0" cy="0"/>
+        </a:xfrm>
+      </p:grpSpPr>
+      <p:sp>
+        <p:nvSpPr>
+          <p:cNvPr id="2" name="Title 1">
+            <a:extLst>
+              <a:ext uri="{FF2B5EF4-FFF2-40B4-BE49-F238E27FC236}">
                 <a16:creationId xmlns:a16="http://schemas.microsoft.com/office/drawing/2014/main" id="{BD2EFFF9-1D2B-8E03-B45F-061CFB5D0B3B}"/>
               </a:ext>
             </a:extLst>
@@ -4093,7 +4223,10 @@
           <a:bodyPr/>
           <a:lstStyle/>
           <a:p>
-            <a:endParaRPr lang="en-US"/>
+            <a:r>
+              <a:rPr lang="en-US" dirty="0"/>
+              <a:t>Callback Function</a:t>
+            </a:r>
           </a:p>
         </p:txBody>
       </p:sp>
@@ -4118,7 +4251,16 @@
           <a:bodyPr/>
           <a:lstStyle/>
           <a:p>
-            <a:endParaRPr lang="en-US"/>
+            <a:r>
+              <a:rPr lang="en-US" dirty="0"/>
+              <a:t>Any function that is passed as an argument is called a callback function.</a:t>
+            </a:r>
+          </a:p>
+          <a:p>
+            <a:r>
+              <a:rPr lang="en-US" dirty="0"/>
+              <a:t>A callback is a function that is to be executed after another function has finished executing – hence the name ‘call back’.</a:t>
+            </a:r>
           </a:p>
         </p:txBody>
       </p:sp>
@@ -4126,6 +4268,360 @@
     <p:extLst>
       <p:ext uri="{BB962C8B-B14F-4D97-AF65-F5344CB8AC3E}">
         <p14:creationId xmlns:p14="http://schemas.microsoft.com/office/powerpoint/2010/main" val="1265353013"/>
+      </p:ext>
+    </p:extLst>
+  </p:cSld>
+  <p:clrMapOvr>
+    <a:masterClrMapping/>
+  </p:clrMapOvr>
+</p:sld>
+</file>
+
+<file path=ppt/slides/slide14.xml><?xml version="1.0" encoding="utf-8"?>
+<p:sld xmlns:a="http://schemas.openxmlformats.org/drawingml/2006/main" xmlns:r="http://schemas.openxmlformats.org/officeDocument/2006/relationships" xmlns:p="http://schemas.openxmlformats.org/presentationml/2006/main">
+  <p:cSld>
+    <p:spTree>
+      <p:nvGrpSpPr>
+        <p:cNvPr id="1" name=""/>
+        <p:cNvGrpSpPr/>
+        <p:nvPr/>
+      </p:nvGrpSpPr>
+      <p:grpSpPr>
+        <a:xfrm>
+          <a:off x="0" y="0"/>
+          <a:ext cx="0" cy="0"/>
+          <a:chOff x="0" y="0"/>
+          <a:chExt cx="0" cy="0"/>
+        </a:xfrm>
+      </p:grpSpPr>
+      <p:sp>
+        <p:nvSpPr>
+          <p:cNvPr id="2" name="Title 1">
+            <a:extLst>
+              <a:ext uri="{FF2B5EF4-FFF2-40B4-BE49-F238E27FC236}">
+                <a16:creationId xmlns:a16="http://schemas.microsoft.com/office/drawing/2014/main" id="{54207C41-7A78-C059-564E-438E374137FF}"/>
+              </a:ext>
+            </a:extLst>
+          </p:cNvPr>
+          <p:cNvSpPr>
+            <a:spLocks noGrp="1"/>
+          </p:cNvSpPr>
+          <p:nvPr>
+            <p:ph type="title"/>
+          </p:nvPr>
+        </p:nvSpPr>
+        <p:spPr/>
+        <p:txBody>
+          <a:bodyPr/>
+          <a:lstStyle/>
+          <a:p>
+            <a:r>
+              <a:rPr lang="en-US" dirty="0"/>
+              <a:t>Why Callback Function</a:t>
+            </a:r>
+          </a:p>
+        </p:txBody>
+      </p:sp>
+      <p:sp>
+        <p:nvSpPr>
+          <p:cNvPr id="3" name="Content Placeholder 2">
+            <a:extLst>
+              <a:ext uri="{FF2B5EF4-FFF2-40B4-BE49-F238E27FC236}">
+                <a16:creationId xmlns:a16="http://schemas.microsoft.com/office/drawing/2014/main" id="{81205FFF-AB42-219D-53C6-CD50C266EF66}"/>
+              </a:ext>
+            </a:extLst>
+          </p:cNvPr>
+          <p:cNvSpPr>
+            <a:spLocks noGrp="1"/>
+          </p:cNvSpPr>
+          <p:nvPr>
+            <p:ph idx="1"/>
+          </p:nvPr>
+        </p:nvSpPr>
+        <p:spPr/>
+        <p:txBody>
+          <a:bodyPr/>
+          <a:lstStyle/>
+          <a:p>
+            <a:r>
+              <a:rPr lang="en-US" dirty="0"/>
+              <a:t>JavaScript is an event driven language. This means that instead of waiting for a response before moving on, JS will keep executing while listening for other events.</a:t>
+            </a:r>
+          </a:p>
+          <a:p>
+            <a:endParaRPr lang="en-US" dirty="0"/>
+          </a:p>
+          <a:p>
+            <a:r>
+              <a:rPr lang="en-US" dirty="0"/>
+              <a:t>Callbacks are a way to make sure certain code doesn’t execute until other code has already finished execution.</a:t>
+            </a:r>
+          </a:p>
+        </p:txBody>
+      </p:sp>
+    </p:spTree>
+    <p:extLst>
+      <p:ext uri="{BB962C8B-B14F-4D97-AF65-F5344CB8AC3E}">
+        <p14:creationId xmlns:p14="http://schemas.microsoft.com/office/powerpoint/2010/main" val="290054782"/>
+      </p:ext>
+    </p:extLst>
+  </p:cSld>
+  <p:clrMapOvr>
+    <a:masterClrMapping/>
+  </p:clrMapOvr>
+</p:sld>
+</file>
+
+<file path=ppt/slides/slide15.xml><?xml version="1.0" encoding="utf-8"?>
+<p:sld xmlns:a="http://schemas.openxmlformats.org/drawingml/2006/main" xmlns:r="http://schemas.openxmlformats.org/officeDocument/2006/relationships" xmlns:p="http://schemas.openxmlformats.org/presentationml/2006/main">
+  <p:cSld>
+    <p:spTree>
+      <p:nvGrpSpPr>
+        <p:cNvPr id="1" name=""/>
+        <p:cNvGrpSpPr/>
+        <p:nvPr/>
+      </p:nvGrpSpPr>
+      <p:grpSpPr>
+        <a:xfrm>
+          <a:off x="0" y="0"/>
+          <a:ext cx="0" cy="0"/>
+          <a:chOff x="0" y="0"/>
+          <a:chExt cx="0" cy="0"/>
+        </a:xfrm>
+      </p:grpSpPr>
+      <p:sp>
+        <p:nvSpPr>
+          <p:cNvPr id="2" name="Title 1">
+            <a:extLst>
+              <a:ext uri="{FF2B5EF4-FFF2-40B4-BE49-F238E27FC236}">
+                <a16:creationId xmlns:a16="http://schemas.microsoft.com/office/drawing/2014/main" id="{0050E62A-9B19-CDDF-6886-089CD1E05D2A}"/>
+              </a:ext>
+            </a:extLst>
+          </p:cNvPr>
+          <p:cNvSpPr>
+            <a:spLocks noGrp="1"/>
+          </p:cNvSpPr>
+          <p:nvPr>
+            <p:ph type="title"/>
+          </p:nvPr>
+        </p:nvSpPr>
+        <p:spPr/>
+        <p:txBody>
+          <a:bodyPr/>
+          <a:lstStyle/>
+          <a:p>
+            <a:r>
+              <a:rPr lang="en-US" dirty="0"/>
+              <a:t>Callback in JS</a:t>
+            </a:r>
+          </a:p>
+        </p:txBody>
+      </p:sp>
+      <p:sp>
+        <p:nvSpPr>
+          <p:cNvPr id="3" name="Content Placeholder 2">
+            <a:extLst>
+              <a:ext uri="{FF2B5EF4-FFF2-40B4-BE49-F238E27FC236}">
+                <a16:creationId xmlns:a16="http://schemas.microsoft.com/office/drawing/2014/main" id="{0C8AA42E-DB0B-E9C7-A336-A08D0E3AC29D}"/>
+              </a:ext>
+            </a:extLst>
+          </p:cNvPr>
+          <p:cNvSpPr>
+            <a:spLocks noGrp="1"/>
+          </p:cNvSpPr>
+          <p:nvPr>
+            <p:ph idx="1"/>
+          </p:nvPr>
+        </p:nvSpPr>
+        <p:spPr/>
+        <p:txBody>
+          <a:bodyPr>
+            <a:normAutofit fontScale="92500"/>
+          </a:bodyPr>
+          <a:lstStyle/>
+          <a:p>
+            <a:r>
+              <a:rPr lang="en-US" dirty="0"/>
+              <a:t>Callbacks are just the name of a convention for using JS functions. There isn’t a special thing called a ‘callback’ in the JS language. It’s just a convention. Instead of immediately returning some result like most functions, functions that use callbacks take some time to produce a result.</a:t>
+            </a:r>
+          </a:p>
+          <a:p>
+            <a:endParaRPr lang="en-US" dirty="0"/>
+          </a:p>
+          <a:p>
+            <a:r>
+              <a:rPr lang="en-US" dirty="0"/>
+              <a:t>The word ‘asynchronous’, aka ‘async’ just mean ‘ take some time’ or ‘happens in the future, not right now’. Usually callbacks only used when doing I/O, e.g. downloading things, reading files, talking to databases, etc.</a:t>
+            </a:r>
+          </a:p>
+          <a:p>
+            <a:endParaRPr lang="en-US" dirty="0"/>
+          </a:p>
+          <a:p>
+            <a:r>
+              <a:rPr lang="en-US" dirty="0"/>
+              <a:t>“Callback Hell”</a:t>
+            </a:r>
+          </a:p>
+        </p:txBody>
+      </p:sp>
+    </p:spTree>
+    <p:extLst>
+      <p:ext uri="{BB962C8B-B14F-4D97-AF65-F5344CB8AC3E}">
+        <p14:creationId xmlns:p14="http://schemas.microsoft.com/office/powerpoint/2010/main" val="4065676346"/>
+      </p:ext>
+    </p:extLst>
+  </p:cSld>
+  <p:clrMapOvr>
+    <a:masterClrMapping/>
+  </p:clrMapOvr>
+</p:sld>
+</file>
+
+<file path=ppt/slides/slide16.xml><?xml version="1.0" encoding="utf-8"?>
+<p:sld xmlns:a="http://schemas.openxmlformats.org/drawingml/2006/main" xmlns:r="http://schemas.openxmlformats.org/officeDocument/2006/relationships" xmlns:p="http://schemas.openxmlformats.org/presentationml/2006/main">
+  <p:cSld>
+    <p:spTree>
+      <p:nvGrpSpPr>
+        <p:cNvPr id="1" name=""/>
+        <p:cNvGrpSpPr/>
+        <p:nvPr/>
+      </p:nvGrpSpPr>
+      <p:grpSpPr>
+        <a:xfrm>
+          <a:off x="0" y="0"/>
+          <a:ext cx="0" cy="0"/>
+          <a:chOff x="0" y="0"/>
+          <a:chExt cx="0" cy="0"/>
+        </a:xfrm>
+      </p:grpSpPr>
+      <p:sp>
+        <p:nvSpPr>
+          <p:cNvPr id="2" name="Title 1">
+            <a:extLst>
+              <a:ext uri="{FF2B5EF4-FFF2-40B4-BE49-F238E27FC236}">
+                <a16:creationId xmlns:a16="http://schemas.microsoft.com/office/drawing/2014/main" id="{FE419D20-AE1D-93B1-BEE1-147E163FC9F7}"/>
+              </a:ext>
+            </a:extLst>
+          </p:cNvPr>
+          <p:cNvSpPr>
+            <a:spLocks noGrp="1"/>
+          </p:cNvSpPr>
+          <p:nvPr>
+            <p:ph type="title"/>
+          </p:nvPr>
+        </p:nvSpPr>
+        <p:spPr/>
+        <p:txBody>
+          <a:bodyPr/>
+          <a:lstStyle/>
+          <a:p>
+            <a:r>
+              <a:rPr lang="en-US" dirty="0"/>
+              <a:t>Promises In JSS</a:t>
+            </a:r>
+          </a:p>
+        </p:txBody>
+      </p:sp>
+      <p:sp>
+        <p:nvSpPr>
+          <p:cNvPr id="3" name="Content Placeholder 2">
+            <a:extLst>
+              <a:ext uri="{FF2B5EF4-FFF2-40B4-BE49-F238E27FC236}">
+                <a16:creationId xmlns:a16="http://schemas.microsoft.com/office/drawing/2014/main" id="{40414CF0-A5DB-5A03-E3D7-DF8AB386C3FC}"/>
+              </a:ext>
+            </a:extLst>
+          </p:cNvPr>
+          <p:cNvSpPr>
+            <a:spLocks noGrp="1"/>
+          </p:cNvSpPr>
+          <p:nvPr>
+            <p:ph idx="1"/>
+          </p:nvPr>
+        </p:nvSpPr>
+        <p:spPr/>
+        <p:txBody>
+          <a:bodyPr>
+            <a:normAutofit fontScale="92500" lnSpcReduction="20000"/>
+          </a:bodyPr>
+          <a:lstStyle/>
+          <a:p>
+            <a:pPr marL="0" indent="0">
+              <a:buNone/>
+            </a:pPr>
+            <a:r>
+              <a:rPr lang="en-US" dirty="0"/>
+              <a:t>Promises are used to handle asynchronous operations in JS. They are easy to mange when dealing with multiple asynchronous operations where callbacks can create callback hell leading to unmanageable code.</a:t>
+            </a:r>
+          </a:p>
+          <a:p>
+            <a:pPr marL="0" indent="0">
+              <a:buNone/>
+            </a:pPr>
+            <a:endParaRPr lang="en-US" dirty="0"/>
+          </a:p>
+          <a:p>
+            <a:pPr marL="0" indent="0">
+              <a:buNone/>
+            </a:pPr>
+            <a:r>
+              <a:rPr lang="en-US" dirty="0"/>
+              <a:t>A Promise is an object that keep track about whether a certain event has happened already or not.</a:t>
+            </a:r>
+          </a:p>
+          <a:p>
+            <a:pPr marL="0" indent="0">
+              <a:buNone/>
+            </a:pPr>
+            <a:endParaRPr lang="en-US" dirty="0"/>
+          </a:p>
+          <a:p>
+            <a:pPr marL="0" indent="0">
+              <a:buNone/>
+            </a:pPr>
+            <a:r>
+              <a:rPr lang="en-US" dirty="0"/>
+              <a:t>Determines what happens after the events has happened.</a:t>
+            </a:r>
+          </a:p>
+          <a:p>
+            <a:pPr marL="0" indent="0">
+              <a:buNone/>
+            </a:pPr>
+            <a:endParaRPr lang="en-US" dirty="0"/>
+          </a:p>
+          <a:p>
+            <a:pPr marL="0" indent="0">
+              <a:buNone/>
+            </a:pPr>
+            <a:r>
+              <a:rPr lang="en-US" dirty="0" err="1"/>
+              <a:t>resolveFunc</a:t>
+            </a:r>
+            <a:r>
+              <a:rPr lang="en-US" dirty="0"/>
+              <a:t>(value) //call on fulfilled</a:t>
+            </a:r>
+          </a:p>
+          <a:p>
+            <a:pPr marL="0" indent="0">
+              <a:buNone/>
+            </a:pPr>
+            <a:r>
+              <a:rPr lang="en-US" dirty="0" err="1"/>
+              <a:t>rejectFunc</a:t>
+            </a:r>
+            <a:r>
+              <a:rPr lang="en-US" dirty="0"/>
+              <a:t>(reason) //call on rejected</a:t>
+            </a:r>
+          </a:p>
+        </p:txBody>
+      </p:sp>
+    </p:spTree>
+    <p:extLst>
+      <p:ext uri="{BB962C8B-B14F-4D97-AF65-F5344CB8AC3E}">
+        <p14:creationId xmlns:p14="http://schemas.microsoft.com/office/powerpoint/2010/main" val="3150965085"/>
       </p:ext>
     </p:extLst>
   </p:cSld>

--- a/What is Node.pptx
+++ b/What is Node.pptx
@@ -5,7 +5,7 @@
     <p:sldMasterId id="2147483648" r:id="rId1"/>
   </p:sldMasterIdLst>
   <p:notesMasterIdLst>
-    <p:notesMasterId r:id="rId25"/>
+    <p:notesMasterId r:id="rId26"/>
   </p:notesMasterIdLst>
   <p:sldIdLst>
     <p:sldId id="256" r:id="rId2"/>
@@ -31,6 +31,7 @@
     <p:sldId id="276" r:id="rId22"/>
     <p:sldId id="277" r:id="rId23"/>
     <p:sldId id="278" r:id="rId24"/>
+    <p:sldId id="279" r:id="rId25"/>
   </p:sldIdLst>
   <p:sldSz cx="12192000" cy="6858000"/>
   <p:notesSz cx="6858000" cy="9144000"/>
@@ -219,7 +220,7 @@
           <a:p>
             <a:fld id="{95AD9242-1F6D-4439-B4E3-3D1C86DAD4C7}" type="datetimeFigureOut">
               <a:rPr lang="en-US" smtClean="0"/>
-              <a:t>3/31/2023</a:t>
+              <a:t>4/4/2023</a:t>
             </a:fld>
             <a:endParaRPr lang="en-US"/>
           </a:p>
@@ -633,7 +634,7 @@
           <a:p>
             <a:fld id="{17C5991C-D94C-4C76-AE92-3C44B7FD323B}" type="datetimeFigureOut">
               <a:rPr lang="en-US" smtClean="0"/>
-              <a:t>3/31/2023</a:t>
+              <a:t>4/4/2023</a:t>
             </a:fld>
             <a:endParaRPr lang="en-US"/>
           </a:p>
@@ -831,7 +832,7 @@
           <a:p>
             <a:fld id="{17C5991C-D94C-4C76-AE92-3C44B7FD323B}" type="datetimeFigureOut">
               <a:rPr lang="en-US" smtClean="0"/>
-              <a:t>3/31/2023</a:t>
+              <a:t>4/4/2023</a:t>
             </a:fld>
             <a:endParaRPr lang="en-US"/>
           </a:p>
@@ -1039,7 +1040,7 @@
           <a:p>
             <a:fld id="{17C5991C-D94C-4C76-AE92-3C44B7FD323B}" type="datetimeFigureOut">
               <a:rPr lang="en-US" smtClean="0"/>
-              <a:t>3/31/2023</a:t>
+              <a:t>4/4/2023</a:t>
             </a:fld>
             <a:endParaRPr lang="en-US"/>
           </a:p>
@@ -1237,7 +1238,7 @@
           <a:p>
             <a:fld id="{17C5991C-D94C-4C76-AE92-3C44B7FD323B}" type="datetimeFigureOut">
               <a:rPr lang="en-US" smtClean="0"/>
-              <a:t>3/31/2023</a:t>
+              <a:t>4/4/2023</a:t>
             </a:fld>
             <a:endParaRPr lang="en-US"/>
           </a:p>
@@ -1512,7 +1513,7 @@
           <a:p>
             <a:fld id="{17C5991C-D94C-4C76-AE92-3C44B7FD323B}" type="datetimeFigureOut">
               <a:rPr lang="en-US" smtClean="0"/>
-              <a:t>3/31/2023</a:t>
+              <a:t>4/4/2023</a:t>
             </a:fld>
             <a:endParaRPr lang="en-US"/>
           </a:p>
@@ -1777,7 +1778,7 @@
           <a:p>
             <a:fld id="{17C5991C-D94C-4C76-AE92-3C44B7FD323B}" type="datetimeFigureOut">
               <a:rPr lang="en-US" smtClean="0"/>
-              <a:t>3/31/2023</a:t>
+              <a:t>4/4/2023</a:t>
             </a:fld>
             <a:endParaRPr lang="en-US"/>
           </a:p>
@@ -2189,7 +2190,7 @@
           <a:p>
             <a:fld id="{17C5991C-D94C-4C76-AE92-3C44B7FD323B}" type="datetimeFigureOut">
               <a:rPr lang="en-US" smtClean="0"/>
-              <a:t>3/31/2023</a:t>
+              <a:t>4/4/2023</a:t>
             </a:fld>
             <a:endParaRPr lang="en-US"/>
           </a:p>
@@ -2330,7 +2331,7 @@
           <a:p>
             <a:fld id="{17C5991C-D94C-4C76-AE92-3C44B7FD323B}" type="datetimeFigureOut">
               <a:rPr lang="en-US" smtClean="0"/>
-              <a:t>3/31/2023</a:t>
+              <a:t>4/4/2023</a:t>
             </a:fld>
             <a:endParaRPr lang="en-US"/>
           </a:p>
@@ -2443,7 +2444,7 @@
           <a:p>
             <a:fld id="{17C5991C-D94C-4C76-AE92-3C44B7FD323B}" type="datetimeFigureOut">
               <a:rPr lang="en-US" smtClean="0"/>
-              <a:t>3/31/2023</a:t>
+              <a:t>4/4/2023</a:t>
             </a:fld>
             <a:endParaRPr lang="en-US"/>
           </a:p>
@@ -2754,7 +2755,7 @@
           <a:p>
             <a:fld id="{17C5991C-D94C-4C76-AE92-3C44B7FD323B}" type="datetimeFigureOut">
               <a:rPr lang="en-US" smtClean="0"/>
-              <a:t>3/31/2023</a:t>
+              <a:t>4/4/2023</a:t>
             </a:fld>
             <a:endParaRPr lang="en-US"/>
           </a:p>
@@ -3042,7 +3043,7 @@
           <a:p>
             <a:fld id="{17C5991C-D94C-4C76-AE92-3C44B7FD323B}" type="datetimeFigureOut">
               <a:rPr lang="en-US" smtClean="0"/>
-              <a:t>3/31/2023</a:t>
+              <a:t>4/4/2023</a:t>
             </a:fld>
             <a:endParaRPr lang="en-US"/>
           </a:p>
@@ -3283,7 +3284,7 @@
           <a:p>
             <a:fld id="{17C5991C-D94C-4C76-AE92-3C44B7FD323B}" type="datetimeFigureOut">
               <a:rPr lang="en-US" smtClean="0"/>
-              <a:t>3/31/2023</a:t>
+              <a:t>4/4/2023</a:t>
             </a:fld>
             <a:endParaRPr lang="en-US"/>
           </a:p>
@@ -7605,12 +7606,710 @@
               <a:t>Sending Responses</a:t>
             </a:r>
           </a:p>
+          <a:p>
+            <a:r>
+              <a:rPr lang="en-US" dirty="0"/>
+              <a:t>Routing Requests</a:t>
+            </a:r>
+          </a:p>
+          <a:p>
+            <a:r>
+              <a:rPr lang="en-US" dirty="0"/>
+              <a:t>Redirecting requests</a:t>
+            </a:r>
+          </a:p>
+          <a:p>
+            <a:r>
+              <a:rPr lang="en-US" dirty="0"/>
+              <a:t>Streams &amp; Buffers</a:t>
+            </a:r>
+          </a:p>
+          <a:p>
+            <a:r>
+              <a:rPr lang="en-US"/>
+              <a:t>Parsing Request Bodies</a:t>
+            </a:r>
+          </a:p>
         </p:txBody>
       </p:sp>
     </p:spTree>
     <p:extLst>
       <p:ext uri="{BB962C8B-B14F-4D97-AF65-F5344CB8AC3E}">
         <p14:creationId xmlns:p14="http://schemas.microsoft.com/office/powerpoint/2010/main" val="282407933"/>
+      </p:ext>
+    </p:extLst>
+  </p:cSld>
+  <p:clrMapOvr>
+    <a:masterClrMapping/>
+  </p:clrMapOvr>
+</p:sld>
+</file>
+
+<file path=ppt/slides/slide24.xml><?xml version="1.0" encoding="utf-8"?>
+<p:sld xmlns:a="http://schemas.openxmlformats.org/drawingml/2006/main" xmlns:r="http://schemas.openxmlformats.org/officeDocument/2006/relationships" xmlns:p="http://schemas.openxmlformats.org/presentationml/2006/main">
+  <p:cSld>
+    <p:spTree>
+      <p:nvGrpSpPr>
+        <p:cNvPr id="1" name=""/>
+        <p:cNvGrpSpPr/>
+        <p:nvPr/>
+      </p:nvGrpSpPr>
+      <p:grpSpPr>
+        <a:xfrm>
+          <a:off x="0" y="0"/>
+          <a:ext cx="0" cy="0"/>
+          <a:chOff x="0" y="0"/>
+          <a:chExt cx="0" cy="0"/>
+        </a:xfrm>
+      </p:grpSpPr>
+      <p:sp>
+        <p:nvSpPr>
+          <p:cNvPr id="12" name="Rectangle 11">
+            <a:extLst>
+              <a:ext uri="{FF2B5EF4-FFF2-40B4-BE49-F238E27FC236}">
+                <a16:creationId xmlns:a16="http://schemas.microsoft.com/office/drawing/2014/main" id="{739BD943-0BD3-E647-1D4D-8FE6C132D2F5}"/>
+              </a:ext>
+            </a:extLst>
+          </p:cNvPr>
+          <p:cNvSpPr/>
+          <p:nvPr/>
+        </p:nvSpPr>
+        <p:spPr>
+          <a:xfrm>
+            <a:off x="6096000" y="2402006"/>
+            <a:ext cx="3994245" cy="3684895"/>
+          </a:xfrm>
+          <a:prstGeom prst="rect">
+            <a:avLst/>
+          </a:prstGeom>
+          <a:solidFill>
+            <a:schemeClr val="accent2">
+              <a:lumMod val="60000"/>
+              <a:lumOff val="40000"/>
+            </a:schemeClr>
+          </a:solidFill>
+        </p:spPr>
+        <p:style>
+          <a:lnRef idx="2">
+            <a:schemeClr val="accent1">
+              <a:shade val="50000"/>
+            </a:schemeClr>
+          </a:lnRef>
+          <a:fillRef idx="1">
+            <a:schemeClr val="accent1"/>
+          </a:fillRef>
+          <a:effectRef idx="0">
+            <a:schemeClr val="accent1"/>
+          </a:effectRef>
+          <a:fontRef idx="minor">
+            <a:schemeClr val="lt1"/>
+          </a:fontRef>
+        </p:style>
+        <p:txBody>
+          <a:bodyPr rtlCol="0" anchor="ctr"/>
+          <a:lstStyle/>
+          <a:p>
+            <a:pPr algn="ctr"/>
+            <a:r>
+              <a:rPr lang="en-US" sz="3600" dirty="0">
+                <a:ln w="0"/>
+                <a:solidFill>
+                  <a:schemeClr val="tx1"/>
+                </a:solidFill>
+                <a:effectLst>
+                  <a:outerShdw blurRad="38100" dist="19050" dir="2700000" algn="tl" rotWithShape="0">
+                    <a:schemeClr val="dk1">
+                      <a:alpha val="40000"/>
+                    </a:schemeClr>
+                  </a:outerShdw>
+                </a:effectLst>
+              </a:rPr>
+              <a:t>Buffer</a:t>
+            </a:r>
+          </a:p>
+        </p:txBody>
+      </p:sp>
+      <p:sp>
+        <p:nvSpPr>
+          <p:cNvPr id="2" name="Title 1">
+            <a:extLst>
+              <a:ext uri="{FF2B5EF4-FFF2-40B4-BE49-F238E27FC236}">
+                <a16:creationId xmlns:a16="http://schemas.microsoft.com/office/drawing/2014/main" id="{19A77C09-4612-2A3C-6130-5C8181E96E06}"/>
+              </a:ext>
+            </a:extLst>
+          </p:cNvPr>
+          <p:cNvSpPr>
+            <a:spLocks noGrp="1"/>
+          </p:cNvSpPr>
+          <p:nvPr>
+            <p:ph type="title"/>
+          </p:nvPr>
+        </p:nvSpPr>
+        <p:spPr/>
+        <p:txBody>
+          <a:bodyPr/>
+          <a:lstStyle/>
+          <a:p>
+            <a:r>
+              <a:rPr lang="en-US" dirty="0"/>
+              <a:t>Streams &amp; Buffers</a:t>
+            </a:r>
+          </a:p>
+        </p:txBody>
+      </p:sp>
+      <p:sp>
+        <p:nvSpPr>
+          <p:cNvPr id="4" name="Rectangle 3">
+            <a:extLst>
+              <a:ext uri="{FF2B5EF4-FFF2-40B4-BE49-F238E27FC236}">
+                <a16:creationId xmlns:a16="http://schemas.microsoft.com/office/drawing/2014/main" id="{71D3B2E4-1DF0-6AF1-5070-5E69BDE47415}"/>
+              </a:ext>
+            </a:extLst>
+          </p:cNvPr>
+          <p:cNvSpPr/>
+          <p:nvPr/>
+        </p:nvSpPr>
+        <p:spPr>
+          <a:xfrm>
+            <a:off x="4271748" y="1501254"/>
+            <a:ext cx="3848669" cy="491319"/>
+          </a:xfrm>
+          <a:prstGeom prst="rect">
+            <a:avLst/>
+          </a:prstGeom>
+          <a:solidFill>
+            <a:srgbClr val="7030A0"/>
+          </a:solidFill>
+        </p:spPr>
+        <p:style>
+          <a:lnRef idx="2">
+            <a:schemeClr val="accent1">
+              <a:shade val="50000"/>
+            </a:schemeClr>
+          </a:lnRef>
+          <a:fillRef idx="1">
+            <a:schemeClr val="accent1"/>
+          </a:fillRef>
+          <a:effectRef idx="0">
+            <a:schemeClr val="accent1"/>
+          </a:effectRef>
+          <a:fontRef idx="minor">
+            <a:schemeClr val="lt1"/>
+          </a:fontRef>
+        </p:style>
+        <p:txBody>
+          <a:bodyPr rtlCol="0" anchor="ctr"/>
+          <a:lstStyle/>
+          <a:p>
+            <a:pPr algn="ctr"/>
+            <a:r>
+              <a:rPr lang="en-US" dirty="0"/>
+              <a:t>Example: Incoming Request</a:t>
+            </a:r>
+          </a:p>
+        </p:txBody>
+      </p:sp>
+      <p:sp>
+        <p:nvSpPr>
+          <p:cNvPr id="5" name="Rectangle 4">
+            <a:extLst>
+              <a:ext uri="{FF2B5EF4-FFF2-40B4-BE49-F238E27FC236}">
+                <a16:creationId xmlns:a16="http://schemas.microsoft.com/office/drawing/2014/main" id="{852987D7-6C90-C91D-6582-8DE6F4C2A313}"/>
+              </a:ext>
+            </a:extLst>
+          </p:cNvPr>
+          <p:cNvSpPr/>
+          <p:nvPr/>
+        </p:nvSpPr>
+        <p:spPr>
+          <a:xfrm>
+            <a:off x="545910" y="2729552"/>
+            <a:ext cx="914400" cy="914400"/>
+          </a:xfrm>
+          <a:prstGeom prst="rect">
+            <a:avLst/>
+          </a:prstGeom>
+          <a:solidFill>
+            <a:srgbClr val="7030A0"/>
+          </a:solidFill>
+        </p:spPr>
+        <p:style>
+          <a:lnRef idx="2">
+            <a:schemeClr val="accent1">
+              <a:shade val="50000"/>
+            </a:schemeClr>
+          </a:lnRef>
+          <a:fillRef idx="1">
+            <a:schemeClr val="accent1"/>
+          </a:fillRef>
+          <a:effectRef idx="0">
+            <a:schemeClr val="accent1"/>
+          </a:effectRef>
+          <a:fontRef idx="minor">
+            <a:schemeClr val="lt1"/>
+          </a:fontRef>
+        </p:style>
+        <p:txBody>
+          <a:bodyPr rtlCol="0" anchor="ctr"/>
+          <a:lstStyle/>
+          <a:p>
+            <a:pPr algn="ctr"/>
+            <a:r>
+              <a:rPr lang="en-US" dirty="0"/>
+              <a:t>Stream</a:t>
+            </a:r>
+          </a:p>
+        </p:txBody>
+      </p:sp>
+      <p:sp>
+        <p:nvSpPr>
+          <p:cNvPr id="6" name="Rectangle 5">
+            <a:extLst>
+              <a:ext uri="{FF2B5EF4-FFF2-40B4-BE49-F238E27FC236}">
+                <a16:creationId xmlns:a16="http://schemas.microsoft.com/office/drawing/2014/main" id="{23606540-23EA-9AB2-7A9B-3F9CA9FE7E42}"/>
+              </a:ext>
+            </a:extLst>
+          </p:cNvPr>
+          <p:cNvSpPr/>
+          <p:nvPr/>
+        </p:nvSpPr>
+        <p:spPr>
+          <a:xfrm>
+            <a:off x="10731690" y="2729552"/>
+            <a:ext cx="914400" cy="914400"/>
+          </a:xfrm>
+          <a:prstGeom prst="rect">
+            <a:avLst/>
+          </a:prstGeom>
+          <a:solidFill>
+            <a:srgbClr val="7030A0"/>
+          </a:solidFill>
+        </p:spPr>
+        <p:style>
+          <a:lnRef idx="2">
+            <a:schemeClr val="accent1">
+              <a:shade val="50000"/>
+            </a:schemeClr>
+          </a:lnRef>
+          <a:fillRef idx="1">
+            <a:schemeClr val="accent1"/>
+          </a:fillRef>
+          <a:effectRef idx="0">
+            <a:schemeClr val="accent1"/>
+          </a:effectRef>
+          <a:fontRef idx="minor">
+            <a:schemeClr val="lt1"/>
+          </a:fontRef>
+        </p:style>
+        <p:txBody>
+          <a:bodyPr rtlCol="0" anchor="ctr"/>
+          <a:lstStyle/>
+          <a:p>
+            <a:pPr algn="ctr"/>
+            <a:r>
+              <a:rPr lang="en-US" dirty="0"/>
+              <a:t>Fully Parsed</a:t>
+            </a:r>
+          </a:p>
+        </p:txBody>
+      </p:sp>
+      <p:sp>
+        <p:nvSpPr>
+          <p:cNvPr id="7" name="Arrow: Right 6">
+            <a:extLst>
+              <a:ext uri="{FF2B5EF4-FFF2-40B4-BE49-F238E27FC236}">
+                <a16:creationId xmlns:a16="http://schemas.microsoft.com/office/drawing/2014/main" id="{F11624CE-D963-766A-3D78-658BED92385D}"/>
+              </a:ext>
+            </a:extLst>
+          </p:cNvPr>
+          <p:cNvSpPr/>
+          <p:nvPr/>
+        </p:nvSpPr>
+        <p:spPr>
+          <a:xfrm>
+            <a:off x="1937982" y="2934269"/>
+            <a:ext cx="8639033" cy="709683"/>
+          </a:xfrm>
+          <a:prstGeom prst="rightArrow">
+            <a:avLst/>
+          </a:prstGeom>
+        </p:spPr>
+        <p:style>
+          <a:lnRef idx="2">
+            <a:schemeClr val="accent1">
+              <a:shade val="50000"/>
+            </a:schemeClr>
+          </a:lnRef>
+          <a:fillRef idx="1">
+            <a:schemeClr val="accent1"/>
+          </a:fillRef>
+          <a:effectRef idx="0">
+            <a:schemeClr val="accent1"/>
+          </a:effectRef>
+          <a:fontRef idx="minor">
+            <a:schemeClr val="lt1"/>
+          </a:fontRef>
+        </p:style>
+        <p:txBody>
+          <a:bodyPr rtlCol="0" anchor="ctr"/>
+          <a:lstStyle/>
+          <a:p>
+            <a:pPr algn="ctr"/>
+            <a:endParaRPr lang="en-US"/>
+          </a:p>
+        </p:txBody>
+      </p:sp>
+      <p:sp>
+        <p:nvSpPr>
+          <p:cNvPr id="8" name="Rectangle 7">
+            <a:extLst>
+              <a:ext uri="{FF2B5EF4-FFF2-40B4-BE49-F238E27FC236}">
+                <a16:creationId xmlns:a16="http://schemas.microsoft.com/office/drawing/2014/main" id="{F2C82F99-486A-69FA-DA19-CA51F6F18143}"/>
+              </a:ext>
+            </a:extLst>
+          </p:cNvPr>
+          <p:cNvSpPr/>
+          <p:nvPr/>
+        </p:nvSpPr>
+        <p:spPr>
+          <a:xfrm>
+            <a:off x="4176215" y="2947917"/>
+            <a:ext cx="1433015" cy="709683"/>
+          </a:xfrm>
+          <a:prstGeom prst="rect">
+            <a:avLst/>
+          </a:prstGeom>
+        </p:spPr>
+        <p:style>
+          <a:lnRef idx="2">
+            <a:schemeClr val="accent1">
+              <a:shade val="50000"/>
+            </a:schemeClr>
+          </a:lnRef>
+          <a:fillRef idx="1">
+            <a:schemeClr val="accent1"/>
+          </a:fillRef>
+          <a:effectRef idx="0">
+            <a:schemeClr val="accent1"/>
+          </a:effectRef>
+          <a:fontRef idx="minor">
+            <a:schemeClr val="lt1"/>
+          </a:fontRef>
+        </p:style>
+        <p:txBody>
+          <a:bodyPr rtlCol="0" anchor="ctr"/>
+          <a:lstStyle/>
+          <a:p>
+            <a:pPr algn="ctr"/>
+            <a:r>
+              <a:rPr lang="en-US" dirty="0"/>
+              <a:t>Request</a:t>
+            </a:r>
+          </a:p>
+          <a:p>
+            <a:pPr algn="ctr"/>
+            <a:r>
+              <a:rPr lang="en-US" dirty="0"/>
+              <a:t>Body Part 2</a:t>
+            </a:r>
+          </a:p>
+        </p:txBody>
+      </p:sp>
+      <p:sp>
+        <p:nvSpPr>
+          <p:cNvPr id="9" name="Rectangle 8">
+            <a:extLst>
+              <a:ext uri="{FF2B5EF4-FFF2-40B4-BE49-F238E27FC236}">
+                <a16:creationId xmlns:a16="http://schemas.microsoft.com/office/drawing/2014/main" id="{2997FF74-AC2C-D9DC-51BF-9F7E8C46636D}"/>
+              </a:ext>
+            </a:extLst>
+          </p:cNvPr>
+          <p:cNvSpPr/>
+          <p:nvPr/>
+        </p:nvSpPr>
+        <p:spPr>
+          <a:xfrm>
+            <a:off x="2101755" y="2961565"/>
+            <a:ext cx="1433015" cy="709683"/>
+          </a:xfrm>
+          <a:prstGeom prst="rect">
+            <a:avLst/>
+          </a:prstGeom>
+        </p:spPr>
+        <p:style>
+          <a:lnRef idx="2">
+            <a:schemeClr val="accent1">
+              <a:shade val="50000"/>
+            </a:schemeClr>
+          </a:lnRef>
+          <a:fillRef idx="1">
+            <a:schemeClr val="accent1"/>
+          </a:fillRef>
+          <a:effectRef idx="0">
+            <a:schemeClr val="accent1"/>
+          </a:effectRef>
+          <a:fontRef idx="minor">
+            <a:schemeClr val="lt1"/>
+          </a:fontRef>
+        </p:style>
+        <p:txBody>
+          <a:bodyPr rtlCol="0" anchor="ctr"/>
+          <a:lstStyle/>
+          <a:p>
+            <a:pPr algn="ctr"/>
+            <a:r>
+              <a:rPr lang="en-US" dirty="0"/>
+              <a:t>Request</a:t>
+            </a:r>
+          </a:p>
+          <a:p>
+            <a:pPr algn="ctr"/>
+            <a:r>
+              <a:rPr lang="en-US" dirty="0"/>
+              <a:t>Body Part 1</a:t>
+            </a:r>
+          </a:p>
+        </p:txBody>
+      </p:sp>
+      <p:sp>
+        <p:nvSpPr>
+          <p:cNvPr id="10" name="Rectangle 9">
+            <a:extLst>
+              <a:ext uri="{FF2B5EF4-FFF2-40B4-BE49-F238E27FC236}">
+                <a16:creationId xmlns:a16="http://schemas.microsoft.com/office/drawing/2014/main" id="{A14631DD-ABA4-B5D9-82F5-E0ABCABC4EE1}"/>
+              </a:ext>
+            </a:extLst>
+          </p:cNvPr>
+          <p:cNvSpPr/>
+          <p:nvPr/>
+        </p:nvSpPr>
+        <p:spPr>
+          <a:xfrm>
+            <a:off x="8427492" y="2906973"/>
+            <a:ext cx="1433015" cy="709683"/>
+          </a:xfrm>
+          <a:prstGeom prst="rect">
+            <a:avLst/>
+          </a:prstGeom>
+        </p:spPr>
+        <p:style>
+          <a:lnRef idx="2">
+            <a:schemeClr val="accent1">
+              <a:shade val="50000"/>
+            </a:schemeClr>
+          </a:lnRef>
+          <a:fillRef idx="1">
+            <a:schemeClr val="accent1"/>
+          </a:fillRef>
+          <a:effectRef idx="0">
+            <a:schemeClr val="accent1"/>
+          </a:effectRef>
+          <a:fontRef idx="minor">
+            <a:schemeClr val="lt1"/>
+          </a:fontRef>
+        </p:style>
+        <p:txBody>
+          <a:bodyPr rtlCol="0" anchor="ctr"/>
+          <a:lstStyle/>
+          <a:p>
+            <a:pPr algn="ctr"/>
+            <a:r>
+              <a:rPr lang="en-US" dirty="0"/>
+              <a:t>Request</a:t>
+            </a:r>
+          </a:p>
+          <a:p>
+            <a:pPr algn="ctr"/>
+            <a:r>
+              <a:rPr lang="en-US" dirty="0"/>
+              <a:t>Body Part 4</a:t>
+            </a:r>
+          </a:p>
+        </p:txBody>
+      </p:sp>
+      <p:sp>
+        <p:nvSpPr>
+          <p:cNvPr id="11" name="Rectangle 10">
+            <a:extLst>
+              <a:ext uri="{FF2B5EF4-FFF2-40B4-BE49-F238E27FC236}">
+                <a16:creationId xmlns:a16="http://schemas.microsoft.com/office/drawing/2014/main" id="{BC673F38-E2EB-1F0B-2744-9F96B194664C}"/>
+              </a:ext>
+            </a:extLst>
+          </p:cNvPr>
+          <p:cNvSpPr/>
+          <p:nvPr/>
+        </p:nvSpPr>
+        <p:spPr>
+          <a:xfrm>
+            <a:off x="6353032" y="2920621"/>
+            <a:ext cx="1433015" cy="709683"/>
+          </a:xfrm>
+          <a:prstGeom prst="rect">
+            <a:avLst/>
+          </a:prstGeom>
+        </p:spPr>
+        <p:style>
+          <a:lnRef idx="2">
+            <a:schemeClr val="accent1">
+              <a:shade val="50000"/>
+            </a:schemeClr>
+          </a:lnRef>
+          <a:fillRef idx="1">
+            <a:schemeClr val="accent1"/>
+          </a:fillRef>
+          <a:effectRef idx="0">
+            <a:schemeClr val="accent1"/>
+          </a:effectRef>
+          <a:fontRef idx="minor">
+            <a:schemeClr val="lt1"/>
+          </a:fontRef>
+        </p:style>
+        <p:txBody>
+          <a:bodyPr rtlCol="0" anchor="ctr"/>
+          <a:lstStyle/>
+          <a:p>
+            <a:pPr algn="ctr"/>
+            <a:r>
+              <a:rPr lang="en-US" dirty="0"/>
+              <a:t>Request</a:t>
+            </a:r>
+          </a:p>
+          <a:p>
+            <a:pPr algn="ctr"/>
+            <a:r>
+              <a:rPr lang="en-US" dirty="0"/>
+              <a:t>Body Part 3</a:t>
+            </a:r>
+          </a:p>
+        </p:txBody>
+      </p:sp>
+      <p:cxnSp>
+        <p:nvCxnSpPr>
+          <p:cNvPr id="14" name="Straight Arrow Connector 13">
+            <a:extLst>
+              <a:ext uri="{FF2B5EF4-FFF2-40B4-BE49-F238E27FC236}">
+                <a16:creationId xmlns:a16="http://schemas.microsoft.com/office/drawing/2014/main" id="{C1517526-6178-E3AD-3313-E43ABFE91C51}"/>
+              </a:ext>
+            </a:extLst>
+          </p:cNvPr>
+          <p:cNvCxnSpPr/>
+          <p:nvPr/>
+        </p:nvCxnSpPr>
+        <p:spPr>
+          <a:xfrm flipV="1">
+            <a:off x="955343" y="3780430"/>
+            <a:ext cx="0" cy="900752"/>
+          </a:xfrm>
+          <a:prstGeom prst="straightConnector1">
+            <a:avLst/>
+          </a:prstGeom>
+          <a:ln>
+            <a:tailEnd type="triangle"/>
+          </a:ln>
+        </p:spPr>
+        <p:style>
+          <a:lnRef idx="1">
+            <a:schemeClr val="accent1"/>
+          </a:lnRef>
+          <a:fillRef idx="0">
+            <a:schemeClr val="accent1"/>
+          </a:fillRef>
+          <a:effectRef idx="0">
+            <a:schemeClr val="accent1"/>
+          </a:effectRef>
+          <a:fontRef idx="minor">
+            <a:schemeClr val="tx1"/>
+          </a:fontRef>
+        </p:style>
+      </p:cxnSp>
+      <p:sp>
+        <p:nvSpPr>
+          <p:cNvPr id="15" name="Rectangle 14">
+            <a:extLst>
+              <a:ext uri="{FF2B5EF4-FFF2-40B4-BE49-F238E27FC236}">
+                <a16:creationId xmlns:a16="http://schemas.microsoft.com/office/drawing/2014/main" id="{554B6B0F-4FB3-AFAA-467D-2E54168612EC}"/>
+              </a:ext>
+            </a:extLst>
+          </p:cNvPr>
+          <p:cNvSpPr/>
+          <p:nvPr/>
+        </p:nvSpPr>
+        <p:spPr>
+          <a:xfrm>
+            <a:off x="300250" y="4887533"/>
+            <a:ext cx="1801505" cy="914400"/>
+          </a:xfrm>
+          <a:prstGeom prst="rect">
+            <a:avLst/>
+          </a:prstGeom>
+        </p:spPr>
+        <p:style>
+          <a:lnRef idx="2">
+            <a:schemeClr val="accent1">
+              <a:shade val="50000"/>
+            </a:schemeClr>
+          </a:lnRef>
+          <a:fillRef idx="1">
+            <a:schemeClr val="accent1"/>
+          </a:fillRef>
+          <a:effectRef idx="0">
+            <a:schemeClr val="accent1"/>
+          </a:effectRef>
+          <a:fontRef idx="minor">
+            <a:schemeClr val="lt1"/>
+          </a:fontRef>
+        </p:style>
+        <p:txBody>
+          <a:bodyPr rtlCol="0" anchor="ctr"/>
+          <a:lstStyle/>
+          <a:p>
+            <a:pPr algn="ctr"/>
+            <a:r>
+              <a:rPr lang="en-US" dirty="0"/>
+              <a:t>Start working on the Data early</a:t>
+            </a:r>
+          </a:p>
+        </p:txBody>
+      </p:sp>
+      <p:sp>
+        <p:nvSpPr>
+          <p:cNvPr id="16" name="TextBox 15">
+            <a:extLst>
+              <a:ext uri="{FF2B5EF4-FFF2-40B4-BE49-F238E27FC236}">
+                <a16:creationId xmlns:a16="http://schemas.microsoft.com/office/drawing/2014/main" id="{E760011D-2600-EA5E-AA9F-6732846B200D}"/>
+              </a:ext>
+            </a:extLst>
+          </p:cNvPr>
+          <p:cNvSpPr txBox="1"/>
+          <p:nvPr/>
+        </p:nvSpPr>
+        <p:spPr>
+          <a:xfrm>
+            <a:off x="3739487" y="4887533"/>
+            <a:ext cx="839782" cy="369332"/>
+          </a:xfrm>
+          <a:prstGeom prst="rect">
+            <a:avLst/>
+          </a:prstGeom>
+          <a:noFill/>
+        </p:spPr>
+        <p:txBody>
+          <a:bodyPr wrap="none" rtlCol="0">
+            <a:spAutoFit/>
+          </a:bodyPr>
+          <a:lstStyle/>
+          <a:p>
+            <a:r>
+              <a:rPr lang="en-US" dirty="0"/>
+              <a:t>chunks</a:t>
+            </a:r>
+          </a:p>
+        </p:txBody>
+      </p:sp>
+    </p:spTree>
+    <p:extLst>
+      <p:ext uri="{BB962C8B-B14F-4D97-AF65-F5344CB8AC3E}">
+        <p14:creationId xmlns:p14="http://schemas.microsoft.com/office/powerpoint/2010/main" val="485951277"/>
       </p:ext>
     </p:extLst>
   </p:cSld>

--- a/What is Node.pptx
+++ b/What is Node.pptx
@@ -5,7 +5,7 @@
     <p:sldMasterId id="2147483648" r:id="rId1"/>
   </p:sldMasterIdLst>
   <p:notesMasterIdLst>
-    <p:notesMasterId r:id="rId26"/>
+    <p:notesMasterId r:id="rId43"/>
   </p:notesMasterIdLst>
   <p:sldIdLst>
     <p:sldId id="256" r:id="rId2"/>
@@ -32,6 +32,23 @@
     <p:sldId id="277" r:id="rId23"/>
     <p:sldId id="278" r:id="rId24"/>
     <p:sldId id="279" r:id="rId25"/>
+    <p:sldId id="280" r:id="rId26"/>
+    <p:sldId id="281" r:id="rId27"/>
+    <p:sldId id="282" r:id="rId28"/>
+    <p:sldId id="283" r:id="rId29"/>
+    <p:sldId id="284" r:id="rId30"/>
+    <p:sldId id="286" r:id="rId31"/>
+    <p:sldId id="287" r:id="rId32"/>
+    <p:sldId id="285" r:id="rId33"/>
+    <p:sldId id="288" r:id="rId34"/>
+    <p:sldId id="289" r:id="rId35"/>
+    <p:sldId id="290" r:id="rId36"/>
+    <p:sldId id="291" r:id="rId37"/>
+    <p:sldId id="292" r:id="rId38"/>
+    <p:sldId id="293" r:id="rId39"/>
+    <p:sldId id="294" r:id="rId40"/>
+    <p:sldId id="295" r:id="rId41"/>
+    <p:sldId id="296" r:id="rId42"/>
   </p:sldIdLst>
   <p:sldSz cx="12192000" cy="6858000"/>
   <p:notesSz cx="6858000" cy="9144000"/>
@@ -220,7 +237,7 @@
           <a:p>
             <a:fld id="{95AD9242-1F6D-4439-B4E3-3D1C86DAD4C7}" type="datetimeFigureOut">
               <a:rPr lang="en-US" smtClean="0"/>
-              <a:t>4/4/2023</a:t>
+              <a:t>4/6/2023</a:t>
             </a:fld>
             <a:endParaRPr lang="en-US"/>
           </a:p>
@@ -634,7 +651,7 @@
           <a:p>
             <a:fld id="{17C5991C-D94C-4C76-AE92-3C44B7FD323B}" type="datetimeFigureOut">
               <a:rPr lang="en-US" smtClean="0"/>
-              <a:t>4/4/2023</a:t>
+              <a:t>4/6/2023</a:t>
             </a:fld>
             <a:endParaRPr lang="en-US"/>
           </a:p>
@@ -832,7 +849,7 @@
           <a:p>
             <a:fld id="{17C5991C-D94C-4C76-AE92-3C44B7FD323B}" type="datetimeFigureOut">
               <a:rPr lang="en-US" smtClean="0"/>
-              <a:t>4/4/2023</a:t>
+              <a:t>4/6/2023</a:t>
             </a:fld>
             <a:endParaRPr lang="en-US"/>
           </a:p>
@@ -1040,7 +1057,7 @@
           <a:p>
             <a:fld id="{17C5991C-D94C-4C76-AE92-3C44B7FD323B}" type="datetimeFigureOut">
               <a:rPr lang="en-US" smtClean="0"/>
-              <a:t>4/4/2023</a:t>
+              <a:t>4/6/2023</a:t>
             </a:fld>
             <a:endParaRPr lang="en-US"/>
           </a:p>
@@ -1238,7 +1255,7 @@
           <a:p>
             <a:fld id="{17C5991C-D94C-4C76-AE92-3C44B7FD323B}" type="datetimeFigureOut">
               <a:rPr lang="en-US" smtClean="0"/>
-              <a:t>4/4/2023</a:t>
+              <a:t>4/6/2023</a:t>
             </a:fld>
             <a:endParaRPr lang="en-US"/>
           </a:p>
@@ -1513,7 +1530,7 @@
           <a:p>
             <a:fld id="{17C5991C-D94C-4C76-AE92-3C44B7FD323B}" type="datetimeFigureOut">
               <a:rPr lang="en-US" smtClean="0"/>
-              <a:t>4/4/2023</a:t>
+              <a:t>4/6/2023</a:t>
             </a:fld>
             <a:endParaRPr lang="en-US"/>
           </a:p>
@@ -1778,7 +1795,7 @@
           <a:p>
             <a:fld id="{17C5991C-D94C-4C76-AE92-3C44B7FD323B}" type="datetimeFigureOut">
               <a:rPr lang="en-US" smtClean="0"/>
-              <a:t>4/4/2023</a:t>
+              <a:t>4/6/2023</a:t>
             </a:fld>
             <a:endParaRPr lang="en-US"/>
           </a:p>
@@ -2190,7 +2207,7 @@
           <a:p>
             <a:fld id="{17C5991C-D94C-4C76-AE92-3C44B7FD323B}" type="datetimeFigureOut">
               <a:rPr lang="en-US" smtClean="0"/>
-              <a:t>4/4/2023</a:t>
+              <a:t>4/6/2023</a:t>
             </a:fld>
             <a:endParaRPr lang="en-US"/>
           </a:p>
@@ -2331,7 +2348,7 @@
           <a:p>
             <a:fld id="{17C5991C-D94C-4C76-AE92-3C44B7FD323B}" type="datetimeFigureOut">
               <a:rPr lang="en-US" smtClean="0"/>
-              <a:t>4/4/2023</a:t>
+              <a:t>4/6/2023</a:t>
             </a:fld>
             <a:endParaRPr lang="en-US"/>
           </a:p>
@@ -2444,7 +2461,7 @@
           <a:p>
             <a:fld id="{17C5991C-D94C-4C76-AE92-3C44B7FD323B}" type="datetimeFigureOut">
               <a:rPr lang="en-US" smtClean="0"/>
-              <a:t>4/4/2023</a:t>
+              <a:t>4/6/2023</a:t>
             </a:fld>
             <a:endParaRPr lang="en-US"/>
           </a:p>
@@ -2755,7 +2772,7 @@
           <a:p>
             <a:fld id="{17C5991C-D94C-4C76-AE92-3C44B7FD323B}" type="datetimeFigureOut">
               <a:rPr lang="en-US" smtClean="0"/>
-              <a:t>4/4/2023</a:t>
+              <a:t>4/6/2023</a:t>
             </a:fld>
             <a:endParaRPr lang="en-US"/>
           </a:p>
@@ -3043,7 +3060,7 @@
           <a:p>
             <a:fld id="{17C5991C-D94C-4C76-AE92-3C44B7FD323B}" type="datetimeFigureOut">
               <a:rPr lang="en-US" smtClean="0"/>
-              <a:t>4/4/2023</a:t>
+              <a:t>4/6/2023</a:t>
             </a:fld>
             <a:endParaRPr lang="en-US"/>
           </a:p>
@@ -3284,7 +3301,7 @@
           <a:p>
             <a:fld id="{17C5991C-D94C-4C76-AE92-3C44B7FD323B}" type="datetimeFigureOut">
               <a:rPr lang="en-US" smtClean="0"/>
-              <a:t>4/4/2023</a:t>
+              <a:t>4/6/2023</a:t>
             </a:fld>
             <a:endParaRPr lang="en-US"/>
           </a:p>
@@ -8319,6 +8336,2797 @@
 </p:sld>
 </file>
 
+<file path=ppt/slides/slide25.xml><?xml version="1.0" encoding="utf-8"?>
+<p:sld xmlns:a="http://schemas.openxmlformats.org/drawingml/2006/main" xmlns:r="http://schemas.openxmlformats.org/officeDocument/2006/relationships" xmlns:p="http://schemas.openxmlformats.org/presentationml/2006/main">
+  <p:cSld>
+    <p:spTree>
+      <p:nvGrpSpPr>
+        <p:cNvPr id="1" name=""/>
+        <p:cNvGrpSpPr/>
+        <p:nvPr/>
+      </p:nvGrpSpPr>
+      <p:grpSpPr>
+        <a:xfrm>
+          <a:off x="0" y="0"/>
+          <a:ext cx="0" cy="0"/>
+          <a:chOff x="0" y="0"/>
+          <a:chExt cx="0" cy="0"/>
+        </a:xfrm>
+      </p:grpSpPr>
+      <p:sp>
+        <p:nvSpPr>
+          <p:cNvPr id="4" name="TextBox 3">
+            <a:extLst>
+              <a:ext uri="{FF2B5EF4-FFF2-40B4-BE49-F238E27FC236}">
+                <a16:creationId xmlns:a16="http://schemas.microsoft.com/office/drawing/2014/main" id="{A094FA0C-6D50-8447-6E4D-DCF59380E81B}"/>
+              </a:ext>
+            </a:extLst>
+          </p:cNvPr>
+          <p:cNvSpPr txBox="1"/>
+          <p:nvPr/>
+        </p:nvSpPr>
+        <p:spPr>
+          <a:xfrm>
+            <a:off x="2715904" y="177420"/>
+            <a:ext cx="6392327" cy="523220"/>
+          </a:xfrm>
+          <a:prstGeom prst="rect">
+            <a:avLst/>
+          </a:prstGeom>
+          <a:noFill/>
+        </p:spPr>
+        <p:txBody>
+          <a:bodyPr wrap="none" rtlCol="0">
+            <a:spAutoFit/>
+          </a:bodyPr>
+          <a:lstStyle/>
+          <a:p>
+            <a:r>
+              <a:rPr lang="en-US" sz="2800" dirty="0"/>
+              <a:t>Single Thread, Event Loop &amp; Blocking Code</a:t>
+            </a:r>
+          </a:p>
+        </p:txBody>
+      </p:sp>
+      <p:sp>
+        <p:nvSpPr>
+          <p:cNvPr id="5" name="Rectangle 4">
+            <a:extLst>
+              <a:ext uri="{FF2B5EF4-FFF2-40B4-BE49-F238E27FC236}">
+                <a16:creationId xmlns:a16="http://schemas.microsoft.com/office/drawing/2014/main" id="{B50B59C8-61F3-C89F-31D4-E49939933BE4}"/>
+              </a:ext>
+            </a:extLst>
+          </p:cNvPr>
+          <p:cNvSpPr/>
+          <p:nvPr/>
+        </p:nvSpPr>
+        <p:spPr>
+          <a:xfrm>
+            <a:off x="586853" y="1091821"/>
+            <a:ext cx="3725839" cy="395785"/>
+          </a:xfrm>
+          <a:prstGeom prst="rect">
+            <a:avLst/>
+          </a:prstGeom>
+        </p:spPr>
+        <p:style>
+          <a:lnRef idx="2">
+            <a:schemeClr val="accent1">
+              <a:shade val="50000"/>
+            </a:schemeClr>
+          </a:lnRef>
+          <a:fillRef idx="1">
+            <a:schemeClr val="accent1"/>
+          </a:fillRef>
+          <a:effectRef idx="0">
+            <a:schemeClr val="accent1"/>
+          </a:effectRef>
+          <a:fontRef idx="minor">
+            <a:schemeClr val="lt1"/>
+          </a:fontRef>
+        </p:style>
+        <p:txBody>
+          <a:bodyPr rtlCol="0" anchor="ctr"/>
+          <a:lstStyle/>
+          <a:p>
+            <a:pPr algn="ctr"/>
+            <a:r>
+              <a:rPr lang="en-US" dirty="0"/>
+              <a:t>Incoming Requests</a:t>
+            </a:r>
+          </a:p>
+        </p:txBody>
+      </p:sp>
+      <p:sp>
+        <p:nvSpPr>
+          <p:cNvPr id="6" name="Rectangle 5">
+            <a:extLst>
+              <a:ext uri="{FF2B5EF4-FFF2-40B4-BE49-F238E27FC236}">
+                <a16:creationId xmlns:a16="http://schemas.microsoft.com/office/drawing/2014/main" id="{3B1DE64D-F494-8E24-2D86-17EE257F61C2}"/>
+              </a:ext>
+            </a:extLst>
+          </p:cNvPr>
+          <p:cNvSpPr/>
+          <p:nvPr/>
+        </p:nvSpPr>
+        <p:spPr>
+          <a:xfrm>
+            <a:off x="709684" y="2306472"/>
+            <a:ext cx="3603008" cy="245659"/>
+          </a:xfrm>
+          <a:prstGeom prst="rect">
+            <a:avLst/>
+          </a:prstGeom>
+        </p:spPr>
+        <p:style>
+          <a:lnRef idx="2">
+            <a:schemeClr val="accent1">
+              <a:shade val="50000"/>
+            </a:schemeClr>
+          </a:lnRef>
+          <a:fillRef idx="1">
+            <a:schemeClr val="accent1"/>
+          </a:fillRef>
+          <a:effectRef idx="0">
+            <a:schemeClr val="accent1"/>
+          </a:effectRef>
+          <a:fontRef idx="minor">
+            <a:schemeClr val="lt1"/>
+          </a:fontRef>
+        </p:style>
+        <p:txBody>
+          <a:bodyPr rtlCol="0" anchor="ctr"/>
+          <a:lstStyle/>
+          <a:p>
+            <a:pPr algn="ctr"/>
+            <a:endParaRPr lang="en-US"/>
+          </a:p>
+        </p:txBody>
+      </p:sp>
+      <p:sp>
+        <p:nvSpPr>
+          <p:cNvPr id="7" name="Rectangle 6">
+            <a:extLst>
+              <a:ext uri="{FF2B5EF4-FFF2-40B4-BE49-F238E27FC236}">
+                <a16:creationId xmlns:a16="http://schemas.microsoft.com/office/drawing/2014/main" id="{8B9CAE11-5EAB-67E7-917E-1EFE9A2BEADA}"/>
+              </a:ext>
+            </a:extLst>
+          </p:cNvPr>
+          <p:cNvSpPr/>
+          <p:nvPr/>
+        </p:nvSpPr>
+        <p:spPr>
+          <a:xfrm>
+            <a:off x="709684" y="2838733"/>
+            <a:ext cx="1596788" cy="3152633"/>
+          </a:xfrm>
+          <a:prstGeom prst="rect">
+            <a:avLst/>
+          </a:prstGeom>
+        </p:spPr>
+        <p:style>
+          <a:lnRef idx="2">
+            <a:schemeClr val="accent1">
+              <a:shade val="50000"/>
+            </a:schemeClr>
+          </a:lnRef>
+          <a:fillRef idx="1">
+            <a:schemeClr val="accent1"/>
+          </a:fillRef>
+          <a:effectRef idx="0">
+            <a:schemeClr val="accent1"/>
+          </a:effectRef>
+          <a:fontRef idx="minor">
+            <a:schemeClr val="lt1"/>
+          </a:fontRef>
+        </p:style>
+        <p:txBody>
+          <a:bodyPr rtlCol="0" anchor="ctr"/>
+          <a:lstStyle/>
+          <a:p>
+            <a:pPr algn="ctr"/>
+            <a:r>
+              <a:rPr lang="en-US" dirty="0"/>
+              <a:t>&lt;Your Code&gt;</a:t>
+            </a:r>
+          </a:p>
+        </p:txBody>
+      </p:sp>
+      <p:sp>
+        <p:nvSpPr>
+          <p:cNvPr id="8" name="Rectangle 7">
+            <a:extLst>
+              <a:ext uri="{FF2B5EF4-FFF2-40B4-BE49-F238E27FC236}">
+                <a16:creationId xmlns:a16="http://schemas.microsoft.com/office/drawing/2014/main" id="{02261BB3-0A1B-BCEB-31F4-9C030F6689DA}"/>
+              </a:ext>
+            </a:extLst>
+          </p:cNvPr>
+          <p:cNvSpPr/>
+          <p:nvPr/>
+        </p:nvSpPr>
+        <p:spPr>
+          <a:xfrm>
+            <a:off x="2715904" y="2838734"/>
+            <a:ext cx="1596788" cy="3152633"/>
+          </a:xfrm>
+          <a:prstGeom prst="rect">
+            <a:avLst/>
+          </a:prstGeom>
+        </p:spPr>
+        <p:style>
+          <a:lnRef idx="2">
+            <a:schemeClr val="accent1">
+              <a:shade val="50000"/>
+            </a:schemeClr>
+          </a:lnRef>
+          <a:fillRef idx="1">
+            <a:schemeClr val="accent1"/>
+          </a:fillRef>
+          <a:effectRef idx="0">
+            <a:schemeClr val="accent1"/>
+          </a:effectRef>
+          <a:fontRef idx="minor">
+            <a:schemeClr val="lt1"/>
+          </a:fontRef>
+        </p:style>
+        <p:txBody>
+          <a:bodyPr rtlCol="0" anchor="ctr"/>
+          <a:lstStyle/>
+          <a:p>
+            <a:pPr algn="ctr"/>
+            <a:r>
+              <a:rPr lang="en-US" dirty="0"/>
+              <a:t>Single JavaScript Thread</a:t>
+            </a:r>
+          </a:p>
+        </p:txBody>
+      </p:sp>
+      <p:sp>
+        <p:nvSpPr>
+          <p:cNvPr id="9" name="Rectangle 8">
+            <a:extLst>
+              <a:ext uri="{FF2B5EF4-FFF2-40B4-BE49-F238E27FC236}">
+                <a16:creationId xmlns:a16="http://schemas.microsoft.com/office/drawing/2014/main" id="{89174FE9-A2C5-A4A4-A7D1-B98F77A8CE12}"/>
+              </a:ext>
+            </a:extLst>
+          </p:cNvPr>
+          <p:cNvSpPr/>
+          <p:nvPr/>
+        </p:nvSpPr>
+        <p:spPr>
+          <a:xfrm>
+            <a:off x="6687402" y="1897039"/>
+            <a:ext cx="2129051" cy="523220"/>
+          </a:xfrm>
+          <a:prstGeom prst="rect">
+            <a:avLst/>
+          </a:prstGeom>
+        </p:spPr>
+        <p:style>
+          <a:lnRef idx="2">
+            <a:schemeClr val="accent1">
+              <a:shade val="50000"/>
+            </a:schemeClr>
+          </a:lnRef>
+          <a:fillRef idx="1">
+            <a:schemeClr val="accent1"/>
+          </a:fillRef>
+          <a:effectRef idx="0">
+            <a:schemeClr val="accent1"/>
+          </a:effectRef>
+          <a:fontRef idx="minor">
+            <a:schemeClr val="lt1"/>
+          </a:fontRef>
+        </p:style>
+        <p:txBody>
+          <a:bodyPr rtlCol="0" anchor="ctr"/>
+          <a:lstStyle/>
+          <a:p>
+            <a:pPr algn="ctr"/>
+            <a:r>
+              <a:rPr lang="en-US" dirty="0"/>
+              <a:t>Event Loop</a:t>
+            </a:r>
+          </a:p>
+        </p:txBody>
+      </p:sp>
+      <p:sp>
+        <p:nvSpPr>
+          <p:cNvPr id="10" name="Rectangle 9">
+            <a:extLst>
+              <a:ext uri="{FF2B5EF4-FFF2-40B4-BE49-F238E27FC236}">
+                <a16:creationId xmlns:a16="http://schemas.microsoft.com/office/drawing/2014/main" id="{B7D7F32C-BBEB-E3A4-AECE-3CB5C4CE8C34}"/>
+              </a:ext>
+            </a:extLst>
+          </p:cNvPr>
+          <p:cNvSpPr/>
+          <p:nvPr/>
+        </p:nvSpPr>
+        <p:spPr>
+          <a:xfrm>
+            <a:off x="6687402" y="2577123"/>
+            <a:ext cx="2129051" cy="523220"/>
+          </a:xfrm>
+          <a:prstGeom prst="rect">
+            <a:avLst/>
+          </a:prstGeom>
+        </p:spPr>
+        <p:style>
+          <a:lnRef idx="2">
+            <a:schemeClr val="accent1">
+              <a:shade val="50000"/>
+            </a:schemeClr>
+          </a:lnRef>
+          <a:fillRef idx="1">
+            <a:schemeClr val="accent1"/>
+          </a:fillRef>
+          <a:effectRef idx="0">
+            <a:schemeClr val="accent1"/>
+          </a:effectRef>
+          <a:fontRef idx="minor">
+            <a:schemeClr val="lt1"/>
+          </a:fontRef>
+        </p:style>
+        <p:txBody>
+          <a:bodyPr rtlCol="0" anchor="ctr"/>
+          <a:lstStyle/>
+          <a:p>
+            <a:pPr algn="ctr"/>
+            <a:r>
+              <a:rPr lang="en-US" dirty="0"/>
+              <a:t>Handle Event Callbacks</a:t>
+            </a:r>
+          </a:p>
+        </p:txBody>
+      </p:sp>
+      <p:sp>
+        <p:nvSpPr>
+          <p:cNvPr id="11" name="Rectangle 10">
+            <a:extLst>
+              <a:ext uri="{FF2B5EF4-FFF2-40B4-BE49-F238E27FC236}">
+                <a16:creationId xmlns:a16="http://schemas.microsoft.com/office/drawing/2014/main" id="{C19759CF-ACC3-79CF-E226-9A8CAEB5F05E}"/>
+              </a:ext>
+            </a:extLst>
+          </p:cNvPr>
+          <p:cNvSpPr/>
+          <p:nvPr/>
+        </p:nvSpPr>
+        <p:spPr>
+          <a:xfrm>
+            <a:off x="7055893" y="4806229"/>
+            <a:ext cx="1760560" cy="523220"/>
+          </a:xfrm>
+          <a:prstGeom prst="rect">
+            <a:avLst/>
+          </a:prstGeom>
+        </p:spPr>
+        <p:style>
+          <a:lnRef idx="2">
+            <a:schemeClr val="accent1">
+              <a:shade val="50000"/>
+            </a:schemeClr>
+          </a:lnRef>
+          <a:fillRef idx="1">
+            <a:schemeClr val="accent1"/>
+          </a:fillRef>
+          <a:effectRef idx="0">
+            <a:schemeClr val="accent1"/>
+          </a:effectRef>
+          <a:fontRef idx="minor">
+            <a:schemeClr val="lt1"/>
+          </a:fontRef>
+        </p:style>
+        <p:txBody>
+          <a:bodyPr rtlCol="0" anchor="ctr"/>
+          <a:lstStyle/>
+          <a:p>
+            <a:pPr algn="ctr"/>
+            <a:r>
+              <a:rPr lang="en-US" dirty="0"/>
+              <a:t>Worker Pool</a:t>
+            </a:r>
+          </a:p>
+        </p:txBody>
+      </p:sp>
+      <p:sp>
+        <p:nvSpPr>
+          <p:cNvPr id="12" name="Rectangle 11">
+            <a:extLst>
+              <a:ext uri="{FF2B5EF4-FFF2-40B4-BE49-F238E27FC236}">
+                <a16:creationId xmlns:a16="http://schemas.microsoft.com/office/drawing/2014/main" id="{1102AD19-FEAA-A534-6693-B05B04C31907}"/>
+              </a:ext>
+            </a:extLst>
+          </p:cNvPr>
+          <p:cNvSpPr/>
+          <p:nvPr/>
+        </p:nvSpPr>
+        <p:spPr>
+          <a:xfrm>
+            <a:off x="7055892" y="5468146"/>
+            <a:ext cx="2420203" cy="523220"/>
+          </a:xfrm>
+          <a:prstGeom prst="rect">
+            <a:avLst/>
+          </a:prstGeom>
+        </p:spPr>
+        <p:style>
+          <a:lnRef idx="2">
+            <a:schemeClr val="accent1">
+              <a:shade val="50000"/>
+            </a:schemeClr>
+          </a:lnRef>
+          <a:fillRef idx="1">
+            <a:schemeClr val="accent1"/>
+          </a:fillRef>
+          <a:effectRef idx="0">
+            <a:schemeClr val="accent1"/>
+          </a:effectRef>
+          <a:fontRef idx="minor">
+            <a:schemeClr val="lt1"/>
+          </a:fontRef>
+        </p:style>
+        <p:txBody>
+          <a:bodyPr rtlCol="0" anchor="ctr"/>
+          <a:lstStyle/>
+          <a:p>
+            <a:pPr algn="ctr"/>
+            <a:r>
+              <a:rPr lang="en-US" dirty="0"/>
+              <a:t>Do the Heavy Lifting</a:t>
+            </a:r>
+          </a:p>
+        </p:txBody>
+      </p:sp>
+      <p:sp>
+        <p:nvSpPr>
+          <p:cNvPr id="13" name="Rectangle 12">
+            <a:extLst>
+              <a:ext uri="{FF2B5EF4-FFF2-40B4-BE49-F238E27FC236}">
+                <a16:creationId xmlns:a16="http://schemas.microsoft.com/office/drawing/2014/main" id="{6DC2F39F-5DBC-C814-7903-34D1E06012B5}"/>
+              </a:ext>
+            </a:extLst>
+          </p:cNvPr>
+          <p:cNvSpPr/>
+          <p:nvPr/>
+        </p:nvSpPr>
+        <p:spPr>
+          <a:xfrm>
+            <a:off x="10372298" y="4681182"/>
+            <a:ext cx="1187355" cy="914400"/>
+          </a:xfrm>
+          <a:prstGeom prst="rect">
+            <a:avLst/>
+          </a:prstGeom>
+        </p:spPr>
+        <p:style>
+          <a:lnRef idx="2">
+            <a:schemeClr val="accent1">
+              <a:shade val="50000"/>
+            </a:schemeClr>
+          </a:lnRef>
+          <a:fillRef idx="1">
+            <a:schemeClr val="accent1"/>
+          </a:fillRef>
+          <a:effectRef idx="0">
+            <a:schemeClr val="accent1"/>
+          </a:effectRef>
+          <a:fontRef idx="minor">
+            <a:schemeClr val="lt1"/>
+          </a:fontRef>
+        </p:style>
+        <p:txBody>
+          <a:bodyPr rtlCol="0" anchor="ctr"/>
+          <a:lstStyle/>
+          <a:p>
+            <a:pPr algn="ctr"/>
+            <a:r>
+              <a:rPr lang="en-US" dirty="0"/>
+              <a:t>Different Thread(s)!</a:t>
+            </a:r>
+          </a:p>
+        </p:txBody>
+      </p:sp>
+      <p:cxnSp>
+        <p:nvCxnSpPr>
+          <p:cNvPr id="15" name="Straight Arrow Connector 14">
+            <a:extLst>
+              <a:ext uri="{FF2B5EF4-FFF2-40B4-BE49-F238E27FC236}">
+                <a16:creationId xmlns:a16="http://schemas.microsoft.com/office/drawing/2014/main" id="{F20E3755-20A0-91CB-DAEC-B4B87B001C5C}"/>
+              </a:ext>
+            </a:extLst>
+          </p:cNvPr>
+          <p:cNvCxnSpPr>
+            <a:stCxn id="5" idx="2"/>
+            <a:endCxn id="6" idx="0"/>
+          </p:cNvCxnSpPr>
+          <p:nvPr/>
+        </p:nvCxnSpPr>
+        <p:spPr>
+          <a:xfrm>
+            <a:off x="2449773" y="1487606"/>
+            <a:ext cx="61415" cy="818866"/>
+          </a:xfrm>
+          <a:prstGeom prst="straightConnector1">
+            <a:avLst/>
+          </a:prstGeom>
+          <a:ln>
+            <a:tailEnd type="triangle"/>
+          </a:ln>
+        </p:spPr>
+        <p:style>
+          <a:lnRef idx="1">
+            <a:schemeClr val="accent1"/>
+          </a:lnRef>
+          <a:fillRef idx="0">
+            <a:schemeClr val="accent1"/>
+          </a:fillRef>
+          <a:effectRef idx="0">
+            <a:schemeClr val="accent1"/>
+          </a:effectRef>
+          <a:fontRef idx="minor">
+            <a:schemeClr val="tx1"/>
+          </a:fontRef>
+        </p:style>
+      </p:cxnSp>
+      <p:cxnSp>
+        <p:nvCxnSpPr>
+          <p:cNvPr id="17" name="Straight Arrow Connector 16">
+            <a:extLst>
+              <a:ext uri="{FF2B5EF4-FFF2-40B4-BE49-F238E27FC236}">
+                <a16:creationId xmlns:a16="http://schemas.microsoft.com/office/drawing/2014/main" id="{8ED3FA70-C1FC-CCE7-8B6F-A8AE092E0488}"/>
+              </a:ext>
+            </a:extLst>
+          </p:cNvPr>
+          <p:cNvCxnSpPr>
+            <a:stCxn id="5" idx="3"/>
+            <a:endCxn id="6" idx="0"/>
+          </p:cNvCxnSpPr>
+          <p:nvPr/>
+        </p:nvCxnSpPr>
+        <p:spPr>
+          <a:xfrm flipH="1">
+            <a:off x="2511188" y="1289714"/>
+            <a:ext cx="1801504" cy="1016758"/>
+          </a:xfrm>
+          <a:prstGeom prst="straightConnector1">
+            <a:avLst/>
+          </a:prstGeom>
+          <a:ln>
+            <a:tailEnd type="triangle"/>
+          </a:ln>
+        </p:spPr>
+        <p:style>
+          <a:lnRef idx="1">
+            <a:schemeClr val="accent1"/>
+          </a:lnRef>
+          <a:fillRef idx="0">
+            <a:schemeClr val="accent1"/>
+          </a:fillRef>
+          <a:effectRef idx="0">
+            <a:schemeClr val="accent1"/>
+          </a:effectRef>
+          <a:fontRef idx="minor">
+            <a:schemeClr val="tx1"/>
+          </a:fontRef>
+        </p:style>
+      </p:cxnSp>
+      <p:cxnSp>
+        <p:nvCxnSpPr>
+          <p:cNvPr id="19" name="Straight Arrow Connector 18">
+            <a:extLst>
+              <a:ext uri="{FF2B5EF4-FFF2-40B4-BE49-F238E27FC236}">
+                <a16:creationId xmlns:a16="http://schemas.microsoft.com/office/drawing/2014/main" id="{7B0293FD-6DCC-E6C5-4007-D41ED4468E19}"/>
+              </a:ext>
+            </a:extLst>
+          </p:cNvPr>
+          <p:cNvCxnSpPr>
+            <a:stCxn id="5" idx="1"/>
+            <a:endCxn id="6" idx="0"/>
+          </p:cNvCxnSpPr>
+          <p:nvPr/>
+        </p:nvCxnSpPr>
+        <p:spPr>
+          <a:xfrm>
+            <a:off x="586853" y="1289714"/>
+            <a:ext cx="1924335" cy="1016758"/>
+          </a:xfrm>
+          <a:prstGeom prst="straightConnector1">
+            <a:avLst/>
+          </a:prstGeom>
+          <a:ln>
+            <a:tailEnd type="triangle"/>
+          </a:ln>
+        </p:spPr>
+        <p:style>
+          <a:lnRef idx="1">
+            <a:schemeClr val="accent1"/>
+          </a:lnRef>
+          <a:fillRef idx="0">
+            <a:schemeClr val="accent1"/>
+          </a:fillRef>
+          <a:effectRef idx="0">
+            <a:schemeClr val="accent1"/>
+          </a:effectRef>
+          <a:fontRef idx="minor">
+            <a:schemeClr val="tx1"/>
+          </a:fontRef>
+        </p:style>
+      </p:cxnSp>
+      <p:cxnSp>
+        <p:nvCxnSpPr>
+          <p:cNvPr id="21" name="Connector: Elbow 20">
+            <a:extLst>
+              <a:ext uri="{FF2B5EF4-FFF2-40B4-BE49-F238E27FC236}">
+                <a16:creationId xmlns:a16="http://schemas.microsoft.com/office/drawing/2014/main" id="{E62B207A-6935-C6C4-E3C3-F7FACCF6536D}"/>
+              </a:ext>
+            </a:extLst>
+          </p:cNvPr>
+          <p:cNvCxnSpPr>
+            <a:stCxn id="8" idx="3"/>
+            <a:endCxn id="9" idx="1"/>
+          </p:cNvCxnSpPr>
+          <p:nvPr/>
+        </p:nvCxnSpPr>
+        <p:spPr>
+          <a:xfrm flipV="1">
+            <a:off x="4312692" y="2158649"/>
+            <a:ext cx="2374710" cy="2256402"/>
+          </a:xfrm>
+          <a:prstGeom prst="bentConnector3">
+            <a:avLst/>
+          </a:prstGeom>
+          <a:ln>
+            <a:tailEnd type="triangle"/>
+          </a:ln>
+        </p:spPr>
+        <p:style>
+          <a:lnRef idx="1">
+            <a:schemeClr val="accent1"/>
+          </a:lnRef>
+          <a:fillRef idx="0">
+            <a:schemeClr val="accent1"/>
+          </a:fillRef>
+          <a:effectRef idx="0">
+            <a:schemeClr val="accent1"/>
+          </a:effectRef>
+          <a:fontRef idx="minor">
+            <a:schemeClr val="tx1"/>
+          </a:fontRef>
+        </p:style>
+      </p:cxnSp>
+      <p:sp>
+        <p:nvSpPr>
+          <p:cNvPr id="22" name="TextBox 21">
+            <a:extLst>
+              <a:ext uri="{FF2B5EF4-FFF2-40B4-BE49-F238E27FC236}">
+                <a16:creationId xmlns:a16="http://schemas.microsoft.com/office/drawing/2014/main" id="{7B8AFADF-081F-9006-732B-837B2DB1DD76}"/>
+              </a:ext>
+            </a:extLst>
+          </p:cNvPr>
+          <p:cNvSpPr txBox="1"/>
+          <p:nvPr/>
+        </p:nvSpPr>
+        <p:spPr>
+          <a:xfrm>
+            <a:off x="5359021" y="1831103"/>
+            <a:ext cx="982637" cy="369332"/>
+          </a:xfrm>
+          <a:prstGeom prst="rect">
+            <a:avLst/>
+          </a:prstGeom>
+          <a:noFill/>
+        </p:spPr>
+        <p:txBody>
+          <a:bodyPr wrap="square" rtlCol="0">
+            <a:spAutoFit/>
+          </a:bodyPr>
+          <a:lstStyle/>
+          <a:p>
+            <a:r>
+              <a:rPr lang="en-US" dirty="0"/>
+              <a:t>Start</a:t>
+            </a:r>
+          </a:p>
+        </p:txBody>
+      </p:sp>
+      <p:cxnSp>
+        <p:nvCxnSpPr>
+          <p:cNvPr id="29" name="Connector: Elbow 28">
+            <a:extLst>
+              <a:ext uri="{FF2B5EF4-FFF2-40B4-BE49-F238E27FC236}">
+                <a16:creationId xmlns:a16="http://schemas.microsoft.com/office/drawing/2014/main" id="{C305CFF5-B983-8925-5978-4EB7216D02D6}"/>
+              </a:ext>
+            </a:extLst>
+          </p:cNvPr>
+          <p:cNvCxnSpPr>
+            <a:stCxn id="9" idx="3"/>
+            <a:endCxn id="11" idx="0"/>
+          </p:cNvCxnSpPr>
+          <p:nvPr/>
+        </p:nvCxnSpPr>
+        <p:spPr>
+          <a:xfrm flipH="1">
+            <a:off x="7936173" y="2158649"/>
+            <a:ext cx="880280" cy="2647580"/>
+          </a:xfrm>
+          <a:prstGeom prst="bentConnector4">
+            <a:avLst>
+              <a:gd name="adj1" fmla="val -25969"/>
+              <a:gd name="adj2" fmla="val 54941"/>
+            </a:avLst>
+          </a:prstGeom>
+        </p:spPr>
+        <p:style>
+          <a:lnRef idx="1">
+            <a:schemeClr val="accent1"/>
+          </a:lnRef>
+          <a:fillRef idx="0">
+            <a:schemeClr val="accent1"/>
+          </a:fillRef>
+          <a:effectRef idx="0">
+            <a:schemeClr val="accent1"/>
+          </a:effectRef>
+          <a:fontRef idx="minor">
+            <a:schemeClr val="tx1"/>
+          </a:fontRef>
+        </p:style>
+      </p:cxnSp>
+      <p:cxnSp>
+        <p:nvCxnSpPr>
+          <p:cNvPr id="31" name="Connector: Elbow 30">
+            <a:extLst>
+              <a:ext uri="{FF2B5EF4-FFF2-40B4-BE49-F238E27FC236}">
+                <a16:creationId xmlns:a16="http://schemas.microsoft.com/office/drawing/2014/main" id="{3C44FAC9-C357-DAAB-8CB1-47CEB9443853}"/>
+              </a:ext>
+            </a:extLst>
+          </p:cNvPr>
+          <p:cNvCxnSpPr>
+            <a:stCxn id="8" idx="3"/>
+          </p:cNvCxnSpPr>
+          <p:nvPr/>
+        </p:nvCxnSpPr>
+        <p:spPr>
+          <a:xfrm>
+            <a:off x="4312692" y="4415051"/>
+            <a:ext cx="614150" cy="652788"/>
+          </a:xfrm>
+          <a:prstGeom prst="bentConnector2">
+            <a:avLst/>
+          </a:prstGeom>
+          <a:ln>
+            <a:tailEnd type="triangle"/>
+          </a:ln>
+        </p:spPr>
+        <p:style>
+          <a:lnRef idx="1">
+            <a:schemeClr val="accent1"/>
+          </a:lnRef>
+          <a:fillRef idx="0">
+            <a:schemeClr val="accent1"/>
+          </a:fillRef>
+          <a:effectRef idx="0">
+            <a:schemeClr val="accent1"/>
+          </a:effectRef>
+          <a:fontRef idx="minor">
+            <a:schemeClr val="tx1"/>
+          </a:fontRef>
+        </p:style>
+      </p:cxnSp>
+      <p:sp>
+        <p:nvSpPr>
+          <p:cNvPr id="32" name="TextBox 31">
+            <a:extLst>
+              <a:ext uri="{FF2B5EF4-FFF2-40B4-BE49-F238E27FC236}">
+                <a16:creationId xmlns:a16="http://schemas.microsoft.com/office/drawing/2014/main" id="{1F566AB9-3315-BBC8-193D-4DAA694C8CDA}"/>
+              </a:ext>
+            </a:extLst>
+          </p:cNvPr>
+          <p:cNvSpPr txBox="1"/>
+          <p:nvPr/>
+        </p:nvSpPr>
+        <p:spPr>
+          <a:xfrm>
+            <a:off x="4635768" y="5067839"/>
+            <a:ext cx="582147" cy="369332"/>
+          </a:xfrm>
+          <a:prstGeom prst="rect">
+            <a:avLst/>
+          </a:prstGeom>
+          <a:noFill/>
+        </p:spPr>
+        <p:txBody>
+          <a:bodyPr wrap="none" rtlCol="0">
+            <a:spAutoFit/>
+          </a:bodyPr>
+          <a:lstStyle/>
+          <a:p>
+            <a:r>
+              <a:rPr lang="en-US" dirty="0"/>
+              <a:t>“FS”</a:t>
+            </a:r>
+          </a:p>
+        </p:txBody>
+      </p:sp>
+      <p:cxnSp>
+        <p:nvCxnSpPr>
+          <p:cNvPr id="34" name="Connector: Elbow 33">
+            <a:extLst>
+              <a:ext uri="{FF2B5EF4-FFF2-40B4-BE49-F238E27FC236}">
+                <a16:creationId xmlns:a16="http://schemas.microsoft.com/office/drawing/2014/main" id="{2E4B9C13-12D0-A52C-F66E-6F049FD30B44}"/>
+              </a:ext>
+            </a:extLst>
+          </p:cNvPr>
+          <p:cNvCxnSpPr>
+            <a:stCxn id="32" idx="3"/>
+          </p:cNvCxnSpPr>
+          <p:nvPr/>
+        </p:nvCxnSpPr>
+        <p:spPr>
+          <a:xfrm flipV="1">
+            <a:off x="5217915" y="5067839"/>
+            <a:ext cx="1960807" cy="184666"/>
+          </a:xfrm>
+          <a:prstGeom prst="bentConnector3">
+            <a:avLst/>
+          </a:prstGeom>
+          <a:ln>
+            <a:tailEnd type="triangle"/>
+          </a:ln>
+        </p:spPr>
+        <p:style>
+          <a:lnRef idx="1">
+            <a:schemeClr val="accent1"/>
+          </a:lnRef>
+          <a:fillRef idx="0">
+            <a:schemeClr val="accent1"/>
+          </a:fillRef>
+          <a:effectRef idx="0">
+            <a:schemeClr val="accent1"/>
+          </a:effectRef>
+          <a:fontRef idx="minor">
+            <a:schemeClr val="tx1"/>
+          </a:fontRef>
+        </p:style>
+      </p:cxnSp>
+      <p:sp>
+        <p:nvSpPr>
+          <p:cNvPr id="35" name="TextBox 34">
+            <a:extLst>
+              <a:ext uri="{FF2B5EF4-FFF2-40B4-BE49-F238E27FC236}">
+                <a16:creationId xmlns:a16="http://schemas.microsoft.com/office/drawing/2014/main" id="{1E056090-BCAB-B809-59DC-7F7191840339}"/>
+              </a:ext>
+            </a:extLst>
+          </p:cNvPr>
+          <p:cNvSpPr txBox="1"/>
+          <p:nvPr/>
+        </p:nvSpPr>
+        <p:spPr>
+          <a:xfrm>
+            <a:off x="5850339" y="4741445"/>
+            <a:ext cx="915956" cy="369332"/>
+          </a:xfrm>
+          <a:prstGeom prst="rect">
+            <a:avLst/>
+          </a:prstGeom>
+          <a:noFill/>
+        </p:spPr>
+        <p:txBody>
+          <a:bodyPr wrap="none" rtlCol="0">
+            <a:spAutoFit/>
+          </a:bodyPr>
+          <a:lstStyle/>
+          <a:p>
+            <a:r>
+              <a:rPr lang="en-US" dirty="0"/>
+              <a:t>Send To</a:t>
+            </a:r>
+          </a:p>
+        </p:txBody>
+      </p:sp>
+      <p:sp>
+        <p:nvSpPr>
+          <p:cNvPr id="36" name="Arrow: Right 35">
+            <a:extLst>
+              <a:ext uri="{FF2B5EF4-FFF2-40B4-BE49-F238E27FC236}">
+                <a16:creationId xmlns:a16="http://schemas.microsoft.com/office/drawing/2014/main" id="{231443D2-3164-BF96-6562-7CC8EDF4BCDE}"/>
+              </a:ext>
+            </a:extLst>
+          </p:cNvPr>
+          <p:cNvSpPr/>
+          <p:nvPr/>
+        </p:nvSpPr>
+        <p:spPr>
+          <a:xfrm>
+            <a:off x="8980227" y="4926111"/>
+            <a:ext cx="1187355" cy="326394"/>
+          </a:xfrm>
+          <a:prstGeom prst="rightArrow">
+            <a:avLst/>
+          </a:prstGeom>
+        </p:spPr>
+        <p:style>
+          <a:lnRef idx="2">
+            <a:schemeClr val="accent1">
+              <a:shade val="50000"/>
+            </a:schemeClr>
+          </a:lnRef>
+          <a:fillRef idx="1">
+            <a:schemeClr val="accent1"/>
+          </a:fillRef>
+          <a:effectRef idx="0">
+            <a:schemeClr val="accent1"/>
+          </a:effectRef>
+          <a:fontRef idx="minor">
+            <a:schemeClr val="lt1"/>
+          </a:fontRef>
+        </p:style>
+        <p:txBody>
+          <a:bodyPr rtlCol="0" anchor="ctr"/>
+          <a:lstStyle/>
+          <a:p>
+            <a:pPr algn="ctr"/>
+            <a:endParaRPr lang="en-US"/>
+          </a:p>
+        </p:txBody>
+      </p:sp>
+    </p:spTree>
+    <p:extLst>
+      <p:ext uri="{BB962C8B-B14F-4D97-AF65-F5344CB8AC3E}">
+        <p14:creationId xmlns:p14="http://schemas.microsoft.com/office/powerpoint/2010/main" val="259284100"/>
+      </p:ext>
+    </p:extLst>
+  </p:cSld>
+  <p:clrMapOvr>
+    <a:masterClrMapping/>
+  </p:clrMapOvr>
+</p:sld>
+</file>
+
+<file path=ppt/slides/slide26.xml><?xml version="1.0" encoding="utf-8"?>
+<p:sld xmlns:a="http://schemas.openxmlformats.org/drawingml/2006/main" xmlns:r="http://schemas.openxmlformats.org/officeDocument/2006/relationships" xmlns:p="http://schemas.openxmlformats.org/presentationml/2006/main">
+  <p:cSld>
+    <p:spTree>
+      <p:nvGrpSpPr>
+        <p:cNvPr id="1" name=""/>
+        <p:cNvGrpSpPr/>
+        <p:nvPr/>
+      </p:nvGrpSpPr>
+      <p:grpSpPr>
+        <a:xfrm>
+          <a:off x="0" y="0"/>
+          <a:ext cx="0" cy="0"/>
+          <a:chOff x="0" y="0"/>
+          <a:chExt cx="0" cy="0"/>
+        </a:xfrm>
+      </p:grpSpPr>
+      <p:sp>
+        <p:nvSpPr>
+          <p:cNvPr id="4" name="TextBox 3">
+            <a:extLst>
+              <a:ext uri="{FF2B5EF4-FFF2-40B4-BE49-F238E27FC236}">
+                <a16:creationId xmlns:a16="http://schemas.microsoft.com/office/drawing/2014/main" id="{7BAA2266-C2DA-CBBB-EB2A-AB58BAB93013}"/>
+              </a:ext>
+            </a:extLst>
+          </p:cNvPr>
+          <p:cNvSpPr txBox="1"/>
+          <p:nvPr/>
+        </p:nvSpPr>
+        <p:spPr>
+          <a:xfrm>
+            <a:off x="5622878" y="218364"/>
+            <a:ext cx="1624034" cy="369332"/>
+          </a:xfrm>
+          <a:prstGeom prst="rect">
+            <a:avLst/>
+          </a:prstGeom>
+          <a:noFill/>
+        </p:spPr>
+        <p:txBody>
+          <a:bodyPr wrap="none" rtlCol="0">
+            <a:spAutoFit/>
+          </a:bodyPr>
+          <a:lstStyle/>
+          <a:p>
+            <a:r>
+              <a:rPr lang="en-US" dirty="0"/>
+              <a:t>The Event Loop</a:t>
+            </a:r>
+          </a:p>
+        </p:txBody>
+      </p:sp>
+      <p:sp>
+        <p:nvSpPr>
+          <p:cNvPr id="5" name="Arrow: Curved Down 4">
+            <a:extLst>
+              <a:ext uri="{FF2B5EF4-FFF2-40B4-BE49-F238E27FC236}">
+                <a16:creationId xmlns:a16="http://schemas.microsoft.com/office/drawing/2014/main" id="{60DEAA4F-253B-9C32-5F05-B3AADF31A9EE}"/>
+              </a:ext>
+            </a:extLst>
+          </p:cNvPr>
+          <p:cNvSpPr/>
+          <p:nvPr/>
+        </p:nvSpPr>
+        <p:spPr>
+          <a:xfrm>
+            <a:off x="2920621" y="1460310"/>
+            <a:ext cx="3439236" cy="1433015"/>
+          </a:xfrm>
+          <a:prstGeom prst="curvedDownArrow">
+            <a:avLst/>
+          </a:prstGeom>
+        </p:spPr>
+        <p:style>
+          <a:lnRef idx="2">
+            <a:schemeClr val="accent1">
+              <a:shade val="50000"/>
+            </a:schemeClr>
+          </a:lnRef>
+          <a:fillRef idx="1">
+            <a:schemeClr val="accent1"/>
+          </a:fillRef>
+          <a:effectRef idx="0">
+            <a:schemeClr val="accent1"/>
+          </a:effectRef>
+          <a:fontRef idx="minor">
+            <a:schemeClr val="lt1"/>
+          </a:fontRef>
+        </p:style>
+        <p:txBody>
+          <a:bodyPr rtlCol="0" anchor="ctr"/>
+          <a:lstStyle/>
+          <a:p>
+            <a:pPr algn="ctr"/>
+            <a:endParaRPr lang="en-US">
+              <a:solidFill>
+                <a:schemeClr val="tx1"/>
+              </a:solidFill>
+            </a:endParaRPr>
+          </a:p>
+        </p:txBody>
+      </p:sp>
+      <p:sp>
+        <p:nvSpPr>
+          <p:cNvPr id="6" name="Arrow: Curved Down 5">
+            <a:extLst>
+              <a:ext uri="{FF2B5EF4-FFF2-40B4-BE49-F238E27FC236}">
+                <a16:creationId xmlns:a16="http://schemas.microsoft.com/office/drawing/2014/main" id="{F95CA8DE-C44C-ACDB-69B5-F457FC0B0A29}"/>
+              </a:ext>
+            </a:extLst>
+          </p:cNvPr>
+          <p:cNvSpPr/>
+          <p:nvPr/>
+        </p:nvSpPr>
+        <p:spPr>
+          <a:xfrm rot="10800000">
+            <a:off x="2790942" y="3049431"/>
+            <a:ext cx="3439236" cy="1433015"/>
+          </a:xfrm>
+          <a:prstGeom prst="curvedDownArrow">
+            <a:avLst/>
+          </a:prstGeom>
+        </p:spPr>
+        <p:style>
+          <a:lnRef idx="2">
+            <a:schemeClr val="accent1">
+              <a:shade val="50000"/>
+            </a:schemeClr>
+          </a:lnRef>
+          <a:fillRef idx="1">
+            <a:schemeClr val="accent1"/>
+          </a:fillRef>
+          <a:effectRef idx="0">
+            <a:schemeClr val="accent1"/>
+          </a:effectRef>
+          <a:fontRef idx="minor">
+            <a:schemeClr val="lt1"/>
+          </a:fontRef>
+        </p:style>
+        <p:txBody>
+          <a:bodyPr rtlCol="0" anchor="ctr"/>
+          <a:lstStyle/>
+          <a:p>
+            <a:pPr algn="ctr"/>
+            <a:endParaRPr lang="en-US">
+              <a:solidFill>
+                <a:schemeClr val="tx1"/>
+              </a:solidFill>
+            </a:endParaRPr>
+          </a:p>
+        </p:txBody>
+      </p:sp>
+      <p:sp>
+        <p:nvSpPr>
+          <p:cNvPr id="7" name="TextBox 6">
+            <a:extLst>
+              <a:ext uri="{FF2B5EF4-FFF2-40B4-BE49-F238E27FC236}">
+                <a16:creationId xmlns:a16="http://schemas.microsoft.com/office/drawing/2014/main" id="{41E61960-C1F2-ECBA-9DE2-6BA6AF9DA732}"/>
+              </a:ext>
+            </a:extLst>
+          </p:cNvPr>
+          <p:cNvSpPr txBox="1"/>
+          <p:nvPr/>
+        </p:nvSpPr>
+        <p:spPr>
+          <a:xfrm>
+            <a:off x="8570794" y="1132764"/>
+            <a:ext cx="815480" cy="369332"/>
+          </a:xfrm>
+          <a:prstGeom prst="rect">
+            <a:avLst/>
+          </a:prstGeom>
+          <a:noFill/>
+        </p:spPr>
+        <p:txBody>
+          <a:bodyPr wrap="none" rtlCol="0">
+            <a:spAutoFit/>
+          </a:bodyPr>
+          <a:lstStyle/>
+          <a:p>
+            <a:r>
+              <a:rPr lang="en-US" dirty="0"/>
+              <a:t>Timers</a:t>
+            </a:r>
+          </a:p>
+        </p:txBody>
+      </p:sp>
+      <p:sp>
+        <p:nvSpPr>
+          <p:cNvPr id="8" name="TextBox 7">
+            <a:extLst>
+              <a:ext uri="{FF2B5EF4-FFF2-40B4-BE49-F238E27FC236}">
+                <a16:creationId xmlns:a16="http://schemas.microsoft.com/office/drawing/2014/main" id="{CB53FC9D-2444-E086-7C22-579A59E0A475}"/>
+              </a:ext>
+            </a:extLst>
+          </p:cNvPr>
+          <p:cNvSpPr txBox="1"/>
+          <p:nvPr/>
+        </p:nvSpPr>
+        <p:spPr>
+          <a:xfrm>
+            <a:off x="8570794" y="2570159"/>
+            <a:ext cx="2129051" cy="369332"/>
+          </a:xfrm>
+          <a:prstGeom prst="rect">
+            <a:avLst/>
+          </a:prstGeom>
+          <a:noFill/>
+        </p:spPr>
+        <p:txBody>
+          <a:bodyPr wrap="square" rtlCol="0">
+            <a:spAutoFit/>
+          </a:bodyPr>
+          <a:lstStyle/>
+          <a:p>
+            <a:r>
+              <a:rPr lang="en-US" dirty="0"/>
+              <a:t>Pending Callbacks</a:t>
+            </a:r>
+          </a:p>
+        </p:txBody>
+      </p:sp>
+      <p:sp>
+        <p:nvSpPr>
+          <p:cNvPr id="9" name="TextBox 8">
+            <a:extLst>
+              <a:ext uri="{FF2B5EF4-FFF2-40B4-BE49-F238E27FC236}">
+                <a16:creationId xmlns:a16="http://schemas.microsoft.com/office/drawing/2014/main" id="{CE56FB41-88A3-7DC3-FCB8-3BC799939386}"/>
+              </a:ext>
+            </a:extLst>
+          </p:cNvPr>
+          <p:cNvSpPr txBox="1"/>
+          <p:nvPr/>
+        </p:nvSpPr>
+        <p:spPr>
+          <a:xfrm>
+            <a:off x="8693624" y="1712962"/>
+            <a:ext cx="2129051" cy="646331"/>
+          </a:xfrm>
+          <a:prstGeom prst="rect">
+            <a:avLst/>
+          </a:prstGeom>
+          <a:noFill/>
+        </p:spPr>
+        <p:txBody>
+          <a:bodyPr wrap="square" rtlCol="0">
+            <a:spAutoFit/>
+          </a:bodyPr>
+          <a:lstStyle/>
+          <a:p>
+            <a:r>
+              <a:rPr lang="en-US" dirty="0"/>
+              <a:t>Execute setTimout, setInterval Callbacks</a:t>
+            </a:r>
+          </a:p>
+        </p:txBody>
+      </p:sp>
+      <p:sp>
+        <p:nvSpPr>
+          <p:cNvPr id="10" name="TextBox 9">
+            <a:extLst>
+              <a:ext uri="{FF2B5EF4-FFF2-40B4-BE49-F238E27FC236}">
+                <a16:creationId xmlns:a16="http://schemas.microsoft.com/office/drawing/2014/main" id="{C0B7C13A-A7D2-CED6-31B4-925AEE9EE480}"/>
+              </a:ext>
+            </a:extLst>
+          </p:cNvPr>
+          <p:cNvSpPr txBox="1"/>
+          <p:nvPr/>
+        </p:nvSpPr>
+        <p:spPr>
+          <a:xfrm>
+            <a:off x="8570794" y="3093743"/>
+            <a:ext cx="2620370" cy="923330"/>
+          </a:xfrm>
+          <a:prstGeom prst="rect">
+            <a:avLst/>
+          </a:prstGeom>
+          <a:noFill/>
+        </p:spPr>
+        <p:txBody>
+          <a:bodyPr wrap="square" rtlCol="0">
+            <a:spAutoFit/>
+          </a:bodyPr>
+          <a:lstStyle/>
+          <a:p>
+            <a:r>
+              <a:rPr lang="en-US" dirty="0"/>
+              <a:t>Execute I/O-related callbacks that were deferred</a:t>
+            </a:r>
+          </a:p>
+        </p:txBody>
+      </p:sp>
+      <p:sp>
+        <p:nvSpPr>
+          <p:cNvPr id="11" name="TextBox 10">
+            <a:extLst>
+              <a:ext uri="{FF2B5EF4-FFF2-40B4-BE49-F238E27FC236}">
+                <a16:creationId xmlns:a16="http://schemas.microsoft.com/office/drawing/2014/main" id="{BC8EA65A-2736-6AFE-E757-B70D133BB24C}"/>
+              </a:ext>
+            </a:extLst>
+          </p:cNvPr>
+          <p:cNvSpPr txBox="1"/>
+          <p:nvPr/>
+        </p:nvSpPr>
+        <p:spPr>
+          <a:xfrm>
+            <a:off x="8533236" y="137068"/>
+            <a:ext cx="2736070" cy="923330"/>
+          </a:xfrm>
+          <a:prstGeom prst="rect">
+            <a:avLst/>
+          </a:prstGeom>
+          <a:solidFill>
+            <a:schemeClr val="accent2"/>
+          </a:solidFill>
+        </p:spPr>
+        <p:txBody>
+          <a:bodyPr wrap="none" rtlCol="0">
+            <a:spAutoFit/>
+          </a:bodyPr>
+          <a:lstStyle/>
+          <a:p>
+            <a:r>
+              <a:rPr lang="en-US" dirty="0"/>
+              <a:t>I/O?</a:t>
+            </a:r>
+          </a:p>
+          <a:p>
+            <a:r>
+              <a:rPr lang="en-US" dirty="0"/>
+              <a:t>Input &amp; Output</a:t>
+            </a:r>
+          </a:p>
+          <a:p>
+            <a:r>
+              <a:rPr lang="en-US" dirty="0"/>
+              <a:t>Disk &amp; Network Operations</a:t>
+            </a:r>
+          </a:p>
+        </p:txBody>
+      </p:sp>
+      <p:sp>
+        <p:nvSpPr>
+          <p:cNvPr id="12" name="TextBox 11">
+            <a:extLst>
+              <a:ext uri="{FF2B5EF4-FFF2-40B4-BE49-F238E27FC236}">
+                <a16:creationId xmlns:a16="http://schemas.microsoft.com/office/drawing/2014/main" id="{84A866F2-7CAF-EA1D-8A9B-11E0C7D21C52}"/>
+              </a:ext>
+            </a:extLst>
+          </p:cNvPr>
+          <p:cNvSpPr txBox="1"/>
+          <p:nvPr/>
+        </p:nvSpPr>
+        <p:spPr>
+          <a:xfrm>
+            <a:off x="8693624" y="4285397"/>
+            <a:ext cx="526298" cy="369332"/>
+          </a:xfrm>
+          <a:prstGeom prst="rect">
+            <a:avLst/>
+          </a:prstGeom>
+          <a:noFill/>
+        </p:spPr>
+        <p:txBody>
+          <a:bodyPr wrap="none" rtlCol="0">
+            <a:spAutoFit/>
+          </a:bodyPr>
+          <a:lstStyle/>
+          <a:p>
+            <a:r>
+              <a:rPr lang="en-US" dirty="0"/>
+              <a:t>Poll</a:t>
+            </a:r>
+          </a:p>
+        </p:txBody>
+      </p:sp>
+      <p:sp>
+        <p:nvSpPr>
+          <p:cNvPr id="13" name="TextBox 12">
+            <a:extLst>
+              <a:ext uri="{FF2B5EF4-FFF2-40B4-BE49-F238E27FC236}">
+                <a16:creationId xmlns:a16="http://schemas.microsoft.com/office/drawing/2014/main" id="{2FA6D771-99F8-5860-0725-E208369D3DA6}"/>
+              </a:ext>
+            </a:extLst>
+          </p:cNvPr>
+          <p:cNvSpPr txBox="1"/>
+          <p:nvPr/>
+        </p:nvSpPr>
+        <p:spPr>
+          <a:xfrm>
+            <a:off x="8570794" y="5145038"/>
+            <a:ext cx="2549801" cy="646331"/>
+          </a:xfrm>
+          <a:prstGeom prst="rect">
+            <a:avLst/>
+          </a:prstGeom>
+          <a:noFill/>
+        </p:spPr>
+        <p:txBody>
+          <a:bodyPr wrap="none" rtlCol="0">
+            <a:spAutoFit/>
+          </a:bodyPr>
+          <a:lstStyle/>
+          <a:p>
+            <a:r>
+              <a:rPr lang="en-US" dirty="0"/>
+              <a:t>Retrieve new I/O events, </a:t>
+            </a:r>
+          </a:p>
+          <a:p>
+            <a:r>
+              <a:rPr lang="en-US" dirty="0"/>
+              <a:t>Execute their callbacks</a:t>
+            </a:r>
+          </a:p>
+        </p:txBody>
+      </p:sp>
+      <p:sp>
+        <p:nvSpPr>
+          <p:cNvPr id="14" name="TextBox 13">
+            <a:extLst>
+              <a:ext uri="{FF2B5EF4-FFF2-40B4-BE49-F238E27FC236}">
+                <a16:creationId xmlns:a16="http://schemas.microsoft.com/office/drawing/2014/main" id="{8632DA2E-634A-20CB-AAEE-A815F419C862}"/>
+              </a:ext>
+            </a:extLst>
+          </p:cNvPr>
+          <p:cNvSpPr txBox="1"/>
+          <p:nvPr/>
+        </p:nvSpPr>
+        <p:spPr>
+          <a:xfrm>
+            <a:off x="586854" y="5145038"/>
+            <a:ext cx="2404826" cy="646331"/>
+          </a:xfrm>
+          <a:prstGeom prst="rect">
+            <a:avLst/>
+          </a:prstGeom>
+          <a:noFill/>
+        </p:spPr>
+        <p:txBody>
+          <a:bodyPr wrap="none" rtlCol="0">
+            <a:spAutoFit/>
+          </a:bodyPr>
+          <a:lstStyle/>
+          <a:p>
+            <a:r>
+              <a:rPr lang="en-US" dirty="0"/>
+              <a:t>Execute </a:t>
+            </a:r>
+            <a:r>
+              <a:rPr lang="en-US" dirty="0" err="1"/>
+              <a:t>setImmediate</a:t>
+            </a:r>
+            <a:r>
+              <a:rPr lang="en-US" dirty="0"/>
+              <a:t>()</a:t>
+            </a:r>
+          </a:p>
+          <a:p>
+            <a:r>
+              <a:rPr lang="en-US" dirty="0"/>
+              <a:t>callbacks</a:t>
+            </a:r>
+          </a:p>
+        </p:txBody>
+      </p:sp>
+      <p:sp>
+        <p:nvSpPr>
+          <p:cNvPr id="15" name="TextBox 14">
+            <a:extLst>
+              <a:ext uri="{FF2B5EF4-FFF2-40B4-BE49-F238E27FC236}">
+                <a16:creationId xmlns:a16="http://schemas.microsoft.com/office/drawing/2014/main" id="{EEF9630E-9599-1E32-AEFB-859E0EF9BA39}"/>
+              </a:ext>
+            </a:extLst>
+          </p:cNvPr>
+          <p:cNvSpPr txBox="1"/>
+          <p:nvPr/>
+        </p:nvSpPr>
+        <p:spPr>
+          <a:xfrm>
+            <a:off x="586854" y="4285397"/>
+            <a:ext cx="721672" cy="369332"/>
+          </a:xfrm>
+          <a:prstGeom prst="rect">
+            <a:avLst/>
+          </a:prstGeom>
+          <a:noFill/>
+        </p:spPr>
+        <p:txBody>
+          <a:bodyPr wrap="none" rtlCol="0">
+            <a:spAutoFit/>
+          </a:bodyPr>
+          <a:lstStyle/>
+          <a:p>
+            <a:r>
+              <a:rPr lang="en-US" dirty="0"/>
+              <a:t>check</a:t>
+            </a:r>
+          </a:p>
+        </p:txBody>
+      </p:sp>
+      <p:sp>
+        <p:nvSpPr>
+          <p:cNvPr id="16" name="TextBox 15">
+            <a:extLst>
+              <a:ext uri="{FF2B5EF4-FFF2-40B4-BE49-F238E27FC236}">
+                <a16:creationId xmlns:a16="http://schemas.microsoft.com/office/drawing/2014/main" id="{D00FD389-6076-CB90-841A-0B13C019B4A4}"/>
+              </a:ext>
+            </a:extLst>
+          </p:cNvPr>
+          <p:cNvSpPr txBox="1"/>
+          <p:nvPr/>
+        </p:nvSpPr>
+        <p:spPr>
+          <a:xfrm>
+            <a:off x="586854" y="3425756"/>
+            <a:ext cx="1883391" cy="646331"/>
+          </a:xfrm>
+          <a:prstGeom prst="rect">
+            <a:avLst/>
+          </a:prstGeom>
+          <a:noFill/>
+        </p:spPr>
+        <p:txBody>
+          <a:bodyPr wrap="square" rtlCol="0">
+            <a:spAutoFit/>
+          </a:bodyPr>
+          <a:lstStyle/>
+          <a:p>
+            <a:r>
+              <a:rPr lang="en-US" dirty="0"/>
+              <a:t>Execute all ‘close’ event callbacks</a:t>
+            </a:r>
+          </a:p>
+        </p:txBody>
+      </p:sp>
+      <p:sp>
+        <p:nvSpPr>
+          <p:cNvPr id="17" name="TextBox 16">
+            <a:extLst>
+              <a:ext uri="{FF2B5EF4-FFF2-40B4-BE49-F238E27FC236}">
+                <a16:creationId xmlns:a16="http://schemas.microsoft.com/office/drawing/2014/main" id="{66D2CFBE-A0B5-C84B-086E-3A108155EE7B}"/>
+              </a:ext>
+            </a:extLst>
+          </p:cNvPr>
+          <p:cNvSpPr txBox="1"/>
+          <p:nvPr/>
+        </p:nvSpPr>
+        <p:spPr>
+          <a:xfrm>
+            <a:off x="550459" y="2534270"/>
+            <a:ext cx="1883391" cy="369332"/>
+          </a:xfrm>
+          <a:prstGeom prst="rect">
+            <a:avLst/>
+          </a:prstGeom>
+          <a:noFill/>
+        </p:spPr>
+        <p:txBody>
+          <a:bodyPr wrap="square" rtlCol="0">
+            <a:spAutoFit/>
+          </a:bodyPr>
+          <a:lstStyle/>
+          <a:p>
+            <a:r>
+              <a:rPr lang="en-US" dirty="0"/>
+              <a:t>Close Callbacks</a:t>
+            </a:r>
+          </a:p>
+        </p:txBody>
+      </p:sp>
+      <p:sp>
+        <p:nvSpPr>
+          <p:cNvPr id="18" name="TextBox 17">
+            <a:extLst>
+              <a:ext uri="{FF2B5EF4-FFF2-40B4-BE49-F238E27FC236}">
+                <a16:creationId xmlns:a16="http://schemas.microsoft.com/office/drawing/2014/main" id="{A07E00AF-9164-5774-9126-723EDD5CF4A0}"/>
+              </a:ext>
+            </a:extLst>
+          </p:cNvPr>
+          <p:cNvSpPr txBox="1"/>
+          <p:nvPr/>
+        </p:nvSpPr>
+        <p:spPr>
+          <a:xfrm>
+            <a:off x="1108289" y="984153"/>
+            <a:ext cx="1883391" cy="369332"/>
+          </a:xfrm>
+          <a:prstGeom prst="rect">
+            <a:avLst/>
+          </a:prstGeom>
+          <a:noFill/>
+        </p:spPr>
+        <p:txBody>
+          <a:bodyPr wrap="square" rtlCol="0">
+            <a:spAutoFit/>
+          </a:bodyPr>
+          <a:lstStyle/>
+          <a:p>
+            <a:r>
+              <a:rPr lang="en-US" dirty="0" err="1"/>
+              <a:t>Process.exit</a:t>
+            </a:r>
+            <a:endParaRPr lang="en-US" dirty="0"/>
+          </a:p>
+        </p:txBody>
+      </p:sp>
+    </p:spTree>
+    <p:extLst>
+      <p:ext uri="{BB962C8B-B14F-4D97-AF65-F5344CB8AC3E}">
+        <p14:creationId xmlns:p14="http://schemas.microsoft.com/office/powerpoint/2010/main" val="2330171649"/>
+      </p:ext>
+    </p:extLst>
+  </p:cSld>
+  <p:clrMapOvr>
+    <a:masterClrMapping/>
+  </p:clrMapOvr>
+</p:sld>
+</file>
+
+<file path=ppt/slides/slide27.xml><?xml version="1.0" encoding="utf-8"?>
+<p:sld xmlns:a="http://schemas.openxmlformats.org/drawingml/2006/main" xmlns:r="http://schemas.openxmlformats.org/officeDocument/2006/relationships" xmlns:p="http://schemas.openxmlformats.org/presentationml/2006/main">
+  <p:cSld>
+    <p:spTree>
+      <p:nvGrpSpPr>
+        <p:cNvPr id="1" name=""/>
+        <p:cNvGrpSpPr/>
+        <p:nvPr/>
+      </p:nvGrpSpPr>
+      <p:grpSpPr>
+        <a:xfrm>
+          <a:off x="0" y="0"/>
+          <a:ext cx="0" cy="0"/>
+          <a:chOff x="0" y="0"/>
+          <a:chExt cx="0" cy="0"/>
+        </a:xfrm>
+      </p:grpSpPr>
+      <p:sp>
+        <p:nvSpPr>
+          <p:cNvPr id="3" name="Content Placeholder 2">
+            <a:extLst>
+              <a:ext uri="{FF2B5EF4-FFF2-40B4-BE49-F238E27FC236}">
+                <a16:creationId xmlns:a16="http://schemas.microsoft.com/office/drawing/2014/main" id="{695781FB-4334-D866-C7EB-008F129DF9D6}"/>
+              </a:ext>
+            </a:extLst>
+          </p:cNvPr>
+          <p:cNvSpPr>
+            <a:spLocks noGrp="1"/>
+          </p:cNvSpPr>
+          <p:nvPr>
+            <p:ph idx="1"/>
+          </p:nvPr>
+        </p:nvSpPr>
+        <p:spPr>
+          <a:xfrm>
+            <a:off x="838200" y="354842"/>
+            <a:ext cx="10515600" cy="5822121"/>
+          </a:xfrm>
+        </p:spPr>
+        <p:txBody>
+          <a:bodyPr/>
+          <a:lstStyle/>
+          <a:p>
+            <a:r>
+              <a:rPr lang="en-US" dirty="0"/>
+              <a:t>Using the Node Modules System</a:t>
+            </a:r>
+          </a:p>
+          <a:p>
+            <a:endParaRPr lang="en-US" dirty="0"/>
+          </a:p>
+          <a:p>
+            <a:r>
+              <a:rPr lang="en-US" dirty="0"/>
+              <a:t>Modules and Create Your Own Modules</a:t>
+            </a:r>
+          </a:p>
+        </p:txBody>
+      </p:sp>
+    </p:spTree>
+    <p:extLst>
+      <p:ext uri="{BB962C8B-B14F-4D97-AF65-F5344CB8AC3E}">
+        <p14:creationId xmlns:p14="http://schemas.microsoft.com/office/powerpoint/2010/main" val="1478815742"/>
+      </p:ext>
+    </p:extLst>
+  </p:cSld>
+  <p:clrMapOvr>
+    <a:masterClrMapping/>
+  </p:clrMapOvr>
+</p:sld>
+</file>
+
+<file path=ppt/slides/slide28.xml><?xml version="1.0" encoding="utf-8"?>
+<p:sld xmlns:a="http://schemas.openxmlformats.org/drawingml/2006/main" xmlns:r="http://schemas.openxmlformats.org/officeDocument/2006/relationships" xmlns:p="http://schemas.openxmlformats.org/presentationml/2006/main">
+  <p:cSld>
+    <p:spTree>
+      <p:nvGrpSpPr>
+        <p:cNvPr id="1" name=""/>
+        <p:cNvGrpSpPr/>
+        <p:nvPr/>
+      </p:nvGrpSpPr>
+      <p:grpSpPr>
+        <a:xfrm>
+          <a:off x="0" y="0"/>
+          <a:ext cx="0" cy="0"/>
+          <a:chOff x="0" y="0"/>
+          <a:chExt cx="0" cy="0"/>
+        </a:xfrm>
+      </p:grpSpPr>
+      <p:sp>
+        <p:nvSpPr>
+          <p:cNvPr id="4" name="Rectangle: Rounded Corners 3">
+            <a:extLst>
+              <a:ext uri="{FF2B5EF4-FFF2-40B4-BE49-F238E27FC236}">
+                <a16:creationId xmlns:a16="http://schemas.microsoft.com/office/drawing/2014/main" id="{77DAA70A-84BF-155B-A7B6-5B9FE86B1057}"/>
+              </a:ext>
+            </a:extLst>
+          </p:cNvPr>
+          <p:cNvSpPr/>
+          <p:nvPr/>
+        </p:nvSpPr>
+        <p:spPr>
+          <a:xfrm>
+            <a:off x="586854" y="136478"/>
+            <a:ext cx="914400" cy="914400"/>
+          </a:xfrm>
+          <a:prstGeom prst="roundRect">
+            <a:avLst/>
+          </a:prstGeom>
+        </p:spPr>
+        <p:style>
+          <a:lnRef idx="2">
+            <a:schemeClr val="accent1">
+              <a:shade val="50000"/>
+            </a:schemeClr>
+          </a:lnRef>
+          <a:fillRef idx="1">
+            <a:schemeClr val="accent1"/>
+          </a:fillRef>
+          <a:effectRef idx="0">
+            <a:schemeClr val="accent1"/>
+          </a:effectRef>
+          <a:fontRef idx="minor">
+            <a:schemeClr val="lt1"/>
+          </a:fontRef>
+        </p:style>
+        <p:txBody>
+          <a:bodyPr rtlCol="0" anchor="ctr"/>
+          <a:lstStyle/>
+          <a:p>
+            <a:pPr algn="ctr"/>
+            <a:r>
+              <a:rPr lang="en-US" sz="1200" dirty="0"/>
+              <a:t>Module Summary</a:t>
+            </a:r>
+          </a:p>
+        </p:txBody>
+      </p:sp>
+      <p:sp>
+        <p:nvSpPr>
+          <p:cNvPr id="5" name="Rectangle: Rounded Corners 4">
+            <a:extLst>
+              <a:ext uri="{FF2B5EF4-FFF2-40B4-BE49-F238E27FC236}">
+                <a16:creationId xmlns:a16="http://schemas.microsoft.com/office/drawing/2014/main" id="{524CF5D7-698F-33D5-17AF-7C7D55C9CCC1}"/>
+              </a:ext>
+            </a:extLst>
+          </p:cNvPr>
+          <p:cNvSpPr/>
+          <p:nvPr/>
+        </p:nvSpPr>
+        <p:spPr>
+          <a:xfrm>
+            <a:off x="586854" y="1323833"/>
+            <a:ext cx="6837528" cy="914400"/>
+          </a:xfrm>
+          <a:prstGeom prst="roundRect">
+            <a:avLst/>
+          </a:prstGeom>
+          <a:solidFill>
+            <a:schemeClr val="accent6">
+              <a:lumMod val="60000"/>
+              <a:lumOff val="40000"/>
+            </a:schemeClr>
+          </a:solidFill>
+        </p:spPr>
+        <p:style>
+          <a:lnRef idx="2">
+            <a:schemeClr val="accent1">
+              <a:shade val="50000"/>
+            </a:schemeClr>
+          </a:lnRef>
+          <a:fillRef idx="1">
+            <a:schemeClr val="accent1"/>
+          </a:fillRef>
+          <a:effectRef idx="0">
+            <a:schemeClr val="accent1"/>
+          </a:effectRef>
+          <a:fontRef idx="minor">
+            <a:schemeClr val="lt1"/>
+          </a:fontRef>
+        </p:style>
+        <p:txBody>
+          <a:bodyPr rtlCol="0" anchor="ctr"/>
+          <a:lstStyle/>
+          <a:p>
+            <a:pPr algn="ctr"/>
+            <a:r>
+              <a:rPr lang="en-US" sz="2000" dirty="0">
+                <a:solidFill>
+                  <a:schemeClr val="tx1">
+                    <a:lumMod val="95000"/>
+                    <a:lumOff val="5000"/>
+                  </a:schemeClr>
+                </a:solidFill>
+              </a:rPr>
+              <a:t>Client </a:t>
+            </a:r>
+            <a:r>
+              <a:rPr lang="en-US" sz="2000" dirty="0">
+                <a:solidFill>
+                  <a:schemeClr val="tx1">
+                    <a:lumMod val="95000"/>
+                    <a:lumOff val="5000"/>
+                  </a:schemeClr>
+                </a:solidFill>
+                <a:sym typeface="Wingdings" panose="05000000000000000000" pitchFamily="2" charset="2"/>
+              </a:rPr>
+              <a:t> Request  Server  Response  Client</a:t>
+            </a:r>
+            <a:endParaRPr lang="en-US" sz="2000" dirty="0">
+              <a:solidFill>
+                <a:schemeClr val="tx1">
+                  <a:lumMod val="95000"/>
+                  <a:lumOff val="5000"/>
+                </a:schemeClr>
+              </a:solidFill>
+            </a:endParaRPr>
+          </a:p>
+        </p:txBody>
+      </p:sp>
+      <p:sp>
+        <p:nvSpPr>
+          <p:cNvPr id="6" name="Rectangle: Rounded Corners 5">
+            <a:extLst>
+              <a:ext uri="{FF2B5EF4-FFF2-40B4-BE49-F238E27FC236}">
+                <a16:creationId xmlns:a16="http://schemas.microsoft.com/office/drawing/2014/main" id="{2A422661-DEF3-C3BB-1BCC-11840267BE02}"/>
+              </a:ext>
+            </a:extLst>
+          </p:cNvPr>
+          <p:cNvSpPr/>
+          <p:nvPr/>
+        </p:nvSpPr>
+        <p:spPr>
+          <a:xfrm>
+            <a:off x="1610436" y="1050878"/>
+            <a:ext cx="4790363" cy="501556"/>
+          </a:xfrm>
+          <a:prstGeom prst="roundRect">
+            <a:avLst/>
+          </a:prstGeom>
+          <a:solidFill>
+            <a:schemeClr val="accent6">
+              <a:lumMod val="50000"/>
+            </a:schemeClr>
+          </a:solidFill>
+        </p:spPr>
+        <p:style>
+          <a:lnRef idx="2">
+            <a:schemeClr val="accent1">
+              <a:shade val="50000"/>
+            </a:schemeClr>
+          </a:lnRef>
+          <a:fillRef idx="1">
+            <a:schemeClr val="accent1"/>
+          </a:fillRef>
+          <a:effectRef idx="0">
+            <a:schemeClr val="accent1"/>
+          </a:effectRef>
+          <a:fontRef idx="minor">
+            <a:schemeClr val="lt1"/>
+          </a:fontRef>
+        </p:style>
+        <p:txBody>
+          <a:bodyPr rtlCol="0" anchor="ctr"/>
+          <a:lstStyle/>
+          <a:p>
+            <a:pPr algn="ctr"/>
+            <a:r>
+              <a:rPr lang="en-US" sz="2400" dirty="0"/>
+              <a:t>How the Web Works</a:t>
+            </a:r>
+          </a:p>
+        </p:txBody>
+      </p:sp>
+      <p:sp>
+        <p:nvSpPr>
+          <p:cNvPr id="8" name="Rectangle: Rounded Corners 7">
+            <a:extLst>
+              <a:ext uri="{FF2B5EF4-FFF2-40B4-BE49-F238E27FC236}">
+                <a16:creationId xmlns:a16="http://schemas.microsoft.com/office/drawing/2014/main" id="{623F5FB5-AEB6-F0BE-8AC3-0DDB1418F89A}"/>
+              </a:ext>
+            </a:extLst>
+          </p:cNvPr>
+          <p:cNvSpPr/>
+          <p:nvPr/>
+        </p:nvSpPr>
+        <p:spPr>
+          <a:xfrm>
+            <a:off x="586854" y="2627194"/>
+            <a:ext cx="6837528" cy="1992574"/>
+          </a:xfrm>
+          <a:prstGeom prst="roundRect">
+            <a:avLst/>
+          </a:prstGeom>
+          <a:solidFill>
+            <a:schemeClr val="accent6">
+              <a:lumMod val="60000"/>
+              <a:lumOff val="40000"/>
+            </a:schemeClr>
+          </a:solidFill>
+        </p:spPr>
+        <p:style>
+          <a:lnRef idx="2">
+            <a:schemeClr val="accent1">
+              <a:shade val="50000"/>
+            </a:schemeClr>
+          </a:lnRef>
+          <a:fillRef idx="1">
+            <a:schemeClr val="accent1"/>
+          </a:fillRef>
+          <a:effectRef idx="0">
+            <a:schemeClr val="accent1"/>
+          </a:effectRef>
+          <a:fontRef idx="minor">
+            <a:schemeClr val="lt1"/>
+          </a:fontRef>
+        </p:style>
+        <p:txBody>
+          <a:bodyPr rtlCol="0" anchor="ctr"/>
+          <a:lstStyle/>
+          <a:p>
+            <a:pPr marL="342900" indent="-342900" algn="ctr">
+              <a:buFont typeface="Arial" panose="020B0604020202020204" pitchFamily="34" charset="0"/>
+              <a:buChar char="•"/>
+            </a:pPr>
+            <a:r>
+              <a:rPr lang="en-US" sz="2000" dirty="0">
+                <a:solidFill>
+                  <a:schemeClr val="tx1">
+                    <a:lumMod val="95000"/>
+                    <a:lumOff val="5000"/>
+                  </a:schemeClr>
+                </a:solidFill>
+              </a:rPr>
+              <a:t>Node.js runs non-blocking JS code and uses an event-driven code(‘Event Loop’)for running your logic</a:t>
+            </a:r>
+          </a:p>
+          <a:p>
+            <a:pPr marL="342900" indent="-342900" algn="ctr">
+              <a:buFont typeface="Arial" panose="020B0604020202020204" pitchFamily="34" charset="0"/>
+              <a:buChar char="•"/>
+            </a:pPr>
+            <a:r>
+              <a:rPr lang="en-US" sz="2000" dirty="0">
+                <a:solidFill>
+                  <a:schemeClr val="tx1">
+                    <a:lumMod val="95000"/>
+                    <a:lumOff val="5000"/>
+                  </a:schemeClr>
+                </a:solidFill>
+              </a:rPr>
+              <a:t>A node program exits as soon as there is no more work to do</a:t>
+            </a:r>
+          </a:p>
+          <a:p>
+            <a:pPr marL="342900" indent="-342900" algn="ctr">
+              <a:buFont typeface="Arial" panose="020B0604020202020204" pitchFamily="34" charset="0"/>
+              <a:buChar char="•"/>
+            </a:pPr>
+            <a:r>
+              <a:rPr lang="en-US" sz="2000" dirty="0">
+                <a:solidFill>
+                  <a:schemeClr val="tx1">
+                    <a:lumMod val="95000"/>
+                    <a:lumOff val="5000"/>
+                  </a:schemeClr>
+                </a:solidFill>
+              </a:rPr>
+              <a:t>Note: the </a:t>
+            </a:r>
+            <a:r>
+              <a:rPr lang="en-US" sz="2000" dirty="0" err="1">
+                <a:solidFill>
+                  <a:schemeClr val="tx1">
+                    <a:lumMod val="95000"/>
+                    <a:lumOff val="5000"/>
+                  </a:schemeClr>
+                </a:solidFill>
+              </a:rPr>
+              <a:t>createServer</a:t>
+            </a:r>
+            <a:r>
+              <a:rPr lang="en-US" sz="2000" dirty="0">
+                <a:solidFill>
+                  <a:schemeClr val="tx1">
+                    <a:lumMod val="95000"/>
+                    <a:lumOff val="5000"/>
+                  </a:schemeClr>
+                </a:solidFill>
+              </a:rPr>
+              <a:t>() event never finishes by default</a:t>
+            </a:r>
+          </a:p>
+        </p:txBody>
+      </p:sp>
+      <p:sp>
+        <p:nvSpPr>
+          <p:cNvPr id="9" name="Rectangle: Rounded Corners 8">
+            <a:extLst>
+              <a:ext uri="{FF2B5EF4-FFF2-40B4-BE49-F238E27FC236}">
+                <a16:creationId xmlns:a16="http://schemas.microsoft.com/office/drawing/2014/main" id="{69D99EFE-AA86-8CED-CD63-2C758936D486}"/>
+              </a:ext>
+            </a:extLst>
+          </p:cNvPr>
+          <p:cNvSpPr/>
+          <p:nvPr/>
+        </p:nvSpPr>
+        <p:spPr>
+          <a:xfrm>
+            <a:off x="1610436" y="2354239"/>
+            <a:ext cx="4790363" cy="501556"/>
+          </a:xfrm>
+          <a:prstGeom prst="roundRect">
+            <a:avLst/>
+          </a:prstGeom>
+          <a:solidFill>
+            <a:schemeClr val="accent6">
+              <a:lumMod val="50000"/>
+            </a:schemeClr>
+          </a:solidFill>
+        </p:spPr>
+        <p:style>
+          <a:lnRef idx="2">
+            <a:schemeClr val="accent1">
+              <a:shade val="50000"/>
+            </a:schemeClr>
+          </a:lnRef>
+          <a:fillRef idx="1">
+            <a:schemeClr val="accent1"/>
+          </a:fillRef>
+          <a:effectRef idx="0">
+            <a:schemeClr val="accent1"/>
+          </a:effectRef>
+          <a:fontRef idx="minor">
+            <a:schemeClr val="lt1"/>
+          </a:fontRef>
+        </p:style>
+        <p:txBody>
+          <a:bodyPr rtlCol="0" anchor="ctr"/>
+          <a:lstStyle/>
+          <a:p>
+            <a:pPr algn="ctr"/>
+            <a:r>
+              <a:rPr lang="en-US" sz="2400" dirty="0"/>
+              <a:t>Program Lifecycle &amp; Event Loop</a:t>
+            </a:r>
+          </a:p>
+        </p:txBody>
+      </p:sp>
+      <p:sp>
+        <p:nvSpPr>
+          <p:cNvPr id="10" name="Rectangle: Rounded Corners 9">
+            <a:extLst>
+              <a:ext uri="{FF2B5EF4-FFF2-40B4-BE49-F238E27FC236}">
+                <a16:creationId xmlns:a16="http://schemas.microsoft.com/office/drawing/2014/main" id="{CD5A1CA7-8287-6F00-8A09-0813AD979712}"/>
+              </a:ext>
+            </a:extLst>
+          </p:cNvPr>
+          <p:cNvSpPr/>
+          <p:nvPr/>
+        </p:nvSpPr>
+        <p:spPr>
+          <a:xfrm>
+            <a:off x="0" y="5394279"/>
+            <a:ext cx="3698543" cy="1071349"/>
+          </a:xfrm>
+          <a:prstGeom prst="roundRect">
+            <a:avLst/>
+          </a:prstGeom>
+          <a:solidFill>
+            <a:schemeClr val="accent6">
+              <a:lumMod val="60000"/>
+              <a:lumOff val="40000"/>
+            </a:schemeClr>
+          </a:solidFill>
+        </p:spPr>
+        <p:style>
+          <a:lnRef idx="2">
+            <a:schemeClr val="accent1">
+              <a:shade val="50000"/>
+            </a:schemeClr>
+          </a:lnRef>
+          <a:fillRef idx="1">
+            <a:schemeClr val="accent1"/>
+          </a:fillRef>
+          <a:effectRef idx="0">
+            <a:schemeClr val="accent1"/>
+          </a:effectRef>
+          <a:fontRef idx="minor">
+            <a:schemeClr val="lt1"/>
+          </a:fontRef>
+        </p:style>
+        <p:txBody>
+          <a:bodyPr rtlCol="0" anchor="ctr"/>
+          <a:lstStyle/>
+          <a:p>
+            <a:pPr marL="342900" indent="-342900" algn="ctr">
+              <a:buFont typeface="Arial" panose="020B0604020202020204" pitchFamily="34" charset="0"/>
+              <a:buChar char="•"/>
+            </a:pPr>
+            <a:r>
+              <a:rPr lang="en-US" sz="2000" dirty="0" err="1">
+                <a:solidFill>
+                  <a:schemeClr val="tx1">
+                    <a:lumMod val="95000"/>
+                    <a:lumOff val="5000"/>
+                  </a:schemeClr>
+                </a:solidFill>
+              </a:rPr>
+              <a:t>Js</a:t>
+            </a:r>
+            <a:r>
+              <a:rPr lang="en-US" sz="2000" dirty="0">
+                <a:solidFill>
+                  <a:schemeClr val="tx1">
+                    <a:lumMod val="95000"/>
+                    <a:lumOff val="5000"/>
+                  </a:schemeClr>
+                </a:solidFill>
+              </a:rPr>
+              <a:t> code is non-blocking</a:t>
+            </a:r>
+          </a:p>
+          <a:p>
+            <a:pPr marL="342900" indent="-342900" algn="ctr">
+              <a:buFont typeface="Arial" panose="020B0604020202020204" pitchFamily="34" charset="0"/>
+              <a:buChar char="•"/>
+            </a:pPr>
+            <a:r>
+              <a:rPr lang="en-US" sz="2000" dirty="0">
+                <a:solidFill>
+                  <a:schemeClr val="tx1">
+                    <a:lumMod val="95000"/>
+                    <a:lumOff val="5000"/>
+                  </a:schemeClr>
+                </a:solidFill>
+              </a:rPr>
+              <a:t>Use callbacks and events </a:t>
+            </a:r>
+            <a:r>
+              <a:rPr lang="en-US" sz="2000" dirty="0">
+                <a:solidFill>
+                  <a:schemeClr val="tx1">
+                    <a:lumMod val="95000"/>
+                    <a:lumOff val="5000"/>
+                  </a:schemeClr>
+                </a:solidFill>
+                <a:sym typeface="Wingdings" panose="05000000000000000000" pitchFamily="2" charset="2"/>
+              </a:rPr>
+              <a:t>Order changes!</a:t>
+            </a:r>
+            <a:endParaRPr lang="en-US" sz="2000" dirty="0">
+              <a:solidFill>
+                <a:schemeClr val="tx1">
+                  <a:lumMod val="95000"/>
+                  <a:lumOff val="5000"/>
+                </a:schemeClr>
+              </a:solidFill>
+            </a:endParaRPr>
+          </a:p>
+        </p:txBody>
+      </p:sp>
+      <p:sp>
+        <p:nvSpPr>
+          <p:cNvPr id="11" name="Rectangle: Rounded Corners 10">
+            <a:extLst>
+              <a:ext uri="{FF2B5EF4-FFF2-40B4-BE49-F238E27FC236}">
+                <a16:creationId xmlns:a16="http://schemas.microsoft.com/office/drawing/2014/main" id="{F3E7CCA2-B39B-0257-5AD2-732AD63562BA}"/>
+              </a:ext>
+            </a:extLst>
+          </p:cNvPr>
+          <p:cNvSpPr/>
+          <p:nvPr/>
+        </p:nvSpPr>
+        <p:spPr>
+          <a:xfrm>
+            <a:off x="204716" y="4892723"/>
+            <a:ext cx="3289110" cy="501556"/>
+          </a:xfrm>
+          <a:prstGeom prst="roundRect">
+            <a:avLst/>
+          </a:prstGeom>
+          <a:solidFill>
+            <a:schemeClr val="accent6">
+              <a:lumMod val="50000"/>
+            </a:schemeClr>
+          </a:solidFill>
+        </p:spPr>
+        <p:style>
+          <a:lnRef idx="2">
+            <a:schemeClr val="accent1">
+              <a:shade val="50000"/>
+            </a:schemeClr>
+          </a:lnRef>
+          <a:fillRef idx="1">
+            <a:schemeClr val="accent1"/>
+          </a:fillRef>
+          <a:effectRef idx="0">
+            <a:schemeClr val="accent1"/>
+          </a:effectRef>
+          <a:fontRef idx="minor">
+            <a:schemeClr val="lt1"/>
+          </a:fontRef>
+        </p:style>
+        <p:txBody>
+          <a:bodyPr rtlCol="0" anchor="ctr"/>
+          <a:lstStyle/>
+          <a:p>
+            <a:pPr algn="ctr"/>
+            <a:r>
+              <a:rPr lang="en-US" sz="2400" dirty="0"/>
+              <a:t>Asynchronous Code</a:t>
+            </a:r>
+          </a:p>
+        </p:txBody>
+      </p:sp>
+      <p:sp>
+        <p:nvSpPr>
+          <p:cNvPr id="12" name="Rectangle: Rounded Corners 11">
+            <a:extLst>
+              <a:ext uri="{FF2B5EF4-FFF2-40B4-BE49-F238E27FC236}">
+                <a16:creationId xmlns:a16="http://schemas.microsoft.com/office/drawing/2014/main" id="{24F0B86B-8BEE-C715-40F3-F558D6A24FC1}"/>
+              </a:ext>
+            </a:extLst>
+          </p:cNvPr>
+          <p:cNvSpPr/>
+          <p:nvPr/>
+        </p:nvSpPr>
+        <p:spPr>
+          <a:xfrm>
+            <a:off x="4246729" y="5424608"/>
+            <a:ext cx="3698543" cy="1071349"/>
+          </a:xfrm>
+          <a:prstGeom prst="roundRect">
+            <a:avLst/>
+          </a:prstGeom>
+          <a:solidFill>
+            <a:schemeClr val="accent6">
+              <a:lumMod val="60000"/>
+              <a:lumOff val="40000"/>
+            </a:schemeClr>
+          </a:solidFill>
+        </p:spPr>
+        <p:style>
+          <a:lnRef idx="2">
+            <a:schemeClr val="accent1">
+              <a:shade val="50000"/>
+            </a:schemeClr>
+          </a:lnRef>
+          <a:fillRef idx="1">
+            <a:schemeClr val="accent1"/>
+          </a:fillRef>
+          <a:effectRef idx="0">
+            <a:schemeClr val="accent1"/>
+          </a:effectRef>
+          <a:fontRef idx="minor">
+            <a:schemeClr val="lt1"/>
+          </a:fontRef>
+        </p:style>
+        <p:txBody>
+          <a:bodyPr rtlCol="0" anchor="ctr"/>
+          <a:lstStyle/>
+          <a:p>
+            <a:pPr marL="342900" indent="-342900" algn="ctr">
+              <a:buFont typeface="Arial" panose="020B0604020202020204" pitchFamily="34" charset="0"/>
+              <a:buChar char="•"/>
+            </a:pPr>
+            <a:r>
+              <a:rPr lang="en-US" sz="2000" dirty="0">
+                <a:solidFill>
+                  <a:schemeClr val="tx1">
+                    <a:lumMod val="95000"/>
+                    <a:lumOff val="5000"/>
+                  </a:schemeClr>
+                </a:solidFill>
+              </a:rPr>
+              <a:t>Parse request data in chunks</a:t>
+            </a:r>
+          </a:p>
+          <a:p>
+            <a:pPr algn="ctr"/>
+            <a:r>
+              <a:rPr lang="en-US" sz="2000" dirty="0">
+                <a:solidFill>
+                  <a:schemeClr val="tx1">
+                    <a:lumMod val="95000"/>
+                    <a:lumOff val="5000"/>
+                  </a:schemeClr>
+                </a:solidFill>
+              </a:rPr>
+              <a:t>(Streams &amp; Buffers)</a:t>
+            </a:r>
+          </a:p>
+          <a:p>
+            <a:pPr marL="342900" indent="-342900" algn="ctr">
+              <a:buFont typeface="Arial" panose="020B0604020202020204" pitchFamily="34" charset="0"/>
+              <a:buChar char="•"/>
+            </a:pPr>
+            <a:r>
+              <a:rPr lang="en-US" sz="2000" dirty="0">
+                <a:solidFill>
+                  <a:schemeClr val="tx1">
+                    <a:lumMod val="95000"/>
+                    <a:lumOff val="5000"/>
+                  </a:schemeClr>
+                </a:solidFill>
+              </a:rPr>
+              <a:t>Avoid :double responses”</a:t>
+            </a:r>
+          </a:p>
+        </p:txBody>
+      </p:sp>
+      <p:sp>
+        <p:nvSpPr>
+          <p:cNvPr id="13" name="Rectangle: Rounded Corners 12">
+            <a:extLst>
+              <a:ext uri="{FF2B5EF4-FFF2-40B4-BE49-F238E27FC236}">
+                <a16:creationId xmlns:a16="http://schemas.microsoft.com/office/drawing/2014/main" id="{62CE1D1C-EE67-9201-E594-2959F8D66514}"/>
+              </a:ext>
+            </a:extLst>
+          </p:cNvPr>
+          <p:cNvSpPr/>
+          <p:nvPr/>
+        </p:nvSpPr>
+        <p:spPr>
+          <a:xfrm>
+            <a:off x="4451445" y="4923052"/>
+            <a:ext cx="3289110" cy="501556"/>
+          </a:xfrm>
+          <a:prstGeom prst="roundRect">
+            <a:avLst/>
+          </a:prstGeom>
+          <a:solidFill>
+            <a:schemeClr val="accent6">
+              <a:lumMod val="50000"/>
+            </a:schemeClr>
+          </a:solidFill>
+        </p:spPr>
+        <p:style>
+          <a:lnRef idx="2">
+            <a:schemeClr val="accent1">
+              <a:shade val="50000"/>
+            </a:schemeClr>
+          </a:lnRef>
+          <a:fillRef idx="1">
+            <a:schemeClr val="accent1"/>
+          </a:fillRef>
+          <a:effectRef idx="0">
+            <a:schemeClr val="accent1"/>
+          </a:effectRef>
+          <a:fontRef idx="minor">
+            <a:schemeClr val="lt1"/>
+          </a:fontRef>
+        </p:style>
+        <p:txBody>
+          <a:bodyPr rtlCol="0" anchor="ctr"/>
+          <a:lstStyle/>
+          <a:p>
+            <a:pPr algn="ctr"/>
+            <a:r>
+              <a:rPr lang="en-US" sz="2400" dirty="0"/>
+              <a:t>Requests &amp; Responses</a:t>
+            </a:r>
+          </a:p>
+        </p:txBody>
+      </p:sp>
+      <p:sp>
+        <p:nvSpPr>
+          <p:cNvPr id="14" name="Rectangle: Rounded Corners 13">
+            <a:extLst>
+              <a:ext uri="{FF2B5EF4-FFF2-40B4-BE49-F238E27FC236}">
+                <a16:creationId xmlns:a16="http://schemas.microsoft.com/office/drawing/2014/main" id="{7F3C8524-AF0E-FB19-7567-4E2758B5A51D}"/>
+              </a:ext>
+            </a:extLst>
+          </p:cNvPr>
+          <p:cNvSpPr/>
+          <p:nvPr/>
+        </p:nvSpPr>
+        <p:spPr>
+          <a:xfrm>
+            <a:off x="7991415" y="809065"/>
+            <a:ext cx="3698543" cy="1818129"/>
+          </a:xfrm>
+          <a:prstGeom prst="roundRect">
+            <a:avLst/>
+          </a:prstGeom>
+          <a:solidFill>
+            <a:schemeClr val="accent6">
+              <a:lumMod val="60000"/>
+              <a:lumOff val="40000"/>
+            </a:schemeClr>
+          </a:solidFill>
+        </p:spPr>
+        <p:style>
+          <a:lnRef idx="2">
+            <a:schemeClr val="accent1">
+              <a:shade val="50000"/>
+            </a:schemeClr>
+          </a:lnRef>
+          <a:fillRef idx="1">
+            <a:schemeClr val="accent1"/>
+          </a:fillRef>
+          <a:effectRef idx="0">
+            <a:schemeClr val="accent1"/>
+          </a:effectRef>
+          <a:fontRef idx="minor">
+            <a:schemeClr val="lt1"/>
+          </a:fontRef>
+        </p:style>
+        <p:txBody>
+          <a:bodyPr rtlCol="0" anchor="ctr"/>
+          <a:lstStyle/>
+          <a:p>
+            <a:pPr marL="342900" indent="-342900" algn="ctr">
+              <a:buFont typeface="Arial" panose="020B0604020202020204" pitchFamily="34" charset="0"/>
+              <a:buChar char="•"/>
+            </a:pPr>
+            <a:r>
+              <a:rPr lang="en-US" dirty="0">
+                <a:solidFill>
+                  <a:schemeClr val="tx1">
+                    <a:lumMod val="95000"/>
+                    <a:lumOff val="5000"/>
+                  </a:schemeClr>
+                </a:solidFill>
+              </a:rPr>
+              <a:t>Node.js ships with multiple core modules (http, fs, path,…)</a:t>
+            </a:r>
+          </a:p>
+          <a:p>
+            <a:pPr marL="342900" indent="-342900" algn="ctr">
+              <a:buFont typeface="Arial" panose="020B0604020202020204" pitchFamily="34" charset="0"/>
+              <a:buChar char="•"/>
+            </a:pPr>
+            <a:r>
+              <a:rPr lang="en-US" dirty="0">
+                <a:solidFill>
+                  <a:schemeClr val="tx1">
+                    <a:lumMod val="95000"/>
+                    <a:lumOff val="5000"/>
+                  </a:schemeClr>
+                </a:solidFill>
+              </a:rPr>
+              <a:t>Core modules can be imported into any file to be used there</a:t>
+            </a:r>
+          </a:p>
+          <a:p>
+            <a:pPr marL="342900" indent="-342900" algn="ctr">
+              <a:buFont typeface="Arial" panose="020B0604020202020204" pitchFamily="34" charset="0"/>
+              <a:buChar char="•"/>
+            </a:pPr>
+            <a:r>
+              <a:rPr lang="en-US" dirty="0">
+                <a:solidFill>
+                  <a:schemeClr val="tx1">
+                    <a:lumMod val="95000"/>
+                    <a:lumOff val="5000"/>
+                  </a:schemeClr>
+                </a:solidFill>
+              </a:rPr>
+              <a:t>Import via require(“module”)</a:t>
+            </a:r>
+          </a:p>
+        </p:txBody>
+      </p:sp>
+      <p:sp>
+        <p:nvSpPr>
+          <p:cNvPr id="15" name="Rectangle: Rounded Corners 14">
+            <a:extLst>
+              <a:ext uri="{FF2B5EF4-FFF2-40B4-BE49-F238E27FC236}">
+                <a16:creationId xmlns:a16="http://schemas.microsoft.com/office/drawing/2014/main" id="{CB5B6D42-2A13-4351-1D99-D5794DE1E283}"/>
+              </a:ext>
+            </a:extLst>
+          </p:cNvPr>
+          <p:cNvSpPr/>
+          <p:nvPr/>
+        </p:nvSpPr>
+        <p:spPr>
+          <a:xfrm>
+            <a:off x="8196131" y="307509"/>
+            <a:ext cx="3289110" cy="501556"/>
+          </a:xfrm>
+          <a:prstGeom prst="roundRect">
+            <a:avLst/>
+          </a:prstGeom>
+          <a:solidFill>
+            <a:schemeClr val="accent6">
+              <a:lumMod val="50000"/>
+            </a:schemeClr>
+          </a:solidFill>
+        </p:spPr>
+        <p:style>
+          <a:lnRef idx="2">
+            <a:schemeClr val="accent1">
+              <a:shade val="50000"/>
+            </a:schemeClr>
+          </a:lnRef>
+          <a:fillRef idx="1">
+            <a:schemeClr val="accent1"/>
+          </a:fillRef>
+          <a:effectRef idx="0">
+            <a:schemeClr val="accent1"/>
+          </a:effectRef>
+          <a:fontRef idx="minor">
+            <a:schemeClr val="lt1"/>
+          </a:fontRef>
+        </p:style>
+        <p:txBody>
+          <a:bodyPr rtlCol="0" anchor="ctr"/>
+          <a:lstStyle/>
+          <a:p>
+            <a:pPr algn="ctr"/>
+            <a:r>
+              <a:rPr lang="en-US" sz="2400" dirty="0"/>
+              <a:t>Node.js &amp; Core Modules</a:t>
+            </a:r>
+          </a:p>
+        </p:txBody>
+      </p:sp>
+      <p:sp>
+        <p:nvSpPr>
+          <p:cNvPr id="16" name="Rectangle: Rounded Corners 15">
+            <a:extLst>
+              <a:ext uri="{FF2B5EF4-FFF2-40B4-BE49-F238E27FC236}">
+                <a16:creationId xmlns:a16="http://schemas.microsoft.com/office/drawing/2014/main" id="{D12A3B4B-BBEA-AAEA-F206-F2B3DF375645}"/>
+              </a:ext>
+            </a:extLst>
+          </p:cNvPr>
+          <p:cNvSpPr/>
+          <p:nvPr/>
+        </p:nvSpPr>
+        <p:spPr>
+          <a:xfrm>
+            <a:off x="8288741" y="3232950"/>
+            <a:ext cx="3698543" cy="3443621"/>
+          </a:xfrm>
+          <a:prstGeom prst="roundRect">
+            <a:avLst/>
+          </a:prstGeom>
+          <a:solidFill>
+            <a:schemeClr val="accent6">
+              <a:lumMod val="60000"/>
+              <a:lumOff val="40000"/>
+            </a:schemeClr>
+          </a:solidFill>
+        </p:spPr>
+        <p:style>
+          <a:lnRef idx="2">
+            <a:schemeClr val="accent1">
+              <a:shade val="50000"/>
+            </a:schemeClr>
+          </a:lnRef>
+          <a:fillRef idx="1">
+            <a:schemeClr val="accent1"/>
+          </a:fillRef>
+          <a:effectRef idx="0">
+            <a:schemeClr val="accent1"/>
+          </a:effectRef>
+          <a:fontRef idx="minor">
+            <a:schemeClr val="lt1"/>
+          </a:fontRef>
+        </p:style>
+        <p:txBody>
+          <a:bodyPr rtlCol="0" anchor="ctr"/>
+          <a:lstStyle/>
+          <a:p>
+            <a:pPr marL="342900" indent="-342900" algn="ctr">
+              <a:buFont typeface="Arial" panose="020B0604020202020204" pitchFamily="34" charset="0"/>
+              <a:buChar char="•"/>
+            </a:pPr>
+            <a:r>
+              <a:rPr lang="en-US" sz="2000" dirty="0">
+                <a:solidFill>
+                  <a:schemeClr val="tx1">
+                    <a:lumMod val="95000"/>
+                    <a:lumOff val="5000"/>
+                  </a:schemeClr>
+                </a:solidFill>
+              </a:rPr>
+              <a:t>Import via require(“./path-to-file”) for custom files or require(‘module’)for core &amp; third-party modules</a:t>
+            </a:r>
+          </a:p>
+          <a:p>
+            <a:pPr marL="342900" indent="-342900" algn="ctr">
+              <a:buFont typeface="Arial" panose="020B0604020202020204" pitchFamily="34" charset="0"/>
+              <a:buChar char="•"/>
+            </a:pPr>
+            <a:r>
+              <a:rPr lang="en-US" sz="2000" dirty="0">
+                <a:solidFill>
+                  <a:schemeClr val="tx1">
+                    <a:lumMod val="95000"/>
+                    <a:lumOff val="5000"/>
+                  </a:schemeClr>
+                </a:solidFill>
+              </a:rPr>
+              <a:t>Export via module exports or just exports (for multiple exports)</a:t>
+            </a:r>
+          </a:p>
+        </p:txBody>
+      </p:sp>
+      <p:sp>
+        <p:nvSpPr>
+          <p:cNvPr id="17" name="Rectangle: Rounded Corners 16">
+            <a:extLst>
+              <a:ext uri="{FF2B5EF4-FFF2-40B4-BE49-F238E27FC236}">
+                <a16:creationId xmlns:a16="http://schemas.microsoft.com/office/drawing/2014/main" id="{9FBA6AE8-24F2-8966-B3E8-FF45B32A5708}"/>
+              </a:ext>
+            </a:extLst>
+          </p:cNvPr>
+          <p:cNvSpPr/>
+          <p:nvPr/>
+        </p:nvSpPr>
+        <p:spPr>
+          <a:xfrm>
+            <a:off x="8493457" y="2731394"/>
+            <a:ext cx="3289110" cy="501556"/>
+          </a:xfrm>
+          <a:prstGeom prst="roundRect">
+            <a:avLst/>
+          </a:prstGeom>
+          <a:solidFill>
+            <a:schemeClr val="accent6">
+              <a:lumMod val="50000"/>
+            </a:schemeClr>
+          </a:solidFill>
+        </p:spPr>
+        <p:style>
+          <a:lnRef idx="2">
+            <a:schemeClr val="accent1">
+              <a:shade val="50000"/>
+            </a:schemeClr>
+          </a:lnRef>
+          <a:fillRef idx="1">
+            <a:schemeClr val="accent1"/>
+          </a:fillRef>
+          <a:effectRef idx="0">
+            <a:schemeClr val="accent1"/>
+          </a:effectRef>
+          <a:fontRef idx="minor">
+            <a:schemeClr val="lt1"/>
+          </a:fontRef>
+        </p:style>
+        <p:txBody>
+          <a:bodyPr rtlCol="0" anchor="ctr"/>
+          <a:lstStyle/>
+          <a:p>
+            <a:pPr algn="ctr"/>
+            <a:r>
+              <a:rPr lang="en-US" sz="2000" dirty="0"/>
+              <a:t>The Node Module System</a:t>
+            </a:r>
+          </a:p>
+        </p:txBody>
+      </p:sp>
+    </p:spTree>
+    <p:extLst>
+      <p:ext uri="{BB962C8B-B14F-4D97-AF65-F5344CB8AC3E}">
+        <p14:creationId xmlns:p14="http://schemas.microsoft.com/office/powerpoint/2010/main" val="4066057462"/>
+      </p:ext>
+    </p:extLst>
+  </p:cSld>
+  <p:clrMapOvr>
+    <a:masterClrMapping/>
+  </p:clrMapOvr>
+</p:sld>
+</file>
+
+<file path=ppt/slides/slide29.xml><?xml version="1.0" encoding="utf-8"?>
+<p:sld xmlns:a="http://schemas.openxmlformats.org/drawingml/2006/main" xmlns:r="http://schemas.openxmlformats.org/officeDocument/2006/relationships" xmlns:p="http://schemas.openxmlformats.org/presentationml/2006/main">
+  <p:cSld>
+    <p:spTree>
+      <p:nvGrpSpPr>
+        <p:cNvPr id="1" name=""/>
+        <p:cNvGrpSpPr/>
+        <p:nvPr/>
+      </p:nvGrpSpPr>
+      <p:grpSpPr>
+        <a:xfrm>
+          <a:off x="0" y="0"/>
+          <a:ext cx="0" cy="0"/>
+          <a:chOff x="0" y="0"/>
+          <a:chExt cx="0" cy="0"/>
+        </a:xfrm>
+      </p:grpSpPr>
+      <p:sp>
+        <p:nvSpPr>
+          <p:cNvPr id="2" name="Title 1">
+            <a:extLst>
+              <a:ext uri="{FF2B5EF4-FFF2-40B4-BE49-F238E27FC236}">
+                <a16:creationId xmlns:a16="http://schemas.microsoft.com/office/drawing/2014/main" id="{67E319B2-F8D2-A7FA-0941-FF3F88B2881E}"/>
+              </a:ext>
+            </a:extLst>
+          </p:cNvPr>
+          <p:cNvSpPr>
+            <a:spLocks noGrp="1"/>
+          </p:cNvSpPr>
+          <p:nvPr>
+            <p:ph type="title"/>
+          </p:nvPr>
+        </p:nvSpPr>
+        <p:spPr>
+          <a:xfrm>
+            <a:off x="838200" y="365125"/>
+            <a:ext cx="9162143" cy="737961"/>
+          </a:xfrm>
+        </p:spPr>
+        <p:txBody>
+          <a:bodyPr/>
+          <a:lstStyle/>
+          <a:p>
+            <a:r>
+              <a:rPr lang="en-US" dirty="0"/>
+              <a:t>What is Node.js?</a:t>
+            </a:r>
+          </a:p>
+        </p:txBody>
+      </p:sp>
+      <p:sp>
+        <p:nvSpPr>
+          <p:cNvPr id="5" name="TextBox 4">
+            <a:extLst>
+              <a:ext uri="{FF2B5EF4-FFF2-40B4-BE49-F238E27FC236}">
+                <a16:creationId xmlns:a16="http://schemas.microsoft.com/office/drawing/2014/main" id="{612DD754-038D-6339-BB26-7A673FE047B7}"/>
+              </a:ext>
+            </a:extLst>
+          </p:cNvPr>
+          <p:cNvSpPr txBox="1"/>
+          <p:nvPr/>
+        </p:nvSpPr>
+        <p:spPr>
+          <a:xfrm>
+            <a:off x="943428" y="1103086"/>
+            <a:ext cx="10276115" cy="2805063"/>
+          </a:xfrm>
+          <a:prstGeom prst="rect">
+            <a:avLst/>
+          </a:prstGeom>
+          <a:noFill/>
+        </p:spPr>
+        <p:txBody>
+          <a:bodyPr wrap="square" rtlCol="0">
+            <a:spAutoFit/>
+          </a:bodyPr>
+          <a:lstStyle/>
+          <a:p>
+            <a:pPr marL="285750" indent="-285750">
+              <a:lnSpc>
+                <a:spcPct val="150000"/>
+              </a:lnSpc>
+              <a:buFont typeface="Arial" panose="020B0604020202020204" pitchFamily="34" charset="0"/>
+              <a:buChar char="•"/>
+            </a:pPr>
+            <a:r>
+              <a:rPr lang="en-US" sz="2400" dirty="0"/>
+              <a:t>Node.js is an open source.</a:t>
+            </a:r>
+          </a:p>
+          <a:p>
+            <a:pPr marL="285750" indent="-285750">
+              <a:lnSpc>
+                <a:spcPct val="150000"/>
+              </a:lnSpc>
+              <a:buFont typeface="Arial" panose="020B0604020202020204" pitchFamily="34" charset="0"/>
+              <a:buChar char="•"/>
+            </a:pPr>
+            <a:r>
+              <a:rPr lang="en-US" sz="2400" dirty="0"/>
+              <a:t>Node.js runs on various platforms (Windows, Linux, Unix, Mac OS X, etc.)</a:t>
+            </a:r>
+          </a:p>
+          <a:p>
+            <a:pPr marL="285750" indent="-285750">
+              <a:lnSpc>
+                <a:spcPct val="150000"/>
+              </a:lnSpc>
+              <a:buFont typeface="Arial" panose="020B0604020202020204" pitchFamily="34" charset="0"/>
+              <a:buChar char="•"/>
+            </a:pPr>
+            <a:r>
+              <a:rPr lang="en-US" sz="2400" dirty="0"/>
+              <a:t>Node.js allows you to run JavaScript on the server.</a:t>
+            </a:r>
+          </a:p>
+          <a:p>
+            <a:pPr marL="285750" indent="-285750">
+              <a:lnSpc>
+                <a:spcPct val="150000"/>
+              </a:lnSpc>
+              <a:buFont typeface="Arial" panose="020B0604020202020204" pitchFamily="34" charset="0"/>
+              <a:buChar char="•"/>
+            </a:pPr>
+            <a:r>
+              <a:rPr lang="en-US" sz="2400" dirty="0"/>
+              <a:t>Node.js can create, open, read, write, delete and close files on the server.</a:t>
+            </a:r>
+          </a:p>
+          <a:p>
+            <a:pPr marL="285750" indent="-285750">
+              <a:lnSpc>
+                <a:spcPct val="150000"/>
+              </a:lnSpc>
+              <a:buFont typeface="Arial" panose="020B0604020202020204" pitchFamily="34" charset="0"/>
+              <a:buChar char="•"/>
+            </a:pPr>
+            <a:r>
+              <a:rPr lang="en-US" sz="2400" dirty="0"/>
+              <a:t>Easily communicate with database.</a:t>
+            </a:r>
+          </a:p>
+        </p:txBody>
+      </p:sp>
+    </p:spTree>
+    <p:extLst>
+      <p:ext uri="{BB962C8B-B14F-4D97-AF65-F5344CB8AC3E}">
+        <p14:creationId xmlns:p14="http://schemas.microsoft.com/office/powerpoint/2010/main" val="4244893290"/>
+      </p:ext>
+    </p:extLst>
+  </p:cSld>
+  <p:clrMapOvr>
+    <a:masterClrMapping/>
+  </p:clrMapOvr>
+</p:sld>
+</file>
+
 <file path=ppt/slides/slide3.xml><?xml version="1.0" encoding="utf-8"?>
 <p:sld xmlns:a="http://schemas.openxmlformats.org/drawingml/2006/main" xmlns:r="http://schemas.openxmlformats.org/officeDocument/2006/relationships" xmlns:p="http://schemas.openxmlformats.org/presentationml/2006/main">
   <p:cSld>
@@ -9286,6 +12094,3079 @@
     <p:extLst>
       <p:ext uri="{BB962C8B-B14F-4D97-AF65-F5344CB8AC3E}">
         <p14:creationId xmlns:p14="http://schemas.microsoft.com/office/powerpoint/2010/main" val="3301387338"/>
+      </p:ext>
+    </p:extLst>
+  </p:cSld>
+  <p:clrMapOvr>
+    <a:masterClrMapping/>
+  </p:clrMapOvr>
+</p:sld>
+</file>
+
+<file path=ppt/slides/slide30.xml><?xml version="1.0" encoding="utf-8"?>
+<p:sld xmlns:a="http://schemas.openxmlformats.org/drawingml/2006/main" xmlns:r="http://schemas.openxmlformats.org/officeDocument/2006/relationships" xmlns:p="http://schemas.openxmlformats.org/presentationml/2006/main">
+  <p:cSld>
+    <p:spTree>
+      <p:nvGrpSpPr>
+        <p:cNvPr id="1" name=""/>
+        <p:cNvGrpSpPr/>
+        <p:nvPr/>
+      </p:nvGrpSpPr>
+      <p:grpSpPr>
+        <a:xfrm>
+          <a:off x="0" y="0"/>
+          <a:ext cx="0" cy="0"/>
+          <a:chOff x="0" y="0"/>
+          <a:chExt cx="0" cy="0"/>
+        </a:xfrm>
+      </p:grpSpPr>
+      <p:sp>
+        <p:nvSpPr>
+          <p:cNvPr id="2" name="Title 1">
+            <a:extLst>
+              <a:ext uri="{FF2B5EF4-FFF2-40B4-BE49-F238E27FC236}">
+                <a16:creationId xmlns:a16="http://schemas.microsoft.com/office/drawing/2014/main" id="{67E319B2-F8D2-A7FA-0941-FF3F88B2881E}"/>
+              </a:ext>
+            </a:extLst>
+          </p:cNvPr>
+          <p:cNvSpPr>
+            <a:spLocks noGrp="1"/>
+          </p:cNvSpPr>
+          <p:nvPr>
+            <p:ph type="title"/>
+          </p:nvPr>
+        </p:nvSpPr>
+        <p:spPr>
+          <a:xfrm>
+            <a:off x="838200" y="365125"/>
+            <a:ext cx="9162143" cy="737961"/>
+          </a:xfrm>
+        </p:spPr>
+        <p:txBody>
+          <a:bodyPr/>
+          <a:lstStyle/>
+          <a:p>
+            <a:r>
+              <a:rPr lang="en-US" dirty="0"/>
+              <a:t>Why Node.js?</a:t>
+            </a:r>
+          </a:p>
+        </p:txBody>
+      </p:sp>
+      <p:sp>
+        <p:nvSpPr>
+          <p:cNvPr id="5" name="TextBox 4">
+            <a:extLst>
+              <a:ext uri="{FF2B5EF4-FFF2-40B4-BE49-F238E27FC236}">
+                <a16:creationId xmlns:a16="http://schemas.microsoft.com/office/drawing/2014/main" id="{612DD754-038D-6339-BB26-7A673FE047B7}"/>
+              </a:ext>
+            </a:extLst>
+          </p:cNvPr>
+          <p:cNvSpPr txBox="1"/>
+          <p:nvPr/>
+        </p:nvSpPr>
+        <p:spPr>
+          <a:xfrm>
+            <a:off x="943428" y="1103086"/>
+            <a:ext cx="10276115" cy="4549835"/>
+          </a:xfrm>
+          <a:prstGeom prst="rect">
+            <a:avLst/>
+          </a:prstGeom>
+          <a:noFill/>
+        </p:spPr>
+        <p:txBody>
+          <a:bodyPr wrap="square" rtlCol="0">
+            <a:spAutoFit/>
+          </a:bodyPr>
+          <a:lstStyle/>
+          <a:p>
+            <a:pPr>
+              <a:lnSpc>
+                <a:spcPct val="150000"/>
+              </a:lnSpc>
+            </a:pPr>
+            <a:r>
+              <a:rPr lang="en-US" sz="2800" dirty="0"/>
+              <a:t>Node.js is best for usage in streaming or event-based real-time applications like as</a:t>
+            </a:r>
+          </a:p>
+          <a:p>
+            <a:pPr marL="914400" lvl="1" indent="-457200">
+              <a:lnSpc>
+                <a:spcPct val="150000"/>
+              </a:lnSpc>
+              <a:buFont typeface="Arial" panose="020B0604020202020204" pitchFamily="34" charset="0"/>
+              <a:buChar char="•"/>
+            </a:pPr>
+            <a:r>
+              <a:rPr lang="en-US" sz="2800" dirty="0"/>
+              <a:t>Chat Applications</a:t>
+            </a:r>
+          </a:p>
+          <a:p>
+            <a:pPr marL="914400" lvl="1" indent="-457200">
+              <a:lnSpc>
+                <a:spcPct val="150000"/>
+              </a:lnSpc>
+              <a:buFont typeface="Arial" panose="020B0604020202020204" pitchFamily="34" charset="0"/>
+              <a:buChar char="•"/>
+            </a:pPr>
+            <a:r>
+              <a:rPr lang="en-US" sz="2800" dirty="0"/>
+              <a:t>Game Servers</a:t>
+            </a:r>
+          </a:p>
+          <a:p>
+            <a:pPr marL="914400" lvl="1" indent="-457200">
+              <a:lnSpc>
+                <a:spcPct val="150000"/>
+              </a:lnSpc>
+              <a:buFont typeface="Arial" panose="020B0604020202020204" pitchFamily="34" charset="0"/>
+              <a:buChar char="•"/>
+            </a:pPr>
+            <a:r>
+              <a:rPr lang="en-US" sz="2800" dirty="0"/>
+              <a:t>Advertisement Servers</a:t>
+            </a:r>
+          </a:p>
+          <a:p>
+            <a:pPr marL="914400" lvl="1" indent="-457200">
+              <a:lnSpc>
+                <a:spcPct val="150000"/>
+              </a:lnSpc>
+              <a:buFont typeface="Arial" panose="020B0604020202020204" pitchFamily="34" charset="0"/>
+              <a:buChar char="•"/>
+            </a:pPr>
+            <a:r>
+              <a:rPr lang="en-US" sz="2800" dirty="0"/>
+              <a:t>Streaming Servers</a:t>
+            </a:r>
+          </a:p>
+          <a:p>
+            <a:pPr marL="914400" lvl="1" indent="-457200">
+              <a:lnSpc>
+                <a:spcPct val="150000"/>
+              </a:lnSpc>
+              <a:buFont typeface="Arial" panose="020B0604020202020204" pitchFamily="34" charset="0"/>
+              <a:buChar char="•"/>
+            </a:pPr>
+            <a:r>
+              <a:rPr lang="en-US" sz="2800" dirty="0"/>
+              <a:t>Another Web Application</a:t>
+            </a:r>
+          </a:p>
+        </p:txBody>
+      </p:sp>
+    </p:spTree>
+    <p:extLst>
+      <p:ext uri="{BB962C8B-B14F-4D97-AF65-F5344CB8AC3E}">
+        <p14:creationId xmlns:p14="http://schemas.microsoft.com/office/powerpoint/2010/main" val="1949549437"/>
+      </p:ext>
+    </p:extLst>
+  </p:cSld>
+  <p:clrMapOvr>
+    <a:masterClrMapping/>
+  </p:clrMapOvr>
+</p:sld>
+</file>
+
+<file path=ppt/slides/slide31.xml><?xml version="1.0" encoding="utf-8"?>
+<p:sld xmlns:a="http://schemas.openxmlformats.org/drawingml/2006/main" xmlns:r="http://schemas.openxmlformats.org/officeDocument/2006/relationships" xmlns:p="http://schemas.openxmlformats.org/presentationml/2006/main">
+  <p:cSld>
+    <p:spTree>
+      <p:nvGrpSpPr>
+        <p:cNvPr id="1" name=""/>
+        <p:cNvGrpSpPr/>
+        <p:nvPr/>
+      </p:nvGrpSpPr>
+      <p:grpSpPr>
+        <a:xfrm>
+          <a:off x="0" y="0"/>
+          <a:ext cx="0" cy="0"/>
+          <a:chOff x="0" y="0"/>
+          <a:chExt cx="0" cy="0"/>
+        </a:xfrm>
+      </p:grpSpPr>
+      <p:sp>
+        <p:nvSpPr>
+          <p:cNvPr id="2" name="Title 1">
+            <a:extLst>
+              <a:ext uri="{FF2B5EF4-FFF2-40B4-BE49-F238E27FC236}">
+                <a16:creationId xmlns:a16="http://schemas.microsoft.com/office/drawing/2014/main" id="{67E319B2-F8D2-A7FA-0941-FF3F88B2881E}"/>
+              </a:ext>
+            </a:extLst>
+          </p:cNvPr>
+          <p:cNvSpPr>
+            <a:spLocks noGrp="1"/>
+          </p:cNvSpPr>
+          <p:nvPr>
+            <p:ph type="title"/>
+          </p:nvPr>
+        </p:nvSpPr>
+        <p:spPr>
+          <a:xfrm>
+            <a:off x="838200" y="365125"/>
+            <a:ext cx="9162143" cy="737961"/>
+          </a:xfrm>
+        </p:spPr>
+        <p:txBody>
+          <a:bodyPr/>
+          <a:lstStyle/>
+          <a:p>
+            <a:r>
+              <a:rPr lang="en-US" dirty="0"/>
+              <a:t>When to use Node.js?</a:t>
+            </a:r>
+          </a:p>
+        </p:txBody>
+      </p:sp>
+      <p:sp>
+        <p:nvSpPr>
+          <p:cNvPr id="5" name="TextBox 4">
+            <a:extLst>
+              <a:ext uri="{FF2B5EF4-FFF2-40B4-BE49-F238E27FC236}">
+                <a16:creationId xmlns:a16="http://schemas.microsoft.com/office/drawing/2014/main" id="{612DD754-038D-6339-BB26-7A673FE047B7}"/>
+              </a:ext>
+            </a:extLst>
+          </p:cNvPr>
+          <p:cNvSpPr txBox="1"/>
+          <p:nvPr/>
+        </p:nvSpPr>
+        <p:spPr>
+          <a:xfrm>
+            <a:off x="943428" y="1103086"/>
+            <a:ext cx="10276115" cy="5196166"/>
+          </a:xfrm>
+          <a:prstGeom prst="rect">
+            <a:avLst/>
+          </a:prstGeom>
+          <a:noFill/>
+        </p:spPr>
+        <p:txBody>
+          <a:bodyPr wrap="square" rtlCol="0">
+            <a:spAutoFit/>
+          </a:bodyPr>
+          <a:lstStyle/>
+          <a:p>
+            <a:pPr marL="285750" indent="-285750">
+              <a:lnSpc>
+                <a:spcPct val="150000"/>
+              </a:lnSpc>
+              <a:buFont typeface="Arial" panose="020B0604020202020204" pitchFamily="34" charset="0"/>
+              <a:buChar char="•"/>
+            </a:pPr>
+            <a:r>
+              <a:rPr lang="en-US" sz="2800" dirty="0"/>
+              <a:t>Node.js represents a JavaScript everywhere.</a:t>
+            </a:r>
+          </a:p>
+          <a:p>
+            <a:pPr marL="285750" indent="-285750">
+              <a:lnSpc>
+                <a:spcPct val="150000"/>
+              </a:lnSpc>
+              <a:buFont typeface="Arial" panose="020B0604020202020204" pitchFamily="34" charset="0"/>
+              <a:buChar char="•"/>
+            </a:pPr>
+            <a:endParaRPr lang="en-US" sz="2800" dirty="0"/>
+          </a:p>
+          <a:p>
+            <a:pPr marL="285750" indent="-285750">
+              <a:lnSpc>
+                <a:spcPct val="150000"/>
+              </a:lnSpc>
+              <a:buFont typeface="Arial" panose="020B0604020202020204" pitchFamily="34" charset="0"/>
+              <a:buChar char="•"/>
+            </a:pPr>
+            <a:r>
+              <a:rPr lang="en-US" sz="2800" dirty="0"/>
+              <a:t>Node.js is very fast</a:t>
+            </a:r>
+          </a:p>
+          <a:p>
+            <a:pPr marL="742950" lvl="1" indent="-285750">
+              <a:lnSpc>
+                <a:spcPct val="150000"/>
+              </a:lnSpc>
+              <a:buFont typeface="Arial" panose="020B0604020202020204" pitchFamily="34" charset="0"/>
+              <a:buChar char="•"/>
+            </a:pPr>
+            <a:r>
+              <a:rPr lang="en-US" sz="2800" dirty="0"/>
+              <a:t>Runs on the V8 JavaScript Engine</a:t>
+            </a:r>
+          </a:p>
+          <a:p>
+            <a:pPr marL="742950" lvl="1" indent="-285750">
+              <a:lnSpc>
+                <a:spcPct val="150000"/>
+              </a:lnSpc>
+              <a:buFont typeface="Arial" panose="020B0604020202020204" pitchFamily="34" charset="0"/>
+              <a:buChar char="•"/>
+            </a:pPr>
+            <a:r>
+              <a:rPr lang="en-US" sz="2800" dirty="0"/>
+              <a:t>Single-Threaded</a:t>
+            </a:r>
+          </a:p>
+          <a:p>
+            <a:pPr marL="742950" lvl="1" indent="-285750">
+              <a:lnSpc>
+                <a:spcPct val="150000"/>
+              </a:lnSpc>
+              <a:buFont typeface="Arial" panose="020B0604020202020204" pitchFamily="34" charset="0"/>
+              <a:buChar char="•"/>
+            </a:pPr>
+            <a:r>
+              <a:rPr lang="en-US" sz="2800" dirty="0"/>
+              <a:t>Non-Blocking</a:t>
+            </a:r>
+          </a:p>
+          <a:p>
+            <a:pPr marL="742950" lvl="1" indent="-285750">
+              <a:lnSpc>
+                <a:spcPct val="150000"/>
+              </a:lnSpc>
+              <a:buFont typeface="Arial" panose="020B0604020202020204" pitchFamily="34" charset="0"/>
+              <a:buChar char="•"/>
+            </a:pPr>
+            <a:r>
+              <a:rPr lang="en-US" sz="2800" dirty="0"/>
+              <a:t>Asynchronously Programming.</a:t>
+            </a:r>
+          </a:p>
+          <a:p>
+            <a:pPr marL="285750" indent="-285750">
+              <a:lnSpc>
+                <a:spcPct val="150000"/>
+              </a:lnSpc>
+              <a:buFont typeface="Arial" panose="020B0604020202020204" pitchFamily="34" charset="0"/>
+              <a:buChar char="•"/>
+            </a:pPr>
+            <a:r>
+              <a:rPr lang="en-US" sz="2800" dirty="0"/>
+              <a:t>Eliminates the waiting and simply continues with the next request.</a:t>
+            </a:r>
+          </a:p>
+        </p:txBody>
+      </p:sp>
+    </p:spTree>
+    <p:extLst>
+      <p:ext uri="{BB962C8B-B14F-4D97-AF65-F5344CB8AC3E}">
+        <p14:creationId xmlns:p14="http://schemas.microsoft.com/office/powerpoint/2010/main" val="1247358687"/>
+      </p:ext>
+    </p:extLst>
+  </p:cSld>
+  <p:clrMapOvr>
+    <a:masterClrMapping/>
+  </p:clrMapOvr>
+</p:sld>
+</file>
+
+<file path=ppt/slides/slide32.xml><?xml version="1.0" encoding="utf-8"?>
+<p:sld xmlns:a="http://schemas.openxmlformats.org/drawingml/2006/main" xmlns:r="http://schemas.openxmlformats.org/officeDocument/2006/relationships" xmlns:p="http://schemas.openxmlformats.org/presentationml/2006/main">
+  <p:cSld>
+    <p:spTree>
+      <p:nvGrpSpPr>
+        <p:cNvPr id="1" name=""/>
+        <p:cNvGrpSpPr/>
+        <p:nvPr/>
+      </p:nvGrpSpPr>
+      <p:grpSpPr>
+        <a:xfrm>
+          <a:off x="0" y="0"/>
+          <a:ext cx="0" cy="0"/>
+          <a:chOff x="0" y="0"/>
+          <a:chExt cx="0" cy="0"/>
+        </a:xfrm>
+      </p:grpSpPr>
+      <p:sp>
+        <p:nvSpPr>
+          <p:cNvPr id="2" name="Title 1">
+            <a:extLst>
+              <a:ext uri="{FF2B5EF4-FFF2-40B4-BE49-F238E27FC236}">
+                <a16:creationId xmlns:a16="http://schemas.microsoft.com/office/drawing/2014/main" id="{9D710891-8C8E-CC15-9A2B-FF2146E2BAF9}"/>
+              </a:ext>
+            </a:extLst>
+          </p:cNvPr>
+          <p:cNvSpPr>
+            <a:spLocks noGrp="1"/>
+          </p:cNvSpPr>
+          <p:nvPr>
+            <p:ph type="title"/>
+          </p:nvPr>
+        </p:nvSpPr>
+        <p:spPr/>
+        <p:txBody>
+          <a:bodyPr/>
+          <a:lstStyle/>
+          <a:p>
+            <a:r>
+              <a:rPr lang="en-US" dirty="0"/>
+              <a:t>What is V8 JavaScript Engine?</a:t>
+            </a:r>
+          </a:p>
+        </p:txBody>
+      </p:sp>
+      <p:sp>
+        <p:nvSpPr>
+          <p:cNvPr id="3" name="Content Placeholder 2">
+            <a:extLst>
+              <a:ext uri="{FF2B5EF4-FFF2-40B4-BE49-F238E27FC236}">
+                <a16:creationId xmlns:a16="http://schemas.microsoft.com/office/drawing/2014/main" id="{66834EA5-468E-6FBE-02B0-CA903E40ABF8}"/>
+              </a:ext>
+            </a:extLst>
+          </p:cNvPr>
+          <p:cNvSpPr>
+            <a:spLocks noGrp="1"/>
+          </p:cNvSpPr>
+          <p:nvPr>
+            <p:ph idx="1"/>
+          </p:nvPr>
+        </p:nvSpPr>
+        <p:spPr/>
+        <p:txBody>
+          <a:bodyPr/>
+          <a:lstStyle/>
+          <a:p>
+            <a:pPr>
+              <a:lnSpc>
+                <a:spcPct val="150000"/>
+              </a:lnSpc>
+            </a:pPr>
+            <a:r>
+              <a:rPr lang="en-US" dirty="0"/>
+              <a:t>V8 is the JavaScript execution engine which was initially built for Google Chrome.</a:t>
+            </a:r>
+          </a:p>
+          <a:p>
+            <a:pPr>
+              <a:lnSpc>
+                <a:spcPct val="150000"/>
+              </a:lnSpc>
+            </a:pPr>
+            <a:r>
+              <a:rPr lang="en-US" dirty="0"/>
+              <a:t>V8 is Google’s open source and written in C++</a:t>
+            </a:r>
+          </a:p>
+          <a:p>
+            <a:pPr>
+              <a:lnSpc>
+                <a:spcPct val="150000"/>
+              </a:lnSpc>
+            </a:pPr>
+            <a:r>
+              <a:rPr lang="en-US" dirty="0"/>
+              <a:t>V8 compiles JavaScript source code to native machine code.</a:t>
+            </a:r>
+          </a:p>
+          <a:p>
+            <a:pPr>
+              <a:lnSpc>
+                <a:spcPct val="150000"/>
+              </a:lnSpc>
+            </a:pPr>
+            <a:r>
+              <a:rPr lang="en-US" dirty="0"/>
+              <a:t>The Node.js written in C++</a:t>
+            </a:r>
+          </a:p>
+        </p:txBody>
+      </p:sp>
+    </p:spTree>
+    <p:extLst>
+      <p:ext uri="{BB962C8B-B14F-4D97-AF65-F5344CB8AC3E}">
+        <p14:creationId xmlns:p14="http://schemas.microsoft.com/office/powerpoint/2010/main" val="304210912"/>
+      </p:ext>
+    </p:extLst>
+  </p:cSld>
+  <p:clrMapOvr>
+    <a:masterClrMapping/>
+  </p:clrMapOvr>
+</p:sld>
+</file>
+
+<file path=ppt/slides/slide33.xml><?xml version="1.0" encoding="utf-8"?>
+<p:sld xmlns:a="http://schemas.openxmlformats.org/drawingml/2006/main" xmlns:r="http://schemas.openxmlformats.org/officeDocument/2006/relationships" xmlns:p="http://schemas.openxmlformats.org/presentationml/2006/main">
+  <p:cSld>
+    <p:spTree>
+      <p:nvGrpSpPr>
+        <p:cNvPr id="1" name=""/>
+        <p:cNvGrpSpPr/>
+        <p:nvPr/>
+      </p:nvGrpSpPr>
+      <p:grpSpPr>
+        <a:xfrm>
+          <a:off x="0" y="0"/>
+          <a:ext cx="0" cy="0"/>
+          <a:chOff x="0" y="0"/>
+          <a:chExt cx="0" cy="0"/>
+        </a:xfrm>
+      </p:grpSpPr>
+      <p:sp>
+        <p:nvSpPr>
+          <p:cNvPr id="2" name="Title 1">
+            <a:extLst>
+              <a:ext uri="{FF2B5EF4-FFF2-40B4-BE49-F238E27FC236}">
+                <a16:creationId xmlns:a16="http://schemas.microsoft.com/office/drawing/2014/main" id="{2888F1C4-8596-4D48-A6D9-53ADC7FC2A4C}"/>
+              </a:ext>
+            </a:extLst>
+          </p:cNvPr>
+          <p:cNvSpPr>
+            <a:spLocks noGrp="1"/>
+          </p:cNvSpPr>
+          <p:nvPr>
+            <p:ph type="title"/>
+          </p:nvPr>
+        </p:nvSpPr>
+        <p:spPr/>
+        <p:txBody>
+          <a:bodyPr/>
+          <a:lstStyle/>
+          <a:p>
+            <a:r>
+              <a:rPr lang="en-US" dirty="0"/>
+              <a:t>What you need to know?</a:t>
+            </a:r>
+          </a:p>
+        </p:txBody>
+      </p:sp>
+      <p:sp>
+        <p:nvSpPr>
+          <p:cNvPr id="3" name="Content Placeholder 2">
+            <a:extLst>
+              <a:ext uri="{FF2B5EF4-FFF2-40B4-BE49-F238E27FC236}">
+                <a16:creationId xmlns:a16="http://schemas.microsoft.com/office/drawing/2014/main" id="{18CA9F8F-7E00-8F38-A597-545FA0D46F27}"/>
+              </a:ext>
+            </a:extLst>
+          </p:cNvPr>
+          <p:cNvSpPr>
+            <a:spLocks noGrp="1"/>
+          </p:cNvSpPr>
+          <p:nvPr>
+            <p:ph idx="1"/>
+          </p:nvPr>
+        </p:nvSpPr>
+        <p:spPr/>
+        <p:txBody>
+          <a:bodyPr/>
+          <a:lstStyle/>
+          <a:p>
+            <a:r>
+              <a:rPr lang="en-US" dirty="0"/>
+              <a:t>JavaScript</a:t>
+            </a:r>
+          </a:p>
+          <a:p>
+            <a:r>
+              <a:rPr lang="en-US" dirty="0"/>
+              <a:t>HTML</a:t>
+            </a:r>
+          </a:p>
+        </p:txBody>
+      </p:sp>
+    </p:spTree>
+    <p:extLst>
+      <p:ext uri="{BB962C8B-B14F-4D97-AF65-F5344CB8AC3E}">
+        <p14:creationId xmlns:p14="http://schemas.microsoft.com/office/powerpoint/2010/main" val="290366752"/>
+      </p:ext>
+    </p:extLst>
+  </p:cSld>
+  <p:clrMapOvr>
+    <a:masterClrMapping/>
+  </p:clrMapOvr>
+</p:sld>
+</file>
+
+<file path=ppt/slides/slide34.xml><?xml version="1.0" encoding="utf-8"?>
+<p:sld xmlns:a="http://schemas.openxmlformats.org/drawingml/2006/main" xmlns:r="http://schemas.openxmlformats.org/officeDocument/2006/relationships" xmlns:p="http://schemas.openxmlformats.org/presentationml/2006/main">
+  <p:cSld>
+    <p:spTree>
+      <p:nvGrpSpPr>
+        <p:cNvPr id="1" name=""/>
+        <p:cNvGrpSpPr/>
+        <p:nvPr/>
+      </p:nvGrpSpPr>
+      <p:grpSpPr>
+        <a:xfrm>
+          <a:off x="0" y="0"/>
+          <a:ext cx="0" cy="0"/>
+          <a:chOff x="0" y="0"/>
+          <a:chExt cx="0" cy="0"/>
+        </a:xfrm>
+      </p:grpSpPr>
+      <p:sp>
+        <p:nvSpPr>
+          <p:cNvPr id="2" name="Title 1">
+            <a:extLst>
+              <a:ext uri="{FF2B5EF4-FFF2-40B4-BE49-F238E27FC236}">
+                <a16:creationId xmlns:a16="http://schemas.microsoft.com/office/drawing/2014/main" id="{17835336-7687-678F-1860-28825B18CDCF}"/>
+              </a:ext>
+            </a:extLst>
+          </p:cNvPr>
+          <p:cNvSpPr>
+            <a:spLocks noGrp="1"/>
+          </p:cNvSpPr>
+          <p:nvPr>
+            <p:ph type="title"/>
+          </p:nvPr>
+        </p:nvSpPr>
+        <p:spPr/>
+        <p:txBody>
+          <a:bodyPr/>
+          <a:lstStyle/>
+          <a:p>
+            <a:r>
+              <a:rPr lang="en-US" dirty="0"/>
+              <a:t>Events &amp; Event Emitter</a:t>
+            </a:r>
+          </a:p>
+        </p:txBody>
+      </p:sp>
+      <p:sp>
+        <p:nvSpPr>
+          <p:cNvPr id="3" name="Content Placeholder 2">
+            <a:extLst>
+              <a:ext uri="{FF2B5EF4-FFF2-40B4-BE49-F238E27FC236}">
+                <a16:creationId xmlns:a16="http://schemas.microsoft.com/office/drawing/2014/main" id="{2777A4EF-720E-39A0-AB8A-586D21EA0138}"/>
+              </a:ext>
+            </a:extLst>
+          </p:cNvPr>
+          <p:cNvSpPr>
+            <a:spLocks noGrp="1"/>
+          </p:cNvSpPr>
+          <p:nvPr>
+            <p:ph idx="1"/>
+          </p:nvPr>
+        </p:nvSpPr>
+        <p:spPr/>
+        <p:txBody>
+          <a:bodyPr/>
+          <a:lstStyle/>
+          <a:p>
+            <a:r>
+              <a:rPr lang="en-US" dirty="0" err="1"/>
+              <a:t>Event.emit</a:t>
+            </a:r>
+            <a:endParaRPr lang="en-US" dirty="0"/>
+          </a:p>
+          <a:p>
+            <a:r>
+              <a:rPr lang="en-US" dirty="0" err="1"/>
+              <a:t>Event.on</a:t>
+            </a:r>
+            <a:endParaRPr lang="en-US" dirty="0"/>
+          </a:p>
+        </p:txBody>
+      </p:sp>
+    </p:spTree>
+    <p:extLst>
+      <p:ext uri="{BB962C8B-B14F-4D97-AF65-F5344CB8AC3E}">
+        <p14:creationId xmlns:p14="http://schemas.microsoft.com/office/powerpoint/2010/main" val="2755320606"/>
+      </p:ext>
+    </p:extLst>
+  </p:cSld>
+  <p:clrMapOvr>
+    <a:masterClrMapping/>
+  </p:clrMapOvr>
+</p:sld>
+</file>
+
+<file path=ppt/slides/slide35.xml><?xml version="1.0" encoding="utf-8"?>
+<p:sld xmlns:a="http://schemas.openxmlformats.org/drawingml/2006/main" xmlns:r="http://schemas.openxmlformats.org/officeDocument/2006/relationships" xmlns:p="http://schemas.openxmlformats.org/presentationml/2006/main">
+  <p:cSld>
+    <p:spTree>
+      <p:nvGrpSpPr>
+        <p:cNvPr id="1" name=""/>
+        <p:cNvGrpSpPr/>
+        <p:nvPr/>
+      </p:nvGrpSpPr>
+      <p:grpSpPr>
+        <a:xfrm>
+          <a:off x="0" y="0"/>
+          <a:ext cx="0" cy="0"/>
+          <a:chOff x="0" y="0"/>
+          <a:chExt cx="0" cy="0"/>
+        </a:xfrm>
+      </p:grpSpPr>
+      <p:sp>
+        <p:nvSpPr>
+          <p:cNvPr id="2" name="Title 1">
+            <a:extLst>
+              <a:ext uri="{FF2B5EF4-FFF2-40B4-BE49-F238E27FC236}">
+                <a16:creationId xmlns:a16="http://schemas.microsoft.com/office/drawing/2014/main" id="{566A493A-EED5-26FD-3DD4-7EA3278BAB3D}"/>
+              </a:ext>
+            </a:extLst>
+          </p:cNvPr>
+          <p:cNvSpPr>
+            <a:spLocks noGrp="1"/>
+          </p:cNvSpPr>
+          <p:nvPr>
+            <p:ph type="title"/>
+          </p:nvPr>
+        </p:nvSpPr>
+        <p:spPr/>
+        <p:txBody>
+          <a:bodyPr/>
+          <a:lstStyle/>
+          <a:p>
+            <a:r>
+              <a:rPr lang="en-US" dirty="0"/>
+              <a:t>Buffers and Streams</a:t>
+            </a:r>
+          </a:p>
+        </p:txBody>
+      </p:sp>
+    </p:spTree>
+    <p:extLst>
+      <p:ext uri="{BB962C8B-B14F-4D97-AF65-F5344CB8AC3E}">
+        <p14:creationId xmlns:p14="http://schemas.microsoft.com/office/powerpoint/2010/main" val="2752097677"/>
+      </p:ext>
+    </p:extLst>
+  </p:cSld>
+  <p:clrMapOvr>
+    <a:masterClrMapping/>
+  </p:clrMapOvr>
+</p:sld>
+</file>
+
+<file path=ppt/slides/slide36.xml><?xml version="1.0" encoding="utf-8"?>
+<p:sld xmlns:a="http://schemas.openxmlformats.org/drawingml/2006/main" xmlns:r="http://schemas.openxmlformats.org/officeDocument/2006/relationships" xmlns:p="http://schemas.openxmlformats.org/presentationml/2006/main">
+  <p:cSld>
+    <p:spTree>
+      <p:nvGrpSpPr>
+        <p:cNvPr id="1" name=""/>
+        <p:cNvGrpSpPr/>
+        <p:nvPr/>
+      </p:nvGrpSpPr>
+      <p:grpSpPr>
+        <a:xfrm>
+          <a:off x="0" y="0"/>
+          <a:ext cx="0" cy="0"/>
+          <a:chOff x="0" y="0"/>
+          <a:chExt cx="0" cy="0"/>
+        </a:xfrm>
+      </p:grpSpPr>
+      <p:sp>
+        <p:nvSpPr>
+          <p:cNvPr id="2" name="Title 1">
+            <a:extLst>
+              <a:ext uri="{FF2B5EF4-FFF2-40B4-BE49-F238E27FC236}">
+                <a16:creationId xmlns:a16="http://schemas.microsoft.com/office/drawing/2014/main" id="{91F69045-59CB-D66B-A78E-C123E809C998}"/>
+              </a:ext>
+            </a:extLst>
+          </p:cNvPr>
+          <p:cNvSpPr>
+            <a:spLocks noGrp="1"/>
+          </p:cNvSpPr>
+          <p:nvPr>
+            <p:ph type="title"/>
+          </p:nvPr>
+        </p:nvSpPr>
+        <p:spPr/>
+        <p:txBody>
+          <a:bodyPr/>
+          <a:lstStyle/>
+          <a:p>
+            <a:r>
+              <a:rPr lang="en-US" dirty="0"/>
+              <a:t>Why buffer?</a:t>
+            </a:r>
+          </a:p>
+        </p:txBody>
+      </p:sp>
+      <p:sp>
+        <p:nvSpPr>
+          <p:cNvPr id="3" name="Content Placeholder 2">
+            <a:extLst>
+              <a:ext uri="{FF2B5EF4-FFF2-40B4-BE49-F238E27FC236}">
+                <a16:creationId xmlns:a16="http://schemas.microsoft.com/office/drawing/2014/main" id="{738D6014-9CB8-08AE-0BCE-0CD32D9E3F59}"/>
+              </a:ext>
+            </a:extLst>
+          </p:cNvPr>
+          <p:cNvSpPr>
+            <a:spLocks noGrp="1"/>
+          </p:cNvSpPr>
+          <p:nvPr>
+            <p:ph idx="1"/>
+          </p:nvPr>
+        </p:nvSpPr>
+        <p:spPr/>
+        <p:txBody>
+          <a:bodyPr>
+            <a:normAutofit/>
+          </a:bodyPr>
+          <a:lstStyle/>
+          <a:p>
+            <a:r>
+              <a:rPr lang="en-US" sz="3600" dirty="0"/>
+              <a:t>The JavaScript language had no mechanism for reading or manipulating streams of binary data.</a:t>
+            </a:r>
+          </a:p>
+          <a:p>
+            <a:r>
+              <a:rPr lang="en-US" sz="3600" dirty="0"/>
+              <a:t>The Buffer class was introduced as part of the Node.js API to make it possible.</a:t>
+            </a:r>
+          </a:p>
+          <a:p>
+            <a:r>
+              <a:rPr lang="en-US" sz="3600" dirty="0"/>
+              <a:t>Node.js servers have to also deal with TCP streams and reading &amp; writing to the file system with binary streams of data.</a:t>
+            </a:r>
+          </a:p>
+        </p:txBody>
+      </p:sp>
+    </p:spTree>
+    <p:extLst>
+      <p:ext uri="{BB962C8B-B14F-4D97-AF65-F5344CB8AC3E}">
+        <p14:creationId xmlns:p14="http://schemas.microsoft.com/office/powerpoint/2010/main" val="1558456275"/>
+      </p:ext>
+    </p:extLst>
+  </p:cSld>
+  <p:clrMapOvr>
+    <a:masterClrMapping/>
+  </p:clrMapOvr>
+</p:sld>
+</file>
+
+<file path=ppt/slides/slide37.xml><?xml version="1.0" encoding="utf-8"?>
+<p:sld xmlns:a="http://schemas.openxmlformats.org/drawingml/2006/main" xmlns:r="http://schemas.openxmlformats.org/officeDocument/2006/relationships" xmlns:p="http://schemas.openxmlformats.org/presentationml/2006/main">
+  <p:cSld>
+    <p:spTree>
+      <p:nvGrpSpPr>
+        <p:cNvPr id="1" name=""/>
+        <p:cNvGrpSpPr/>
+        <p:nvPr/>
+      </p:nvGrpSpPr>
+      <p:grpSpPr>
+        <a:xfrm>
+          <a:off x="0" y="0"/>
+          <a:ext cx="0" cy="0"/>
+          <a:chOff x="0" y="0"/>
+          <a:chExt cx="0" cy="0"/>
+        </a:xfrm>
+      </p:grpSpPr>
+      <p:sp>
+        <p:nvSpPr>
+          <p:cNvPr id="2" name="Title 1">
+            <a:extLst>
+              <a:ext uri="{FF2B5EF4-FFF2-40B4-BE49-F238E27FC236}">
+                <a16:creationId xmlns:a16="http://schemas.microsoft.com/office/drawing/2014/main" id="{26B3AD98-C746-C3DB-C0D0-AEF14A00AB73}"/>
+              </a:ext>
+            </a:extLst>
+          </p:cNvPr>
+          <p:cNvSpPr>
+            <a:spLocks noGrp="1"/>
+          </p:cNvSpPr>
+          <p:nvPr>
+            <p:ph type="title"/>
+          </p:nvPr>
+        </p:nvSpPr>
+        <p:spPr/>
+        <p:txBody>
+          <a:bodyPr/>
+          <a:lstStyle/>
+          <a:p>
+            <a:r>
+              <a:rPr lang="en-US" dirty="0"/>
+              <a:t>What is buffer?</a:t>
+            </a:r>
+          </a:p>
+        </p:txBody>
+      </p:sp>
+      <p:sp>
+        <p:nvSpPr>
+          <p:cNvPr id="3" name="Content Placeholder 2">
+            <a:extLst>
+              <a:ext uri="{FF2B5EF4-FFF2-40B4-BE49-F238E27FC236}">
+                <a16:creationId xmlns:a16="http://schemas.microsoft.com/office/drawing/2014/main" id="{8FBCB193-1130-3603-79A3-360E79C15380}"/>
+              </a:ext>
+            </a:extLst>
+          </p:cNvPr>
+          <p:cNvSpPr>
+            <a:spLocks noGrp="1"/>
+          </p:cNvSpPr>
+          <p:nvPr>
+            <p:ph idx="1"/>
+          </p:nvPr>
+        </p:nvSpPr>
+        <p:spPr/>
+        <p:txBody>
+          <a:bodyPr/>
+          <a:lstStyle/>
+          <a:p>
+            <a:r>
+              <a:rPr lang="en-US" dirty="0"/>
+              <a:t>Buffer is temporary storage, usually in RAM.</a:t>
+            </a:r>
+          </a:p>
+          <a:p>
+            <a:r>
+              <a:rPr lang="en-US" dirty="0"/>
+              <a:t>It is handle raw binary data.</a:t>
+            </a:r>
+          </a:p>
+          <a:p>
+            <a:r>
+              <a:rPr lang="en-US" dirty="0"/>
+              <a:t>Instance of the Buffer class like arrays of integers.</a:t>
+            </a:r>
+          </a:p>
+          <a:p>
+            <a:r>
+              <a:rPr lang="en-US" dirty="0"/>
+              <a:t>The “integers” in a buffer each represent a byte.</a:t>
+            </a:r>
+          </a:p>
+          <a:p>
+            <a:r>
+              <a:rPr lang="en-US" dirty="0"/>
+              <a:t>The size of the Buffer is established when it is created and cannot be resized.</a:t>
+            </a:r>
+          </a:p>
+          <a:p>
+            <a:r>
+              <a:rPr lang="en-US" dirty="0"/>
+              <a:t>When buffer is full then sent out for processing during streaming.</a:t>
+            </a:r>
+          </a:p>
+        </p:txBody>
+      </p:sp>
+    </p:spTree>
+    <p:extLst>
+      <p:ext uri="{BB962C8B-B14F-4D97-AF65-F5344CB8AC3E}">
+        <p14:creationId xmlns:p14="http://schemas.microsoft.com/office/powerpoint/2010/main" val="954681005"/>
+      </p:ext>
+    </p:extLst>
+  </p:cSld>
+  <p:clrMapOvr>
+    <a:masterClrMapping/>
+  </p:clrMapOvr>
+</p:sld>
+</file>
+
+<file path=ppt/slides/slide38.xml><?xml version="1.0" encoding="utf-8"?>
+<p:sld xmlns:a="http://schemas.openxmlformats.org/drawingml/2006/main" xmlns:r="http://schemas.openxmlformats.org/officeDocument/2006/relationships" xmlns:p="http://schemas.openxmlformats.org/presentationml/2006/main">
+  <p:cSld>
+    <p:spTree>
+      <p:nvGrpSpPr>
+        <p:cNvPr id="1" name=""/>
+        <p:cNvGrpSpPr/>
+        <p:nvPr/>
+      </p:nvGrpSpPr>
+      <p:grpSpPr>
+        <a:xfrm>
+          <a:off x="0" y="0"/>
+          <a:ext cx="0" cy="0"/>
+          <a:chOff x="0" y="0"/>
+          <a:chExt cx="0" cy="0"/>
+        </a:xfrm>
+      </p:grpSpPr>
+      <p:sp>
+        <p:nvSpPr>
+          <p:cNvPr id="2" name="Title 1">
+            <a:extLst>
+              <a:ext uri="{FF2B5EF4-FFF2-40B4-BE49-F238E27FC236}">
+                <a16:creationId xmlns:a16="http://schemas.microsoft.com/office/drawing/2014/main" id="{6EAE0D92-B7B6-C786-EF66-48A9364D9FA2}"/>
+              </a:ext>
+            </a:extLst>
+          </p:cNvPr>
+          <p:cNvSpPr>
+            <a:spLocks noGrp="1"/>
+          </p:cNvSpPr>
+          <p:nvPr>
+            <p:ph type="title"/>
+          </p:nvPr>
+        </p:nvSpPr>
+        <p:spPr/>
+        <p:txBody>
+          <a:bodyPr/>
+          <a:lstStyle/>
+          <a:p>
+            <a:r>
+              <a:rPr lang="en-US" dirty="0"/>
+              <a:t>How to work Buffer?</a:t>
+            </a:r>
+          </a:p>
+        </p:txBody>
+      </p:sp>
+      <p:sp>
+        <p:nvSpPr>
+          <p:cNvPr id="3" name="Content Placeholder 2">
+            <a:extLst>
+              <a:ext uri="{FF2B5EF4-FFF2-40B4-BE49-F238E27FC236}">
+                <a16:creationId xmlns:a16="http://schemas.microsoft.com/office/drawing/2014/main" id="{08EAD92F-FC14-3AE2-2BA7-BA3D9DBBA86E}"/>
+              </a:ext>
+            </a:extLst>
+          </p:cNvPr>
+          <p:cNvSpPr>
+            <a:spLocks noGrp="1"/>
+          </p:cNvSpPr>
+          <p:nvPr>
+            <p:ph idx="1"/>
+          </p:nvPr>
+        </p:nvSpPr>
+        <p:spPr>
+          <a:xfrm>
+            <a:off x="838200" y="1825625"/>
+            <a:ext cx="4241800" cy="1890032"/>
+          </a:xfrm>
+        </p:spPr>
+        <p:txBody>
+          <a:bodyPr/>
+          <a:lstStyle/>
+          <a:p>
+            <a:r>
+              <a:rPr lang="en-US" dirty="0"/>
+              <a:t>Buffer also known as waiting area</a:t>
+            </a:r>
+          </a:p>
+          <a:p>
+            <a:pPr marL="0" indent="0">
+              <a:buNone/>
+            </a:pPr>
+            <a:r>
+              <a:rPr lang="en-US" dirty="0"/>
+              <a:t>Var </a:t>
+            </a:r>
+            <a:r>
+              <a:rPr lang="en-US" dirty="0" err="1"/>
+              <a:t>buf</a:t>
+            </a:r>
+            <a:r>
+              <a:rPr lang="en-US" dirty="0"/>
+              <a:t>= </a:t>
+            </a:r>
+            <a:r>
+              <a:rPr lang="en-US" dirty="0" err="1"/>
+              <a:t>Buffer.alloc</a:t>
+            </a:r>
+            <a:r>
+              <a:rPr lang="en-US" dirty="0"/>
+              <a:t>(10);</a:t>
+            </a:r>
+          </a:p>
+          <a:p>
+            <a:pPr marL="0" indent="0">
+              <a:buNone/>
+            </a:pPr>
+            <a:r>
+              <a:rPr lang="en-US" dirty="0"/>
+              <a:t>Buffer(Store 10 bytes)</a:t>
+            </a:r>
+          </a:p>
+        </p:txBody>
+      </p:sp>
+      <p:grpSp>
+        <p:nvGrpSpPr>
+          <p:cNvPr id="25" name="Group 24">
+            <a:extLst>
+              <a:ext uri="{FF2B5EF4-FFF2-40B4-BE49-F238E27FC236}">
+                <a16:creationId xmlns:a16="http://schemas.microsoft.com/office/drawing/2014/main" id="{DC3BE69F-182B-B5CC-D8ED-622F832A55BC}"/>
+              </a:ext>
+            </a:extLst>
+          </p:cNvPr>
+          <p:cNvGrpSpPr/>
+          <p:nvPr/>
+        </p:nvGrpSpPr>
+        <p:grpSpPr>
+          <a:xfrm>
+            <a:off x="1139371" y="3850594"/>
+            <a:ext cx="10776858" cy="2782435"/>
+            <a:chOff x="1139371" y="3850594"/>
+            <a:chExt cx="10776858" cy="2782435"/>
+          </a:xfrm>
+        </p:grpSpPr>
+        <p:sp>
+          <p:nvSpPr>
+            <p:cNvPr id="4" name="Rectangle: Rounded Corners 3">
+              <a:extLst>
+                <a:ext uri="{FF2B5EF4-FFF2-40B4-BE49-F238E27FC236}">
+                  <a16:creationId xmlns:a16="http://schemas.microsoft.com/office/drawing/2014/main" id="{C08858EA-63C9-67A8-76AC-2261701289FB}"/>
+                </a:ext>
+              </a:extLst>
+            </p:cNvPr>
+            <p:cNvSpPr/>
+            <p:nvPr/>
+          </p:nvSpPr>
+          <p:spPr>
+            <a:xfrm>
+              <a:off x="1139371" y="3850594"/>
+              <a:ext cx="1850572" cy="2782435"/>
+            </a:xfrm>
+            <a:prstGeom prst="roundRect">
+              <a:avLst/>
+            </a:prstGeom>
+          </p:spPr>
+          <p:style>
+            <a:lnRef idx="2">
+              <a:schemeClr val="accent1">
+                <a:shade val="50000"/>
+              </a:schemeClr>
+            </a:lnRef>
+            <a:fillRef idx="1">
+              <a:schemeClr val="accent1"/>
+            </a:fillRef>
+            <a:effectRef idx="0">
+              <a:schemeClr val="accent1"/>
+            </a:effectRef>
+            <a:fontRef idx="minor">
+              <a:schemeClr val="lt1"/>
+            </a:fontRef>
+          </p:style>
+          <p:txBody>
+            <a:bodyPr rtlCol="0" anchor="ctr"/>
+            <a:lstStyle/>
+            <a:p>
+              <a:pPr algn="ctr"/>
+              <a:r>
+                <a:rPr lang="en-US" dirty="0"/>
+                <a:t>Large amount of data</a:t>
+              </a:r>
+            </a:p>
+          </p:txBody>
+        </p:sp>
+        <p:sp>
+          <p:nvSpPr>
+            <p:cNvPr id="5" name="Arrow: Right 4">
+              <a:extLst>
+                <a:ext uri="{FF2B5EF4-FFF2-40B4-BE49-F238E27FC236}">
+                  <a16:creationId xmlns:a16="http://schemas.microsoft.com/office/drawing/2014/main" id="{D370B031-1255-84D0-97E5-77D9A1EA2967}"/>
+                </a:ext>
+              </a:extLst>
+            </p:cNvPr>
+            <p:cNvSpPr/>
+            <p:nvPr/>
+          </p:nvSpPr>
+          <p:spPr>
+            <a:xfrm>
+              <a:off x="3207657" y="5021943"/>
+              <a:ext cx="783772" cy="348343"/>
+            </a:xfrm>
+            <a:prstGeom prst="rightArrow">
+              <a:avLst/>
+            </a:prstGeom>
+          </p:spPr>
+          <p:style>
+            <a:lnRef idx="2">
+              <a:schemeClr val="accent1">
+                <a:shade val="50000"/>
+              </a:schemeClr>
+            </a:lnRef>
+            <a:fillRef idx="1">
+              <a:schemeClr val="accent1"/>
+            </a:fillRef>
+            <a:effectRef idx="0">
+              <a:schemeClr val="accent1"/>
+            </a:effectRef>
+            <a:fontRef idx="minor">
+              <a:schemeClr val="lt1"/>
+            </a:fontRef>
+          </p:style>
+          <p:txBody>
+            <a:bodyPr rtlCol="0" anchor="ctr"/>
+            <a:lstStyle/>
+            <a:p>
+              <a:pPr algn="ctr"/>
+              <a:endParaRPr lang="en-US"/>
+            </a:p>
+          </p:txBody>
+        </p:sp>
+        <p:sp>
+          <p:nvSpPr>
+            <p:cNvPr id="6" name="Rectangle 5">
+              <a:extLst>
+                <a:ext uri="{FF2B5EF4-FFF2-40B4-BE49-F238E27FC236}">
+                  <a16:creationId xmlns:a16="http://schemas.microsoft.com/office/drawing/2014/main" id="{D3D8181E-6003-F60E-6A9A-40BC6CB137F4}"/>
+                </a:ext>
+              </a:extLst>
+            </p:cNvPr>
+            <p:cNvSpPr/>
+            <p:nvPr/>
+          </p:nvSpPr>
+          <p:spPr>
+            <a:xfrm>
+              <a:off x="4100286" y="4455886"/>
+              <a:ext cx="217714" cy="1611085"/>
+            </a:xfrm>
+            <a:prstGeom prst="rect">
+              <a:avLst/>
+            </a:prstGeom>
+          </p:spPr>
+          <p:style>
+            <a:lnRef idx="2">
+              <a:schemeClr val="accent1">
+                <a:shade val="50000"/>
+              </a:schemeClr>
+            </a:lnRef>
+            <a:fillRef idx="1">
+              <a:schemeClr val="accent1"/>
+            </a:fillRef>
+            <a:effectRef idx="0">
+              <a:schemeClr val="accent1"/>
+            </a:effectRef>
+            <a:fontRef idx="minor">
+              <a:schemeClr val="lt1"/>
+            </a:fontRef>
+          </p:style>
+          <p:txBody>
+            <a:bodyPr rtlCol="0" anchor="ctr"/>
+            <a:lstStyle/>
+            <a:p>
+              <a:pPr algn="ctr"/>
+              <a:endParaRPr lang="en-US"/>
+            </a:p>
+          </p:txBody>
+        </p:sp>
+        <p:sp>
+          <p:nvSpPr>
+            <p:cNvPr id="7" name="Arrow: Right 6">
+              <a:extLst>
+                <a:ext uri="{FF2B5EF4-FFF2-40B4-BE49-F238E27FC236}">
+                  <a16:creationId xmlns:a16="http://schemas.microsoft.com/office/drawing/2014/main" id="{9C13765D-B5C3-A8D8-E56D-313833B0353A}"/>
+                </a:ext>
+              </a:extLst>
+            </p:cNvPr>
+            <p:cNvSpPr/>
+            <p:nvPr/>
+          </p:nvSpPr>
+          <p:spPr>
+            <a:xfrm>
+              <a:off x="8948787" y="4847771"/>
+              <a:ext cx="783772" cy="348343"/>
+            </a:xfrm>
+            <a:prstGeom prst="rightArrow">
+              <a:avLst/>
+            </a:prstGeom>
+          </p:spPr>
+          <p:style>
+            <a:lnRef idx="2">
+              <a:schemeClr val="accent1">
+                <a:shade val="50000"/>
+              </a:schemeClr>
+            </a:lnRef>
+            <a:fillRef idx="1">
+              <a:schemeClr val="accent1"/>
+            </a:fillRef>
+            <a:effectRef idx="0">
+              <a:schemeClr val="accent1"/>
+            </a:effectRef>
+            <a:fontRef idx="minor">
+              <a:schemeClr val="lt1"/>
+            </a:fontRef>
+          </p:style>
+          <p:txBody>
+            <a:bodyPr rtlCol="0" anchor="ctr"/>
+            <a:lstStyle/>
+            <a:p>
+              <a:pPr algn="ctr"/>
+              <a:endParaRPr lang="en-US"/>
+            </a:p>
+          </p:txBody>
+        </p:sp>
+        <p:sp>
+          <p:nvSpPr>
+            <p:cNvPr id="8" name="Rectangle 7">
+              <a:extLst>
+                <a:ext uri="{FF2B5EF4-FFF2-40B4-BE49-F238E27FC236}">
+                  <a16:creationId xmlns:a16="http://schemas.microsoft.com/office/drawing/2014/main" id="{43C76E86-E60E-1327-480F-62528BC965EF}"/>
+                </a:ext>
+              </a:extLst>
+            </p:cNvPr>
+            <p:cNvSpPr/>
+            <p:nvPr/>
+          </p:nvSpPr>
+          <p:spPr>
+            <a:xfrm>
+              <a:off x="5319486" y="4501583"/>
+              <a:ext cx="217714" cy="1611085"/>
+            </a:xfrm>
+            <a:prstGeom prst="rect">
+              <a:avLst/>
+            </a:prstGeom>
+          </p:spPr>
+          <p:style>
+            <a:lnRef idx="2">
+              <a:schemeClr val="accent1">
+                <a:shade val="50000"/>
+              </a:schemeClr>
+            </a:lnRef>
+            <a:fillRef idx="1">
+              <a:schemeClr val="accent1"/>
+            </a:fillRef>
+            <a:effectRef idx="0">
+              <a:schemeClr val="accent1"/>
+            </a:effectRef>
+            <a:fontRef idx="minor">
+              <a:schemeClr val="lt1"/>
+            </a:fontRef>
+          </p:style>
+          <p:txBody>
+            <a:bodyPr rtlCol="0" anchor="ctr"/>
+            <a:lstStyle/>
+            <a:p>
+              <a:pPr algn="ctr"/>
+              <a:endParaRPr lang="en-US"/>
+            </a:p>
+          </p:txBody>
+        </p:sp>
+        <p:sp>
+          <p:nvSpPr>
+            <p:cNvPr id="9" name="Rectangle 8">
+              <a:extLst>
+                <a:ext uri="{FF2B5EF4-FFF2-40B4-BE49-F238E27FC236}">
+                  <a16:creationId xmlns:a16="http://schemas.microsoft.com/office/drawing/2014/main" id="{C3C75179-744A-B531-64B6-CCB95F606563}"/>
+                </a:ext>
+              </a:extLst>
+            </p:cNvPr>
+            <p:cNvSpPr/>
+            <p:nvPr/>
+          </p:nvSpPr>
+          <p:spPr>
+            <a:xfrm>
+              <a:off x="6538687" y="4455886"/>
+              <a:ext cx="2286000" cy="1325563"/>
+            </a:xfrm>
+            <a:prstGeom prst="rect">
+              <a:avLst/>
+            </a:prstGeom>
+            <a:noFill/>
+          </p:spPr>
+          <p:style>
+            <a:lnRef idx="2">
+              <a:schemeClr val="accent1">
+                <a:shade val="50000"/>
+              </a:schemeClr>
+            </a:lnRef>
+            <a:fillRef idx="1">
+              <a:schemeClr val="accent1"/>
+            </a:fillRef>
+            <a:effectRef idx="0">
+              <a:schemeClr val="accent1"/>
+            </a:effectRef>
+            <a:fontRef idx="minor">
+              <a:schemeClr val="lt1"/>
+            </a:fontRef>
+          </p:style>
+          <p:txBody>
+            <a:bodyPr rtlCol="0" anchor="ctr"/>
+            <a:lstStyle/>
+            <a:p>
+              <a:pPr algn="ctr"/>
+              <a:endParaRPr lang="en-US"/>
+            </a:p>
+          </p:txBody>
+        </p:sp>
+        <p:sp>
+          <p:nvSpPr>
+            <p:cNvPr id="10" name="Arrow: Right 9">
+              <a:extLst>
+                <a:ext uri="{FF2B5EF4-FFF2-40B4-BE49-F238E27FC236}">
+                  <a16:creationId xmlns:a16="http://schemas.microsoft.com/office/drawing/2014/main" id="{3FB38926-8C86-7F6F-D208-02368509CCBF}"/>
+                </a:ext>
+              </a:extLst>
+            </p:cNvPr>
+            <p:cNvSpPr/>
+            <p:nvPr/>
+          </p:nvSpPr>
+          <p:spPr>
+            <a:xfrm>
+              <a:off x="4535714" y="5021943"/>
+              <a:ext cx="783772" cy="348343"/>
+            </a:xfrm>
+            <a:prstGeom prst="rightArrow">
+              <a:avLst/>
+            </a:prstGeom>
+          </p:spPr>
+          <p:style>
+            <a:lnRef idx="2">
+              <a:schemeClr val="accent1">
+                <a:shade val="50000"/>
+              </a:schemeClr>
+            </a:lnRef>
+            <a:fillRef idx="1">
+              <a:schemeClr val="accent1"/>
+            </a:fillRef>
+            <a:effectRef idx="0">
+              <a:schemeClr val="accent1"/>
+            </a:effectRef>
+            <a:fontRef idx="minor">
+              <a:schemeClr val="lt1"/>
+            </a:fontRef>
+          </p:style>
+          <p:txBody>
+            <a:bodyPr rtlCol="0" anchor="ctr"/>
+            <a:lstStyle/>
+            <a:p>
+              <a:pPr algn="ctr"/>
+              <a:endParaRPr lang="en-US"/>
+            </a:p>
+          </p:txBody>
+        </p:sp>
+        <p:sp>
+          <p:nvSpPr>
+            <p:cNvPr id="12" name="Rectangle 11">
+              <a:extLst>
+                <a:ext uri="{FF2B5EF4-FFF2-40B4-BE49-F238E27FC236}">
+                  <a16:creationId xmlns:a16="http://schemas.microsoft.com/office/drawing/2014/main" id="{235E43CD-2668-D6A0-44AA-2B55696C334B}"/>
+                </a:ext>
+              </a:extLst>
+            </p:cNvPr>
+            <p:cNvSpPr/>
+            <p:nvPr/>
+          </p:nvSpPr>
+          <p:spPr>
+            <a:xfrm>
+              <a:off x="6647543" y="4564743"/>
+              <a:ext cx="45719" cy="1023257"/>
+            </a:xfrm>
+            <a:prstGeom prst="rect">
+              <a:avLst/>
+            </a:prstGeom>
+          </p:spPr>
+          <p:style>
+            <a:lnRef idx="2">
+              <a:schemeClr val="accent1">
+                <a:shade val="50000"/>
+              </a:schemeClr>
+            </a:lnRef>
+            <a:fillRef idx="1">
+              <a:schemeClr val="accent1"/>
+            </a:fillRef>
+            <a:effectRef idx="0">
+              <a:schemeClr val="accent1"/>
+            </a:effectRef>
+            <a:fontRef idx="minor">
+              <a:schemeClr val="lt1"/>
+            </a:fontRef>
+          </p:style>
+          <p:txBody>
+            <a:bodyPr rtlCol="0" anchor="ctr"/>
+            <a:lstStyle/>
+            <a:p>
+              <a:pPr algn="ctr"/>
+              <a:endParaRPr lang="en-US"/>
+            </a:p>
+          </p:txBody>
+        </p:sp>
+        <p:sp>
+          <p:nvSpPr>
+            <p:cNvPr id="13" name="Rectangle 12">
+              <a:extLst>
+                <a:ext uri="{FF2B5EF4-FFF2-40B4-BE49-F238E27FC236}">
+                  <a16:creationId xmlns:a16="http://schemas.microsoft.com/office/drawing/2014/main" id="{F8D8E280-5A4C-4D7A-64BD-55DBEBF3A1C0}"/>
+                </a:ext>
+              </a:extLst>
+            </p:cNvPr>
+            <p:cNvSpPr/>
+            <p:nvPr/>
+          </p:nvSpPr>
+          <p:spPr>
+            <a:xfrm>
+              <a:off x="6845662" y="4564743"/>
+              <a:ext cx="45719" cy="1023257"/>
+            </a:xfrm>
+            <a:prstGeom prst="rect">
+              <a:avLst/>
+            </a:prstGeom>
+          </p:spPr>
+          <p:style>
+            <a:lnRef idx="2">
+              <a:schemeClr val="accent1">
+                <a:shade val="50000"/>
+              </a:schemeClr>
+            </a:lnRef>
+            <a:fillRef idx="1">
+              <a:schemeClr val="accent1"/>
+            </a:fillRef>
+            <a:effectRef idx="0">
+              <a:schemeClr val="accent1"/>
+            </a:effectRef>
+            <a:fontRef idx="minor">
+              <a:schemeClr val="lt1"/>
+            </a:fontRef>
+          </p:style>
+          <p:txBody>
+            <a:bodyPr rtlCol="0" anchor="ctr"/>
+            <a:lstStyle/>
+            <a:p>
+              <a:pPr algn="ctr"/>
+              <a:endParaRPr lang="en-US"/>
+            </a:p>
+          </p:txBody>
+        </p:sp>
+        <p:sp>
+          <p:nvSpPr>
+            <p:cNvPr id="14" name="Rectangle 13">
+              <a:extLst>
+                <a:ext uri="{FF2B5EF4-FFF2-40B4-BE49-F238E27FC236}">
+                  <a16:creationId xmlns:a16="http://schemas.microsoft.com/office/drawing/2014/main" id="{CE5E5B76-C268-575F-30FF-41CD9D37CF3C}"/>
+                </a:ext>
+              </a:extLst>
+            </p:cNvPr>
+            <p:cNvSpPr/>
+            <p:nvPr/>
+          </p:nvSpPr>
+          <p:spPr>
+            <a:xfrm>
+              <a:off x="7048133" y="4607038"/>
+              <a:ext cx="45719" cy="1023257"/>
+            </a:xfrm>
+            <a:prstGeom prst="rect">
+              <a:avLst/>
+            </a:prstGeom>
+          </p:spPr>
+          <p:style>
+            <a:lnRef idx="2">
+              <a:schemeClr val="accent1">
+                <a:shade val="50000"/>
+              </a:schemeClr>
+            </a:lnRef>
+            <a:fillRef idx="1">
+              <a:schemeClr val="accent1"/>
+            </a:fillRef>
+            <a:effectRef idx="0">
+              <a:schemeClr val="accent1"/>
+            </a:effectRef>
+            <a:fontRef idx="minor">
+              <a:schemeClr val="lt1"/>
+            </a:fontRef>
+          </p:style>
+          <p:txBody>
+            <a:bodyPr rtlCol="0" anchor="ctr"/>
+            <a:lstStyle/>
+            <a:p>
+              <a:pPr algn="ctr"/>
+              <a:endParaRPr lang="en-US"/>
+            </a:p>
+          </p:txBody>
+        </p:sp>
+        <p:sp>
+          <p:nvSpPr>
+            <p:cNvPr id="15" name="Rectangle 14">
+              <a:extLst>
+                <a:ext uri="{FF2B5EF4-FFF2-40B4-BE49-F238E27FC236}">
+                  <a16:creationId xmlns:a16="http://schemas.microsoft.com/office/drawing/2014/main" id="{D81B3B99-87EA-559E-3B6A-7A6036788F31}"/>
+                </a:ext>
+              </a:extLst>
+            </p:cNvPr>
+            <p:cNvSpPr/>
+            <p:nvPr/>
+          </p:nvSpPr>
+          <p:spPr>
+            <a:xfrm>
+              <a:off x="7355109" y="4607037"/>
+              <a:ext cx="45719" cy="1023257"/>
+            </a:xfrm>
+            <a:prstGeom prst="rect">
+              <a:avLst/>
+            </a:prstGeom>
+          </p:spPr>
+          <p:style>
+            <a:lnRef idx="2">
+              <a:schemeClr val="accent1">
+                <a:shade val="50000"/>
+              </a:schemeClr>
+            </a:lnRef>
+            <a:fillRef idx="1">
+              <a:schemeClr val="accent1"/>
+            </a:fillRef>
+            <a:effectRef idx="0">
+              <a:schemeClr val="accent1"/>
+            </a:effectRef>
+            <a:fontRef idx="minor">
+              <a:schemeClr val="lt1"/>
+            </a:fontRef>
+          </p:style>
+          <p:txBody>
+            <a:bodyPr rtlCol="0" anchor="ctr"/>
+            <a:lstStyle/>
+            <a:p>
+              <a:pPr algn="ctr"/>
+              <a:endParaRPr lang="en-US"/>
+            </a:p>
+          </p:txBody>
+        </p:sp>
+        <p:sp>
+          <p:nvSpPr>
+            <p:cNvPr id="16" name="Rectangle 15">
+              <a:extLst>
+                <a:ext uri="{FF2B5EF4-FFF2-40B4-BE49-F238E27FC236}">
+                  <a16:creationId xmlns:a16="http://schemas.microsoft.com/office/drawing/2014/main" id="{B39DFBEE-1CBC-9C64-64E2-9D06FBFEBE13}"/>
+                </a:ext>
+              </a:extLst>
+            </p:cNvPr>
+            <p:cNvSpPr/>
+            <p:nvPr/>
+          </p:nvSpPr>
+          <p:spPr>
+            <a:xfrm>
+              <a:off x="7517312" y="4588669"/>
+              <a:ext cx="45719" cy="1023257"/>
+            </a:xfrm>
+            <a:prstGeom prst="rect">
+              <a:avLst/>
+            </a:prstGeom>
+          </p:spPr>
+          <p:style>
+            <a:lnRef idx="2">
+              <a:schemeClr val="accent1">
+                <a:shade val="50000"/>
+              </a:schemeClr>
+            </a:lnRef>
+            <a:fillRef idx="1">
+              <a:schemeClr val="accent1"/>
+            </a:fillRef>
+            <a:effectRef idx="0">
+              <a:schemeClr val="accent1"/>
+            </a:effectRef>
+            <a:fontRef idx="minor">
+              <a:schemeClr val="lt1"/>
+            </a:fontRef>
+          </p:style>
+          <p:txBody>
+            <a:bodyPr rtlCol="0" anchor="ctr"/>
+            <a:lstStyle/>
+            <a:p>
+              <a:pPr algn="ctr"/>
+              <a:endParaRPr lang="en-US"/>
+            </a:p>
+          </p:txBody>
+        </p:sp>
+        <p:sp>
+          <p:nvSpPr>
+            <p:cNvPr id="17" name="Rectangle 16">
+              <a:extLst>
+                <a:ext uri="{FF2B5EF4-FFF2-40B4-BE49-F238E27FC236}">
+                  <a16:creationId xmlns:a16="http://schemas.microsoft.com/office/drawing/2014/main" id="{B8574CE3-355C-8874-E22E-92D6A29F8E87}"/>
+                </a:ext>
+              </a:extLst>
+            </p:cNvPr>
+            <p:cNvSpPr/>
+            <p:nvPr/>
+          </p:nvSpPr>
+          <p:spPr>
+            <a:xfrm>
+              <a:off x="7757886" y="4546374"/>
+              <a:ext cx="45719" cy="1023257"/>
+            </a:xfrm>
+            <a:prstGeom prst="rect">
+              <a:avLst/>
+            </a:prstGeom>
+          </p:spPr>
+          <p:style>
+            <a:lnRef idx="2">
+              <a:schemeClr val="accent1">
+                <a:shade val="50000"/>
+              </a:schemeClr>
+            </a:lnRef>
+            <a:fillRef idx="1">
+              <a:schemeClr val="accent1"/>
+            </a:fillRef>
+            <a:effectRef idx="0">
+              <a:schemeClr val="accent1"/>
+            </a:effectRef>
+            <a:fontRef idx="minor">
+              <a:schemeClr val="lt1"/>
+            </a:fontRef>
+          </p:style>
+          <p:txBody>
+            <a:bodyPr rtlCol="0" anchor="ctr"/>
+            <a:lstStyle/>
+            <a:p>
+              <a:pPr algn="ctr"/>
+              <a:endParaRPr lang="en-US"/>
+            </a:p>
+          </p:txBody>
+        </p:sp>
+        <p:sp>
+          <p:nvSpPr>
+            <p:cNvPr id="18" name="Rectangle 17">
+              <a:extLst>
+                <a:ext uri="{FF2B5EF4-FFF2-40B4-BE49-F238E27FC236}">
+                  <a16:creationId xmlns:a16="http://schemas.microsoft.com/office/drawing/2014/main" id="{22199302-33AA-C093-F9E2-662DD141B6AA}"/>
+                </a:ext>
+              </a:extLst>
+            </p:cNvPr>
+            <p:cNvSpPr/>
+            <p:nvPr/>
+          </p:nvSpPr>
+          <p:spPr>
+            <a:xfrm>
+              <a:off x="7956005" y="4546374"/>
+              <a:ext cx="45719" cy="1023257"/>
+            </a:xfrm>
+            <a:prstGeom prst="rect">
+              <a:avLst/>
+            </a:prstGeom>
+          </p:spPr>
+          <p:style>
+            <a:lnRef idx="2">
+              <a:schemeClr val="accent1">
+                <a:shade val="50000"/>
+              </a:schemeClr>
+            </a:lnRef>
+            <a:fillRef idx="1">
+              <a:schemeClr val="accent1"/>
+            </a:fillRef>
+            <a:effectRef idx="0">
+              <a:schemeClr val="accent1"/>
+            </a:effectRef>
+            <a:fontRef idx="minor">
+              <a:schemeClr val="lt1"/>
+            </a:fontRef>
+          </p:style>
+          <p:txBody>
+            <a:bodyPr rtlCol="0" anchor="ctr"/>
+            <a:lstStyle/>
+            <a:p>
+              <a:pPr algn="ctr"/>
+              <a:endParaRPr lang="en-US"/>
+            </a:p>
+          </p:txBody>
+        </p:sp>
+        <p:sp>
+          <p:nvSpPr>
+            <p:cNvPr id="19" name="Rectangle 18">
+              <a:extLst>
+                <a:ext uri="{FF2B5EF4-FFF2-40B4-BE49-F238E27FC236}">
+                  <a16:creationId xmlns:a16="http://schemas.microsoft.com/office/drawing/2014/main" id="{4497D4EE-E877-2A71-1B14-DB91C325AEC5}"/>
+                </a:ext>
+              </a:extLst>
+            </p:cNvPr>
+            <p:cNvSpPr/>
+            <p:nvPr/>
+          </p:nvSpPr>
+          <p:spPr>
+            <a:xfrm>
+              <a:off x="8158476" y="4588669"/>
+              <a:ext cx="45719" cy="1023257"/>
+            </a:xfrm>
+            <a:prstGeom prst="rect">
+              <a:avLst/>
+            </a:prstGeom>
+          </p:spPr>
+          <p:style>
+            <a:lnRef idx="2">
+              <a:schemeClr val="accent1">
+                <a:shade val="50000"/>
+              </a:schemeClr>
+            </a:lnRef>
+            <a:fillRef idx="1">
+              <a:schemeClr val="accent1"/>
+            </a:fillRef>
+            <a:effectRef idx="0">
+              <a:schemeClr val="accent1"/>
+            </a:effectRef>
+            <a:fontRef idx="minor">
+              <a:schemeClr val="lt1"/>
+            </a:fontRef>
+          </p:style>
+          <p:txBody>
+            <a:bodyPr rtlCol="0" anchor="ctr"/>
+            <a:lstStyle/>
+            <a:p>
+              <a:pPr algn="ctr"/>
+              <a:endParaRPr lang="en-US"/>
+            </a:p>
+          </p:txBody>
+        </p:sp>
+        <p:sp>
+          <p:nvSpPr>
+            <p:cNvPr id="20" name="Rectangle 19">
+              <a:extLst>
+                <a:ext uri="{FF2B5EF4-FFF2-40B4-BE49-F238E27FC236}">
+                  <a16:creationId xmlns:a16="http://schemas.microsoft.com/office/drawing/2014/main" id="{BA9B9875-5C82-77B7-F81B-5BACF96EDB55}"/>
+                </a:ext>
+              </a:extLst>
+            </p:cNvPr>
+            <p:cNvSpPr/>
+            <p:nvPr/>
+          </p:nvSpPr>
+          <p:spPr>
+            <a:xfrm>
+              <a:off x="8465452" y="4588668"/>
+              <a:ext cx="45719" cy="1023257"/>
+            </a:xfrm>
+            <a:prstGeom prst="rect">
+              <a:avLst/>
+            </a:prstGeom>
+          </p:spPr>
+          <p:style>
+            <a:lnRef idx="2">
+              <a:schemeClr val="accent1">
+                <a:shade val="50000"/>
+              </a:schemeClr>
+            </a:lnRef>
+            <a:fillRef idx="1">
+              <a:schemeClr val="accent1"/>
+            </a:fillRef>
+            <a:effectRef idx="0">
+              <a:schemeClr val="accent1"/>
+            </a:effectRef>
+            <a:fontRef idx="minor">
+              <a:schemeClr val="lt1"/>
+            </a:fontRef>
+          </p:style>
+          <p:txBody>
+            <a:bodyPr rtlCol="0" anchor="ctr"/>
+            <a:lstStyle/>
+            <a:p>
+              <a:pPr algn="ctr"/>
+              <a:endParaRPr lang="en-US"/>
+            </a:p>
+          </p:txBody>
+        </p:sp>
+        <p:sp>
+          <p:nvSpPr>
+            <p:cNvPr id="21" name="Rectangle 20">
+              <a:extLst>
+                <a:ext uri="{FF2B5EF4-FFF2-40B4-BE49-F238E27FC236}">
+                  <a16:creationId xmlns:a16="http://schemas.microsoft.com/office/drawing/2014/main" id="{8471E1A8-C412-5CC2-1B79-C3AB5B11B902}"/>
+                </a:ext>
+              </a:extLst>
+            </p:cNvPr>
+            <p:cNvSpPr/>
+            <p:nvPr/>
+          </p:nvSpPr>
+          <p:spPr>
+            <a:xfrm>
+              <a:off x="8627655" y="4570300"/>
+              <a:ext cx="45719" cy="1023257"/>
+            </a:xfrm>
+            <a:prstGeom prst="rect">
+              <a:avLst/>
+            </a:prstGeom>
+          </p:spPr>
+          <p:style>
+            <a:lnRef idx="2">
+              <a:schemeClr val="accent1">
+                <a:shade val="50000"/>
+              </a:schemeClr>
+            </a:lnRef>
+            <a:fillRef idx="1">
+              <a:schemeClr val="accent1"/>
+            </a:fillRef>
+            <a:effectRef idx="0">
+              <a:schemeClr val="accent1"/>
+            </a:effectRef>
+            <a:fontRef idx="minor">
+              <a:schemeClr val="lt1"/>
+            </a:fontRef>
+          </p:style>
+          <p:txBody>
+            <a:bodyPr rtlCol="0" anchor="ctr"/>
+            <a:lstStyle/>
+            <a:p>
+              <a:pPr algn="ctr"/>
+              <a:endParaRPr lang="en-US"/>
+            </a:p>
+          </p:txBody>
+        </p:sp>
+        <p:sp>
+          <p:nvSpPr>
+            <p:cNvPr id="22" name="Rectangle 21">
+              <a:extLst>
+                <a:ext uri="{FF2B5EF4-FFF2-40B4-BE49-F238E27FC236}">
+                  <a16:creationId xmlns:a16="http://schemas.microsoft.com/office/drawing/2014/main" id="{60E903CF-044B-A0EB-1A56-113D1647B8E7}"/>
+                </a:ext>
+              </a:extLst>
+            </p:cNvPr>
+            <p:cNvSpPr/>
+            <p:nvPr/>
+          </p:nvSpPr>
+          <p:spPr>
+            <a:xfrm>
+              <a:off x="9732559" y="4607037"/>
+              <a:ext cx="2183670" cy="962594"/>
+            </a:xfrm>
+            <a:prstGeom prst="rect">
+              <a:avLst/>
+            </a:prstGeom>
+          </p:spPr>
+          <p:style>
+            <a:lnRef idx="2">
+              <a:schemeClr val="accent1">
+                <a:shade val="50000"/>
+              </a:schemeClr>
+            </a:lnRef>
+            <a:fillRef idx="1">
+              <a:schemeClr val="accent1"/>
+            </a:fillRef>
+            <a:effectRef idx="0">
+              <a:schemeClr val="accent1"/>
+            </a:effectRef>
+            <a:fontRef idx="minor">
+              <a:schemeClr val="lt1"/>
+            </a:fontRef>
+          </p:style>
+          <p:txBody>
+            <a:bodyPr rtlCol="0" anchor="ctr"/>
+            <a:lstStyle/>
+            <a:p>
+              <a:pPr algn="ctr"/>
+              <a:r>
+                <a:rPr lang="en-US" dirty="0"/>
+                <a:t>Data Chunk</a:t>
+              </a:r>
+            </a:p>
+          </p:txBody>
+        </p:sp>
+        <p:sp>
+          <p:nvSpPr>
+            <p:cNvPr id="23" name="Arrow: Right 22">
+              <a:extLst>
+                <a:ext uri="{FF2B5EF4-FFF2-40B4-BE49-F238E27FC236}">
+                  <a16:creationId xmlns:a16="http://schemas.microsoft.com/office/drawing/2014/main" id="{607C8BE8-CFBB-F135-E724-9CFDC1C9A334}"/>
+                </a:ext>
+              </a:extLst>
+            </p:cNvPr>
+            <p:cNvSpPr/>
+            <p:nvPr/>
+          </p:nvSpPr>
+          <p:spPr>
+            <a:xfrm>
+              <a:off x="5638071" y="4938259"/>
+              <a:ext cx="783772" cy="348343"/>
+            </a:xfrm>
+            <a:prstGeom prst="rightArrow">
+              <a:avLst/>
+            </a:prstGeom>
+          </p:spPr>
+          <p:style>
+            <a:lnRef idx="2">
+              <a:schemeClr val="accent1">
+                <a:shade val="50000"/>
+              </a:schemeClr>
+            </a:lnRef>
+            <a:fillRef idx="1">
+              <a:schemeClr val="accent1"/>
+            </a:fillRef>
+            <a:effectRef idx="0">
+              <a:schemeClr val="accent1"/>
+            </a:effectRef>
+            <a:fontRef idx="minor">
+              <a:schemeClr val="lt1"/>
+            </a:fontRef>
+          </p:style>
+          <p:txBody>
+            <a:bodyPr rtlCol="0" anchor="ctr"/>
+            <a:lstStyle/>
+            <a:p>
+              <a:pPr algn="ctr"/>
+              <a:endParaRPr lang="en-US"/>
+            </a:p>
+          </p:txBody>
+        </p:sp>
+      </p:grpSp>
+    </p:spTree>
+    <p:extLst>
+      <p:ext uri="{BB962C8B-B14F-4D97-AF65-F5344CB8AC3E}">
+        <p14:creationId xmlns:p14="http://schemas.microsoft.com/office/powerpoint/2010/main" val="1424581668"/>
+      </p:ext>
+    </p:extLst>
+  </p:cSld>
+  <p:clrMapOvr>
+    <a:masterClrMapping/>
+  </p:clrMapOvr>
+</p:sld>
+</file>
+
+<file path=ppt/slides/slide39.xml><?xml version="1.0" encoding="utf-8"?>
+<p:sld xmlns:a="http://schemas.openxmlformats.org/drawingml/2006/main" xmlns:r="http://schemas.openxmlformats.org/officeDocument/2006/relationships" xmlns:p="http://schemas.openxmlformats.org/presentationml/2006/main">
+  <p:cSld>
+    <p:spTree>
+      <p:nvGrpSpPr>
+        <p:cNvPr id="1" name=""/>
+        <p:cNvGrpSpPr/>
+        <p:nvPr/>
+      </p:nvGrpSpPr>
+      <p:grpSpPr>
+        <a:xfrm>
+          <a:off x="0" y="0"/>
+          <a:ext cx="0" cy="0"/>
+          <a:chOff x="0" y="0"/>
+          <a:chExt cx="0" cy="0"/>
+        </a:xfrm>
+      </p:grpSpPr>
+      <p:sp>
+        <p:nvSpPr>
+          <p:cNvPr id="2" name="Title 1">
+            <a:extLst>
+              <a:ext uri="{FF2B5EF4-FFF2-40B4-BE49-F238E27FC236}">
+                <a16:creationId xmlns:a16="http://schemas.microsoft.com/office/drawing/2014/main" id="{289C2DA8-3F19-FC57-DA5E-43884005FB95}"/>
+              </a:ext>
+            </a:extLst>
+          </p:cNvPr>
+          <p:cNvSpPr>
+            <a:spLocks noGrp="1"/>
+          </p:cNvSpPr>
+          <p:nvPr>
+            <p:ph type="title"/>
+          </p:nvPr>
+        </p:nvSpPr>
+        <p:spPr/>
+        <p:txBody>
+          <a:bodyPr>
+            <a:normAutofit/>
+          </a:bodyPr>
+          <a:lstStyle/>
+          <a:p>
+            <a:r>
+              <a:rPr lang="en-US" sz="3600" dirty="0"/>
+              <a:t>Streams in Node.js read data from a source or write data to a destination in continuous.</a:t>
+            </a:r>
+          </a:p>
+        </p:txBody>
+      </p:sp>
+      <p:sp>
+        <p:nvSpPr>
+          <p:cNvPr id="6" name="Arrow: Right 5">
+            <a:extLst>
+              <a:ext uri="{FF2B5EF4-FFF2-40B4-BE49-F238E27FC236}">
+                <a16:creationId xmlns:a16="http://schemas.microsoft.com/office/drawing/2014/main" id="{22C2A255-9F04-98F6-F3BC-24EC25D681FF}"/>
+              </a:ext>
+            </a:extLst>
+          </p:cNvPr>
+          <p:cNvSpPr/>
+          <p:nvPr/>
+        </p:nvSpPr>
+        <p:spPr>
+          <a:xfrm>
+            <a:off x="838200" y="3143817"/>
+            <a:ext cx="783772" cy="348343"/>
+          </a:xfrm>
+          <a:prstGeom prst="rightArrow">
+            <a:avLst/>
+          </a:prstGeom>
+        </p:spPr>
+        <p:style>
+          <a:lnRef idx="2">
+            <a:schemeClr val="accent1">
+              <a:shade val="50000"/>
+            </a:schemeClr>
+          </a:lnRef>
+          <a:fillRef idx="1">
+            <a:schemeClr val="accent1"/>
+          </a:fillRef>
+          <a:effectRef idx="0">
+            <a:schemeClr val="accent1"/>
+          </a:effectRef>
+          <a:fontRef idx="minor">
+            <a:schemeClr val="lt1"/>
+          </a:fontRef>
+        </p:style>
+        <p:txBody>
+          <a:bodyPr rtlCol="0" anchor="ctr"/>
+          <a:lstStyle/>
+          <a:p>
+            <a:pPr algn="ctr"/>
+            <a:endParaRPr lang="en-US"/>
+          </a:p>
+        </p:txBody>
+      </p:sp>
+      <p:sp>
+        <p:nvSpPr>
+          <p:cNvPr id="7" name="Rectangle 6">
+            <a:extLst>
+              <a:ext uri="{FF2B5EF4-FFF2-40B4-BE49-F238E27FC236}">
+                <a16:creationId xmlns:a16="http://schemas.microsoft.com/office/drawing/2014/main" id="{4BD1A1D9-8D00-7CFD-7A52-BEAC4E663968}"/>
+              </a:ext>
+            </a:extLst>
+          </p:cNvPr>
+          <p:cNvSpPr/>
+          <p:nvPr/>
+        </p:nvSpPr>
+        <p:spPr>
+          <a:xfrm>
+            <a:off x="1730829" y="2577760"/>
+            <a:ext cx="217714" cy="1611085"/>
+          </a:xfrm>
+          <a:prstGeom prst="rect">
+            <a:avLst/>
+          </a:prstGeom>
+        </p:spPr>
+        <p:style>
+          <a:lnRef idx="2">
+            <a:schemeClr val="accent1">
+              <a:shade val="50000"/>
+            </a:schemeClr>
+          </a:lnRef>
+          <a:fillRef idx="1">
+            <a:schemeClr val="accent1"/>
+          </a:fillRef>
+          <a:effectRef idx="0">
+            <a:schemeClr val="accent1"/>
+          </a:effectRef>
+          <a:fontRef idx="minor">
+            <a:schemeClr val="lt1"/>
+          </a:fontRef>
+        </p:style>
+        <p:txBody>
+          <a:bodyPr rtlCol="0" anchor="ctr"/>
+          <a:lstStyle/>
+          <a:p>
+            <a:pPr algn="ctr"/>
+            <a:endParaRPr lang="en-US"/>
+          </a:p>
+        </p:txBody>
+      </p:sp>
+      <p:sp>
+        <p:nvSpPr>
+          <p:cNvPr id="8" name="Arrow: Right 7">
+            <a:extLst>
+              <a:ext uri="{FF2B5EF4-FFF2-40B4-BE49-F238E27FC236}">
+                <a16:creationId xmlns:a16="http://schemas.microsoft.com/office/drawing/2014/main" id="{AC775652-4616-38DF-31BC-4E175656D426}"/>
+              </a:ext>
+            </a:extLst>
+          </p:cNvPr>
+          <p:cNvSpPr/>
+          <p:nvPr/>
+        </p:nvSpPr>
+        <p:spPr>
+          <a:xfrm>
+            <a:off x="6579330" y="2969645"/>
+            <a:ext cx="783772" cy="348343"/>
+          </a:xfrm>
+          <a:prstGeom prst="rightArrow">
+            <a:avLst/>
+          </a:prstGeom>
+        </p:spPr>
+        <p:style>
+          <a:lnRef idx="2">
+            <a:schemeClr val="accent1">
+              <a:shade val="50000"/>
+            </a:schemeClr>
+          </a:lnRef>
+          <a:fillRef idx="1">
+            <a:schemeClr val="accent1"/>
+          </a:fillRef>
+          <a:effectRef idx="0">
+            <a:schemeClr val="accent1"/>
+          </a:effectRef>
+          <a:fontRef idx="minor">
+            <a:schemeClr val="lt1"/>
+          </a:fontRef>
+        </p:style>
+        <p:txBody>
+          <a:bodyPr rtlCol="0" anchor="ctr"/>
+          <a:lstStyle/>
+          <a:p>
+            <a:pPr algn="ctr"/>
+            <a:endParaRPr lang="en-US"/>
+          </a:p>
+        </p:txBody>
+      </p:sp>
+      <p:sp>
+        <p:nvSpPr>
+          <p:cNvPr id="9" name="Rectangle 8">
+            <a:extLst>
+              <a:ext uri="{FF2B5EF4-FFF2-40B4-BE49-F238E27FC236}">
+                <a16:creationId xmlns:a16="http://schemas.microsoft.com/office/drawing/2014/main" id="{5FDF5170-3701-9BA4-536E-11FC843181A6}"/>
+              </a:ext>
+            </a:extLst>
+          </p:cNvPr>
+          <p:cNvSpPr/>
+          <p:nvPr/>
+        </p:nvSpPr>
+        <p:spPr>
+          <a:xfrm>
+            <a:off x="2950029" y="2623457"/>
+            <a:ext cx="217714" cy="1611085"/>
+          </a:xfrm>
+          <a:prstGeom prst="rect">
+            <a:avLst/>
+          </a:prstGeom>
+        </p:spPr>
+        <p:style>
+          <a:lnRef idx="2">
+            <a:schemeClr val="accent1">
+              <a:shade val="50000"/>
+            </a:schemeClr>
+          </a:lnRef>
+          <a:fillRef idx="1">
+            <a:schemeClr val="accent1"/>
+          </a:fillRef>
+          <a:effectRef idx="0">
+            <a:schemeClr val="accent1"/>
+          </a:effectRef>
+          <a:fontRef idx="minor">
+            <a:schemeClr val="lt1"/>
+          </a:fontRef>
+        </p:style>
+        <p:txBody>
+          <a:bodyPr rtlCol="0" anchor="ctr"/>
+          <a:lstStyle/>
+          <a:p>
+            <a:pPr algn="ctr"/>
+            <a:endParaRPr lang="en-US"/>
+          </a:p>
+        </p:txBody>
+      </p:sp>
+      <p:sp>
+        <p:nvSpPr>
+          <p:cNvPr id="10" name="Rectangle 9">
+            <a:extLst>
+              <a:ext uri="{FF2B5EF4-FFF2-40B4-BE49-F238E27FC236}">
+                <a16:creationId xmlns:a16="http://schemas.microsoft.com/office/drawing/2014/main" id="{923D1AF5-D8D4-5183-89CC-1A9E533529FD}"/>
+              </a:ext>
+            </a:extLst>
+          </p:cNvPr>
+          <p:cNvSpPr/>
+          <p:nvPr/>
+        </p:nvSpPr>
+        <p:spPr>
+          <a:xfrm>
+            <a:off x="4169230" y="2577760"/>
+            <a:ext cx="2286000" cy="1325563"/>
+          </a:xfrm>
+          <a:prstGeom prst="rect">
+            <a:avLst/>
+          </a:prstGeom>
+          <a:noFill/>
+        </p:spPr>
+        <p:style>
+          <a:lnRef idx="2">
+            <a:schemeClr val="accent1">
+              <a:shade val="50000"/>
+            </a:schemeClr>
+          </a:lnRef>
+          <a:fillRef idx="1">
+            <a:schemeClr val="accent1"/>
+          </a:fillRef>
+          <a:effectRef idx="0">
+            <a:schemeClr val="accent1"/>
+          </a:effectRef>
+          <a:fontRef idx="minor">
+            <a:schemeClr val="lt1"/>
+          </a:fontRef>
+        </p:style>
+        <p:txBody>
+          <a:bodyPr rtlCol="0" anchor="ctr"/>
+          <a:lstStyle/>
+          <a:p>
+            <a:pPr algn="ctr"/>
+            <a:endParaRPr lang="en-US"/>
+          </a:p>
+        </p:txBody>
+      </p:sp>
+      <p:sp>
+        <p:nvSpPr>
+          <p:cNvPr id="11" name="Arrow: Right 10">
+            <a:extLst>
+              <a:ext uri="{FF2B5EF4-FFF2-40B4-BE49-F238E27FC236}">
+                <a16:creationId xmlns:a16="http://schemas.microsoft.com/office/drawing/2014/main" id="{F5EAB6A4-4BE8-7DE1-EAAB-47CDDD006FFB}"/>
+              </a:ext>
+            </a:extLst>
+          </p:cNvPr>
+          <p:cNvSpPr/>
+          <p:nvPr/>
+        </p:nvSpPr>
+        <p:spPr>
+          <a:xfrm>
+            <a:off x="2166257" y="3143817"/>
+            <a:ext cx="783772" cy="348343"/>
+          </a:xfrm>
+          <a:prstGeom prst="rightArrow">
+            <a:avLst/>
+          </a:prstGeom>
+        </p:spPr>
+        <p:style>
+          <a:lnRef idx="2">
+            <a:schemeClr val="accent1">
+              <a:shade val="50000"/>
+            </a:schemeClr>
+          </a:lnRef>
+          <a:fillRef idx="1">
+            <a:schemeClr val="accent1"/>
+          </a:fillRef>
+          <a:effectRef idx="0">
+            <a:schemeClr val="accent1"/>
+          </a:effectRef>
+          <a:fontRef idx="minor">
+            <a:schemeClr val="lt1"/>
+          </a:fontRef>
+        </p:style>
+        <p:txBody>
+          <a:bodyPr rtlCol="0" anchor="ctr"/>
+          <a:lstStyle/>
+          <a:p>
+            <a:pPr algn="ctr"/>
+            <a:endParaRPr lang="en-US"/>
+          </a:p>
+        </p:txBody>
+      </p:sp>
+      <p:sp>
+        <p:nvSpPr>
+          <p:cNvPr id="12" name="Rectangle 11">
+            <a:extLst>
+              <a:ext uri="{FF2B5EF4-FFF2-40B4-BE49-F238E27FC236}">
+                <a16:creationId xmlns:a16="http://schemas.microsoft.com/office/drawing/2014/main" id="{E9431A31-195B-6AB6-58BA-5357798E8F6E}"/>
+              </a:ext>
+            </a:extLst>
+          </p:cNvPr>
+          <p:cNvSpPr/>
+          <p:nvPr/>
+        </p:nvSpPr>
+        <p:spPr>
+          <a:xfrm>
+            <a:off x="4278086" y="2686617"/>
+            <a:ext cx="45719" cy="1023257"/>
+          </a:xfrm>
+          <a:prstGeom prst="rect">
+            <a:avLst/>
+          </a:prstGeom>
+        </p:spPr>
+        <p:style>
+          <a:lnRef idx="2">
+            <a:schemeClr val="accent1">
+              <a:shade val="50000"/>
+            </a:schemeClr>
+          </a:lnRef>
+          <a:fillRef idx="1">
+            <a:schemeClr val="accent1"/>
+          </a:fillRef>
+          <a:effectRef idx="0">
+            <a:schemeClr val="accent1"/>
+          </a:effectRef>
+          <a:fontRef idx="minor">
+            <a:schemeClr val="lt1"/>
+          </a:fontRef>
+        </p:style>
+        <p:txBody>
+          <a:bodyPr rtlCol="0" anchor="ctr"/>
+          <a:lstStyle/>
+          <a:p>
+            <a:pPr algn="ctr"/>
+            <a:endParaRPr lang="en-US"/>
+          </a:p>
+        </p:txBody>
+      </p:sp>
+      <p:sp>
+        <p:nvSpPr>
+          <p:cNvPr id="13" name="Rectangle 12">
+            <a:extLst>
+              <a:ext uri="{FF2B5EF4-FFF2-40B4-BE49-F238E27FC236}">
+                <a16:creationId xmlns:a16="http://schemas.microsoft.com/office/drawing/2014/main" id="{B830341E-D3E2-9F40-A132-6A122F412B0B}"/>
+              </a:ext>
+            </a:extLst>
+          </p:cNvPr>
+          <p:cNvSpPr/>
+          <p:nvPr/>
+        </p:nvSpPr>
+        <p:spPr>
+          <a:xfrm>
+            <a:off x="4476205" y="2686617"/>
+            <a:ext cx="45719" cy="1023257"/>
+          </a:xfrm>
+          <a:prstGeom prst="rect">
+            <a:avLst/>
+          </a:prstGeom>
+        </p:spPr>
+        <p:style>
+          <a:lnRef idx="2">
+            <a:schemeClr val="accent1">
+              <a:shade val="50000"/>
+            </a:schemeClr>
+          </a:lnRef>
+          <a:fillRef idx="1">
+            <a:schemeClr val="accent1"/>
+          </a:fillRef>
+          <a:effectRef idx="0">
+            <a:schemeClr val="accent1"/>
+          </a:effectRef>
+          <a:fontRef idx="minor">
+            <a:schemeClr val="lt1"/>
+          </a:fontRef>
+        </p:style>
+        <p:txBody>
+          <a:bodyPr rtlCol="0" anchor="ctr"/>
+          <a:lstStyle/>
+          <a:p>
+            <a:pPr algn="ctr"/>
+            <a:endParaRPr lang="en-US"/>
+          </a:p>
+        </p:txBody>
+      </p:sp>
+      <p:sp>
+        <p:nvSpPr>
+          <p:cNvPr id="14" name="Rectangle 13">
+            <a:extLst>
+              <a:ext uri="{FF2B5EF4-FFF2-40B4-BE49-F238E27FC236}">
+                <a16:creationId xmlns:a16="http://schemas.microsoft.com/office/drawing/2014/main" id="{02EDD420-4AC5-AF54-0376-F3BF81B4073A}"/>
+              </a:ext>
+            </a:extLst>
+          </p:cNvPr>
+          <p:cNvSpPr/>
+          <p:nvPr/>
+        </p:nvSpPr>
+        <p:spPr>
+          <a:xfrm>
+            <a:off x="4678676" y="2728912"/>
+            <a:ext cx="45719" cy="1023257"/>
+          </a:xfrm>
+          <a:prstGeom prst="rect">
+            <a:avLst/>
+          </a:prstGeom>
+        </p:spPr>
+        <p:style>
+          <a:lnRef idx="2">
+            <a:schemeClr val="accent1">
+              <a:shade val="50000"/>
+            </a:schemeClr>
+          </a:lnRef>
+          <a:fillRef idx="1">
+            <a:schemeClr val="accent1"/>
+          </a:fillRef>
+          <a:effectRef idx="0">
+            <a:schemeClr val="accent1"/>
+          </a:effectRef>
+          <a:fontRef idx="minor">
+            <a:schemeClr val="lt1"/>
+          </a:fontRef>
+        </p:style>
+        <p:txBody>
+          <a:bodyPr rtlCol="0" anchor="ctr"/>
+          <a:lstStyle/>
+          <a:p>
+            <a:pPr algn="ctr"/>
+            <a:endParaRPr lang="en-US"/>
+          </a:p>
+        </p:txBody>
+      </p:sp>
+      <p:sp>
+        <p:nvSpPr>
+          <p:cNvPr id="15" name="Rectangle 14">
+            <a:extLst>
+              <a:ext uri="{FF2B5EF4-FFF2-40B4-BE49-F238E27FC236}">
+                <a16:creationId xmlns:a16="http://schemas.microsoft.com/office/drawing/2014/main" id="{008F6AF7-BA7C-8D1B-7D9D-70A78815AB06}"/>
+              </a:ext>
+            </a:extLst>
+          </p:cNvPr>
+          <p:cNvSpPr/>
+          <p:nvPr/>
+        </p:nvSpPr>
+        <p:spPr>
+          <a:xfrm>
+            <a:off x="4985652" y="2728911"/>
+            <a:ext cx="45719" cy="1023257"/>
+          </a:xfrm>
+          <a:prstGeom prst="rect">
+            <a:avLst/>
+          </a:prstGeom>
+        </p:spPr>
+        <p:style>
+          <a:lnRef idx="2">
+            <a:schemeClr val="accent1">
+              <a:shade val="50000"/>
+            </a:schemeClr>
+          </a:lnRef>
+          <a:fillRef idx="1">
+            <a:schemeClr val="accent1"/>
+          </a:fillRef>
+          <a:effectRef idx="0">
+            <a:schemeClr val="accent1"/>
+          </a:effectRef>
+          <a:fontRef idx="minor">
+            <a:schemeClr val="lt1"/>
+          </a:fontRef>
+        </p:style>
+        <p:txBody>
+          <a:bodyPr rtlCol="0" anchor="ctr"/>
+          <a:lstStyle/>
+          <a:p>
+            <a:pPr algn="ctr"/>
+            <a:endParaRPr lang="en-US"/>
+          </a:p>
+        </p:txBody>
+      </p:sp>
+      <p:sp>
+        <p:nvSpPr>
+          <p:cNvPr id="16" name="Rectangle 15">
+            <a:extLst>
+              <a:ext uri="{FF2B5EF4-FFF2-40B4-BE49-F238E27FC236}">
+                <a16:creationId xmlns:a16="http://schemas.microsoft.com/office/drawing/2014/main" id="{6252F7C1-8EA7-446A-7086-2646A5338387}"/>
+              </a:ext>
+            </a:extLst>
+          </p:cNvPr>
+          <p:cNvSpPr/>
+          <p:nvPr/>
+        </p:nvSpPr>
+        <p:spPr>
+          <a:xfrm>
+            <a:off x="5147855" y="2710543"/>
+            <a:ext cx="45719" cy="1023257"/>
+          </a:xfrm>
+          <a:prstGeom prst="rect">
+            <a:avLst/>
+          </a:prstGeom>
+        </p:spPr>
+        <p:style>
+          <a:lnRef idx="2">
+            <a:schemeClr val="accent1">
+              <a:shade val="50000"/>
+            </a:schemeClr>
+          </a:lnRef>
+          <a:fillRef idx="1">
+            <a:schemeClr val="accent1"/>
+          </a:fillRef>
+          <a:effectRef idx="0">
+            <a:schemeClr val="accent1"/>
+          </a:effectRef>
+          <a:fontRef idx="minor">
+            <a:schemeClr val="lt1"/>
+          </a:fontRef>
+        </p:style>
+        <p:txBody>
+          <a:bodyPr rtlCol="0" anchor="ctr"/>
+          <a:lstStyle/>
+          <a:p>
+            <a:pPr algn="ctr"/>
+            <a:endParaRPr lang="en-US"/>
+          </a:p>
+        </p:txBody>
+      </p:sp>
+      <p:sp>
+        <p:nvSpPr>
+          <p:cNvPr id="17" name="Rectangle 16">
+            <a:extLst>
+              <a:ext uri="{FF2B5EF4-FFF2-40B4-BE49-F238E27FC236}">
+                <a16:creationId xmlns:a16="http://schemas.microsoft.com/office/drawing/2014/main" id="{6B1D5BE5-88DB-EACF-6DC7-FD232BF865D0}"/>
+              </a:ext>
+            </a:extLst>
+          </p:cNvPr>
+          <p:cNvSpPr/>
+          <p:nvPr/>
+        </p:nvSpPr>
+        <p:spPr>
+          <a:xfrm>
+            <a:off x="5388429" y="2668248"/>
+            <a:ext cx="45719" cy="1023257"/>
+          </a:xfrm>
+          <a:prstGeom prst="rect">
+            <a:avLst/>
+          </a:prstGeom>
+        </p:spPr>
+        <p:style>
+          <a:lnRef idx="2">
+            <a:schemeClr val="accent1">
+              <a:shade val="50000"/>
+            </a:schemeClr>
+          </a:lnRef>
+          <a:fillRef idx="1">
+            <a:schemeClr val="accent1"/>
+          </a:fillRef>
+          <a:effectRef idx="0">
+            <a:schemeClr val="accent1"/>
+          </a:effectRef>
+          <a:fontRef idx="minor">
+            <a:schemeClr val="lt1"/>
+          </a:fontRef>
+        </p:style>
+        <p:txBody>
+          <a:bodyPr rtlCol="0" anchor="ctr"/>
+          <a:lstStyle/>
+          <a:p>
+            <a:pPr algn="ctr"/>
+            <a:endParaRPr lang="en-US"/>
+          </a:p>
+        </p:txBody>
+      </p:sp>
+      <p:sp>
+        <p:nvSpPr>
+          <p:cNvPr id="18" name="Rectangle 17">
+            <a:extLst>
+              <a:ext uri="{FF2B5EF4-FFF2-40B4-BE49-F238E27FC236}">
+                <a16:creationId xmlns:a16="http://schemas.microsoft.com/office/drawing/2014/main" id="{6070118F-CE50-9E73-CCE1-8DDD7584DDE7}"/>
+              </a:ext>
+            </a:extLst>
+          </p:cNvPr>
+          <p:cNvSpPr/>
+          <p:nvPr/>
+        </p:nvSpPr>
+        <p:spPr>
+          <a:xfrm>
+            <a:off x="5586548" y="2668248"/>
+            <a:ext cx="45719" cy="1023257"/>
+          </a:xfrm>
+          <a:prstGeom prst="rect">
+            <a:avLst/>
+          </a:prstGeom>
+        </p:spPr>
+        <p:style>
+          <a:lnRef idx="2">
+            <a:schemeClr val="accent1">
+              <a:shade val="50000"/>
+            </a:schemeClr>
+          </a:lnRef>
+          <a:fillRef idx="1">
+            <a:schemeClr val="accent1"/>
+          </a:fillRef>
+          <a:effectRef idx="0">
+            <a:schemeClr val="accent1"/>
+          </a:effectRef>
+          <a:fontRef idx="minor">
+            <a:schemeClr val="lt1"/>
+          </a:fontRef>
+        </p:style>
+        <p:txBody>
+          <a:bodyPr rtlCol="0" anchor="ctr"/>
+          <a:lstStyle/>
+          <a:p>
+            <a:pPr algn="ctr"/>
+            <a:endParaRPr lang="en-US"/>
+          </a:p>
+        </p:txBody>
+      </p:sp>
+      <p:sp>
+        <p:nvSpPr>
+          <p:cNvPr id="19" name="Rectangle 18">
+            <a:extLst>
+              <a:ext uri="{FF2B5EF4-FFF2-40B4-BE49-F238E27FC236}">
+                <a16:creationId xmlns:a16="http://schemas.microsoft.com/office/drawing/2014/main" id="{E285FEEA-EA7F-0BE1-25D0-BE3A4EB5552C}"/>
+              </a:ext>
+            </a:extLst>
+          </p:cNvPr>
+          <p:cNvSpPr/>
+          <p:nvPr/>
+        </p:nvSpPr>
+        <p:spPr>
+          <a:xfrm>
+            <a:off x="5789019" y="2710543"/>
+            <a:ext cx="45719" cy="1023257"/>
+          </a:xfrm>
+          <a:prstGeom prst="rect">
+            <a:avLst/>
+          </a:prstGeom>
+        </p:spPr>
+        <p:style>
+          <a:lnRef idx="2">
+            <a:schemeClr val="accent1">
+              <a:shade val="50000"/>
+            </a:schemeClr>
+          </a:lnRef>
+          <a:fillRef idx="1">
+            <a:schemeClr val="accent1"/>
+          </a:fillRef>
+          <a:effectRef idx="0">
+            <a:schemeClr val="accent1"/>
+          </a:effectRef>
+          <a:fontRef idx="minor">
+            <a:schemeClr val="lt1"/>
+          </a:fontRef>
+        </p:style>
+        <p:txBody>
+          <a:bodyPr rtlCol="0" anchor="ctr"/>
+          <a:lstStyle/>
+          <a:p>
+            <a:pPr algn="ctr"/>
+            <a:endParaRPr lang="en-US"/>
+          </a:p>
+        </p:txBody>
+      </p:sp>
+      <p:sp>
+        <p:nvSpPr>
+          <p:cNvPr id="20" name="Rectangle 19">
+            <a:extLst>
+              <a:ext uri="{FF2B5EF4-FFF2-40B4-BE49-F238E27FC236}">
+                <a16:creationId xmlns:a16="http://schemas.microsoft.com/office/drawing/2014/main" id="{47580016-228A-B71A-9825-D75374679650}"/>
+              </a:ext>
+            </a:extLst>
+          </p:cNvPr>
+          <p:cNvSpPr/>
+          <p:nvPr/>
+        </p:nvSpPr>
+        <p:spPr>
+          <a:xfrm>
+            <a:off x="6095995" y="2710542"/>
+            <a:ext cx="45719" cy="1023257"/>
+          </a:xfrm>
+          <a:prstGeom prst="rect">
+            <a:avLst/>
+          </a:prstGeom>
+        </p:spPr>
+        <p:style>
+          <a:lnRef idx="2">
+            <a:schemeClr val="accent1">
+              <a:shade val="50000"/>
+            </a:schemeClr>
+          </a:lnRef>
+          <a:fillRef idx="1">
+            <a:schemeClr val="accent1"/>
+          </a:fillRef>
+          <a:effectRef idx="0">
+            <a:schemeClr val="accent1"/>
+          </a:effectRef>
+          <a:fontRef idx="minor">
+            <a:schemeClr val="lt1"/>
+          </a:fontRef>
+        </p:style>
+        <p:txBody>
+          <a:bodyPr rtlCol="0" anchor="ctr"/>
+          <a:lstStyle/>
+          <a:p>
+            <a:pPr algn="ctr"/>
+            <a:endParaRPr lang="en-US"/>
+          </a:p>
+        </p:txBody>
+      </p:sp>
+      <p:sp>
+        <p:nvSpPr>
+          <p:cNvPr id="21" name="Rectangle 20">
+            <a:extLst>
+              <a:ext uri="{FF2B5EF4-FFF2-40B4-BE49-F238E27FC236}">
+                <a16:creationId xmlns:a16="http://schemas.microsoft.com/office/drawing/2014/main" id="{6E50AFFB-B87A-CE54-8E3E-C2DFF19968A7}"/>
+              </a:ext>
+            </a:extLst>
+          </p:cNvPr>
+          <p:cNvSpPr/>
+          <p:nvPr/>
+        </p:nvSpPr>
+        <p:spPr>
+          <a:xfrm>
+            <a:off x="6258198" y="2692174"/>
+            <a:ext cx="45719" cy="1023257"/>
+          </a:xfrm>
+          <a:prstGeom prst="rect">
+            <a:avLst/>
+          </a:prstGeom>
+        </p:spPr>
+        <p:style>
+          <a:lnRef idx="2">
+            <a:schemeClr val="accent1">
+              <a:shade val="50000"/>
+            </a:schemeClr>
+          </a:lnRef>
+          <a:fillRef idx="1">
+            <a:schemeClr val="accent1"/>
+          </a:fillRef>
+          <a:effectRef idx="0">
+            <a:schemeClr val="accent1"/>
+          </a:effectRef>
+          <a:fontRef idx="minor">
+            <a:schemeClr val="lt1"/>
+          </a:fontRef>
+        </p:style>
+        <p:txBody>
+          <a:bodyPr rtlCol="0" anchor="ctr"/>
+          <a:lstStyle/>
+          <a:p>
+            <a:pPr algn="ctr"/>
+            <a:endParaRPr lang="en-US"/>
+          </a:p>
+        </p:txBody>
+      </p:sp>
+      <p:sp>
+        <p:nvSpPr>
+          <p:cNvPr id="22" name="Rectangle 21">
+            <a:extLst>
+              <a:ext uri="{FF2B5EF4-FFF2-40B4-BE49-F238E27FC236}">
+                <a16:creationId xmlns:a16="http://schemas.microsoft.com/office/drawing/2014/main" id="{75958B0B-5415-F673-6511-E4643AFEF78C}"/>
+              </a:ext>
+            </a:extLst>
+          </p:cNvPr>
+          <p:cNvSpPr/>
+          <p:nvPr/>
+        </p:nvSpPr>
+        <p:spPr>
+          <a:xfrm>
+            <a:off x="7363102" y="2728911"/>
+            <a:ext cx="2183670" cy="962594"/>
+          </a:xfrm>
+          <a:prstGeom prst="rect">
+            <a:avLst/>
+          </a:prstGeom>
+        </p:spPr>
+        <p:style>
+          <a:lnRef idx="2">
+            <a:schemeClr val="accent1">
+              <a:shade val="50000"/>
+            </a:schemeClr>
+          </a:lnRef>
+          <a:fillRef idx="1">
+            <a:schemeClr val="accent1"/>
+          </a:fillRef>
+          <a:effectRef idx="0">
+            <a:schemeClr val="accent1"/>
+          </a:effectRef>
+          <a:fontRef idx="minor">
+            <a:schemeClr val="lt1"/>
+          </a:fontRef>
+        </p:style>
+        <p:txBody>
+          <a:bodyPr rtlCol="0" anchor="ctr"/>
+          <a:lstStyle/>
+          <a:p>
+            <a:pPr algn="ctr"/>
+            <a:r>
+              <a:rPr lang="en-US" dirty="0"/>
+              <a:t>Data Chunk</a:t>
+            </a:r>
+          </a:p>
+        </p:txBody>
+      </p:sp>
+      <p:sp>
+        <p:nvSpPr>
+          <p:cNvPr id="23" name="Arrow: Right 22">
+            <a:extLst>
+              <a:ext uri="{FF2B5EF4-FFF2-40B4-BE49-F238E27FC236}">
+                <a16:creationId xmlns:a16="http://schemas.microsoft.com/office/drawing/2014/main" id="{BFD8ECD7-FED8-9963-36C0-E313BA650A4F}"/>
+              </a:ext>
+            </a:extLst>
+          </p:cNvPr>
+          <p:cNvSpPr/>
+          <p:nvPr/>
+        </p:nvSpPr>
+        <p:spPr>
+          <a:xfrm>
+            <a:off x="3268614" y="3060133"/>
+            <a:ext cx="783772" cy="348343"/>
+          </a:xfrm>
+          <a:prstGeom prst="rightArrow">
+            <a:avLst/>
+          </a:prstGeom>
+        </p:spPr>
+        <p:style>
+          <a:lnRef idx="2">
+            <a:schemeClr val="accent1">
+              <a:shade val="50000"/>
+            </a:schemeClr>
+          </a:lnRef>
+          <a:fillRef idx="1">
+            <a:schemeClr val="accent1"/>
+          </a:fillRef>
+          <a:effectRef idx="0">
+            <a:schemeClr val="accent1"/>
+          </a:effectRef>
+          <a:fontRef idx="minor">
+            <a:schemeClr val="lt1"/>
+          </a:fontRef>
+        </p:style>
+        <p:txBody>
+          <a:bodyPr rtlCol="0" anchor="ctr"/>
+          <a:lstStyle/>
+          <a:p>
+            <a:pPr algn="ctr"/>
+            <a:endParaRPr lang="en-US"/>
+          </a:p>
+        </p:txBody>
+      </p:sp>
+      <p:sp>
+        <p:nvSpPr>
+          <p:cNvPr id="24" name="Right Brace 23">
+            <a:extLst>
+              <a:ext uri="{FF2B5EF4-FFF2-40B4-BE49-F238E27FC236}">
+                <a16:creationId xmlns:a16="http://schemas.microsoft.com/office/drawing/2014/main" id="{C6BC69EE-AEC6-583C-8206-F8CCDBEBAD0D}"/>
+              </a:ext>
+            </a:extLst>
+          </p:cNvPr>
+          <p:cNvSpPr/>
+          <p:nvPr/>
+        </p:nvSpPr>
+        <p:spPr>
+          <a:xfrm rot="5400000">
+            <a:off x="5688692" y="-705383"/>
+            <a:ext cx="814614" cy="11411565"/>
+          </a:xfrm>
+          <a:prstGeom prst="rightBrace">
+            <a:avLst/>
+          </a:prstGeom>
+        </p:spPr>
+        <p:style>
+          <a:lnRef idx="1">
+            <a:schemeClr val="accent1"/>
+          </a:lnRef>
+          <a:fillRef idx="0">
+            <a:schemeClr val="accent1"/>
+          </a:fillRef>
+          <a:effectRef idx="0">
+            <a:schemeClr val="accent1"/>
+          </a:effectRef>
+          <a:fontRef idx="minor">
+            <a:schemeClr val="tx1"/>
+          </a:fontRef>
+        </p:style>
+        <p:txBody>
+          <a:bodyPr rtlCol="0" anchor="ctr"/>
+          <a:lstStyle/>
+          <a:p>
+            <a:pPr algn="ctr"/>
+            <a:endParaRPr lang="en-US"/>
+          </a:p>
+        </p:txBody>
+      </p:sp>
+      <p:sp>
+        <p:nvSpPr>
+          <p:cNvPr id="25" name="TextBox 24">
+            <a:extLst>
+              <a:ext uri="{FF2B5EF4-FFF2-40B4-BE49-F238E27FC236}">
+                <a16:creationId xmlns:a16="http://schemas.microsoft.com/office/drawing/2014/main" id="{DC5EF80E-AA90-80C3-D924-9DCC4E33DEC7}"/>
+              </a:ext>
+            </a:extLst>
+          </p:cNvPr>
+          <p:cNvSpPr txBox="1"/>
+          <p:nvPr/>
+        </p:nvSpPr>
+        <p:spPr>
+          <a:xfrm>
+            <a:off x="5830383" y="5434684"/>
+            <a:ext cx="4053843" cy="369332"/>
+          </a:xfrm>
+          <a:prstGeom prst="rect">
+            <a:avLst/>
+          </a:prstGeom>
+          <a:noFill/>
+        </p:spPr>
+        <p:txBody>
+          <a:bodyPr wrap="square" rtlCol="0">
+            <a:spAutoFit/>
+          </a:bodyPr>
+          <a:lstStyle/>
+          <a:p>
+            <a:r>
+              <a:rPr lang="en-US" dirty="0"/>
+              <a:t>Streams</a:t>
+            </a:r>
+          </a:p>
+        </p:txBody>
+      </p:sp>
+      <p:sp>
+        <p:nvSpPr>
+          <p:cNvPr id="26" name="TextBox 25">
+            <a:extLst>
+              <a:ext uri="{FF2B5EF4-FFF2-40B4-BE49-F238E27FC236}">
+                <a16:creationId xmlns:a16="http://schemas.microsoft.com/office/drawing/2014/main" id="{1C82753A-77F6-387D-4629-CE736AA2564A}"/>
+              </a:ext>
+            </a:extLst>
+          </p:cNvPr>
+          <p:cNvSpPr txBox="1"/>
+          <p:nvPr/>
+        </p:nvSpPr>
+        <p:spPr>
+          <a:xfrm>
+            <a:off x="4521924" y="2098788"/>
+            <a:ext cx="760144" cy="369332"/>
+          </a:xfrm>
+          <a:prstGeom prst="rect">
+            <a:avLst/>
+          </a:prstGeom>
+          <a:noFill/>
+        </p:spPr>
+        <p:txBody>
+          <a:bodyPr wrap="none" rtlCol="0">
+            <a:spAutoFit/>
+          </a:bodyPr>
+          <a:lstStyle/>
+          <a:p>
+            <a:r>
+              <a:rPr lang="en-US" dirty="0"/>
+              <a:t>Buffer</a:t>
+            </a:r>
+          </a:p>
+        </p:txBody>
+      </p:sp>
+      <p:sp>
+        <p:nvSpPr>
+          <p:cNvPr id="27" name="Arrow: Right 26">
+            <a:extLst>
+              <a:ext uri="{FF2B5EF4-FFF2-40B4-BE49-F238E27FC236}">
+                <a16:creationId xmlns:a16="http://schemas.microsoft.com/office/drawing/2014/main" id="{89AF8D51-95C2-E80F-1A40-4B5B1C9BAE7B}"/>
+              </a:ext>
+            </a:extLst>
+          </p:cNvPr>
+          <p:cNvSpPr/>
+          <p:nvPr/>
+        </p:nvSpPr>
+        <p:spPr>
+          <a:xfrm>
+            <a:off x="9670872" y="2988014"/>
+            <a:ext cx="540226" cy="348343"/>
+          </a:xfrm>
+          <a:prstGeom prst="rightArrow">
+            <a:avLst/>
+          </a:prstGeom>
+        </p:spPr>
+        <p:style>
+          <a:lnRef idx="2">
+            <a:schemeClr val="accent1">
+              <a:shade val="50000"/>
+            </a:schemeClr>
+          </a:lnRef>
+          <a:fillRef idx="1">
+            <a:schemeClr val="accent1"/>
+          </a:fillRef>
+          <a:effectRef idx="0">
+            <a:schemeClr val="accent1"/>
+          </a:effectRef>
+          <a:fontRef idx="minor">
+            <a:schemeClr val="lt1"/>
+          </a:fontRef>
+        </p:style>
+        <p:txBody>
+          <a:bodyPr rtlCol="0" anchor="ctr"/>
+          <a:lstStyle/>
+          <a:p>
+            <a:pPr algn="ctr"/>
+            <a:endParaRPr lang="en-US"/>
+          </a:p>
+        </p:txBody>
+      </p:sp>
+      <p:sp>
+        <p:nvSpPr>
+          <p:cNvPr id="28" name="Rectangle 27">
+            <a:extLst>
+              <a:ext uri="{FF2B5EF4-FFF2-40B4-BE49-F238E27FC236}">
+                <a16:creationId xmlns:a16="http://schemas.microsoft.com/office/drawing/2014/main" id="{CF0B0CE8-479B-7171-209C-AF60AFA84B2C}"/>
+              </a:ext>
+            </a:extLst>
+          </p:cNvPr>
+          <p:cNvSpPr/>
+          <p:nvPr/>
+        </p:nvSpPr>
+        <p:spPr>
+          <a:xfrm>
+            <a:off x="10454644" y="2747280"/>
+            <a:ext cx="1505127" cy="962594"/>
+          </a:xfrm>
+          <a:prstGeom prst="rect">
+            <a:avLst/>
+          </a:prstGeom>
+        </p:spPr>
+        <p:style>
+          <a:lnRef idx="2">
+            <a:schemeClr val="accent1">
+              <a:shade val="50000"/>
+            </a:schemeClr>
+          </a:lnRef>
+          <a:fillRef idx="1">
+            <a:schemeClr val="accent1"/>
+          </a:fillRef>
+          <a:effectRef idx="0">
+            <a:schemeClr val="accent1"/>
+          </a:effectRef>
+          <a:fontRef idx="minor">
+            <a:schemeClr val="lt1"/>
+          </a:fontRef>
+        </p:style>
+        <p:txBody>
+          <a:bodyPr rtlCol="0" anchor="ctr"/>
+          <a:lstStyle/>
+          <a:p>
+            <a:pPr algn="ctr"/>
+            <a:r>
+              <a:rPr lang="en-US" dirty="0"/>
+              <a:t>Data Chunk</a:t>
+            </a:r>
+          </a:p>
+        </p:txBody>
+      </p:sp>
+    </p:spTree>
+    <p:extLst>
+      <p:ext uri="{BB962C8B-B14F-4D97-AF65-F5344CB8AC3E}">
+        <p14:creationId xmlns:p14="http://schemas.microsoft.com/office/powerpoint/2010/main" val="2277728824"/>
       </p:ext>
     </p:extLst>
   </p:cSld>
@@ -9541,6 +15422,202 @@
     <p:extLst>
       <p:ext uri="{BB962C8B-B14F-4D97-AF65-F5344CB8AC3E}">
         <p14:creationId xmlns:p14="http://schemas.microsoft.com/office/powerpoint/2010/main" val="2045331063"/>
+      </p:ext>
+    </p:extLst>
+  </p:cSld>
+  <p:clrMapOvr>
+    <a:masterClrMapping/>
+  </p:clrMapOvr>
+</p:sld>
+</file>
+
+<file path=ppt/slides/slide40.xml><?xml version="1.0" encoding="utf-8"?>
+<p:sld xmlns:a="http://schemas.openxmlformats.org/drawingml/2006/main" xmlns:r="http://schemas.openxmlformats.org/officeDocument/2006/relationships" xmlns:p="http://schemas.openxmlformats.org/presentationml/2006/main">
+  <p:cSld>
+    <p:spTree>
+      <p:nvGrpSpPr>
+        <p:cNvPr id="1" name=""/>
+        <p:cNvGrpSpPr/>
+        <p:nvPr/>
+      </p:nvGrpSpPr>
+      <p:grpSpPr>
+        <a:xfrm>
+          <a:off x="0" y="0"/>
+          <a:ext cx="0" cy="0"/>
+          <a:chOff x="0" y="0"/>
+          <a:chExt cx="0" cy="0"/>
+        </a:xfrm>
+      </p:grpSpPr>
+      <p:sp>
+        <p:nvSpPr>
+          <p:cNvPr id="2" name="Title 1">
+            <a:extLst>
+              <a:ext uri="{FF2B5EF4-FFF2-40B4-BE49-F238E27FC236}">
+                <a16:creationId xmlns:a16="http://schemas.microsoft.com/office/drawing/2014/main" id="{5D5A89A8-FF5F-9D58-AF30-167A96235B86}"/>
+              </a:ext>
+            </a:extLst>
+          </p:cNvPr>
+          <p:cNvSpPr>
+            <a:spLocks noGrp="1"/>
+          </p:cNvSpPr>
+          <p:nvPr>
+            <p:ph type="title"/>
+          </p:nvPr>
+        </p:nvSpPr>
+        <p:spPr/>
+        <p:txBody>
+          <a:bodyPr/>
+          <a:lstStyle/>
+          <a:p>
+            <a:r>
+              <a:rPr lang="en-US" dirty="0"/>
+              <a:t>STREAMS: Reading, Writing &amp; Piping</a:t>
+            </a:r>
+          </a:p>
+        </p:txBody>
+      </p:sp>
+      <p:sp>
+        <p:nvSpPr>
+          <p:cNvPr id="3" name="Content Placeholder 2">
+            <a:extLst>
+              <a:ext uri="{FF2B5EF4-FFF2-40B4-BE49-F238E27FC236}">
+                <a16:creationId xmlns:a16="http://schemas.microsoft.com/office/drawing/2014/main" id="{463A8D84-0FCE-8E21-78FA-032A173A9799}"/>
+              </a:ext>
+            </a:extLst>
+          </p:cNvPr>
+          <p:cNvSpPr>
+            <a:spLocks noGrp="1"/>
+          </p:cNvSpPr>
+          <p:nvPr>
+            <p:ph idx="1"/>
+          </p:nvPr>
+        </p:nvSpPr>
+        <p:spPr/>
+        <p:txBody>
+          <a:bodyPr/>
+          <a:lstStyle/>
+          <a:p>
+            <a:pPr marL="0" indent="0">
+              <a:buNone/>
+            </a:pPr>
+            <a:r>
+              <a:rPr lang="en-US" dirty="0"/>
+              <a:t>Types of Streams</a:t>
+            </a:r>
+          </a:p>
+          <a:p>
+            <a:r>
+              <a:rPr lang="en-US" dirty="0"/>
+              <a:t>Readable – streams from which data can be read.</a:t>
+            </a:r>
+          </a:p>
+          <a:p>
+            <a:r>
+              <a:rPr lang="en-US" dirty="0"/>
+              <a:t>Writable – streams to which data can be written.</a:t>
+            </a:r>
+          </a:p>
+          <a:p>
+            <a:r>
+              <a:rPr lang="en-US" dirty="0"/>
+              <a:t>Duplex – streams that are both Readable and Writable</a:t>
+            </a:r>
+          </a:p>
+          <a:p>
+            <a:r>
+              <a:rPr lang="en-US" dirty="0"/>
+              <a:t>Transform – Duplex streams that can modify or transform the data as it is written and read.</a:t>
+            </a:r>
+          </a:p>
+        </p:txBody>
+      </p:sp>
+    </p:spTree>
+    <p:extLst>
+      <p:ext uri="{BB962C8B-B14F-4D97-AF65-F5344CB8AC3E}">
+        <p14:creationId xmlns:p14="http://schemas.microsoft.com/office/powerpoint/2010/main" val="4106824844"/>
+      </p:ext>
+    </p:extLst>
+  </p:cSld>
+  <p:clrMapOvr>
+    <a:masterClrMapping/>
+  </p:clrMapOvr>
+</p:sld>
+</file>
+
+<file path=ppt/slides/slide41.xml><?xml version="1.0" encoding="utf-8"?>
+<p:sld xmlns:a="http://schemas.openxmlformats.org/drawingml/2006/main" xmlns:r="http://schemas.openxmlformats.org/officeDocument/2006/relationships" xmlns:p="http://schemas.openxmlformats.org/presentationml/2006/main">
+  <p:cSld>
+    <p:spTree>
+      <p:nvGrpSpPr>
+        <p:cNvPr id="1" name=""/>
+        <p:cNvGrpSpPr/>
+        <p:nvPr/>
+      </p:nvGrpSpPr>
+      <p:grpSpPr>
+        <a:xfrm>
+          <a:off x="0" y="0"/>
+          <a:ext cx="0" cy="0"/>
+          <a:chOff x="0" y="0"/>
+          <a:chExt cx="0" cy="0"/>
+        </a:xfrm>
+      </p:grpSpPr>
+      <p:sp>
+        <p:nvSpPr>
+          <p:cNvPr id="2" name="Title 1">
+            <a:extLst>
+              <a:ext uri="{FF2B5EF4-FFF2-40B4-BE49-F238E27FC236}">
+                <a16:creationId xmlns:a16="http://schemas.microsoft.com/office/drawing/2014/main" id="{E0319D13-E082-4370-0ADE-DF61F1C92704}"/>
+              </a:ext>
+            </a:extLst>
+          </p:cNvPr>
+          <p:cNvSpPr>
+            <a:spLocks noGrp="1"/>
+          </p:cNvSpPr>
+          <p:nvPr>
+            <p:ph type="title"/>
+          </p:nvPr>
+        </p:nvSpPr>
+        <p:spPr/>
+        <p:txBody>
+          <a:bodyPr/>
+          <a:lstStyle/>
+          <a:p>
+            <a:r>
+              <a:rPr lang="en-US" dirty="0"/>
+              <a:t>File System</a:t>
+            </a:r>
+          </a:p>
+        </p:txBody>
+      </p:sp>
+      <p:sp>
+        <p:nvSpPr>
+          <p:cNvPr id="3" name="Content Placeholder 2">
+            <a:extLst>
+              <a:ext uri="{FF2B5EF4-FFF2-40B4-BE49-F238E27FC236}">
+                <a16:creationId xmlns:a16="http://schemas.microsoft.com/office/drawing/2014/main" id="{9B008105-5C30-4F9B-3C40-B65147EA7868}"/>
+              </a:ext>
+            </a:extLst>
+          </p:cNvPr>
+          <p:cNvSpPr>
+            <a:spLocks noGrp="1"/>
+          </p:cNvSpPr>
+          <p:nvPr>
+            <p:ph idx="1"/>
+          </p:nvPr>
+        </p:nvSpPr>
+        <p:spPr/>
+        <p:txBody>
+          <a:bodyPr/>
+          <a:lstStyle/>
+          <a:p>
+            <a:endParaRPr lang="en-US"/>
+          </a:p>
+        </p:txBody>
+      </p:sp>
+    </p:spTree>
+    <p:extLst>
+      <p:ext uri="{BB962C8B-B14F-4D97-AF65-F5344CB8AC3E}">
+        <p14:creationId xmlns:p14="http://schemas.microsoft.com/office/powerpoint/2010/main" val="2647678365"/>
       </p:ext>
     </p:extLst>
   </p:cSld>

--- a/What is Node.pptx
+++ b/What is Node.pptx
@@ -5,7 +5,7 @@
     <p:sldMasterId id="2147483648" r:id="rId1"/>
   </p:sldMasterIdLst>
   <p:notesMasterIdLst>
-    <p:notesMasterId r:id="rId43"/>
+    <p:notesMasterId r:id="rId44"/>
   </p:notesMasterIdLst>
   <p:sldIdLst>
     <p:sldId id="256" r:id="rId2"/>
@@ -49,6 +49,7 @@
     <p:sldId id="294" r:id="rId40"/>
     <p:sldId id="295" r:id="rId41"/>
     <p:sldId id="296" r:id="rId42"/>
+    <p:sldId id="297" r:id="rId43"/>
   </p:sldIdLst>
   <p:sldSz cx="12192000" cy="6858000"/>
   <p:notesSz cx="6858000" cy="9144000"/>
@@ -237,7 +238,7 @@
           <a:p>
             <a:fld id="{95AD9242-1F6D-4439-B4E3-3D1C86DAD4C7}" type="datetimeFigureOut">
               <a:rPr lang="en-US" smtClean="0"/>
-              <a:t>4/6/2023</a:t>
+              <a:t>4/7/2023</a:t>
             </a:fld>
             <a:endParaRPr lang="en-US"/>
           </a:p>
@@ -651,7 +652,7 @@
           <a:p>
             <a:fld id="{17C5991C-D94C-4C76-AE92-3C44B7FD323B}" type="datetimeFigureOut">
               <a:rPr lang="en-US" smtClean="0"/>
-              <a:t>4/6/2023</a:t>
+              <a:t>4/7/2023</a:t>
             </a:fld>
             <a:endParaRPr lang="en-US"/>
           </a:p>
@@ -849,7 +850,7 @@
           <a:p>
             <a:fld id="{17C5991C-D94C-4C76-AE92-3C44B7FD323B}" type="datetimeFigureOut">
               <a:rPr lang="en-US" smtClean="0"/>
-              <a:t>4/6/2023</a:t>
+              <a:t>4/7/2023</a:t>
             </a:fld>
             <a:endParaRPr lang="en-US"/>
           </a:p>
@@ -1057,7 +1058,7 @@
           <a:p>
             <a:fld id="{17C5991C-D94C-4C76-AE92-3C44B7FD323B}" type="datetimeFigureOut">
               <a:rPr lang="en-US" smtClean="0"/>
-              <a:t>4/6/2023</a:t>
+              <a:t>4/7/2023</a:t>
             </a:fld>
             <a:endParaRPr lang="en-US"/>
           </a:p>
@@ -1255,7 +1256,7 @@
           <a:p>
             <a:fld id="{17C5991C-D94C-4C76-AE92-3C44B7FD323B}" type="datetimeFigureOut">
               <a:rPr lang="en-US" smtClean="0"/>
-              <a:t>4/6/2023</a:t>
+              <a:t>4/7/2023</a:t>
             </a:fld>
             <a:endParaRPr lang="en-US"/>
           </a:p>
@@ -1530,7 +1531,7 @@
           <a:p>
             <a:fld id="{17C5991C-D94C-4C76-AE92-3C44B7FD323B}" type="datetimeFigureOut">
               <a:rPr lang="en-US" smtClean="0"/>
-              <a:t>4/6/2023</a:t>
+              <a:t>4/7/2023</a:t>
             </a:fld>
             <a:endParaRPr lang="en-US"/>
           </a:p>
@@ -1795,7 +1796,7 @@
           <a:p>
             <a:fld id="{17C5991C-D94C-4C76-AE92-3C44B7FD323B}" type="datetimeFigureOut">
               <a:rPr lang="en-US" smtClean="0"/>
-              <a:t>4/6/2023</a:t>
+              <a:t>4/7/2023</a:t>
             </a:fld>
             <a:endParaRPr lang="en-US"/>
           </a:p>
@@ -2207,7 +2208,7 @@
           <a:p>
             <a:fld id="{17C5991C-D94C-4C76-AE92-3C44B7FD323B}" type="datetimeFigureOut">
               <a:rPr lang="en-US" smtClean="0"/>
-              <a:t>4/6/2023</a:t>
+              <a:t>4/7/2023</a:t>
             </a:fld>
             <a:endParaRPr lang="en-US"/>
           </a:p>
@@ -2348,7 +2349,7 @@
           <a:p>
             <a:fld id="{17C5991C-D94C-4C76-AE92-3C44B7FD323B}" type="datetimeFigureOut">
               <a:rPr lang="en-US" smtClean="0"/>
-              <a:t>4/6/2023</a:t>
+              <a:t>4/7/2023</a:t>
             </a:fld>
             <a:endParaRPr lang="en-US"/>
           </a:p>
@@ -2461,7 +2462,7 @@
           <a:p>
             <a:fld id="{17C5991C-D94C-4C76-AE92-3C44B7FD323B}" type="datetimeFigureOut">
               <a:rPr lang="en-US" smtClean="0"/>
-              <a:t>4/6/2023</a:t>
+              <a:t>4/7/2023</a:t>
             </a:fld>
             <a:endParaRPr lang="en-US"/>
           </a:p>
@@ -2772,7 +2773,7 @@
           <a:p>
             <a:fld id="{17C5991C-D94C-4C76-AE92-3C44B7FD323B}" type="datetimeFigureOut">
               <a:rPr lang="en-US" smtClean="0"/>
-              <a:t>4/6/2023</a:t>
+              <a:t>4/7/2023</a:t>
             </a:fld>
             <a:endParaRPr lang="en-US"/>
           </a:p>
@@ -3060,7 +3061,7 @@
           <a:p>
             <a:fld id="{17C5991C-D94C-4C76-AE92-3C44B7FD323B}" type="datetimeFigureOut">
               <a:rPr lang="en-US" smtClean="0"/>
-              <a:t>4/6/2023</a:t>
+              <a:t>4/7/2023</a:t>
             </a:fld>
             <a:endParaRPr lang="en-US"/>
           </a:p>
@@ -3301,7 +3302,7 @@
           <a:p>
             <a:fld id="{17C5991C-D94C-4C76-AE92-3C44B7FD323B}" type="datetimeFigureOut">
               <a:rPr lang="en-US" smtClean="0"/>
-              <a:t>4/6/2023</a:t>
+              <a:t>4/7/2023</a:t>
             </a:fld>
             <a:endParaRPr lang="en-US"/>
           </a:p>
@@ -15610,7 +15611,18 @@
           <a:bodyPr/>
           <a:lstStyle/>
           <a:p>
-            <a:endParaRPr lang="en-US"/>
+            <a:r>
+              <a:rPr lang="en-US" dirty="0" err="1"/>
+              <a:t>Fs.open</a:t>
+            </a:r>
+            <a:endParaRPr lang="en-US" dirty="0"/>
+          </a:p>
+          <a:p>
+            <a:r>
+              <a:rPr lang="en-US" dirty="0" err="1"/>
+              <a:t>Fs.readFile</a:t>
+            </a:r>
+            <a:endParaRPr lang="en-US" dirty="0"/>
           </a:p>
         </p:txBody>
       </p:sp>
@@ -15618,6 +15630,110 @@
     <p:extLst>
       <p:ext uri="{BB962C8B-B14F-4D97-AF65-F5344CB8AC3E}">
         <p14:creationId xmlns:p14="http://schemas.microsoft.com/office/powerpoint/2010/main" val="2647678365"/>
+      </p:ext>
+    </p:extLst>
+  </p:cSld>
+  <p:clrMapOvr>
+    <a:masterClrMapping/>
+  </p:clrMapOvr>
+</p:sld>
+</file>
+
+<file path=ppt/slides/slide42.xml><?xml version="1.0" encoding="utf-8"?>
+<p:sld xmlns:a="http://schemas.openxmlformats.org/drawingml/2006/main" xmlns:r="http://schemas.openxmlformats.org/officeDocument/2006/relationships" xmlns:p="http://schemas.openxmlformats.org/presentationml/2006/main">
+  <p:cSld>
+    <p:spTree>
+      <p:nvGrpSpPr>
+        <p:cNvPr id="1" name=""/>
+        <p:cNvGrpSpPr/>
+        <p:nvPr/>
+      </p:nvGrpSpPr>
+      <p:grpSpPr>
+        <a:xfrm>
+          <a:off x="0" y="0"/>
+          <a:ext cx="0" cy="0"/>
+          <a:chOff x="0" y="0"/>
+          <a:chExt cx="0" cy="0"/>
+        </a:xfrm>
+      </p:grpSpPr>
+      <p:sp>
+        <p:nvSpPr>
+          <p:cNvPr id="2" name="Title 1">
+            <a:extLst>
+              <a:ext uri="{FF2B5EF4-FFF2-40B4-BE49-F238E27FC236}">
+                <a16:creationId xmlns:a16="http://schemas.microsoft.com/office/drawing/2014/main" id="{E4AAEBE2-E977-328D-A62F-F304DEE93714}"/>
+              </a:ext>
+            </a:extLst>
+          </p:cNvPr>
+          <p:cNvSpPr>
+            <a:spLocks noGrp="1"/>
+          </p:cNvSpPr>
+          <p:nvPr>
+            <p:ph type="title"/>
+          </p:nvPr>
+        </p:nvSpPr>
+        <p:spPr/>
+        <p:txBody>
+          <a:bodyPr/>
+          <a:lstStyle/>
+          <a:p>
+            <a:r>
+              <a:rPr lang="en-US" dirty="0"/>
+              <a:t>Rendering HTML as Response</a:t>
+            </a:r>
+          </a:p>
+        </p:txBody>
+      </p:sp>
+      <p:sp>
+        <p:nvSpPr>
+          <p:cNvPr id="3" name="Content Placeholder 2">
+            <a:extLst>
+              <a:ext uri="{FF2B5EF4-FFF2-40B4-BE49-F238E27FC236}">
+                <a16:creationId xmlns:a16="http://schemas.microsoft.com/office/drawing/2014/main" id="{4AE3EF2E-7AAD-E320-2575-F9385894A258}"/>
+              </a:ext>
+            </a:extLst>
+          </p:cNvPr>
+          <p:cNvSpPr>
+            <a:spLocks noGrp="1"/>
+          </p:cNvSpPr>
+          <p:nvPr>
+            <p:ph idx="1"/>
+          </p:nvPr>
+        </p:nvSpPr>
+        <p:spPr/>
+        <p:txBody>
+          <a:bodyPr/>
+          <a:lstStyle/>
+          <a:p>
+            <a:pPr marL="0" indent="0">
+              <a:buNone/>
+            </a:pPr>
+            <a:r>
+              <a:rPr lang="en-US" dirty="0"/>
+              <a:t>JSON as Response</a:t>
+            </a:r>
+          </a:p>
+          <a:p>
+            <a:pPr marL="0" indent="0">
+              <a:buNone/>
+            </a:pPr>
+            <a:endParaRPr lang="en-US" dirty="0"/>
+          </a:p>
+          <a:p>
+            <a:pPr marL="0" indent="0">
+              <a:buNone/>
+            </a:pPr>
+            <a:r>
+              <a:rPr lang="en-US" dirty="0"/>
+              <a:t>Basic Routing</a:t>
+            </a:r>
+          </a:p>
+        </p:txBody>
+      </p:sp>
+    </p:spTree>
+    <p:extLst>
+      <p:ext uri="{BB962C8B-B14F-4D97-AF65-F5344CB8AC3E}">
+        <p14:creationId xmlns:p14="http://schemas.microsoft.com/office/powerpoint/2010/main" val="1380909030"/>
       </p:ext>
     </p:extLst>
   </p:cSld>

--- a/What is Node.pptx
+++ b/What is Node.pptx
@@ -5,7 +5,7 @@
     <p:sldMasterId id="2147483648" r:id="rId1"/>
   </p:sldMasterIdLst>
   <p:notesMasterIdLst>
-    <p:notesMasterId r:id="rId44"/>
+    <p:notesMasterId r:id="rId54"/>
   </p:notesMasterIdLst>
   <p:sldIdLst>
     <p:sldId id="256" r:id="rId2"/>
@@ -50,6 +50,16 @@
     <p:sldId id="295" r:id="rId41"/>
     <p:sldId id="296" r:id="rId42"/>
     <p:sldId id="297" r:id="rId43"/>
+    <p:sldId id="298" r:id="rId44"/>
+    <p:sldId id="299" r:id="rId45"/>
+    <p:sldId id="300" r:id="rId46"/>
+    <p:sldId id="301" r:id="rId47"/>
+    <p:sldId id="302" r:id="rId48"/>
+    <p:sldId id="303" r:id="rId49"/>
+    <p:sldId id="304" r:id="rId50"/>
+    <p:sldId id="305" r:id="rId51"/>
+    <p:sldId id="306" r:id="rId52"/>
+    <p:sldId id="307" r:id="rId53"/>
   </p:sldIdLst>
   <p:sldSz cx="12192000" cy="6858000"/>
   <p:notesSz cx="6858000" cy="9144000"/>
@@ -238,7 +248,7 @@
           <a:p>
             <a:fld id="{95AD9242-1F6D-4439-B4E3-3D1C86DAD4C7}" type="datetimeFigureOut">
               <a:rPr lang="en-US" smtClean="0"/>
-              <a:t>4/7/2023</a:t>
+              <a:t>4/10/2023</a:t>
             </a:fld>
             <a:endParaRPr lang="en-US"/>
           </a:p>
@@ -652,7 +662,7 @@
           <a:p>
             <a:fld id="{17C5991C-D94C-4C76-AE92-3C44B7FD323B}" type="datetimeFigureOut">
               <a:rPr lang="en-US" smtClean="0"/>
-              <a:t>4/7/2023</a:t>
+              <a:t>4/10/2023</a:t>
             </a:fld>
             <a:endParaRPr lang="en-US"/>
           </a:p>
@@ -850,7 +860,7 @@
           <a:p>
             <a:fld id="{17C5991C-D94C-4C76-AE92-3C44B7FD323B}" type="datetimeFigureOut">
               <a:rPr lang="en-US" smtClean="0"/>
-              <a:t>4/7/2023</a:t>
+              <a:t>4/10/2023</a:t>
             </a:fld>
             <a:endParaRPr lang="en-US"/>
           </a:p>
@@ -1058,7 +1068,7 @@
           <a:p>
             <a:fld id="{17C5991C-D94C-4C76-AE92-3C44B7FD323B}" type="datetimeFigureOut">
               <a:rPr lang="en-US" smtClean="0"/>
-              <a:t>4/7/2023</a:t>
+              <a:t>4/10/2023</a:t>
             </a:fld>
             <a:endParaRPr lang="en-US"/>
           </a:p>
@@ -1256,7 +1266,7 @@
           <a:p>
             <a:fld id="{17C5991C-D94C-4C76-AE92-3C44B7FD323B}" type="datetimeFigureOut">
               <a:rPr lang="en-US" smtClean="0"/>
-              <a:t>4/7/2023</a:t>
+              <a:t>4/10/2023</a:t>
             </a:fld>
             <a:endParaRPr lang="en-US"/>
           </a:p>
@@ -1531,7 +1541,7 @@
           <a:p>
             <a:fld id="{17C5991C-D94C-4C76-AE92-3C44B7FD323B}" type="datetimeFigureOut">
               <a:rPr lang="en-US" smtClean="0"/>
-              <a:t>4/7/2023</a:t>
+              <a:t>4/10/2023</a:t>
             </a:fld>
             <a:endParaRPr lang="en-US"/>
           </a:p>
@@ -1796,7 +1806,7 @@
           <a:p>
             <a:fld id="{17C5991C-D94C-4C76-AE92-3C44B7FD323B}" type="datetimeFigureOut">
               <a:rPr lang="en-US" smtClean="0"/>
-              <a:t>4/7/2023</a:t>
+              <a:t>4/10/2023</a:t>
             </a:fld>
             <a:endParaRPr lang="en-US"/>
           </a:p>
@@ -2208,7 +2218,7 @@
           <a:p>
             <a:fld id="{17C5991C-D94C-4C76-AE92-3C44B7FD323B}" type="datetimeFigureOut">
               <a:rPr lang="en-US" smtClean="0"/>
-              <a:t>4/7/2023</a:t>
+              <a:t>4/10/2023</a:t>
             </a:fld>
             <a:endParaRPr lang="en-US"/>
           </a:p>
@@ -2349,7 +2359,7 @@
           <a:p>
             <a:fld id="{17C5991C-D94C-4C76-AE92-3C44B7FD323B}" type="datetimeFigureOut">
               <a:rPr lang="en-US" smtClean="0"/>
-              <a:t>4/7/2023</a:t>
+              <a:t>4/10/2023</a:t>
             </a:fld>
             <a:endParaRPr lang="en-US"/>
           </a:p>
@@ -2462,7 +2472,7 @@
           <a:p>
             <a:fld id="{17C5991C-D94C-4C76-AE92-3C44B7FD323B}" type="datetimeFigureOut">
               <a:rPr lang="en-US" smtClean="0"/>
-              <a:t>4/7/2023</a:t>
+              <a:t>4/10/2023</a:t>
             </a:fld>
             <a:endParaRPr lang="en-US"/>
           </a:p>
@@ -2773,7 +2783,7 @@
           <a:p>
             <a:fld id="{17C5991C-D94C-4C76-AE92-3C44B7FD323B}" type="datetimeFigureOut">
               <a:rPr lang="en-US" smtClean="0"/>
-              <a:t>4/7/2023</a:t>
+              <a:t>4/10/2023</a:t>
             </a:fld>
             <a:endParaRPr lang="en-US"/>
           </a:p>
@@ -3061,7 +3071,7 @@
           <a:p>
             <a:fld id="{17C5991C-D94C-4C76-AE92-3C44B7FD323B}" type="datetimeFigureOut">
               <a:rPr lang="en-US" smtClean="0"/>
-              <a:t>4/7/2023</a:t>
+              <a:t>4/10/2023</a:t>
             </a:fld>
             <a:endParaRPr lang="en-US"/>
           </a:p>
@@ -3302,7 +3312,7 @@
           <a:p>
             <a:fld id="{17C5991C-D94C-4C76-AE92-3C44B7FD323B}" type="datetimeFigureOut">
               <a:rPr lang="en-US" smtClean="0"/>
-              <a:t>4/7/2023</a:t>
+              <a:t>4/10/2023</a:t>
             </a:fld>
             <a:endParaRPr lang="en-US"/>
           </a:p>
@@ -15743,6 +15753,2097 @@
 </p:sld>
 </file>
 
+<file path=ppt/slides/slide43.xml><?xml version="1.0" encoding="utf-8"?>
+<p:sld xmlns:a="http://schemas.openxmlformats.org/drawingml/2006/main" xmlns:r="http://schemas.openxmlformats.org/officeDocument/2006/relationships" xmlns:p="http://schemas.openxmlformats.org/presentationml/2006/main">
+  <p:cSld>
+    <p:spTree>
+      <p:nvGrpSpPr>
+        <p:cNvPr id="1" name=""/>
+        <p:cNvGrpSpPr/>
+        <p:nvPr/>
+      </p:nvGrpSpPr>
+      <p:grpSpPr>
+        <a:xfrm>
+          <a:off x="0" y="0"/>
+          <a:ext cx="0" cy="0"/>
+          <a:chOff x="0" y="0"/>
+          <a:chExt cx="0" cy="0"/>
+        </a:xfrm>
+      </p:grpSpPr>
+      <p:sp>
+        <p:nvSpPr>
+          <p:cNvPr id="2" name="Title 1">
+            <a:extLst>
+              <a:ext uri="{FF2B5EF4-FFF2-40B4-BE49-F238E27FC236}">
+                <a16:creationId xmlns:a16="http://schemas.microsoft.com/office/drawing/2014/main" id="{F4959761-6614-51BB-B9CC-07EDB3CF96F8}"/>
+              </a:ext>
+            </a:extLst>
+          </p:cNvPr>
+          <p:cNvSpPr>
+            <a:spLocks noGrp="1"/>
+          </p:cNvSpPr>
+          <p:nvPr>
+            <p:ph type="title"/>
+          </p:nvPr>
+        </p:nvSpPr>
+        <p:spPr/>
+        <p:txBody>
+          <a:bodyPr/>
+          <a:lstStyle/>
+          <a:p>
+            <a:r>
+              <a:rPr lang="en-US" dirty="0"/>
+              <a:t>Understanding NPM Scripts</a:t>
+            </a:r>
+          </a:p>
+        </p:txBody>
+      </p:sp>
+      <p:sp>
+        <p:nvSpPr>
+          <p:cNvPr id="3" name="Content Placeholder 2">
+            <a:extLst>
+              <a:ext uri="{FF2B5EF4-FFF2-40B4-BE49-F238E27FC236}">
+                <a16:creationId xmlns:a16="http://schemas.microsoft.com/office/drawing/2014/main" id="{037ED381-47E9-2834-7407-0DCD94718CA8}"/>
+              </a:ext>
+            </a:extLst>
+          </p:cNvPr>
+          <p:cNvSpPr>
+            <a:spLocks noGrp="1"/>
+          </p:cNvSpPr>
+          <p:nvPr>
+            <p:ph idx="1"/>
+          </p:nvPr>
+        </p:nvSpPr>
+        <p:spPr/>
+        <p:txBody>
+          <a:bodyPr/>
+          <a:lstStyle/>
+          <a:p>
+            <a:endParaRPr lang="en-US"/>
+          </a:p>
+        </p:txBody>
+      </p:sp>
+    </p:spTree>
+    <p:extLst>
+      <p:ext uri="{BB962C8B-B14F-4D97-AF65-F5344CB8AC3E}">
+        <p14:creationId xmlns:p14="http://schemas.microsoft.com/office/powerpoint/2010/main" val="1861804910"/>
+      </p:ext>
+    </p:extLst>
+  </p:cSld>
+  <p:clrMapOvr>
+    <a:masterClrMapping/>
+  </p:clrMapOvr>
+</p:sld>
+</file>
+
+<file path=ppt/slides/slide44.xml><?xml version="1.0" encoding="utf-8"?>
+<p:sld xmlns:a="http://schemas.openxmlformats.org/drawingml/2006/main" xmlns:r="http://schemas.openxmlformats.org/officeDocument/2006/relationships" xmlns:p="http://schemas.openxmlformats.org/presentationml/2006/main">
+  <p:cSld>
+    <p:spTree>
+      <p:nvGrpSpPr>
+        <p:cNvPr id="1" name=""/>
+        <p:cNvGrpSpPr/>
+        <p:nvPr/>
+      </p:nvGrpSpPr>
+      <p:grpSpPr>
+        <a:xfrm>
+          <a:off x="0" y="0"/>
+          <a:ext cx="0" cy="0"/>
+          <a:chOff x="0" y="0"/>
+          <a:chExt cx="0" cy="0"/>
+        </a:xfrm>
+      </p:grpSpPr>
+      <p:sp>
+        <p:nvSpPr>
+          <p:cNvPr id="2" name="Title 1">
+            <a:extLst>
+              <a:ext uri="{FF2B5EF4-FFF2-40B4-BE49-F238E27FC236}">
+                <a16:creationId xmlns:a16="http://schemas.microsoft.com/office/drawing/2014/main" id="{615C13B2-180A-A875-A53D-79F3A2178E09}"/>
+              </a:ext>
+            </a:extLst>
+          </p:cNvPr>
+          <p:cNvSpPr>
+            <a:spLocks noGrp="1"/>
+          </p:cNvSpPr>
+          <p:nvPr>
+            <p:ph type="title"/>
+          </p:nvPr>
+        </p:nvSpPr>
+        <p:spPr/>
+        <p:txBody>
+          <a:bodyPr/>
+          <a:lstStyle/>
+          <a:p>
+            <a:r>
+              <a:rPr lang="en-US" dirty="0" err="1"/>
+              <a:t>Npm</a:t>
+            </a:r>
+            <a:r>
+              <a:rPr lang="en-US" dirty="0"/>
+              <a:t> &amp; packages</a:t>
+            </a:r>
+          </a:p>
+        </p:txBody>
+      </p:sp>
+      <p:sp>
+        <p:nvSpPr>
+          <p:cNvPr id="4" name="Rectangle 3">
+            <a:extLst>
+              <a:ext uri="{FF2B5EF4-FFF2-40B4-BE49-F238E27FC236}">
+                <a16:creationId xmlns:a16="http://schemas.microsoft.com/office/drawing/2014/main" id="{9C6C00A0-F2F0-FB5E-AD54-4EA2CE87A5A0}"/>
+              </a:ext>
+            </a:extLst>
+          </p:cNvPr>
+          <p:cNvSpPr/>
+          <p:nvPr/>
+        </p:nvSpPr>
+        <p:spPr>
+          <a:xfrm>
+            <a:off x="838200" y="1482830"/>
+            <a:ext cx="3515436" cy="823642"/>
+          </a:xfrm>
+          <a:prstGeom prst="rect">
+            <a:avLst/>
+          </a:prstGeom>
+        </p:spPr>
+        <p:style>
+          <a:lnRef idx="2">
+            <a:schemeClr val="accent1">
+              <a:shade val="50000"/>
+            </a:schemeClr>
+          </a:lnRef>
+          <a:fillRef idx="1">
+            <a:schemeClr val="accent1"/>
+          </a:fillRef>
+          <a:effectRef idx="0">
+            <a:schemeClr val="accent1"/>
+          </a:effectRef>
+          <a:fontRef idx="minor">
+            <a:schemeClr val="lt1"/>
+          </a:fontRef>
+        </p:style>
+        <p:txBody>
+          <a:bodyPr rtlCol="0" anchor="ctr"/>
+          <a:lstStyle/>
+          <a:p>
+            <a:pPr algn="ctr"/>
+            <a:r>
+              <a:rPr lang="en-US" dirty="0"/>
+              <a:t>Local Project</a:t>
+            </a:r>
+          </a:p>
+        </p:txBody>
+      </p:sp>
+      <p:sp>
+        <p:nvSpPr>
+          <p:cNvPr id="5" name="Rectangle 4">
+            <a:extLst>
+              <a:ext uri="{FF2B5EF4-FFF2-40B4-BE49-F238E27FC236}">
+                <a16:creationId xmlns:a16="http://schemas.microsoft.com/office/drawing/2014/main" id="{3EADC75D-FF8D-E7B2-8044-511284359B68}"/>
+              </a:ext>
+            </a:extLst>
+          </p:cNvPr>
+          <p:cNvSpPr/>
+          <p:nvPr/>
+        </p:nvSpPr>
+        <p:spPr>
+          <a:xfrm>
+            <a:off x="838200" y="2396572"/>
+            <a:ext cx="3515436" cy="823642"/>
+          </a:xfrm>
+          <a:prstGeom prst="rect">
+            <a:avLst/>
+          </a:prstGeom>
+        </p:spPr>
+        <p:style>
+          <a:lnRef idx="2">
+            <a:schemeClr val="accent1">
+              <a:shade val="50000"/>
+            </a:schemeClr>
+          </a:lnRef>
+          <a:fillRef idx="1">
+            <a:schemeClr val="accent1"/>
+          </a:fillRef>
+          <a:effectRef idx="0">
+            <a:schemeClr val="accent1"/>
+          </a:effectRef>
+          <a:fontRef idx="minor">
+            <a:schemeClr val="lt1"/>
+          </a:fontRef>
+        </p:style>
+        <p:txBody>
+          <a:bodyPr rtlCol="0" anchor="ctr"/>
+          <a:lstStyle/>
+          <a:p>
+            <a:pPr algn="ctr"/>
+            <a:r>
+              <a:rPr lang="en-US" dirty="0"/>
+              <a:t>&lt;Your Code&gt;</a:t>
+            </a:r>
+          </a:p>
+        </p:txBody>
+      </p:sp>
+      <p:sp>
+        <p:nvSpPr>
+          <p:cNvPr id="6" name="Rectangle 5">
+            <a:extLst>
+              <a:ext uri="{FF2B5EF4-FFF2-40B4-BE49-F238E27FC236}">
+                <a16:creationId xmlns:a16="http://schemas.microsoft.com/office/drawing/2014/main" id="{BD51DF94-55E6-AC76-ACC4-480DED2E8DF1}"/>
+              </a:ext>
+            </a:extLst>
+          </p:cNvPr>
+          <p:cNvSpPr/>
+          <p:nvPr/>
+        </p:nvSpPr>
+        <p:spPr>
+          <a:xfrm>
+            <a:off x="838200" y="3310314"/>
+            <a:ext cx="3515436" cy="823642"/>
+          </a:xfrm>
+          <a:prstGeom prst="rect">
+            <a:avLst/>
+          </a:prstGeom>
+        </p:spPr>
+        <p:style>
+          <a:lnRef idx="2">
+            <a:schemeClr val="accent1">
+              <a:shade val="50000"/>
+            </a:schemeClr>
+          </a:lnRef>
+          <a:fillRef idx="1">
+            <a:schemeClr val="accent1"/>
+          </a:fillRef>
+          <a:effectRef idx="0">
+            <a:schemeClr val="accent1"/>
+          </a:effectRef>
+          <a:fontRef idx="minor">
+            <a:schemeClr val="lt1"/>
+          </a:fontRef>
+        </p:style>
+        <p:txBody>
+          <a:bodyPr rtlCol="0" anchor="ctr"/>
+          <a:lstStyle/>
+          <a:p>
+            <a:pPr algn="ctr"/>
+            <a:r>
+              <a:rPr lang="en-US" dirty="0"/>
+              <a:t>Core Node Packages</a:t>
+            </a:r>
+          </a:p>
+        </p:txBody>
+      </p:sp>
+      <p:sp>
+        <p:nvSpPr>
+          <p:cNvPr id="7" name="Rectangle 6">
+            <a:extLst>
+              <a:ext uri="{FF2B5EF4-FFF2-40B4-BE49-F238E27FC236}">
+                <a16:creationId xmlns:a16="http://schemas.microsoft.com/office/drawing/2014/main" id="{2037B255-3995-A5A4-DEB7-5A20725C22BC}"/>
+              </a:ext>
+            </a:extLst>
+          </p:cNvPr>
+          <p:cNvSpPr/>
+          <p:nvPr/>
+        </p:nvSpPr>
+        <p:spPr>
+          <a:xfrm>
+            <a:off x="838200" y="4374839"/>
+            <a:ext cx="3515436" cy="823642"/>
+          </a:xfrm>
+          <a:prstGeom prst="rect">
+            <a:avLst/>
+          </a:prstGeom>
+        </p:spPr>
+        <p:style>
+          <a:lnRef idx="2">
+            <a:schemeClr val="accent1">
+              <a:shade val="50000"/>
+            </a:schemeClr>
+          </a:lnRef>
+          <a:fillRef idx="1">
+            <a:schemeClr val="accent1"/>
+          </a:fillRef>
+          <a:effectRef idx="0">
+            <a:schemeClr val="accent1"/>
+          </a:effectRef>
+          <a:fontRef idx="minor">
+            <a:schemeClr val="lt1"/>
+          </a:fontRef>
+        </p:style>
+        <p:txBody>
+          <a:bodyPr rtlCol="0" anchor="ctr"/>
+          <a:lstStyle/>
+          <a:p>
+            <a:pPr algn="ctr"/>
+            <a:r>
+              <a:rPr lang="en-US" dirty="0"/>
+              <a:t>Dependencies (3</a:t>
+            </a:r>
+            <a:r>
+              <a:rPr lang="en-US" baseline="30000" dirty="0"/>
+              <a:t>rd</a:t>
+            </a:r>
+            <a:r>
+              <a:rPr lang="en-US" dirty="0"/>
+              <a:t> Party)</a:t>
+            </a:r>
+          </a:p>
+        </p:txBody>
+      </p:sp>
+      <p:sp>
+        <p:nvSpPr>
+          <p:cNvPr id="8" name="Rectangle 7">
+            <a:extLst>
+              <a:ext uri="{FF2B5EF4-FFF2-40B4-BE49-F238E27FC236}">
+                <a16:creationId xmlns:a16="http://schemas.microsoft.com/office/drawing/2014/main" id="{6F1F7EF6-8C9B-EF18-420B-26FEA2F41E9A}"/>
+              </a:ext>
+            </a:extLst>
+          </p:cNvPr>
+          <p:cNvSpPr/>
+          <p:nvPr/>
+        </p:nvSpPr>
+        <p:spPr>
+          <a:xfrm>
+            <a:off x="6933063" y="1482830"/>
+            <a:ext cx="3848668" cy="823642"/>
+          </a:xfrm>
+          <a:prstGeom prst="rect">
+            <a:avLst/>
+          </a:prstGeom>
+        </p:spPr>
+        <p:style>
+          <a:lnRef idx="2">
+            <a:schemeClr val="accent1">
+              <a:shade val="50000"/>
+            </a:schemeClr>
+          </a:lnRef>
+          <a:fillRef idx="1">
+            <a:schemeClr val="accent1"/>
+          </a:fillRef>
+          <a:effectRef idx="0">
+            <a:schemeClr val="accent1"/>
+          </a:effectRef>
+          <a:fontRef idx="minor">
+            <a:schemeClr val="lt1"/>
+          </a:fontRef>
+        </p:style>
+        <p:txBody>
+          <a:bodyPr rtlCol="0" anchor="ctr"/>
+          <a:lstStyle/>
+          <a:p>
+            <a:pPr algn="ctr"/>
+            <a:r>
+              <a:rPr lang="en-US" dirty="0" err="1"/>
+              <a:t>Npm</a:t>
+            </a:r>
+            <a:r>
+              <a:rPr lang="en-US" dirty="0"/>
+              <a:t> </a:t>
+            </a:r>
+            <a:r>
+              <a:rPr lang="en-US" dirty="0" err="1"/>
+              <a:t>Repositary</a:t>
+            </a:r>
+            <a:endParaRPr lang="en-US" dirty="0"/>
+          </a:p>
+        </p:txBody>
+      </p:sp>
+      <p:sp>
+        <p:nvSpPr>
+          <p:cNvPr id="9" name="Rectangle 8">
+            <a:extLst>
+              <a:ext uri="{FF2B5EF4-FFF2-40B4-BE49-F238E27FC236}">
+                <a16:creationId xmlns:a16="http://schemas.microsoft.com/office/drawing/2014/main" id="{8E6419C7-04AC-5666-CFDE-0960A07EFB41}"/>
+              </a:ext>
+            </a:extLst>
+          </p:cNvPr>
+          <p:cNvSpPr/>
+          <p:nvPr/>
+        </p:nvSpPr>
+        <p:spPr>
+          <a:xfrm>
+            <a:off x="6933063" y="3551197"/>
+            <a:ext cx="3848668" cy="823642"/>
+          </a:xfrm>
+          <a:prstGeom prst="rect">
+            <a:avLst/>
+          </a:prstGeom>
+        </p:spPr>
+        <p:style>
+          <a:lnRef idx="2">
+            <a:schemeClr val="accent1">
+              <a:shade val="50000"/>
+            </a:schemeClr>
+          </a:lnRef>
+          <a:fillRef idx="1">
+            <a:schemeClr val="accent1"/>
+          </a:fillRef>
+          <a:effectRef idx="0">
+            <a:schemeClr val="accent1"/>
+          </a:effectRef>
+          <a:fontRef idx="minor">
+            <a:schemeClr val="lt1"/>
+          </a:fontRef>
+        </p:style>
+        <p:txBody>
+          <a:bodyPr rtlCol="0" anchor="ctr"/>
+          <a:lstStyle/>
+          <a:p>
+            <a:pPr algn="ctr"/>
+            <a:r>
+              <a:rPr lang="en-US" dirty="0"/>
+              <a:t>express</a:t>
+            </a:r>
+          </a:p>
+        </p:txBody>
+      </p:sp>
+      <p:sp>
+        <p:nvSpPr>
+          <p:cNvPr id="10" name="Rectangle 9">
+            <a:extLst>
+              <a:ext uri="{FF2B5EF4-FFF2-40B4-BE49-F238E27FC236}">
+                <a16:creationId xmlns:a16="http://schemas.microsoft.com/office/drawing/2014/main" id="{2CA48DC2-1A0D-9AD7-EC24-87D6BD6767AF}"/>
+              </a:ext>
+            </a:extLst>
+          </p:cNvPr>
+          <p:cNvSpPr/>
+          <p:nvPr/>
+        </p:nvSpPr>
+        <p:spPr>
+          <a:xfrm>
+            <a:off x="6933063" y="4536565"/>
+            <a:ext cx="3848668" cy="823642"/>
+          </a:xfrm>
+          <a:prstGeom prst="rect">
+            <a:avLst/>
+          </a:prstGeom>
+        </p:spPr>
+        <p:style>
+          <a:lnRef idx="2">
+            <a:schemeClr val="accent1">
+              <a:shade val="50000"/>
+            </a:schemeClr>
+          </a:lnRef>
+          <a:fillRef idx="1">
+            <a:schemeClr val="accent1"/>
+          </a:fillRef>
+          <a:effectRef idx="0">
+            <a:schemeClr val="accent1"/>
+          </a:effectRef>
+          <a:fontRef idx="minor">
+            <a:schemeClr val="lt1"/>
+          </a:fontRef>
+        </p:style>
+        <p:txBody>
+          <a:bodyPr rtlCol="0" anchor="ctr"/>
+          <a:lstStyle/>
+          <a:p>
+            <a:pPr algn="ctr"/>
+            <a:r>
+              <a:rPr lang="en-US" dirty="0"/>
+              <a:t>Body-parser</a:t>
+            </a:r>
+          </a:p>
+        </p:txBody>
+      </p:sp>
+      <p:cxnSp>
+        <p:nvCxnSpPr>
+          <p:cNvPr id="12" name="Connector: Elbow 11">
+            <a:extLst>
+              <a:ext uri="{FF2B5EF4-FFF2-40B4-BE49-F238E27FC236}">
+                <a16:creationId xmlns:a16="http://schemas.microsoft.com/office/drawing/2014/main" id="{8B32C500-7848-099C-869D-664769E5F3BA}"/>
+              </a:ext>
+            </a:extLst>
+          </p:cNvPr>
+          <p:cNvCxnSpPr>
+            <a:stCxn id="7" idx="3"/>
+            <a:endCxn id="9" idx="1"/>
+          </p:cNvCxnSpPr>
+          <p:nvPr/>
+        </p:nvCxnSpPr>
+        <p:spPr>
+          <a:xfrm flipV="1">
+            <a:off x="4353636" y="3963018"/>
+            <a:ext cx="2579427" cy="823642"/>
+          </a:xfrm>
+          <a:prstGeom prst="bentConnector3">
+            <a:avLst/>
+          </a:prstGeom>
+          <a:ln>
+            <a:tailEnd type="triangle"/>
+          </a:ln>
+        </p:spPr>
+        <p:style>
+          <a:lnRef idx="1">
+            <a:schemeClr val="accent1"/>
+          </a:lnRef>
+          <a:fillRef idx="0">
+            <a:schemeClr val="accent1"/>
+          </a:fillRef>
+          <a:effectRef idx="0">
+            <a:schemeClr val="accent1"/>
+          </a:effectRef>
+          <a:fontRef idx="minor">
+            <a:schemeClr val="tx1"/>
+          </a:fontRef>
+        </p:style>
+      </p:cxnSp>
+      <p:cxnSp>
+        <p:nvCxnSpPr>
+          <p:cNvPr id="14" name="Connector: Elbow 13">
+            <a:extLst>
+              <a:ext uri="{FF2B5EF4-FFF2-40B4-BE49-F238E27FC236}">
+                <a16:creationId xmlns:a16="http://schemas.microsoft.com/office/drawing/2014/main" id="{41CD6843-ED11-162C-AE15-46D489002647}"/>
+              </a:ext>
+            </a:extLst>
+          </p:cNvPr>
+          <p:cNvCxnSpPr>
+            <a:stCxn id="7" idx="3"/>
+          </p:cNvCxnSpPr>
+          <p:nvPr/>
+        </p:nvCxnSpPr>
+        <p:spPr>
+          <a:xfrm>
+            <a:off x="4353636" y="4786660"/>
+            <a:ext cx="2579427" cy="161726"/>
+          </a:xfrm>
+          <a:prstGeom prst="bentConnector3">
+            <a:avLst/>
+          </a:prstGeom>
+          <a:ln>
+            <a:tailEnd type="triangle"/>
+          </a:ln>
+        </p:spPr>
+        <p:style>
+          <a:lnRef idx="1">
+            <a:schemeClr val="accent1"/>
+          </a:lnRef>
+          <a:fillRef idx="0">
+            <a:schemeClr val="accent1"/>
+          </a:fillRef>
+          <a:effectRef idx="0">
+            <a:schemeClr val="accent1"/>
+          </a:effectRef>
+          <a:fontRef idx="minor">
+            <a:schemeClr val="tx1"/>
+          </a:fontRef>
+        </p:style>
+      </p:cxnSp>
+      <p:sp>
+        <p:nvSpPr>
+          <p:cNvPr id="15" name="Rectangle 14">
+            <a:extLst>
+              <a:ext uri="{FF2B5EF4-FFF2-40B4-BE49-F238E27FC236}">
+                <a16:creationId xmlns:a16="http://schemas.microsoft.com/office/drawing/2014/main" id="{A7A3FBA7-AF1F-DFD1-AB74-8EDFCEAFC11A}"/>
+              </a:ext>
+            </a:extLst>
+          </p:cNvPr>
+          <p:cNvSpPr/>
+          <p:nvPr/>
+        </p:nvSpPr>
+        <p:spPr>
+          <a:xfrm>
+            <a:off x="4148918" y="5622878"/>
+            <a:ext cx="3971499" cy="914400"/>
+          </a:xfrm>
+          <a:prstGeom prst="rect">
+            <a:avLst/>
+          </a:prstGeom>
+        </p:spPr>
+        <p:style>
+          <a:lnRef idx="2">
+            <a:schemeClr val="accent1">
+              <a:shade val="50000"/>
+            </a:schemeClr>
+          </a:lnRef>
+          <a:fillRef idx="1">
+            <a:schemeClr val="accent1"/>
+          </a:fillRef>
+          <a:effectRef idx="0">
+            <a:schemeClr val="accent1"/>
+          </a:effectRef>
+          <a:fontRef idx="minor">
+            <a:schemeClr val="lt1"/>
+          </a:fontRef>
+        </p:style>
+        <p:txBody>
+          <a:bodyPr rtlCol="0" anchor="ctr"/>
+          <a:lstStyle/>
+          <a:p>
+            <a:pPr algn="ctr"/>
+            <a:r>
+              <a:rPr lang="en-US" dirty="0"/>
+              <a:t>Installed &amp; managed via </a:t>
+            </a:r>
+            <a:r>
+              <a:rPr lang="en-US" b="1" dirty="0"/>
+              <a:t>NPM</a:t>
+            </a:r>
+          </a:p>
+        </p:txBody>
+      </p:sp>
+      <p:sp>
+        <p:nvSpPr>
+          <p:cNvPr id="16" name="Arrow: Right 15">
+            <a:extLst>
+              <a:ext uri="{FF2B5EF4-FFF2-40B4-BE49-F238E27FC236}">
+                <a16:creationId xmlns:a16="http://schemas.microsoft.com/office/drawing/2014/main" id="{F950DA09-05B8-49D4-4BC3-6AB3643034BA}"/>
+              </a:ext>
+            </a:extLst>
+          </p:cNvPr>
+          <p:cNvSpPr/>
+          <p:nvPr/>
+        </p:nvSpPr>
+        <p:spPr>
+          <a:xfrm rot="19441777">
+            <a:off x="5663821" y="5360207"/>
+            <a:ext cx="1269242" cy="424397"/>
+          </a:xfrm>
+          <a:prstGeom prst="rightArrow">
+            <a:avLst/>
+          </a:prstGeom>
+        </p:spPr>
+        <p:style>
+          <a:lnRef idx="2">
+            <a:schemeClr val="accent1">
+              <a:shade val="50000"/>
+            </a:schemeClr>
+          </a:lnRef>
+          <a:fillRef idx="1">
+            <a:schemeClr val="accent1"/>
+          </a:fillRef>
+          <a:effectRef idx="0">
+            <a:schemeClr val="accent1"/>
+          </a:effectRef>
+          <a:fontRef idx="minor">
+            <a:schemeClr val="lt1"/>
+          </a:fontRef>
+        </p:style>
+        <p:txBody>
+          <a:bodyPr rtlCol="0" anchor="ctr"/>
+          <a:lstStyle/>
+          <a:p>
+            <a:pPr algn="ctr"/>
+            <a:endParaRPr lang="en-US"/>
+          </a:p>
+        </p:txBody>
+      </p:sp>
+    </p:spTree>
+    <p:extLst>
+      <p:ext uri="{BB962C8B-B14F-4D97-AF65-F5344CB8AC3E}">
+        <p14:creationId xmlns:p14="http://schemas.microsoft.com/office/powerpoint/2010/main" val="2973528934"/>
+      </p:ext>
+    </p:extLst>
+  </p:cSld>
+  <p:clrMapOvr>
+    <a:masterClrMapping/>
+  </p:clrMapOvr>
+</p:sld>
+</file>
+
+<file path=ppt/slides/slide45.xml><?xml version="1.0" encoding="utf-8"?>
+<p:sld xmlns:a="http://schemas.openxmlformats.org/drawingml/2006/main" xmlns:r="http://schemas.openxmlformats.org/officeDocument/2006/relationships" xmlns:p="http://schemas.openxmlformats.org/presentationml/2006/main">
+  <p:cSld>
+    <p:spTree>
+      <p:nvGrpSpPr>
+        <p:cNvPr id="1" name=""/>
+        <p:cNvGrpSpPr/>
+        <p:nvPr/>
+      </p:nvGrpSpPr>
+      <p:grpSpPr>
+        <a:xfrm>
+          <a:off x="0" y="0"/>
+          <a:ext cx="0" cy="0"/>
+          <a:chOff x="0" y="0"/>
+          <a:chExt cx="0" cy="0"/>
+        </a:xfrm>
+      </p:grpSpPr>
+      <p:sp>
+        <p:nvSpPr>
+          <p:cNvPr id="3" name="Content Placeholder 2">
+            <a:extLst>
+              <a:ext uri="{FF2B5EF4-FFF2-40B4-BE49-F238E27FC236}">
+                <a16:creationId xmlns:a16="http://schemas.microsoft.com/office/drawing/2014/main" id="{07B4A16D-7266-6C6B-8F60-EF04B11CD771}"/>
+              </a:ext>
+            </a:extLst>
+          </p:cNvPr>
+          <p:cNvSpPr>
+            <a:spLocks noGrp="1"/>
+          </p:cNvSpPr>
+          <p:nvPr>
+            <p:ph idx="1"/>
+          </p:nvPr>
+        </p:nvSpPr>
+        <p:spPr>
+          <a:xfrm>
+            <a:off x="838200" y="259307"/>
+            <a:ext cx="10515600" cy="5917656"/>
+          </a:xfrm>
+        </p:spPr>
+        <p:txBody>
+          <a:bodyPr/>
+          <a:lstStyle/>
+          <a:p>
+            <a:r>
+              <a:rPr lang="en-US" dirty="0"/>
+              <a:t>Using </a:t>
+            </a:r>
+            <a:r>
+              <a:rPr lang="en-US" dirty="0" err="1"/>
+              <a:t>Nodemon</a:t>
+            </a:r>
+            <a:r>
+              <a:rPr lang="en-US" dirty="0"/>
+              <a:t> for </a:t>
+            </a:r>
+            <a:r>
+              <a:rPr lang="en-US" dirty="0" err="1"/>
+              <a:t>Autorestart</a:t>
+            </a:r>
+            <a:r>
+              <a:rPr lang="en-US" dirty="0"/>
+              <a:t>.</a:t>
+            </a:r>
+          </a:p>
+        </p:txBody>
+      </p:sp>
+    </p:spTree>
+    <p:extLst>
+      <p:ext uri="{BB962C8B-B14F-4D97-AF65-F5344CB8AC3E}">
+        <p14:creationId xmlns:p14="http://schemas.microsoft.com/office/powerpoint/2010/main" val="3738774026"/>
+      </p:ext>
+    </p:extLst>
+  </p:cSld>
+  <p:clrMapOvr>
+    <a:masterClrMapping/>
+  </p:clrMapOvr>
+</p:sld>
+</file>
+
+<file path=ppt/slides/slide46.xml><?xml version="1.0" encoding="utf-8"?>
+<p:sld xmlns:a="http://schemas.openxmlformats.org/drawingml/2006/main" xmlns:r="http://schemas.openxmlformats.org/officeDocument/2006/relationships" xmlns:p="http://schemas.openxmlformats.org/presentationml/2006/main">
+  <p:cSld>
+    <p:spTree>
+      <p:nvGrpSpPr>
+        <p:cNvPr id="1" name=""/>
+        <p:cNvGrpSpPr/>
+        <p:nvPr/>
+      </p:nvGrpSpPr>
+      <p:grpSpPr>
+        <a:xfrm>
+          <a:off x="0" y="0"/>
+          <a:ext cx="0" cy="0"/>
+          <a:chOff x="0" y="0"/>
+          <a:chExt cx="0" cy="0"/>
+        </a:xfrm>
+      </p:grpSpPr>
+      <p:sp>
+        <p:nvSpPr>
+          <p:cNvPr id="4" name="TextBox 3">
+            <a:extLst>
+              <a:ext uri="{FF2B5EF4-FFF2-40B4-BE49-F238E27FC236}">
+                <a16:creationId xmlns:a16="http://schemas.microsoft.com/office/drawing/2014/main" id="{95F794D1-9E20-CB7D-EC63-B556973493E3}"/>
+              </a:ext>
+            </a:extLst>
+          </p:cNvPr>
+          <p:cNvSpPr txBox="1"/>
+          <p:nvPr/>
+        </p:nvSpPr>
+        <p:spPr>
+          <a:xfrm>
+            <a:off x="5336275" y="423081"/>
+            <a:ext cx="2342949" cy="523220"/>
+          </a:xfrm>
+          <a:prstGeom prst="rect">
+            <a:avLst/>
+          </a:prstGeom>
+          <a:noFill/>
+        </p:spPr>
+        <p:txBody>
+          <a:bodyPr wrap="none" rtlCol="0">
+            <a:spAutoFit/>
+          </a:bodyPr>
+          <a:lstStyle/>
+          <a:p>
+            <a:r>
+              <a:rPr lang="en-US" sz="2800" dirty="0"/>
+              <a:t>Types of Errors</a:t>
+            </a:r>
+          </a:p>
+        </p:txBody>
+      </p:sp>
+      <p:sp>
+        <p:nvSpPr>
+          <p:cNvPr id="5" name="Rectangle 4">
+            <a:extLst>
+              <a:ext uri="{FF2B5EF4-FFF2-40B4-BE49-F238E27FC236}">
+                <a16:creationId xmlns:a16="http://schemas.microsoft.com/office/drawing/2014/main" id="{B167A1B1-9D6D-D4F8-35F3-3C8113C70E62}"/>
+              </a:ext>
+            </a:extLst>
+          </p:cNvPr>
+          <p:cNvSpPr/>
+          <p:nvPr/>
+        </p:nvSpPr>
+        <p:spPr>
+          <a:xfrm>
+            <a:off x="423081" y="2183642"/>
+            <a:ext cx="3070746" cy="2251880"/>
+          </a:xfrm>
+          <a:prstGeom prst="rect">
+            <a:avLst/>
+          </a:prstGeom>
+        </p:spPr>
+        <p:style>
+          <a:lnRef idx="2">
+            <a:schemeClr val="accent1">
+              <a:shade val="50000"/>
+            </a:schemeClr>
+          </a:lnRef>
+          <a:fillRef idx="1">
+            <a:schemeClr val="accent1"/>
+          </a:fillRef>
+          <a:effectRef idx="0">
+            <a:schemeClr val="accent1"/>
+          </a:effectRef>
+          <a:fontRef idx="minor">
+            <a:schemeClr val="lt1"/>
+          </a:fontRef>
+        </p:style>
+        <p:txBody>
+          <a:bodyPr rtlCol="0" anchor="ctr"/>
+          <a:lstStyle/>
+          <a:p>
+            <a:pPr algn="ctr"/>
+            <a:r>
+              <a:rPr lang="en-US" dirty="0"/>
+              <a:t>Syntax Errors</a:t>
+            </a:r>
+          </a:p>
+        </p:txBody>
+      </p:sp>
+      <p:sp>
+        <p:nvSpPr>
+          <p:cNvPr id="6" name="Rectangle 5">
+            <a:extLst>
+              <a:ext uri="{FF2B5EF4-FFF2-40B4-BE49-F238E27FC236}">
+                <a16:creationId xmlns:a16="http://schemas.microsoft.com/office/drawing/2014/main" id="{DA84F47C-6069-4729-C244-F2E48FBFDDED}"/>
+              </a:ext>
+            </a:extLst>
+          </p:cNvPr>
+          <p:cNvSpPr/>
+          <p:nvPr/>
+        </p:nvSpPr>
+        <p:spPr>
+          <a:xfrm>
+            <a:off x="4804013" y="2183642"/>
+            <a:ext cx="3070746" cy="2251880"/>
+          </a:xfrm>
+          <a:prstGeom prst="rect">
+            <a:avLst/>
+          </a:prstGeom>
+        </p:spPr>
+        <p:style>
+          <a:lnRef idx="2">
+            <a:schemeClr val="accent1">
+              <a:shade val="50000"/>
+            </a:schemeClr>
+          </a:lnRef>
+          <a:fillRef idx="1">
+            <a:schemeClr val="accent1"/>
+          </a:fillRef>
+          <a:effectRef idx="0">
+            <a:schemeClr val="accent1"/>
+          </a:effectRef>
+          <a:fontRef idx="minor">
+            <a:schemeClr val="lt1"/>
+          </a:fontRef>
+        </p:style>
+        <p:txBody>
+          <a:bodyPr rtlCol="0" anchor="ctr"/>
+          <a:lstStyle/>
+          <a:p>
+            <a:pPr algn="ctr"/>
+            <a:r>
+              <a:rPr lang="en-US" dirty="0"/>
+              <a:t>Runtime Errors</a:t>
+            </a:r>
+          </a:p>
+        </p:txBody>
+      </p:sp>
+      <p:sp>
+        <p:nvSpPr>
+          <p:cNvPr id="7" name="Rectangle 6">
+            <a:extLst>
+              <a:ext uri="{FF2B5EF4-FFF2-40B4-BE49-F238E27FC236}">
+                <a16:creationId xmlns:a16="http://schemas.microsoft.com/office/drawing/2014/main" id="{6F2894D7-49CD-1067-1D8D-77304AA74991}"/>
+              </a:ext>
+            </a:extLst>
+          </p:cNvPr>
+          <p:cNvSpPr/>
+          <p:nvPr/>
+        </p:nvSpPr>
+        <p:spPr>
+          <a:xfrm>
+            <a:off x="8698173" y="2183642"/>
+            <a:ext cx="3070746" cy="2251880"/>
+          </a:xfrm>
+          <a:prstGeom prst="rect">
+            <a:avLst/>
+          </a:prstGeom>
+        </p:spPr>
+        <p:style>
+          <a:lnRef idx="2">
+            <a:schemeClr val="accent1">
+              <a:shade val="50000"/>
+            </a:schemeClr>
+          </a:lnRef>
+          <a:fillRef idx="1">
+            <a:schemeClr val="accent1"/>
+          </a:fillRef>
+          <a:effectRef idx="0">
+            <a:schemeClr val="accent1"/>
+          </a:effectRef>
+          <a:fontRef idx="minor">
+            <a:schemeClr val="lt1"/>
+          </a:fontRef>
+        </p:style>
+        <p:txBody>
+          <a:bodyPr rtlCol="0" anchor="ctr"/>
+          <a:lstStyle/>
+          <a:p>
+            <a:pPr algn="ctr"/>
+            <a:r>
+              <a:rPr lang="en-US" dirty="0"/>
+              <a:t>Logical Errors</a:t>
+            </a:r>
+          </a:p>
+        </p:txBody>
+      </p:sp>
+    </p:spTree>
+    <p:extLst>
+      <p:ext uri="{BB962C8B-B14F-4D97-AF65-F5344CB8AC3E}">
+        <p14:creationId xmlns:p14="http://schemas.microsoft.com/office/powerpoint/2010/main" val="1019381647"/>
+      </p:ext>
+    </p:extLst>
+  </p:cSld>
+  <p:clrMapOvr>
+    <a:masterClrMapping/>
+  </p:clrMapOvr>
+</p:sld>
+</file>
+
+<file path=ppt/slides/slide47.xml><?xml version="1.0" encoding="utf-8"?>
+<p:sld xmlns:a="http://schemas.openxmlformats.org/drawingml/2006/main" xmlns:r="http://schemas.openxmlformats.org/officeDocument/2006/relationships" xmlns:p="http://schemas.openxmlformats.org/presentationml/2006/main">
+  <p:cSld>
+    <p:spTree>
+      <p:nvGrpSpPr>
+        <p:cNvPr id="1" name=""/>
+        <p:cNvGrpSpPr/>
+        <p:nvPr/>
+      </p:nvGrpSpPr>
+      <p:grpSpPr>
+        <a:xfrm>
+          <a:off x="0" y="0"/>
+          <a:ext cx="0" cy="0"/>
+          <a:chOff x="0" y="0"/>
+          <a:chExt cx="0" cy="0"/>
+        </a:xfrm>
+      </p:grpSpPr>
+      <p:sp>
+        <p:nvSpPr>
+          <p:cNvPr id="2" name="Title 1">
+            <a:extLst>
+              <a:ext uri="{FF2B5EF4-FFF2-40B4-BE49-F238E27FC236}">
+                <a16:creationId xmlns:a16="http://schemas.microsoft.com/office/drawing/2014/main" id="{BD3E9E09-E7EC-3271-BEF4-E7C28F3E9EC1}"/>
+              </a:ext>
+            </a:extLst>
+          </p:cNvPr>
+          <p:cNvSpPr>
+            <a:spLocks noGrp="1"/>
+          </p:cNvSpPr>
+          <p:nvPr>
+            <p:ph type="title"/>
+          </p:nvPr>
+        </p:nvSpPr>
+        <p:spPr>
+          <a:xfrm>
+            <a:off x="224051" y="269592"/>
+            <a:ext cx="4416188" cy="631162"/>
+          </a:xfrm>
+        </p:spPr>
+        <p:txBody>
+          <a:bodyPr>
+            <a:normAutofit fontScale="90000"/>
+          </a:bodyPr>
+          <a:lstStyle/>
+          <a:p>
+            <a:r>
+              <a:rPr lang="en-US" dirty="0"/>
+              <a:t>Module Summary</a:t>
+            </a:r>
+          </a:p>
+        </p:txBody>
+      </p:sp>
+      <p:sp>
+        <p:nvSpPr>
+          <p:cNvPr id="4" name="Rectangle 3">
+            <a:extLst>
+              <a:ext uri="{FF2B5EF4-FFF2-40B4-BE49-F238E27FC236}">
+                <a16:creationId xmlns:a16="http://schemas.microsoft.com/office/drawing/2014/main" id="{EB07D21C-E764-57C2-B3C6-00CFDC7C5906}"/>
+              </a:ext>
+            </a:extLst>
+          </p:cNvPr>
+          <p:cNvSpPr/>
+          <p:nvPr/>
+        </p:nvSpPr>
+        <p:spPr>
+          <a:xfrm>
+            <a:off x="382137" y="1173706"/>
+            <a:ext cx="5322627" cy="491319"/>
+          </a:xfrm>
+          <a:prstGeom prst="rect">
+            <a:avLst/>
+          </a:prstGeom>
+        </p:spPr>
+        <p:style>
+          <a:lnRef idx="2">
+            <a:schemeClr val="accent1">
+              <a:shade val="50000"/>
+            </a:schemeClr>
+          </a:lnRef>
+          <a:fillRef idx="1">
+            <a:schemeClr val="accent1"/>
+          </a:fillRef>
+          <a:effectRef idx="0">
+            <a:schemeClr val="accent1"/>
+          </a:effectRef>
+          <a:fontRef idx="minor">
+            <a:schemeClr val="lt1"/>
+          </a:fontRef>
+        </p:style>
+        <p:txBody>
+          <a:bodyPr rtlCol="0" anchor="ctr"/>
+          <a:lstStyle/>
+          <a:p>
+            <a:pPr algn="ctr"/>
+            <a:r>
+              <a:rPr lang="en-US" dirty="0" err="1"/>
+              <a:t>npm</a:t>
+            </a:r>
+            <a:endParaRPr lang="en-US" dirty="0"/>
+          </a:p>
+        </p:txBody>
+      </p:sp>
+      <p:sp>
+        <p:nvSpPr>
+          <p:cNvPr id="5" name="Rectangle 4">
+            <a:extLst>
+              <a:ext uri="{FF2B5EF4-FFF2-40B4-BE49-F238E27FC236}">
+                <a16:creationId xmlns:a16="http://schemas.microsoft.com/office/drawing/2014/main" id="{5CDC8DE2-603E-0724-7172-68643B745144}"/>
+              </a:ext>
+            </a:extLst>
+          </p:cNvPr>
+          <p:cNvSpPr/>
+          <p:nvPr/>
+        </p:nvSpPr>
+        <p:spPr>
+          <a:xfrm>
+            <a:off x="382137" y="1665025"/>
+            <a:ext cx="5322627" cy="2238235"/>
+          </a:xfrm>
+          <a:prstGeom prst="rect">
+            <a:avLst/>
+          </a:prstGeom>
+          <a:solidFill>
+            <a:schemeClr val="accent1">
+              <a:lumMod val="60000"/>
+              <a:lumOff val="40000"/>
+            </a:schemeClr>
+          </a:solidFill>
+        </p:spPr>
+        <p:style>
+          <a:lnRef idx="2">
+            <a:schemeClr val="accent1">
+              <a:shade val="50000"/>
+            </a:schemeClr>
+          </a:lnRef>
+          <a:fillRef idx="1">
+            <a:schemeClr val="accent1"/>
+          </a:fillRef>
+          <a:effectRef idx="0">
+            <a:schemeClr val="accent1"/>
+          </a:effectRef>
+          <a:fontRef idx="minor">
+            <a:schemeClr val="lt1"/>
+          </a:fontRef>
+        </p:style>
+        <p:txBody>
+          <a:bodyPr rtlCol="0" anchor="ctr"/>
+          <a:lstStyle/>
+          <a:p>
+            <a:pPr algn="ctr"/>
+            <a:r>
+              <a:rPr lang="en-US" dirty="0" err="1">
+                <a:ln w="0"/>
+                <a:solidFill>
+                  <a:schemeClr val="tx1"/>
+                </a:solidFill>
+                <a:effectLst>
+                  <a:outerShdw blurRad="38100" dist="19050" dir="2700000" algn="tl" rotWithShape="0">
+                    <a:schemeClr val="dk1">
+                      <a:alpha val="40000"/>
+                    </a:schemeClr>
+                  </a:outerShdw>
+                </a:effectLst>
+              </a:rPr>
+              <a:t>Npm</a:t>
+            </a:r>
+            <a:r>
+              <a:rPr lang="en-US" dirty="0">
+                <a:ln w="0"/>
+                <a:solidFill>
+                  <a:schemeClr val="tx1"/>
+                </a:solidFill>
+                <a:effectLst>
+                  <a:outerShdw blurRad="38100" dist="19050" dir="2700000" algn="tl" rotWithShape="0">
+                    <a:schemeClr val="dk1">
+                      <a:alpha val="40000"/>
+                    </a:schemeClr>
+                  </a:outerShdw>
+                </a:effectLst>
+              </a:rPr>
+              <a:t> stands for “Node Package Manager” and it allows you to manage your Node project and its dependencies.</a:t>
+            </a:r>
+          </a:p>
+          <a:p>
+            <a:pPr algn="ctr"/>
+            <a:r>
+              <a:rPr lang="en-US" dirty="0">
+                <a:ln w="0"/>
+                <a:solidFill>
+                  <a:schemeClr val="tx1"/>
+                </a:solidFill>
+                <a:effectLst>
+                  <a:outerShdw blurRad="38100" dist="19050" dir="2700000" algn="tl" rotWithShape="0">
+                    <a:schemeClr val="dk1">
+                      <a:alpha val="40000"/>
+                    </a:schemeClr>
+                  </a:outerShdw>
+                </a:effectLst>
+              </a:rPr>
+              <a:t>You can initialize a project with “</a:t>
+            </a:r>
+            <a:r>
+              <a:rPr lang="en-US" dirty="0" err="1">
+                <a:ln w="0"/>
+                <a:solidFill>
+                  <a:schemeClr val="tx1"/>
+                </a:solidFill>
+                <a:effectLst>
+                  <a:outerShdw blurRad="38100" dist="19050" dir="2700000" algn="tl" rotWithShape="0">
+                    <a:schemeClr val="dk1">
+                      <a:alpha val="40000"/>
+                    </a:schemeClr>
+                  </a:outerShdw>
+                </a:effectLst>
+              </a:rPr>
+              <a:t>npm</a:t>
+            </a:r>
+            <a:r>
+              <a:rPr lang="en-US" dirty="0">
+                <a:ln w="0"/>
+                <a:solidFill>
+                  <a:schemeClr val="tx1"/>
+                </a:solidFill>
+                <a:effectLst>
+                  <a:outerShdw blurRad="38100" dist="19050" dir="2700000" algn="tl" rotWithShape="0">
+                    <a:schemeClr val="dk1">
+                      <a:alpha val="40000"/>
+                    </a:schemeClr>
+                  </a:outerShdw>
+                </a:effectLst>
+              </a:rPr>
+              <a:t> </a:t>
+            </a:r>
+            <a:r>
+              <a:rPr lang="en-US" dirty="0" err="1">
+                <a:ln w="0"/>
+                <a:solidFill>
+                  <a:schemeClr val="tx1"/>
+                </a:solidFill>
+                <a:effectLst>
+                  <a:outerShdw blurRad="38100" dist="19050" dir="2700000" algn="tl" rotWithShape="0">
+                    <a:schemeClr val="dk1">
+                      <a:alpha val="40000"/>
+                    </a:schemeClr>
+                  </a:outerShdw>
+                </a:effectLst>
+              </a:rPr>
+              <a:t>init</a:t>
+            </a:r>
+            <a:r>
+              <a:rPr lang="en-US" dirty="0">
+                <a:ln w="0"/>
+                <a:solidFill>
+                  <a:schemeClr val="tx1"/>
+                </a:solidFill>
+                <a:effectLst>
+                  <a:outerShdw blurRad="38100" dist="19050" dir="2700000" algn="tl" rotWithShape="0">
+                    <a:schemeClr val="dk1">
+                      <a:alpha val="40000"/>
+                    </a:schemeClr>
+                  </a:outerShdw>
+                </a:effectLst>
+              </a:rPr>
+              <a:t>”</a:t>
+            </a:r>
+          </a:p>
+          <a:p>
+            <a:pPr algn="ctr"/>
+            <a:r>
+              <a:rPr lang="en-US" dirty="0" err="1">
+                <a:ln w="0"/>
+                <a:solidFill>
+                  <a:schemeClr val="tx1"/>
+                </a:solidFill>
+                <a:effectLst>
+                  <a:outerShdw blurRad="38100" dist="19050" dir="2700000" algn="tl" rotWithShape="0">
+                    <a:schemeClr val="dk1">
+                      <a:alpha val="40000"/>
+                    </a:schemeClr>
+                  </a:outerShdw>
+                </a:effectLst>
+              </a:rPr>
+              <a:t>Npm</a:t>
+            </a:r>
+            <a:r>
+              <a:rPr lang="en-US" dirty="0">
+                <a:ln w="0"/>
+                <a:solidFill>
+                  <a:schemeClr val="tx1"/>
+                </a:solidFill>
+                <a:effectLst>
+                  <a:outerShdw blurRad="38100" dist="19050" dir="2700000" algn="tl" rotWithShape="0">
+                    <a:schemeClr val="dk1">
+                      <a:alpha val="40000"/>
+                    </a:schemeClr>
+                  </a:outerShdw>
+                </a:effectLst>
+              </a:rPr>
+              <a:t> scripts can be defined in the </a:t>
+            </a:r>
+            <a:r>
+              <a:rPr lang="en-US" dirty="0" err="1">
+                <a:ln w="0"/>
+                <a:solidFill>
+                  <a:schemeClr val="tx1"/>
+                </a:solidFill>
+                <a:effectLst>
+                  <a:outerShdw blurRad="38100" dist="19050" dir="2700000" algn="tl" rotWithShape="0">
+                    <a:schemeClr val="dk1">
+                      <a:alpha val="40000"/>
+                    </a:schemeClr>
+                  </a:outerShdw>
+                </a:effectLst>
+              </a:rPr>
+              <a:t>package.json</a:t>
+            </a:r>
+            <a:r>
+              <a:rPr lang="en-US" dirty="0">
+                <a:ln w="0"/>
+                <a:solidFill>
+                  <a:schemeClr val="tx1"/>
+                </a:solidFill>
+                <a:effectLst>
+                  <a:outerShdw blurRad="38100" dist="19050" dir="2700000" algn="tl" rotWithShape="0">
+                    <a:schemeClr val="dk1">
+                      <a:alpha val="40000"/>
+                    </a:schemeClr>
+                  </a:outerShdw>
+                </a:effectLst>
+              </a:rPr>
+              <a:t> to give you “shortcuts” to common tasks/commands</a:t>
+            </a:r>
+          </a:p>
+        </p:txBody>
+      </p:sp>
+      <p:sp>
+        <p:nvSpPr>
+          <p:cNvPr id="6" name="Rectangle 5">
+            <a:extLst>
+              <a:ext uri="{FF2B5EF4-FFF2-40B4-BE49-F238E27FC236}">
+                <a16:creationId xmlns:a16="http://schemas.microsoft.com/office/drawing/2014/main" id="{47AC174D-4BA9-3117-D3F1-183F498DB3E5}"/>
+              </a:ext>
+            </a:extLst>
+          </p:cNvPr>
+          <p:cNvSpPr/>
+          <p:nvPr/>
+        </p:nvSpPr>
+        <p:spPr>
+          <a:xfrm>
+            <a:off x="6487236" y="409435"/>
+            <a:ext cx="5322627" cy="491319"/>
+          </a:xfrm>
+          <a:prstGeom prst="rect">
+            <a:avLst/>
+          </a:prstGeom>
+        </p:spPr>
+        <p:style>
+          <a:lnRef idx="2">
+            <a:schemeClr val="accent1">
+              <a:shade val="50000"/>
+            </a:schemeClr>
+          </a:lnRef>
+          <a:fillRef idx="1">
+            <a:schemeClr val="accent1"/>
+          </a:fillRef>
+          <a:effectRef idx="0">
+            <a:schemeClr val="accent1"/>
+          </a:effectRef>
+          <a:fontRef idx="minor">
+            <a:schemeClr val="lt1"/>
+          </a:fontRef>
+        </p:style>
+        <p:txBody>
+          <a:bodyPr rtlCol="0" anchor="ctr"/>
+          <a:lstStyle/>
+          <a:p>
+            <a:pPr algn="ctr"/>
+            <a:r>
+              <a:rPr lang="en-US" dirty="0"/>
+              <a:t>3</a:t>
+            </a:r>
+            <a:r>
+              <a:rPr lang="en-US" baseline="30000" dirty="0"/>
+              <a:t>rd</a:t>
+            </a:r>
+            <a:r>
+              <a:rPr lang="en-US" dirty="0"/>
+              <a:t> party Packages</a:t>
+            </a:r>
+          </a:p>
+        </p:txBody>
+      </p:sp>
+      <p:sp>
+        <p:nvSpPr>
+          <p:cNvPr id="7" name="Rectangle 6">
+            <a:extLst>
+              <a:ext uri="{FF2B5EF4-FFF2-40B4-BE49-F238E27FC236}">
+                <a16:creationId xmlns:a16="http://schemas.microsoft.com/office/drawing/2014/main" id="{33C9BB28-993D-0274-FB2C-1CC0B425523F}"/>
+              </a:ext>
+            </a:extLst>
+          </p:cNvPr>
+          <p:cNvSpPr/>
+          <p:nvPr/>
+        </p:nvSpPr>
+        <p:spPr>
+          <a:xfrm>
+            <a:off x="6487236" y="900754"/>
+            <a:ext cx="5322627" cy="2238235"/>
+          </a:xfrm>
+          <a:prstGeom prst="rect">
+            <a:avLst/>
+          </a:prstGeom>
+          <a:solidFill>
+            <a:schemeClr val="accent1">
+              <a:lumMod val="60000"/>
+              <a:lumOff val="40000"/>
+            </a:schemeClr>
+          </a:solidFill>
+        </p:spPr>
+        <p:style>
+          <a:lnRef idx="2">
+            <a:schemeClr val="accent1">
+              <a:shade val="50000"/>
+            </a:schemeClr>
+          </a:lnRef>
+          <a:fillRef idx="1">
+            <a:schemeClr val="accent1"/>
+          </a:fillRef>
+          <a:effectRef idx="0">
+            <a:schemeClr val="accent1"/>
+          </a:effectRef>
+          <a:fontRef idx="minor">
+            <a:schemeClr val="lt1"/>
+          </a:fontRef>
+        </p:style>
+        <p:txBody>
+          <a:bodyPr rtlCol="0" anchor="ctr"/>
+          <a:lstStyle/>
+          <a:p>
+            <a:pPr algn="ctr"/>
+            <a:r>
+              <a:rPr lang="en-US" dirty="0">
+                <a:ln w="0"/>
+                <a:solidFill>
+                  <a:schemeClr val="tx1"/>
+                </a:solidFill>
+                <a:effectLst>
+                  <a:outerShdw blurRad="38100" dist="19050" dir="2700000" algn="tl" rotWithShape="0">
+                    <a:schemeClr val="dk1">
+                      <a:alpha val="40000"/>
+                    </a:schemeClr>
+                  </a:outerShdw>
+                </a:effectLst>
+              </a:rPr>
+              <a:t>Node projects typically don’t just use core modules and custom code but also third-party packages</a:t>
+            </a:r>
+          </a:p>
+          <a:p>
+            <a:pPr algn="ctr"/>
+            <a:r>
+              <a:rPr lang="en-US" dirty="0">
+                <a:ln w="0"/>
+                <a:solidFill>
+                  <a:schemeClr val="tx1"/>
+                </a:solidFill>
+                <a:effectLst>
+                  <a:outerShdw blurRad="38100" dist="19050" dir="2700000" algn="tl" rotWithShape="0">
+                    <a:schemeClr val="dk1">
+                      <a:alpha val="40000"/>
+                    </a:schemeClr>
+                  </a:outerShdw>
+                </a:effectLst>
+              </a:rPr>
+              <a:t>You install them via </a:t>
+            </a:r>
+            <a:r>
+              <a:rPr lang="en-US" dirty="0" err="1">
+                <a:ln w="0"/>
+                <a:solidFill>
+                  <a:schemeClr val="tx1"/>
+                </a:solidFill>
+                <a:effectLst>
+                  <a:outerShdw blurRad="38100" dist="19050" dir="2700000" algn="tl" rotWithShape="0">
+                    <a:schemeClr val="dk1">
+                      <a:alpha val="40000"/>
+                    </a:schemeClr>
+                  </a:outerShdw>
+                </a:effectLst>
+              </a:rPr>
+              <a:t>npm</a:t>
+            </a:r>
+            <a:endParaRPr lang="en-US" dirty="0">
+              <a:ln w="0"/>
+              <a:solidFill>
+                <a:schemeClr val="tx1"/>
+              </a:solidFill>
+              <a:effectLst>
+                <a:outerShdw blurRad="38100" dist="19050" dir="2700000" algn="tl" rotWithShape="0">
+                  <a:schemeClr val="dk1">
+                    <a:alpha val="40000"/>
+                  </a:schemeClr>
+                </a:outerShdw>
+              </a:effectLst>
+            </a:endParaRPr>
+          </a:p>
+          <a:p>
+            <a:pPr algn="ctr"/>
+            <a:r>
+              <a:rPr lang="en-US" dirty="0">
+                <a:ln w="0"/>
+                <a:solidFill>
+                  <a:schemeClr val="tx1"/>
+                </a:solidFill>
+                <a:effectLst>
+                  <a:outerShdw blurRad="38100" dist="19050" dir="2700000" algn="tl" rotWithShape="0">
+                    <a:schemeClr val="dk1">
+                      <a:alpha val="40000"/>
+                    </a:schemeClr>
+                  </a:outerShdw>
+                </a:effectLst>
+              </a:rPr>
+              <a:t>You can differentiate between production dependencies (--save), development dependencies(--save-dev) and global dependencies(-g)</a:t>
+            </a:r>
+          </a:p>
+        </p:txBody>
+      </p:sp>
+      <p:sp>
+        <p:nvSpPr>
+          <p:cNvPr id="8" name="Rectangle 7">
+            <a:extLst>
+              <a:ext uri="{FF2B5EF4-FFF2-40B4-BE49-F238E27FC236}">
+                <a16:creationId xmlns:a16="http://schemas.microsoft.com/office/drawing/2014/main" id="{83E68B6F-2CE4-02D3-3F50-396F6C9EC4CE}"/>
+              </a:ext>
+            </a:extLst>
+          </p:cNvPr>
+          <p:cNvSpPr/>
+          <p:nvPr/>
+        </p:nvSpPr>
+        <p:spPr>
+          <a:xfrm>
+            <a:off x="382136" y="4148919"/>
+            <a:ext cx="5322627" cy="491319"/>
+          </a:xfrm>
+          <a:prstGeom prst="rect">
+            <a:avLst/>
+          </a:prstGeom>
+        </p:spPr>
+        <p:style>
+          <a:lnRef idx="2">
+            <a:schemeClr val="accent1">
+              <a:shade val="50000"/>
+            </a:schemeClr>
+          </a:lnRef>
+          <a:fillRef idx="1">
+            <a:schemeClr val="accent1"/>
+          </a:fillRef>
+          <a:effectRef idx="0">
+            <a:schemeClr val="accent1"/>
+          </a:effectRef>
+          <a:fontRef idx="minor">
+            <a:schemeClr val="lt1"/>
+          </a:fontRef>
+        </p:style>
+        <p:txBody>
+          <a:bodyPr rtlCol="0" anchor="ctr"/>
+          <a:lstStyle/>
+          <a:p>
+            <a:pPr algn="ctr"/>
+            <a:r>
+              <a:rPr lang="en-US" dirty="0"/>
+              <a:t>Types of Errors</a:t>
+            </a:r>
+          </a:p>
+        </p:txBody>
+      </p:sp>
+      <p:sp>
+        <p:nvSpPr>
+          <p:cNvPr id="9" name="Rectangle 8">
+            <a:extLst>
+              <a:ext uri="{FF2B5EF4-FFF2-40B4-BE49-F238E27FC236}">
+                <a16:creationId xmlns:a16="http://schemas.microsoft.com/office/drawing/2014/main" id="{B45B5388-E663-3889-0D97-AF27D34462AB}"/>
+              </a:ext>
+            </a:extLst>
+          </p:cNvPr>
+          <p:cNvSpPr/>
+          <p:nvPr/>
+        </p:nvSpPr>
+        <p:spPr>
+          <a:xfrm>
+            <a:off x="382136" y="4640238"/>
+            <a:ext cx="5322627" cy="2060813"/>
+          </a:xfrm>
+          <a:prstGeom prst="rect">
+            <a:avLst/>
+          </a:prstGeom>
+          <a:solidFill>
+            <a:schemeClr val="accent1">
+              <a:lumMod val="60000"/>
+              <a:lumOff val="40000"/>
+            </a:schemeClr>
+          </a:solidFill>
+        </p:spPr>
+        <p:style>
+          <a:lnRef idx="2">
+            <a:schemeClr val="accent1">
+              <a:shade val="50000"/>
+            </a:schemeClr>
+          </a:lnRef>
+          <a:fillRef idx="1">
+            <a:schemeClr val="accent1"/>
+          </a:fillRef>
+          <a:effectRef idx="0">
+            <a:schemeClr val="accent1"/>
+          </a:effectRef>
+          <a:fontRef idx="minor">
+            <a:schemeClr val="lt1"/>
+          </a:fontRef>
+        </p:style>
+        <p:txBody>
+          <a:bodyPr rtlCol="0" anchor="ctr"/>
+          <a:lstStyle/>
+          <a:p>
+            <a:pPr algn="ctr"/>
+            <a:r>
+              <a:rPr lang="en-US" dirty="0">
+                <a:ln w="0"/>
+                <a:solidFill>
+                  <a:schemeClr val="tx1"/>
+                </a:solidFill>
+                <a:effectLst>
+                  <a:outerShdw blurRad="38100" dist="19050" dir="2700000" algn="tl" rotWithShape="0">
+                    <a:schemeClr val="dk1">
+                      <a:alpha val="40000"/>
+                    </a:schemeClr>
+                  </a:outerShdw>
+                </a:effectLst>
+              </a:rPr>
+              <a:t>Syntax, runtime and logical errors can break your app.</a:t>
+            </a:r>
+          </a:p>
+          <a:p>
+            <a:pPr algn="ctr"/>
+            <a:r>
+              <a:rPr lang="en-US" dirty="0">
+                <a:ln w="0"/>
+                <a:solidFill>
+                  <a:schemeClr val="tx1"/>
+                </a:solidFill>
+                <a:effectLst>
+                  <a:outerShdw blurRad="38100" dist="19050" dir="2700000" algn="tl" rotWithShape="0">
+                    <a:schemeClr val="dk1">
+                      <a:alpha val="40000"/>
+                    </a:schemeClr>
+                  </a:outerShdw>
+                </a:effectLst>
+              </a:rPr>
+              <a:t>Syntax and runtime errors throw (helpful) error messages (with line numbers)</a:t>
+            </a:r>
+          </a:p>
+          <a:p>
+            <a:pPr algn="ctr"/>
+            <a:r>
+              <a:rPr lang="en-US" dirty="0">
+                <a:ln w="0"/>
+                <a:solidFill>
+                  <a:schemeClr val="tx1"/>
+                </a:solidFill>
+                <a:effectLst>
+                  <a:outerShdw blurRad="38100" dist="19050" dir="2700000" algn="tl" rotWithShape="0">
+                    <a:schemeClr val="dk1">
+                      <a:alpha val="40000"/>
+                    </a:schemeClr>
+                  </a:outerShdw>
+                </a:effectLst>
+              </a:rPr>
+              <a:t>Logical errors can be fixed with testing and the help of the debugger.</a:t>
+            </a:r>
+          </a:p>
+        </p:txBody>
+      </p:sp>
+      <p:sp>
+        <p:nvSpPr>
+          <p:cNvPr id="10" name="Rectangle 9">
+            <a:extLst>
+              <a:ext uri="{FF2B5EF4-FFF2-40B4-BE49-F238E27FC236}">
+                <a16:creationId xmlns:a16="http://schemas.microsoft.com/office/drawing/2014/main" id="{31EC3BE9-2FA3-CEE7-E7AD-67E630F7A722}"/>
+              </a:ext>
+            </a:extLst>
+          </p:cNvPr>
+          <p:cNvSpPr/>
+          <p:nvPr/>
+        </p:nvSpPr>
+        <p:spPr>
+          <a:xfrm>
+            <a:off x="6487236" y="3384648"/>
+            <a:ext cx="5322627" cy="613334"/>
+          </a:xfrm>
+          <a:prstGeom prst="rect">
+            <a:avLst/>
+          </a:prstGeom>
+        </p:spPr>
+        <p:style>
+          <a:lnRef idx="2">
+            <a:schemeClr val="accent1">
+              <a:shade val="50000"/>
+            </a:schemeClr>
+          </a:lnRef>
+          <a:fillRef idx="1">
+            <a:schemeClr val="accent1"/>
+          </a:fillRef>
+          <a:effectRef idx="0">
+            <a:schemeClr val="accent1"/>
+          </a:effectRef>
+          <a:fontRef idx="minor">
+            <a:schemeClr val="lt1"/>
+          </a:fontRef>
+        </p:style>
+        <p:txBody>
+          <a:bodyPr rtlCol="0" anchor="ctr"/>
+          <a:lstStyle/>
+          <a:p>
+            <a:pPr algn="ctr"/>
+            <a:r>
+              <a:rPr lang="en-US" dirty="0"/>
+              <a:t>Debugging</a:t>
+            </a:r>
+          </a:p>
+        </p:txBody>
+      </p:sp>
+      <p:sp>
+        <p:nvSpPr>
+          <p:cNvPr id="11" name="Rectangle 10">
+            <a:extLst>
+              <a:ext uri="{FF2B5EF4-FFF2-40B4-BE49-F238E27FC236}">
+                <a16:creationId xmlns:a16="http://schemas.microsoft.com/office/drawing/2014/main" id="{85C4B77C-E8BD-7D06-3754-FBFA956F9262}"/>
+              </a:ext>
+            </a:extLst>
+          </p:cNvPr>
+          <p:cNvSpPr/>
+          <p:nvPr/>
+        </p:nvSpPr>
+        <p:spPr>
+          <a:xfrm>
+            <a:off x="6487236" y="3875967"/>
+            <a:ext cx="5322627" cy="2572598"/>
+          </a:xfrm>
+          <a:prstGeom prst="rect">
+            <a:avLst/>
+          </a:prstGeom>
+          <a:solidFill>
+            <a:schemeClr val="accent1">
+              <a:lumMod val="60000"/>
+              <a:lumOff val="40000"/>
+            </a:schemeClr>
+          </a:solidFill>
+        </p:spPr>
+        <p:style>
+          <a:lnRef idx="2">
+            <a:schemeClr val="accent1">
+              <a:shade val="50000"/>
+            </a:schemeClr>
+          </a:lnRef>
+          <a:fillRef idx="1">
+            <a:schemeClr val="accent1"/>
+          </a:fillRef>
+          <a:effectRef idx="0">
+            <a:schemeClr val="accent1"/>
+          </a:effectRef>
+          <a:fontRef idx="minor">
+            <a:schemeClr val="lt1"/>
+          </a:fontRef>
+        </p:style>
+        <p:txBody>
+          <a:bodyPr rtlCol="0" anchor="ctr"/>
+          <a:lstStyle/>
+          <a:p>
+            <a:pPr algn="ctr"/>
+            <a:r>
+              <a:rPr lang="en-US" dirty="0">
+                <a:ln w="0"/>
+                <a:solidFill>
+                  <a:schemeClr val="tx1"/>
+                </a:solidFill>
+                <a:effectLst>
+                  <a:outerShdw blurRad="38100" dist="19050" dir="2700000" algn="tl" rotWithShape="0">
+                    <a:schemeClr val="dk1">
+                      <a:alpha val="40000"/>
+                    </a:schemeClr>
+                  </a:outerShdw>
+                </a:effectLst>
+              </a:rPr>
+              <a:t>Use the VS code node debugger to step into your code and go through it step by step</a:t>
+            </a:r>
+          </a:p>
+          <a:p>
+            <a:pPr algn="ctr"/>
+            <a:r>
+              <a:rPr lang="en-US" dirty="0">
+                <a:ln w="0"/>
+                <a:solidFill>
+                  <a:schemeClr val="tx1"/>
+                </a:solidFill>
+                <a:effectLst>
+                  <a:outerShdw blurRad="38100" dist="19050" dir="2700000" algn="tl" rotWithShape="0">
+                    <a:schemeClr val="dk1">
+                      <a:alpha val="40000"/>
+                    </a:schemeClr>
+                  </a:outerShdw>
+                </a:effectLst>
+              </a:rPr>
+              <a:t>Analyze variable values at runtime</a:t>
+            </a:r>
+          </a:p>
+          <a:p>
+            <a:pPr algn="ctr"/>
+            <a:r>
+              <a:rPr lang="en-US" dirty="0">
+                <a:ln w="0"/>
+                <a:solidFill>
+                  <a:schemeClr val="tx1"/>
+                </a:solidFill>
+                <a:effectLst>
+                  <a:outerShdw blurRad="38100" dist="19050" dir="2700000" algn="tl" rotWithShape="0">
+                    <a:schemeClr val="dk1">
+                      <a:alpha val="40000"/>
+                    </a:schemeClr>
+                  </a:outerShdw>
+                </a:effectLst>
+              </a:rPr>
+              <a:t>Look into variables at runtime</a:t>
+            </a:r>
+          </a:p>
+          <a:p>
+            <a:pPr algn="ctr"/>
+            <a:r>
+              <a:rPr lang="en-US" dirty="0">
+                <a:ln w="0"/>
+                <a:solidFill>
+                  <a:schemeClr val="tx1"/>
+                </a:solidFill>
+                <a:effectLst>
+                  <a:outerShdw blurRad="38100" dist="19050" dir="2700000" algn="tl" rotWithShape="0">
+                    <a:schemeClr val="dk1">
+                      <a:alpha val="40000"/>
+                    </a:schemeClr>
+                  </a:outerShdw>
+                </a:effectLst>
+              </a:rPr>
+              <a:t>Set breakpoints cleverly.</a:t>
+            </a:r>
+          </a:p>
+          <a:p>
+            <a:pPr algn="ctr"/>
+            <a:r>
+              <a:rPr lang="en-US" dirty="0">
+                <a:ln w="0"/>
+                <a:solidFill>
+                  <a:schemeClr val="tx1"/>
+                </a:solidFill>
+                <a:effectLst>
+                  <a:outerShdw blurRad="38100" dist="19050" dir="2700000" algn="tl" rotWithShape="0">
+                    <a:schemeClr val="dk1">
+                      <a:alpha val="40000"/>
+                    </a:schemeClr>
+                  </a:outerShdw>
+                </a:effectLst>
+              </a:rPr>
+              <a:t>(i.e. respect the async/event-driven nature)</a:t>
+            </a:r>
+          </a:p>
+        </p:txBody>
+      </p:sp>
+    </p:spTree>
+    <p:extLst>
+      <p:ext uri="{BB962C8B-B14F-4D97-AF65-F5344CB8AC3E}">
+        <p14:creationId xmlns:p14="http://schemas.microsoft.com/office/powerpoint/2010/main" val="2672947976"/>
+      </p:ext>
+    </p:extLst>
+  </p:cSld>
+  <p:clrMapOvr>
+    <a:masterClrMapping/>
+  </p:clrMapOvr>
+</p:sld>
+</file>
+
+<file path=ppt/slides/slide48.xml><?xml version="1.0" encoding="utf-8"?>
+<p:sld xmlns:a="http://schemas.openxmlformats.org/drawingml/2006/main" xmlns:r="http://schemas.openxmlformats.org/officeDocument/2006/relationships" xmlns:p="http://schemas.openxmlformats.org/presentationml/2006/main">
+  <p:cSld>
+    <p:spTree>
+      <p:nvGrpSpPr>
+        <p:cNvPr id="1" name=""/>
+        <p:cNvGrpSpPr/>
+        <p:nvPr/>
+      </p:nvGrpSpPr>
+      <p:grpSpPr>
+        <a:xfrm>
+          <a:off x="0" y="0"/>
+          <a:ext cx="0" cy="0"/>
+          <a:chOff x="0" y="0"/>
+          <a:chExt cx="0" cy="0"/>
+        </a:xfrm>
+      </p:grpSpPr>
+      <p:sp>
+        <p:nvSpPr>
+          <p:cNvPr id="2" name="Title 1">
+            <a:extLst>
+              <a:ext uri="{FF2B5EF4-FFF2-40B4-BE49-F238E27FC236}">
+                <a16:creationId xmlns:a16="http://schemas.microsoft.com/office/drawing/2014/main" id="{A7BC57EA-5BD3-C46A-6690-FA86F70F20EF}"/>
+              </a:ext>
+            </a:extLst>
+          </p:cNvPr>
+          <p:cNvSpPr>
+            <a:spLocks noGrp="1"/>
+          </p:cNvSpPr>
+          <p:nvPr>
+            <p:ph type="title"/>
+          </p:nvPr>
+        </p:nvSpPr>
+        <p:spPr/>
+        <p:txBody>
+          <a:bodyPr/>
+          <a:lstStyle/>
+          <a:p>
+            <a:r>
+              <a:rPr lang="en-US" dirty="0"/>
+              <a:t>Express.js</a:t>
+            </a:r>
+          </a:p>
+        </p:txBody>
+      </p:sp>
+      <p:sp>
+        <p:nvSpPr>
+          <p:cNvPr id="3" name="Content Placeholder 2">
+            <a:extLst>
+              <a:ext uri="{FF2B5EF4-FFF2-40B4-BE49-F238E27FC236}">
+                <a16:creationId xmlns:a16="http://schemas.microsoft.com/office/drawing/2014/main" id="{5BAAE8BD-CFAE-0267-2999-FCE02E16E34A}"/>
+              </a:ext>
+            </a:extLst>
+          </p:cNvPr>
+          <p:cNvSpPr>
+            <a:spLocks noGrp="1"/>
+          </p:cNvSpPr>
+          <p:nvPr>
+            <p:ph idx="1"/>
+          </p:nvPr>
+        </p:nvSpPr>
+        <p:spPr>
+          <a:xfrm>
+            <a:off x="3786117" y="1690688"/>
+            <a:ext cx="5112224" cy="4351338"/>
+          </a:xfrm>
+        </p:spPr>
+        <p:txBody>
+          <a:bodyPr/>
+          <a:lstStyle/>
+          <a:p>
+            <a:r>
+              <a:rPr lang="en-US" dirty="0"/>
+              <a:t>What is Express.js?</a:t>
+            </a:r>
+          </a:p>
+          <a:p>
+            <a:r>
+              <a:rPr lang="en-US" dirty="0"/>
+              <a:t>Using middleware</a:t>
+            </a:r>
+          </a:p>
+          <a:p>
+            <a:r>
+              <a:rPr lang="en-US" dirty="0"/>
+              <a:t>Working with Requests &amp; Responses</a:t>
+            </a:r>
+          </a:p>
+          <a:p>
+            <a:r>
+              <a:rPr lang="en-US" dirty="0"/>
+              <a:t>Routing</a:t>
+            </a:r>
+          </a:p>
+          <a:p>
+            <a:r>
+              <a:rPr lang="en-US" dirty="0"/>
+              <a:t>Returning HTML Pages (Files)</a:t>
+            </a:r>
+          </a:p>
+        </p:txBody>
+      </p:sp>
+    </p:spTree>
+    <p:extLst>
+      <p:ext uri="{BB962C8B-B14F-4D97-AF65-F5344CB8AC3E}">
+        <p14:creationId xmlns:p14="http://schemas.microsoft.com/office/powerpoint/2010/main" val="1647156741"/>
+      </p:ext>
+    </p:extLst>
+  </p:cSld>
+  <p:clrMapOvr>
+    <a:masterClrMapping/>
+  </p:clrMapOvr>
+</p:sld>
+</file>
+
+<file path=ppt/slides/slide49.xml><?xml version="1.0" encoding="utf-8"?>
+<p:sld xmlns:a="http://schemas.openxmlformats.org/drawingml/2006/main" xmlns:r="http://schemas.openxmlformats.org/officeDocument/2006/relationships" xmlns:p="http://schemas.openxmlformats.org/presentationml/2006/main">
+  <p:cSld>
+    <p:spTree>
+      <p:nvGrpSpPr>
+        <p:cNvPr id="1" name=""/>
+        <p:cNvGrpSpPr/>
+        <p:nvPr/>
+      </p:nvGrpSpPr>
+      <p:grpSpPr>
+        <a:xfrm>
+          <a:off x="0" y="0"/>
+          <a:ext cx="0" cy="0"/>
+          <a:chOff x="0" y="0"/>
+          <a:chExt cx="0" cy="0"/>
+        </a:xfrm>
+      </p:grpSpPr>
+      <p:sp>
+        <p:nvSpPr>
+          <p:cNvPr id="2" name="Title 1">
+            <a:extLst>
+              <a:ext uri="{FF2B5EF4-FFF2-40B4-BE49-F238E27FC236}">
+                <a16:creationId xmlns:a16="http://schemas.microsoft.com/office/drawing/2014/main" id="{1836B5CD-2F4A-0182-217D-7EF84EA4B3BB}"/>
+              </a:ext>
+            </a:extLst>
+          </p:cNvPr>
+          <p:cNvSpPr>
+            <a:spLocks noGrp="1"/>
+          </p:cNvSpPr>
+          <p:nvPr>
+            <p:ph type="title"/>
+          </p:nvPr>
+        </p:nvSpPr>
+        <p:spPr/>
+        <p:txBody>
+          <a:bodyPr/>
+          <a:lstStyle/>
+          <a:p>
+            <a:r>
+              <a:rPr lang="en-US" dirty="0"/>
+              <a:t>What and Why?</a:t>
+            </a:r>
+          </a:p>
+        </p:txBody>
+      </p:sp>
+      <p:sp>
+        <p:nvSpPr>
+          <p:cNvPr id="3" name="Content Placeholder 2">
+            <a:extLst>
+              <a:ext uri="{FF2B5EF4-FFF2-40B4-BE49-F238E27FC236}">
+                <a16:creationId xmlns:a16="http://schemas.microsoft.com/office/drawing/2014/main" id="{CE5B6BB7-F5A0-A2F3-6CD3-AAC4BBBA7EF3}"/>
+              </a:ext>
+            </a:extLst>
+          </p:cNvPr>
+          <p:cNvSpPr>
+            <a:spLocks noGrp="1"/>
+          </p:cNvSpPr>
+          <p:nvPr>
+            <p:ph idx="1"/>
+          </p:nvPr>
+        </p:nvSpPr>
+        <p:spPr/>
+        <p:txBody>
+          <a:bodyPr/>
+          <a:lstStyle/>
+          <a:p>
+            <a:r>
+              <a:rPr lang="en-US" dirty="0"/>
+              <a:t>Server Logic is Complex!</a:t>
+            </a:r>
+          </a:p>
+          <a:p>
+            <a:r>
+              <a:rPr lang="en-US" dirty="0"/>
+              <a:t>You want to focus on your Business Logic, not on the nitty-gritty Details!</a:t>
+            </a:r>
+          </a:p>
+          <a:p>
+            <a:r>
+              <a:rPr lang="en-US" dirty="0"/>
+              <a:t>Use a Framework for the Heavy Lifting</a:t>
+            </a:r>
+          </a:p>
+          <a:p>
+            <a:endParaRPr lang="en-US" dirty="0"/>
+          </a:p>
+          <a:p>
+            <a:endParaRPr lang="en-US" dirty="0"/>
+          </a:p>
+          <a:p>
+            <a:pPr marL="0" indent="0">
+              <a:buNone/>
+            </a:pPr>
+            <a:r>
+              <a:rPr lang="en-US" dirty="0"/>
+              <a:t>Framework: Helper functions, tools &amp; rules that help you build your application!</a:t>
+            </a:r>
+          </a:p>
+        </p:txBody>
+      </p:sp>
+    </p:spTree>
+    <p:extLst>
+      <p:ext uri="{BB962C8B-B14F-4D97-AF65-F5344CB8AC3E}">
+        <p14:creationId xmlns:p14="http://schemas.microsoft.com/office/powerpoint/2010/main" val="1971903583"/>
+      </p:ext>
+    </p:extLst>
+  </p:cSld>
+  <p:clrMapOvr>
+    <a:masterClrMapping/>
+  </p:clrMapOvr>
+</p:sld>
+</file>
+
 <file path=ppt/slides/slide5.xml><?xml version="1.0" encoding="utf-8"?>
 <p:sld xmlns:a="http://schemas.openxmlformats.org/drawingml/2006/main" xmlns:r="http://schemas.openxmlformats.org/officeDocument/2006/relationships" xmlns:p="http://schemas.openxmlformats.org/presentationml/2006/main">
   <p:cSld>
@@ -16160,6 +18261,741 @@
     <p:extLst>
       <p:ext uri="{BB962C8B-B14F-4D97-AF65-F5344CB8AC3E}">
         <p14:creationId xmlns:p14="http://schemas.microsoft.com/office/powerpoint/2010/main" val="391733351"/>
+      </p:ext>
+    </p:extLst>
+  </p:cSld>
+  <p:clrMapOvr>
+    <a:masterClrMapping/>
+  </p:clrMapOvr>
+</p:sld>
+</file>
+
+<file path=ppt/slides/slide50.xml><?xml version="1.0" encoding="utf-8"?>
+<p:sld xmlns:a="http://schemas.openxmlformats.org/drawingml/2006/main" xmlns:r="http://schemas.openxmlformats.org/officeDocument/2006/relationships" xmlns:p="http://schemas.openxmlformats.org/presentationml/2006/main">
+  <p:cSld>
+    <p:spTree>
+      <p:nvGrpSpPr>
+        <p:cNvPr id="1" name=""/>
+        <p:cNvGrpSpPr/>
+        <p:nvPr/>
+      </p:nvGrpSpPr>
+      <p:grpSpPr>
+        <a:xfrm>
+          <a:off x="0" y="0"/>
+          <a:ext cx="0" cy="0"/>
+          <a:chOff x="0" y="0"/>
+          <a:chExt cx="0" cy="0"/>
+        </a:xfrm>
+      </p:grpSpPr>
+      <p:sp>
+        <p:nvSpPr>
+          <p:cNvPr id="2" name="Title 1">
+            <a:extLst>
+              <a:ext uri="{FF2B5EF4-FFF2-40B4-BE49-F238E27FC236}">
+                <a16:creationId xmlns:a16="http://schemas.microsoft.com/office/drawing/2014/main" id="{8E9649E0-C439-8991-7008-79F17D9170B6}"/>
+              </a:ext>
+            </a:extLst>
+          </p:cNvPr>
+          <p:cNvSpPr>
+            <a:spLocks noGrp="1"/>
+          </p:cNvSpPr>
+          <p:nvPr>
+            <p:ph type="title"/>
+          </p:nvPr>
+        </p:nvSpPr>
+        <p:spPr/>
+        <p:txBody>
+          <a:bodyPr/>
+          <a:lstStyle/>
+          <a:p>
+            <a:r>
+              <a:rPr lang="en-US" dirty="0"/>
+              <a:t>Alternatives to express.js</a:t>
+            </a:r>
+          </a:p>
+        </p:txBody>
+      </p:sp>
+      <p:sp>
+        <p:nvSpPr>
+          <p:cNvPr id="3" name="Content Placeholder 2">
+            <a:extLst>
+              <a:ext uri="{FF2B5EF4-FFF2-40B4-BE49-F238E27FC236}">
+                <a16:creationId xmlns:a16="http://schemas.microsoft.com/office/drawing/2014/main" id="{ADBF9E63-69A6-F931-8993-6128B99900EE}"/>
+              </a:ext>
+            </a:extLst>
+          </p:cNvPr>
+          <p:cNvSpPr>
+            <a:spLocks noGrp="1"/>
+          </p:cNvSpPr>
+          <p:nvPr>
+            <p:ph idx="1"/>
+          </p:nvPr>
+        </p:nvSpPr>
+        <p:spPr/>
+        <p:txBody>
+          <a:bodyPr/>
+          <a:lstStyle/>
+          <a:p>
+            <a:r>
+              <a:rPr lang="en-US" dirty="0"/>
+              <a:t>Vanilla Node.js</a:t>
+            </a:r>
+          </a:p>
+          <a:p>
+            <a:r>
+              <a:rPr lang="en-US" dirty="0"/>
+              <a:t>Adonis.js</a:t>
+            </a:r>
+          </a:p>
+          <a:p>
+            <a:r>
+              <a:rPr lang="en-US" dirty="0"/>
+              <a:t>Koa</a:t>
+            </a:r>
+          </a:p>
+          <a:p>
+            <a:r>
+              <a:rPr lang="en-US" dirty="0"/>
+              <a:t>Sails.js</a:t>
+            </a:r>
+          </a:p>
+        </p:txBody>
+      </p:sp>
+    </p:spTree>
+    <p:extLst>
+      <p:ext uri="{BB962C8B-B14F-4D97-AF65-F5344CB8AC3E}">
+        <p14:creationId xmlns:p14="http://schemas.microsoft.com/office/powerpoint/2010/main" val="3556864953"/>
+      </p:ext>
+    </p:extLst>
+  </p:cSld>
+  <p:clrMapOvr>
+    <a:masterClrMapping/>
+  </p:clrMapOvr>
+</p:sld>
+</file>
+
+<file path=ppt/slides/slide51.xml><?xml version="1.0" encoding="utf-8"?>
+<p:sld xmlns:a="http://schemas.openxmlformats.org/drawingml/2006/main" xmlns:r="http://schemas.openxmlformats.org/officeDocument/2006/relationships" xmlns:p="http://schemas.openxmlformats.org/presentationml/2006/main">
+  <p:cSld>
+    <p:spTree>
+      <p:nvGrpSpPr>
+        <p:cNvPr id="1" name=""/>
+        <p:cNvGrpSpPr/>
+        <p:nvPr/>
+      </p:nvGrpSpPr>
+      <p:grpSpPr>
+        <a:xfrm>
+          <a:off x="0" y="0"/>
+          <a:ext cx="0" cy="0"/>
+          <a:chOff x="0" y="0"/>
+          <a:chExt cx="0" cy="0"/>
+        </a:xfrm>
+      </p:grpSpPr>
+      <p:sp>
+        <p:nvSpPr>
+          <p:cNvPr id="2" name="Title 1">
+            <a:extLst>
+              <a:ext uri="{FF2B5EF4-FFF2-40B4-BE49-F238E27FC236}">
+                <a16:creationId xmlns:a16="http://schemas.microsoft.com/office/drawing/2014/main" id="{160F6124-31D9-61CF-C030-0933B27D25AB}"/>
+              </a:ext>
+            </a:extLst>
+          </p:cNvPr>
+          <p:cNvSpPr>
+            <a:spLocks noGrp="1"/>
+          </p:cNvSpPr>
+          <p:nvPr>
+            <p:ph type="title"/>
+          </p:nvPr>
+        </p:nvSpPr>
+        <p:spPr/>
+        <p:txBody>
+          <a:bodyPr/>
+          <a:lstStyle/>
+          <a:p>
+            <a:endParaRPr lang="en-US"/>
+          </a:p>
+        </p:txBody>
+      </p:sp>
+      <p:sp>
+        <p:nvSpPr>
+          <p:cNvPr id="3" name="Content Placeholder 2">
+            <a:extLst>
+              <a:ext uri="{FF2B5EF4-FFF2-40B4-BE49-F238E27FC236}">
+                <a16:creationId xmlns:a16="http://schemas.microsoft.com/office/drawing/2014/main" id="{F820FC9E-2047-EE18-CBFC-B404DF4C82F8}"/>
+              </a:ext>
+            </a:extLst>
+          </p:cNvPr>
+          <p:cNvSpPr>
+            <a:spLocks noGrp="1"/>
+          </p:cNvSpPr>
+          <p:nvPr>
+            <p:ph idx="1"/>
+          </p:nvPr>
+        </p:nvSpPr>
+        <p:spPr/>
+        <p:txBody>
+          <a:bodyPr/>
+          <a:lstStyle/>
+          <a:p>
+            <a:r>
+              <a:rPr lang="en-US" dirty="0"/>
+              <a:t>Installing Express.js</a:t>
+            </a:r>
+          </a:p>
+          <a:p>
+            <a:r>
+              <a:rPr lang="en-US" dirty="0"/>
+              <a:t>Handling different Routes</a:t>
+            </a:r>
+          </a:p>
+          <a:p>
+            <a:r>
+              <a:rPr lang="en-US" dirty="0"/>
+              <a:t>Parsing Incoming Requests</a:t>
+            </a:r>
+          </a:p>
+        </p:txBody>
+      </p:sp>
+    </p:spTree>
+    <p:extLst>
+      <p:ext uri="{BB962C8B-B14F-4D97-AF65-F5344CB8AC3E}">
+        <p14:creationId xmlns:p14="http://schemas.microsoft.com/office/powerpoint/2010/main" val="3405965181"/>
+      </p:ext>
+    </p:extLst>
+  </p:cSld>
+  <p:clrMapOvr>
+    <a:masterClrMapping/>
+  </p:clrMapOvr>
+</p:sld>
+</file>
+
+<file path=ppt/slides/slide52.xml><?xml version="1.0" encoding="utf-8"?>
+<p:sld xmlns:a="http://schemas.openxmlformats.org/drawingml/2006/main" xmlns:r="http://schemas.openxmlformats.org/officeDocument/2006/relationships" xmlns:p="http://schemas.openxmlformats.org/presentationml/2006/main">
+  <p:cSld>
+    <p:spTree>
+      <p:nvGrpSpPr>
+        <p:cNvPr id="1" name=""/>
+        <p:cNvGrpSpPr/>
+        <p:nvPr/>
+      </p:nvGrpSpPr>
+      <p:grpSpPr>
+        <a:xfrm>
+          <a:off x="0" y="0"/>
+          <a:ext cx="0" cy="0"/>
+          <a:chOff x="0" y="0"/>
+          <a:chExt cx="0" cy="0"/>
+        </a:xfrm>
+      </p:grpSpPr>
+      <p:sp>
+        <p:nvSpPr>
+          <p:cNvPr id="2" name="Title 1">
+            <a:extLst>
+              <a:ext uri="{FF2B5EF4-FFF2-40B4-BE49-F238E27FC236}">
+                <a16:creationId xmlns:a16="http://schemas.microsoft.com/office/drawing/2014/main" id="{3492903E-1C04-990F-C0C4-FAAC6B6F46F3}"/>
+              </a:ext>
+            </a:extLst>
+          </p:cNvPr>
+          <p:cNvSpPr>
+            <a:spLocks noGrp="1"/>
+          </p:cNvSpPr>
+          <p:nvPr>
+            <p:ph type="title"/>
+          </p:nvPr>
+        </p:nvSpPr>
+        <p:spPr/>
+        <p:txBody>
+          <a:bodyPr/>
+          <a:lstStyle/>
+          <a:p>
+            <a:r>
+              <a:rPr lang="en-US" dirty="0"/>
+              <a:t>All about Middleware</a:t>
+            </a:r>
+          </a:p>
+        </p:txBody>
+      </p:sp>
+      <p:sp>
+        <p:nvSpPr>
+          <p:cNvPr id="4" name="Rectangle 3">
+            <a:extLst>
+              <a:ext uri="{FF2B5EF4-FFF2-40B4-BE49-F238E27FC236}">
+                <a16:creationId xmlns:a16="http://schemas.microsoft.com/office/drawing/2014/main" id="{E31B798B-41A5-8B52-B6E5-C632C0BC1D77}"/>
+              </a:ext>
+            </a:extLst>
+          </p:cNvPr>
+          <p:cNvSpPr/>
+          <p:nvPr/>
+        </p:nvSpPr>
+        <p:spPr>
+          <a:xfrm>
+            <a:off x="2165444" y="1528549"/>
+            <a:ext cx="2925172" cy="655093"/>
+          </a:xfrm>
+          <a:prstGeom prst="rect">
+            <a:avLst/>
+          </a:prstGeom>
+        </p:spPr>
+        <p:style>
+          <a:lnRef idx="2">
+            <a:schemeClr val="accent1">
+              <a:shade val="50000"/>
+            </a:schemeClr>
+          </a:lnRef>
+          <a:fillRef idx="1">
+            <a:schemeClr val="accent1"/>
+          </a:fillRef>
+          <a:effectRef idx="0">
+            <a:schemeClr val="accent1"/>
+          </a:effectRef>
+          <a:fontRef idx="minor">
+            <a:schemeClr val="lt1"/>
+          </a:fontRef>
+        </p:style>
+        <p:txBody>
+          <a:bodyPr rtlCol="0" anchor="ctr"/>
+          <a:lstStyle/>
+          <a:p>
+            <a:pPr algn="ctr"/>
+            <a:r>
+              <a:rPr lang="en-US" dirty="0"/>
+              <a:t>Request</a:t>
+            </a:r>
+          </a:p>
+        </p:txBody>
+      </p:sp>
+      <p:sp>
+        <p:nvSpPr>
+          <p:cNvPr id="5" name="Rectangle 4">
+            <a:extLst>
+              <a:ext uri="{FF2B5EF4-FFF2-40B4-BE49-F238E27FC236}">
+                <a16:creationId xmlns:a16="http://schemas.microsoft.com/office/drawing/2014/main" id="{8134E9CB-7941-D574-416F-8D4BB130E675}"/>
+              </a:ext>
+            </a:extLst>
+          </p:cNvPr>
+          <p:cNvSpPr/>
+          <p:nvPr/>
+        </p:nvSpPr>
+        <p:spPr>
+          <a:xfrm>
+            <a:off x="2165444" y="2983860"/>
+            <a:ext cx="2925172" cy="655093"/>
+          </a:xfrm>
+          <a:prstGeom prst="rect">
+            <a:avLst/>
+          </a:prstGeom>
+        </p:spPr>
+        <p:style>
+          <a:lnRef idx="2">
+            <a:schemeClr val="accent1">
+              <a:shade val="50000"/>
+            </a:schemeClr>
+          </a:lnRef>
+          <a:fillRef idx="1">
+            <a:schemeClr val="accent1"/>
+          </a:fillRef>
+          <a:effectRef idx="0">
+            <a:schemeClr val="accent1"/>
+          </a:effectRef>
+          <a:fontRef idx="minor">
+            <a:schemeClr val="lt1"/>
+          </a:fontRef>
+        </p:style>
+        <p:txBody>
+          <a:bodyPr rtlCol="0" anchor="ctr"/>
+          <a:lstStyle/>
+          <a:p>
+            <a:pPr algn="ctr"/>
+            <a:r>
+              <a:rPr lang="en-US" dirty="0"/>
+              <a:t>Middleware</a:t>
+            </a:r>
+          </a:p>
+        </p:txBody>
+      </p:sp>
+      <p:sp>
+        <p:nvSpPr>
+          <p:cNvPr id="6" name="Rectangle 5">
+            <a:extLst>
+              <a:ext uri="{FF2B5EF4-FFF2-40B4-BE49-F238E27FC236}">
+                <a16:creationId xmlns:a16="http://schemas.microsoft.com/office/drawing/2014/main" id="{8D766063-C198-33DA-8562-B163437010CB}"/>
+              </a:ext>
+            </a:extLst>
+          </p:cNvPr>
+          <p:cNvSpPr/>
+          <p:nvPr/>
+        </p:nvSpPr>
+        <p:spPr>
+          <a:xfrm>
+            <a:off x="2165444" y="4312692"/>
+            <a:ext cx="2925172" cy="655093"/>
+          </a:xfrm>
+          <a:prstGeom prst="rect">
+            <a:avLst/>
+          </a:prstGeom>
+        </p:spPr>
+        <p:style>
+          <a:lnRef idx="2">
+            <a:schemeClr val="accent1">
+              <a:shade val="50000"/>
+            </a:schemeClr>
+          </a:lnRef>
+          <a:fillRef idx="1">
+            <a:schemeClr val="accent1"/>
+          </a:fillRef>
+          <a:effectRef idx="0">
+            <a:schemeClr val="accent1"/>
+          </a:effectRef>
+          <a:fontRef idx="minor">
+            <a:schemeClr val="lt1"/>
+          </a:fontRef>
+        </p:style>
+        <p:txBody>
+          <a:bodyPr rtlCol="0" anchor="ctr"/>
+          <a:lstStyle/>
+          <a:p>
+            <a:pPr algn="ctr"/>
+            <a:r>
+              <a:rPr lang="en-US" dirty="0"/>
+              <a:t>Middleware</a:t>
+            </a:r>
+          </a:p>
+        </p:txBody>
+      </p:sp>
+      <p:sp>
+        <p:nvSpPr>
+          <p:cNvPr id="7" name="Rectangle 6">
+            <a:extLst>
+              <a:ext uri="{FF2B5EF4-FFF2-40B4-BE49-F238E27FC236}">
+                <a16:creationId xmlns:a16="http://schemas.microsoft.com/office/drawing/2014/main" id="{A637279C-BE2E-99BA-73F6-42327B3FF3FC}"/>
+              </a:ext>
+            </a:extLst>
+          </p:cNvPr>
+          <p:cNvSpPr/>
+          <p:nvPr/>
+        </p:nvSpPr>
+        <p:spPr>
+          <a:xfrm>
+            <a:off x="2165444" y="5476116"/>
+            <a:ext cx="2925172" cy="655093"/>
+          </a:xfrm>
+          <a:prstGeom prst="rect">
+            <a:avLst/>
+          </a:prstGeom>
+        </p:spPr>
+        <p:style>
+          <a:lnRef idx="2">
+            <a:schemeClr val="accent1">
+              <a:shade val="50000"/>
+            </a:schemeClr>
+          </a:lnRef>
+          <a:fillRef idx="1">
+            <a:schemeClr val="accent1"/>
+          </a:fillRef>
+          <a:effectRef idx="0">
+            <a:schemeClr val="accent1"/>
+          </a:effectRef>
+          <a:fontRef idx="minor">
+            <a:schemeClr val="lt1"/>
+          </a:fontRef>
+        </p:style>
+        <p:txBody>
+          <a:bodyPr rtlCol="0" anchor="ctr"/>
+          <a:lstStyle/>
+          <a:p>
+            <a:pPr algn="ctr"/>
+            <a:r>
+              <a:rPr lang="en-US" dirty="0"/>
+              <a:t>Response</a:t>
+            </a:r>
+          </a:p>
+        </p:txBody>
+      </p:sp>
+      <p:sp>
+        <p:nvSpPr>
+          <p:cNvPr id="8" name="Arrow: Down 7">
+            <a:extLst>
+              <a:ext uri="{FF2B5EF4-FFF2-40B4-BE49-F238E27FC236}">
+                <a16:creationId xmlns:a16="http://schemas.microsoft.com/office/drawing/2014/main" id="{309BA848-ED3C-8FB9-CA3E-FD21E56EF260}"/>
+              </a:ext>
+            </a:extLst>
+          </p:cNvPr>
+          <p:cNvSpPr/>
+          <p:nvPr/>
+        </p:nvSpPr>
+        <p:spPr>
+          <a:xfrm>
+            <a:off x="3347113" y="2347414"/>
+            <a:ext cx="760863" cy="506697"/>
+          </a:xfrm>
+          <a:prstGeom prst="downArrow">
+            <a:avLst/>
+          </a:prstGeom>
+        </p:spPr>
+        <p:style>
+          <a:lnRef idx="2">
+            <a:schemeClr val="accent1">
+              <a:shade val="50000"/>
+            </a:schemeClr>
+          </a:lnRef>
+          <a:fillRef idx="1">
+            <a:schemeClr val="accent1"/>
+          </a:fillRef>
+          <a:effectRef idx="0">
+            <a:schemeClr val="accent1"/>
+          </a:effectRef>
+          <a:fontRef idx="minor">
+            <a:schemeClr val="lt1"/>
+          </a:fontRef>
+        </p:style>
+        <p:txBody>
+          <a:bodyPr rtlCol="0" anchor="ctr"/>
+          <a:lstStyle/>
+          <a:p>
+            <a:pPr algn="ctr"/>
+            <a:endParaRPr lang="en-US"/>
+          </a:p>
+        </p:txBody>
+      </p:sp>
+      <p:sp>
+        <p:nvSpPr>
+          <p:cNvPr id="9" name="Arrow: Down 8">
+            <a:extLst>
+              <a:ext uri="{FF2B5EF4-FFF2-40B4-BE49-F238E27FC236}">
+                <a16:creationId xmlns:a16="http://schemas.microsoft.com/office/drawing/2014/main" id="{A72D8F6F-B290-B397-3340-19F9DF02E311}"/>
+              </a:ext>
+            </a:extLst>
+          </p:cNvPr>
+          <p:cNvSpPr/>
+          <p:nvPr/>
+        </p:nvSpPr>
+        <p:spPr>
+          <a:xfrm>
+            <a:off x="3347113" y="3722474"/>
+            <a:ext cx="760863" cy="506697"/>
+          </a:xfrm>
+          <a:prstGeom prst="downArrow">
+            <a:avLst/>
+          </a:prstGeom>
+        </p:spPr>
+        <p:style>
+          <a:lnRef idx="2">
+            <a:schemeClr val="accent1">
+              <a:shade val="50000"/>
+            </a:schemeClr>
+          </a:lnRef>
+          <a:fillRef idx="1">
+            <a:schemeClr val="accent1"/>
+          </a:fillRef>
+          <a:effectRef idx="0">
+            <a:schemeClr val="accent1"/>
+          </a:effectRef>
+          <a:fontRef idx="minor">
+            <a:schemeClr val="lt1"/>
+          </a:fontRef>
+        </p:style>
+        <p:txBody>
+          <a:bodyPr rtlCol="0" anchor="ctr"/>
+          <a:lstStyle/>
+          <a:p>
+            <a:pPr algn="ctr"/>
+            <a:endParaRPr lang="en-US"/>
+          </a:p>
+        </p:txBody>
+      </p:sp>
+      <p:sp>
+        <p:nvSpPr>
+          <p:cNvPr id="10" name="Arrow: Down 9">
+            <a:extLst>
+              <a:ext uri="{FF2B5EF4-FFF2-40B4-BE49-F238E27FC236}">
+                <a16:creationId xmlns:a16="http://schemas.microsoft.com/office/drawing/2014/main" id="{EC32C9DC-8A17-EF04-D06D-1B5665178222}"/>
+              </a:ext>
+            </a:extLst>
+          </p:cNvPr>
+          <p:cNvSpPr/>
+          <p:nvPr/>
+        </p:nvSpPr>
+        <p:spPr>
+          <a:xfrm>
+            <a:off x="3347113" y="4959278"/>
+            <a:ext cx="760863" cy="506697"/>
+          </a:xfrm>
+          <a:prstGeom prst="downArrow">
+            <a:avLst/>
+          </a:prstGeom>
+        </p:spPr>
+        <p:style>
+          <a:lnRef idx="2">
+            <a:schemeClr val="accent1">
+              <a:shade val="50000"/>
+            </a:schemeClr>
+          </a:lnRef>
+          <a:fillRef idx="1">
+            <a:schemeClr val="accent1"/>
+          </a:fillRef>
+          <a:effectRef idx="0">
+            <a:schemeClr val="accent1"/>
+          </a:effectRef>
+          <a:fontRef idx="minor">
+            <a:schemeClr val="lt1"/>
+          </a:fontRef>
+        </p:style>
+        <p:txBody>
+          <a:bodyPr rtlCol="0" anchor="ctr"/>
+          <a:lstStyle/>
+          <a:p>
+            <a:pPr algn="ctr"/>
+            <a:endParaRPr lang="en-US"/>
+          </a:p>
+        </p:txBody>
+      </p:sp>
+      <p:sp>
+        <p:nvSpPr>
+          <p:cNvPr id="11" name="TextBox 10">
+            <a:extLst>
+              <a:ext uri="{FF2B5EF4-FFF2-40B4-BE49-F238E27FC236}">
+                <a16:creationId xmlns:a16="http://schemas.microsoft.com/office/drawing/2014/main" id="{3ADB6175-1A65-30F3-0B61-27141DD57927}"/>
+              </a:ext>
+            </a:extLst>
+          </p:cNvPr>
+          <p:cNvSpPr txBox="1"/>
+          <p:nvPr/>
+        </p:nvSpPr>
+        <p:spPr>
+          <a:xfrm>
+            <a:off x="5704764" y="3126740"/>
+            <a:ext cx="2299860" cy="369332"/>
+          </a:xfrm>
+          <a:prstGeom prst="rect">
+            <a:avLst/>
+          </a:prstGeom>
+          <a:noFill/>
+        </p:spPr>
+        <p:txBody>
+          <a:bodyPr wrap="none" rtlCol="0">
+            <a:spAutoFit/>
+          </a:bodyPr>
+          <a:lstStyle/>
+          <a:p>
+            <a:r>
+              <a:rPr lang="en-US" dirty="0"/>
+              <a:t>(req, res, next) =&gt; { … }</a:t>
+            </a:r>
+          </a:p>
+        </p:txBody>
+      </p:sp>
+      <p:sp>
+        <p:nvSpPr>
+          <p:cNvPr id="12" name="TextBox 11">
+            <a:extLst>
+              <a:ext uri="{FF2B5EF4-FFF2-40B4-BE49-F238E27FC236}">
+                <a16:creationId xmlns:a16="http://schemas.microsoft.com/office/drawing/2014/main" id="{C52DBD79-1EAE-E3C2-02C2-AE1406320BFD}"/>
+              </a:ext>
+            </a:extLst>
+          </p:cNvPr>
+          <p:cNvSpPr txBox="1"/>
+          <p:nvPr/>
+        </p:nvSpPr>
+        <p:spPr>
+          <a:xfrm>
+            <a:off x="5704764" y="4455572"/>
+            <a:ext cx="2299860" cy="369332"/>
+          </a:xfrm>
+          <a:prstGeom prst="rect">
+            <a:avLst/>
+          </a:prstGeom>
+          <a:noFill/>
+        </p:spPr>
+        <p:txBody>
+          <a:bodyPr wrap="none" rtlCol="0">
+            <a:spAutoFit/>
+          </a:bodyPr>
+          <a:lstStyle/>
+          <a:p>
+            <a:r>
+              <a:rPr lang="en-US" dirty="0"/>
+              <a:t>(req, res, next) =&gt; { … }</a:t>
+            </a:r>
+          </a:p>
+        </p:txBody>
+      </p:sp>
+      <p:sp>
+        <p:nvSpPr>
+          <p:cNvPr id="13" name="TextBox 12">
+            <a:extLst>
+              <a:ext uri="{FF2B5EF4-FFF2-40B4-BE49-F238E27FC236}">
+                <a16:creationId xmlns:a16="http://schemas.microsoft.com/office/drawing/2014/main" id="{5EFD16AA-8CA4-F2D5-D042-BDACB080C8B4}"/>
+              </a:ext>
+            </a:extLst>
+          </p:cNvPr>
+          <p:cNvSpPr txBox="1"/>
+          <p:nvPr/>
+        </p:nvSpPr>
+        <p:spPr>
+          <a:xfrm>
+            <a:off x="4271749" y="3800479"/>
+            <a:ext cx="763799" cy="369332"/>
+          </a:xfrm>
+          <a:prstGeom prst="rect">
+            <a:avLst/>
+          </a:prstGeom>
+          <a:noFill/>
+        </p:spPr>
+        <p:txBody>
+          <a:bodyPr wrap="none" rtlCol="0">
+            <a:spAutoFit/>
+          </a:bodyPr>
+          <a:lstStyle/>
+          <a:p>
+            <a:r>
+              <a:rPr lang="en-US" dirty="0"/>
+              <a:t>Next()</a:t>
+            </a:r>
+          </a:p>
+        </p:txBody>
+      </p:sp>
+      <p:sp>
+        <p:nvSpPr>
+          <p:cNvPr id="14" name="TextBox 13">
+            <a:extLst>
+              <a:ext uri="{FF2B5EF4-FFF2-40B4-BE49-F238E27FC236}">
+                <a16:creationId xmlns:a16="http://schemas.microsoft.com/office/drawing/2014/main" id="{8327B208-2B81-63D4-1507-B13FBB606B94}"/>
+              </a:ext>
+            </a:extLst>
+          </p:cNvPr>
+          <p:cNvSpPr txBox="1"/>
+          <p:nvPr/>
+        </p:nvSpPr>
+        <p:spPr>
+          <a:xfrm>
+            <a:off x="4436237" y="5027960"/>
+            <a:ext cx="1158459" cy="369332"/>
+          </a:xfrm>
+          <a:prstGeom prst="rect">
+            <a:avLst/>
+          </a:prstGeom>
+          <a:noFill/>
+        </p:spPr>
+        <p:txBody>
+          <a:bodyPr wrap="none" rtlCol="0">
+            <a:spAutoFit/>
+          </a:bodyPr>
+          <a:lstStyle/>
+          <a:p>
+            <a:r>
+              <a:rPr lang="en-US" dirty="0" err="1"/>
+              <a:t>Res.send</a:t>
+            </a:r>
+            <a:r>
+              <a:rPr lang="en-US" dirty="0"/>
+              <a:t>()</a:t>
+            </a:r>
+          </a:p>
+        </p:txBody>
+      </p:sp>
+    </p:spTree>
+    <p:extLst>
+      <p:ext uri="{BB962C8B-B14F-4D97-AF65-F5344CB8AC3E}">
+        <p14:creationId xmlns:p14="http://schemas.microsoft.com/office/powerpoint/2010/main" val="402300067"/>
       </p:ext>
     </p:extLst>
   </p:cSld>

--- a/What is Node.pptx
+++ b/What is Node.pptx
@@ -248,7 +248,7 @@
           <a:p>
             <a:fld id="{95AD9242-1F6D-4439-B4E3-3D1C86DAD4C7}" type="datetimeFigureOut">
               <a:rPr lang="en-US" smtClean="0"/>
-              <a:t>4/10/2023</a:t>
+              <a:t>4/11/2023</a:t>
             </a:fld>
             <a:endParaRPr lang="en-US"/>
           </a:p>
@@ -662,7 +662,7 @@
           <a:p>
             <a:fld id="{17C5991C-D94C-4C76-AE92-3C44B7FD323B}" type="datetimeFigureOut">
               <a:rPr lang="en-US" smtClean="0"/>
-              <a:t>4/10/2023</a:t>
+              <a:t>4/11/2023</a:t>
             </a:fld>
             <a:endParaRPr lang="en-US"/>
           </a:p>
@@ -860,7 +860,7 @@
           <a:p>
             <a:fld id="{17C5991C-D94C-4C76-AE92-3C44B7FD323B}" type="datetimeFigureOut">
               <a:rPr lang="en-US" smtClean="0"/>
-              <a:t>4/10/2023</a:t>
+              <a:t>4/11/2023</a:t>
             </a:fld>
             <a:endParaRPr lang="en-US"/>
           </a:p>
@@ -1068,7 +1068,7 @@
           <a:p>
             <a:fld id="{17C5991C-D94C-4C76-AE92-3C44B7FD323B}" type="datetimeFigureOut">
               <a:rPr lang="en-US" smtClean="0"/>
-              <a:t>4/10/2023</a:t>
+              <a:t>4/11/2023</a:t>
             </a:fld>
             <a:endParaRPr lang="en-US"/>
           </a:p>
@@ -1266,7 +1266,7 @@
           <a:p>
             <a:fld id="{17C5991C-D94C-4C76-AE92-3C44B7FD323B}" type="datetimeFigureOut">
               <a:rPr lang="en-US" smtClean="0"/>
-              <a:t>4/10/2023</a:t>
+              <a:t>4/11/2023</a:t>
             </a:fld>
             <a:endParaRPr lang="en-US"/>
           </a:p>
@@ -1541,7 +1541,7 @@
           <a:p>
             <a:fld id="{17C5991C-D94C-4C76-AE92-3C44B7FD323B}" type="datetimeFigureOut">
               <a:rPr lang="en-US" smtClean="0"/>
-              <a:t>4/10/2023</a:t>
+              <a:t>4/11/2023</a:t>
             </a:fld>
             <a:endParaRPr lang="en-US"/>
           </a:p>
@@ -1806,7 +1806,7 @@
           <a:p>
             <a:fld id="{17C5991C-D94C-4C76-AE92-3C44B7FD323B}" type="datetimeFigureOut">
               <a:rPr lang="en-US" smtClean="0"/>
-              <a:t>4/10/2023</a:t>
+              <a:t>4/11/2023</a:t>
             </a:fld>
             <a:endParaRPr lang="en-US"/>
           </a:p>
@@ -2218,7 +2218,7 @@
           <a:p>
             <a:fld id="{17C5991C-D94C-4C76-AE92-3C44B7FD323B}" type="datetimeFigureOut">
               <a:rPr lang="en-US" smtClean="0"/>
-              <a:t>4/10/2023</a:t>
+              <a:t>4/11/2023</a:t>
             </a:fld>
             <a:endParaRPr lang="en-US"/>
           </a:p>
@@ -2359,7 +2359,7 @@
           <a:p>
             <a:fld id="{17C5991C-D94C-4C76-AE92-3C44B7FD323B}" type="datetimeFigureOut">
               <a:rPr lang="en-US" smtClean="0"/>
-              <a:t>4/10/2023</a:t>
+              <a:t>4/11/2023</a:t>
             </a:fld>
             <a:endParaRPr lang="en-US"/>
           </a:p>
@@ -2472,7 +2472,7 @@
           <a:p>
             <a:fld id="{17C5991C-D94C-4C76-AE92-3C44B7FD323B}" type="datetimeFigureOut">
               <a:rPr lang="en-US" smtClean="0"/>
-              <a:t>4/10/2023</a:t>
+              <a:t>4/11/2023</a:t>
             </a:fld>
             <a:endParaRPr lang="en-US"/>
           </a:p>
@@ -2783,7 +2783,7 @@
           <a:p>
             <a:fld id="{17C5991C-D94C-4C76-AE92-3C44B7FD323B}" type="datetimeFigureOut">
               <a:rPr lang="en-US" smtClean="0"/>
-              <a:t>4/10/2023</a:t>
+              <a:t>4/11/2023</a:t>
             </a:fld>
             <a:endParaRPr lang="en-US"/>
           </a:p>
@@ -3071,7 +3071,7 @@
           <a:p>
             <a:fld id="{17C5991C-D94C-4C76-AE92-3C44B7FD323B}" type="datetimeFigureOut">
               <a:rPr lang="en-US" smtClean="0"/>
-              <a:t>4/10/2023</a:t>
+              <a:t>4/11/2023</a:t>
             </a:fld>
             <a:endParaRPr lang="en-US"/>
           </a:p>
@@ -3312,7 +3312,7 @@
           <a:p>
             <a:fld id="{17C5991C-D94C-4C76-AE92-3C44B7FD323B}" type="datetimeFigureOut">
               <a:rPr lang="en-US" smtClean="0"/>
-              <a:t>4/10/2023</a:t>
+              <a:t>4/11/2023</a:t>
             </a:fld>
             <a:endParaRPr lang="en-US"/>
           </a:p>
@@ -18434,7 +18434,9 @@
         </p:nvSpPr>
         <p:spPr/>
         <p:txBody>
-          <a:bodyPr/>
+          <a:bodyPr>
+            <a:normAutofit fontScale="92500" lnSpcReduction="20000"/>
+          </a:bodyPr>
           <a:lstStyle/>
           <a:p>
             <a:r>
@@ -18452,6 +18454,48 @@
             <a:r>
               <a:rPr lang="en-US" dirty="0"/>
               <a:t>Parsing Incoming Requests</a:t>
+            </a:r>
+          </a:p>
+          <a:p>
+            <a:r>
+              <a:rPr lang="en-US" dirty="0"/>
+              <a:t>Execution to POST Requests</a:t>
+            </a:r>
+          </a:p>
+          <a:p>
+            <a:r>
+              <a:rPr lang="en-US" dirty="0"/>
+              <a:t>Using express Router</a:t>
+            </a:r>
+          </a:p>
+          <a:p>
+            <a:r>
+              <a:rPr lang="en-US" dirty="0"/>
+              <a:t>Adding a 404 Error Page</a:t>
+            </a:r>
+          </a:p>
+          <a:p>
+            <a:r>
+              <a:rPr lang="en-US" dirty="0"/>
+              <a:t>Filtering Paths</a:t>
+            </a:r>
+          </a:p>
+          <a:p>
+            <a:r>
+              <a:rPr lang="en-US" dirty="0"/>
+              <a:t>Creating HTML Pages</a:t>
+            </a:r>
+          </a:p>
+          <a:p>
+            <a:r>
+              <a:rPr lang="en-US" dirty="0"/>
+              <a:t>Serving HTML Pages</a:t>
+            </a:r>
+          </a:p>
+          <a:p>
+            <a:r>
+              <a:rPr lang="en-US" dirty="0"/>
+              <a:t>Returning a 404 page</a:t>
             </a:r>
           </a:p>
         </p:txBody>

--- a/What is Node.pptx
+++ b/What is Node.pptx
@@ -5,7 +5,7 @@
     <p:sldMasterId id="2147483648" r:id="rId1"/>
   </p:sldMasterIdLst>
   <p:notesMasterIdLst>
-    <p:notesMasterId r:id="rId54"/>
+    <p:notesMasterId r:id="rId57"/>
   </p:notesMasterIdLst>
   <p:sldIdLst>
     <p:sldId id="256" r:id="rId2"/>
@@ -58,8 +58,11 @@
     <p:sldId id="303" r:id="rId49"/>
     <p:sldId id="304" r:id="rId50"/>
     <p:sldId id="305" r:id="rId51"/>
-    <p:sldId id="306" r:id="rId52"/>
-    <p:sldId id="307" r:id="rId53"/>
+    <p:sldId id="307" r:id="rId52"/>
+    <p:sldId id="306" r:id="rId53"/>
+    <p:sldId id="308" r:id="rId54"/>
+    <p:sldId id="309" r:id="rId55"/>
+    <p:sldId id="310" r:id="rId56"/>
   </p:sldIdLst>
   <p:sldSz cx="12192000" cy="6858000"/>
   <p:notesSz cx="6858000" cy="9144000"/>
@@ -248,7 +251,7 @@
           <a:p>
             <a:fld id="{95AD9242-1F6D-4439-B4E3-3D1C86DAD4C7}" type="datetimeFigureOut">
               <a:rPr lang="en-US" smtClean="0"/>
-              <a:t>4/11/2023</a:t>
+              <a:t>4/12/2023</a:t>
             </a:fld>
             <a:endParaRPr lang="en-US"/>
           </a:p>
@@ -662,7 +665,7 @@
           <a:p>
             <a:fld id="{17C5991C-D94C-4C76-AE92-3C44B7FD323B}" type="datetimeFigureOut">
               <a:rPr lang="en-US" smtClean="0"/>
-              <a:t>4/11/2023</a:t>
+              <a:t>4/12/2023</a:t>
             </a:fld>
             <a:endParaRPr lang="en-US"/>
           </a:p>
@@ -860,7 +863,7 @@
           <a:p>
             <a:fld id="{17C5991C-D94C-4C76-AE92-3C44B7FD323B}" type="datetimeFigureOut">
               <a:rPr lang="en-US" smtClean="0"/>
-              <a:t>4/11/2023</a:t>
+              <a:t>4/12/2023</a:t>
             </a:fld>
             <a:endParaRPr lang="en-US"/>
           </a:p>
@@ -1068,7 +1071,7 @@
           <a:p>
             <a:fld id="{17C5991C-D94C-4C76-AE92-3C44B7FD323B}" type="datetimeFigureOut">
               <a:rPr lang="en-US" smtClean="0"/>
-              <a:t>4/11/2023</a:t>
+              <a:t>4/12/2023</a:t>
             </a:fld>
             <a:endParaRPr lang="en-US"/>
           </a:p>
@@ -1266,7 +1269,7 @@
           <a:p>
             <a:fld id="{17C5991C-D94C-4C76-AE92-3C44B7FD323B}" type="datetimeFigureOut">
               <a:rPr lang="en-US" smtClean="0"/>
-              <a:t>4/11/2023</a:t>
+              <a:t>4/12/2023</a:t>
             </a:fld>
             <a:endParaRPr lang="en-US"/>
           </a:p>
@@ -1541,7 +1544,7 @@
           <a:p>
             <a:fld id="{17C5991C-D94C-4C76-AE92-3C44B7FD323B}" type="datetimeFigureOut">
               <a:rPr lang="en-US" smtClean="0"/>
-              <a:t>4/11/2023</a:t>
+              <a:t>4/12/2023</a:t>
             </a:fld>
             <a:endParaRPr lang="en-US"/>
           </a:p>
@@ -1806,7 +1809,7 @@
           <a:p>
             <a:fld id="{17C5991C-D94C-4C76-AE92-3C44B7FD323B}" type="datetimeFigureOut">
               <a:rPr lang="en-US" smtClean="0"/>
-              <a:t>4/11/2023</a:t>
+              <a:t>4/12/2023</a:t>
             </a:fld>
             <a:endParaRPr lang="en-US"/>
           </a:p>
@@ -2218,7 +2221,7 @@
           <a:p>
             <a:fld id="{17C5991C-D94C-4C76-AE92-3C44B7FD323B}" type="datetimeFigureOut">
               <a:rPr lang="en-US" smtClean="0"/>
-              <a:t>4/11/2023</a:t>
+              <a:t>4/12/2023</a:t>
             </a:fld>
             <a:endParaRPr lang="en-US"/>
           </a:p>
@@ -2359,7 +2362,7 @@
           <a:p>
             <a:fld id="{17C5991C-D94C-4C76-AE92-3C44B7FD323B}" type="datetimeFigureOut">
               <a:rPr lang="en-US" smtClean="0"/>
-              <a:t>4/11/2023</a:t>
+              <a:t>4/12/2023</a:t>
             </a:fld>
             <a:endParaRPr lang="en-US"/>
           </a:p>
@@ -2472,7 +2475,7 @@
           <a:p>
             <a:fld id="{17C5991C-D94C-4C76-AE92-3C44B7FD323B}" type="datetimeFigureOut">
               <a:rPr lang="en-US" smtClean="0"/>
-              <a:t>4/11/2023</a:t>
+              <a:t>4/12/2023</a:t>
             </a:fld>
             <a:endParaRPr lang="en-US"/>
           </a:p>
@@ -2783,7 +2786,7 @@
           <a:p>
             <a:fld id="{17C5991C-D94C-4C76-AE92-3C44B7FD323B}" type="datetimeFigureOut">
               <a:rPr lang="en-US" smtClean="0"/>
-              <a:t>4/11/2023</a:t>
+              <a:t>4/12/2023</a:t>
             </a:fld>
             <a:endParaRPr lang="en-US"/>
           </a:p>
@@ -3071,7 +3074,7 @@
           <a:p>
             <a:fld id="{17C5991C-D94C-4C76-AE92-3C44B7FD323B}" type="datetimeFigureOut">
               <a:rPr lang="en-US" smtClean="0"/>
-              <a:t>4/11/2023</a:t>
+              <a:t>4/12/2023</a:t>
             </a:fld>
             <a:endParaRPr lang="en-US"/>
           </a:p>
@@ -3312,7 +3315,7 @@
           <a:p>
             <a:fld id="{17C5991C-D94C-4C76-AE92-3C44B7FD323B}" type="datetimeFigureOut">
               <a:rPr lang="en-US" smtClean="0"/>
-              <a:t>4/11/2023</a:t>
+              <a:t>4/12/2023</a:t>
             </a:fld>
             <a:endParaRPr lang="en-US"/>
           </a:p>
@@ -18396,7 +18399,7 @@
           <p:cNvPr id="2" name="Title 1">
             <a:extLst>
               <a:ext uri="{FF2B5EF4-FFF2-40B4-BE49-F238E27FC236}">
-                <a16:creationId xmlns:a16="http://schemas.microsoft.com/office/drawing/2014/main" id="{160F6124-31D9-61CF-C030-0933B27D25AB}"/>
+                <a16:creationId xmlns:a16="http://schemas.microsoft.com/office/drawing/2014/main" id="{3492903E-1C04-990F-C0C4-FAAC6B6F46F3}"/>
               </a:ext>
             </a:extLst>
           </p:cNvPr>
@@ -18412,90 +18415,487 @@
           <a:bodyPr/>
           <a:lstStyle/>
           <a:p>
+            <a:r>
+              <a:rPr lang="en-US" dirty="0"/>
+              <a:t>All about Middleware</a:t>
+            </a:r>
+          </a:p>
+        </p:txBody>
+      </p:sp>
+      <p:sp>
+        <p:nvSpPr>
+          <p:cNvPr id="4" name="Rectangle 3">
+            <a:extLst>
+              <a:ext uri="{FF2B5EF4-FFF2-40B4-BE49-F238E27FC236}">
+                <a16:creationId xmlns:a16="http://schemas.microsoft.com/office/drawing/2014/main" id="{E31B798B-41A5-8B52-B6E5-C632C0BC1D77}"/>
+              </a:ext>
+            </a:extLst>
+          </p:cNvPr>
+          <p:cNvSpPr/>
+          <p:nvPr/>
+        </p:nvSpPr>
+        <p:spPr>
+          <a:xfrm>
+            <a:off x="2165444" y="1528549"/>
+            <a:ext cx="2925172" cy="655093"/>
+          </a:xfrm>
+          <a:prstGeom prst="rect">
+            <a:avLst/>
+          </a:prstGeom>
+        </p:spPr>
+        <p:style>
+          <a:lnRef idx="2">
+            <a:schemeClr val="accent1">
+              <a:shade val="50000"/>
+            </a:schemeClr>
+          </a:lnRef>
+          <a:fillRef idx="1">
+            <a:schemeClr val="accent1"/>
+          </a:fillRef>
+          <a:effectRef idx="0">
+            <a:schemeClr val="accent1"/>
+          </a:effectRef>
+          <a:fontRef idx="minor">
+            <a:schemeClr val="lt1"/>
+          </a:fontRef>
+        </p:style>
+        <p:txBody>
+          <a:bodyPr rtlCol="0" anchor="ctr"/>
+          <a:lstStyle/>
+          <a:p>
+            <a:pPr algn="ctr"/>
+            <a:r>
+              <a:rPr lang="en-US" dirty="0"/>
+              <a:t>Request</a:t>
+            </a:r>
+          </a:p>
+        </p:txBody>
+      </p:sp>
+      <p:sp>
+        <p:nvSpPr>
+          <p:cNvPr id="5" name="Rectangle 4">
+            <a:extLst>
+              <a:ext uri="{FF2B5EF4-FFF2-40B4-BE49-F238E27FC236}">
+                <a16:creationId xmlns:a16="http://schemas.microsoft.com/office/drawing/2014/main" id="{8134E9CB-7941-D574-416F-8D4BB130E675}"/>
+              </a:ext>
+            </a:extLst>
+          </p:cNvPr>
+          <p:cNvSpPr/>
+          <p:nvPr/>
+        </p:nvSpPr>
+        <p:spPr>
+          <a:xfrm>
+            <a:off x="2165444" y="2983860"/>
+            <a:ext cx="2925172" cy="655093"/>
+          </a:xfrm>
+          <a:prstGeom prst="rect">
+            <a:avLst/>
+          </a:prstGeom>
+        </p:spPr>
+        <p:style>
+          <a:lnRef idx="2">
+            <a:schemeClr val="accent1">
+              <a:shade val="50000"/>
+            </a:schemeClr>
+          </a:lnRef>
+          <a:fillRef idx="1">
+            <a:schemeClr val="accent1"/>
+          </a:fillRef>
+          <a:effectRef idx="0">
+            <a:schemeClr val="accent1"/>
+          </a:effectRef>
+          <a:fontRef idx="minor">
+            <a:schemeClr val="lt1"/>
+          </a:fontRef>
+        </p:style>
+        <p:txBody>
+          <a:bodyPr rtlCol="0" anchor="ctr"/>
+          <a:lstStyle/>
+          <a:p>
+            <a:pPr algn="ctr"/>
+            <a:r>
+              <a:rPr lang="en-US" dirty="0"/>
+              <a:t>Middleware</a:t>
+            </a:r>
+          </a:p>
+        </p:txBody>
+      </p:sp>
+      <p:sp>
+        <p:nvSpPr>
+          <p:cNvPr id="6" name="Rectangle 5">
+            <a:extLst>
+              <a:ext uri="{FF2B5EF4-FFF2-40B4-BE49-F238E27FC236}">
+                <a16:creationId xmlns:a16="http://schemas.microsoft.com/office/drawing/2014/main" id="{8D766063-C198-33DA-8562-B163437010CB}"/>
+              </a:ext>
+            </a:extLst>
+          </p:cNvPr>
+          <p:cNvSpPr/>
+          <p:nvPr/>
+        </p:nvSpPr>
+        <p:spPr>
+          <a:xfrm>
+            <a:off x="2165444" y="4312692"/>
+            <a:ext cx="2925172" cy="655093"/>
+          </a:xfrm>
+          <a:prstGeom prst="rect">
+            <a:avLst/>
+          </a:prstGeom>
+        </p:spPr>
+        <p:style>
+          <a:lnRef idx="2">
+            <a:schemeClr val="accent1">
+              <a:shade val="50000"/>
+            </a:schemeClr>
+          </a:lnRef>
+          <a:fillRef idx="1">
+            <a:schemeClr val="accent1"/>
+          </a:fillRef>
+          <a:effectRef idx="0">
+            <a:schemeClr val="accent1"/>
+          </a:effectRef>
+          <a:fontRef idx="minor">
+            <a:schemeClr val="lt1"/>
+          </a:fontRef>
+        </p:style>
+        <p:txBody>
+          <a:bodyPr rtlCol="0" anchor="ctr"/>
+          <a:lstStyle/>
+          <a:p>
+            <a:pPr algn="ctr"/>
+            <a:r>
+              <a:rPr lang="en-US" dirty="0"/>
+              <a:t>Middleware</a:t>
+            </a:r>
+          </a:p>
+        </p:txBody>
+      </p:sp>
+      <p:sp>
+        <p:nvSpPr>
+          <p:cNvPr id="7" name="Rectangle 6">
+            <a:extLst>
+              <a:ext uri="{FF2B5EF4-FFF2-40B4-BE49-F238E27FC236}">
+                <a16:creationId xmlns:a16="http://schemas.microsoft.com/office/drawing/2014/main" id="{A637279C-BE2E-99BA-73F6-42327B3FF3FC}"/>
+              </a:ext>
+            </a:extLst>
+          </p:cNvPr>
+          <p:cNvSpPr/>
+          <p:nvPr/>
+        </p:nvSpPr>
+        <p:spPr>
+          <a:xfrm>
+            <a:off x="2165444" y="5476116"/>
+            <a:ext cx="2925172" cy="655093"/>
+          </a:xfrm>
+          <a:prstGeom prst="rect">
+            <a:avLst/>
+          </a:prstGeom>
+        </p:spPr>
+        <p:style>
+          <a:lnRef idx="2">
+            <a:schemeClr val="accent1">
+              <a:shade val="50000"/>
+            </a:schemeClr>
+          </a:lnRef>
+          <a:fillRef idx="1">
+            <a:schemeClr val="accent1"/>
+          </a:fillRef>
+          <a:effectRef idx="0">
+            <a:schemeClr val="accent1"/>
+          </a:effectRef>
+          <a:fontRef idx="minor">
+            <a:schemeClr val="lt1"/>
+          </a:fontRef>
+        </p:style>
+        <p:txBody>
+          <a:bodyPr rtlCol="0" anchor="ctr"/>
+          <a:lstStyle/>
+          <a:p>
+            <a:pPr algn="ctr"/>
+            <a:r>
+              <a:rPr lang="en-US" dirty="0"/>
+              <a:t>Response</a:t>
+            </a:r>
+          </a:p>
+        </p:txBody>
+      </p:sp>
+      <p:sp>
+        <p:nvSpPr>
+          <p:cNvPr id="8" name="Arrow: Down 7">
+            <a:extLst>
+              <a:ext uri="{FF2B5EF4-FFF2-40B4-BE49-F238E27FC236}">
+                <a16:creationId xmlns:a16="http://schemas.microsoft.com/office/drawing/2014/main" id="{309BA848-ED3C-8FB9-CA3E-FD21E56EF260}"/>
+              </a:ext>
+            </a:extLst>
+          </p:cNvPr>
+          <p:cNvSpPr/>
+          <p:nvPr/>
+        </p:nvSpPr>
+        <p:spPr>
+          <a:xfrm>
+            <a:off x="3347113" y="2347414"/>
+            <a:ext cx="760863" cy="506697"/>
+          </a:xfrm>
+          <a:prstGeom prst="downArrow">
+            <a:avLst/>
+          </a:prstGeom>
+        </p:spPr>
+        <p:style>
+          <a:lnRef idx="2">
+            <a:schemeClr val="accent1">
+              <a:shade val="50000"/>
+            </a:schemeClr>
+          </a:lnRef>
+          <a:fillRef idx="1">
+            <a:schemeClr val="accent1"/>
+          </a:fillRef>
+          <a:effectRef idx="0">
+            <a:schemeClr val="accent1"/>
+          </a:effectRef>
+          <a:fontRef idx="minor">
+            <a:schemeClr val="lt1"/>
+          </a:fontRef>
+        </p:style>
+        <p:txBody>
+          <a:bodyPr rtlCol="0" anchor="ctr"/>
+          <a:lstStyle/>
+          <a:p>
+            <a:pPr algn="ctr"/>
             <a:endParaRPr lang="en-US"/>
           </a:p>
         </p:txBody>
       </p:sp>
       <p:sp>
         <p:nvSpPr>
-          <p:cNvPr id="3" name="Content Placeholder 2">
-            <a:extLst>
-              <a:ext uri="{FF2B5EF4-FFF2-40B4-BE49-F238E27FC236}">
-                <a16:creationId xmlns:a16="http://schemas.microsoft.com/office/drawing/2014/main" id="{F820FC9E-2047-EE18-CBFC-B404DF4C82F8}"/>
-              </a:ext>
-            </a:extLst>
-          </p:cNvPr>
-          <p:cNvSpPr>
-            <a:spLocks noGrp="1"/>
-          </p:cNvSpPr>
-          <p:nvPr>
-            <p:ph idx="1"/>
-          </p:nvPr>
-        </p:nvSpPr>
-        <p:spPr/>
-        <p:txBody>
-          <a:bodyPr>
-            <a:normAutofit fontScale="92500" lnSpcReduction="20000"/>
+          <p:cNvPr id="9" name="Arrow: Down 8">
+            <a:extLst>
+              <a:ext uri="{FF2B5EF4-FFF2-40B4-BE49-F238E27FC236}">
+                <a16:creationId xmlns:a16="http://schemas.microsoft.com/office/drawing/2014/main" id="{A72D8F6F-B290-B397-3340-19F9DF02E311}"/>
+              </a:ext>
+            </a:extLst>
+          </p:cNvPr>
+          <p:cNvSpPr/>
+          <p:nvPr/>
+        </p:nvSpPr>
+        <p:spPr>
+          <a:xfrm>
+            <a:off x="3347113" y="3722474"/>
+            <a:ext cx="760863" cy="506697"/>
+          </a:xfrm>
+          <a:prstGeom prst="downArrow">
+            <a:avLst/>
+          </a:prstGeom>
+        </p:spPr>
+        <p:style>
+          <a:lnRef idx="2">
+            <a:schemeClr val="accent1">
+              <a:shade val="50000"/>
+            </a:schemeClr>
+          </a:lnRef>
+          <a:fillRef idx="1">
+            <a:schemeClr val="accent1"/>
+          </a:fillRef>
+          <a:effectRef idx="0">
+            <a:schemeClr val="accent1"/>
+          </a:effectRef>
+          <a:fontRef idx="minor">
+            <a:schemeClr val="lt1"/>
+          </a:fontRef>
+        </p:style>
+        <p:txBody>
+          <a:bodyPr rtlCol="0" anchor="ctr"/>
+          <a:lstStyle/>
+          <a:p>
+            <a:pPr algn="ctr"/>
+            <a:endParaRPr lang="en-US"/>
+          </a:p>
+        </p:txBody>
+      </p:sp>
+      <p:sp>
+        <p:nvSpPr>
+          <p:cNvPr id="10" name="Arrow: Down 9">
+            <a:extLst>
+              <a:ext uri="{FF2B5EF4-FFF2-40B4-BE49-F238E27FC236}">
+                <a16:creationId xmlns:a16="http://schemas.microsoft.com/office/drawing/2014/main" id="{EC32C9DC-8A17-EF04-D06D-1B5665178222}"/>
+              </a:ext>
+            </a:extLst>
+          </p:cNvPr>
+          <p:cNvSpPr/>
+          <p:nvPr/>
+        </p:nvSpPr>
+        <p:spPr>
+          <a:xfrm>
+            <a:off x="3347113" y="4959278"/>
+            <a:ext cx="760863" cy="506697"/>
+          </a:xfrm>
+          <a:prstGeom prst="downArrow">
+            <a:avLst/>
+          </a:prstGeom>
+        </p:spPr>
+        <p:style>
+          <a:lnRef idx="2">
+            <a:schemeClr val="accent1">
+              <a:shade val="50000"/>
+            </a:schemeClr>
+          </a:lnRef>
+          <a:fillRef idx="1">
+            <a:schemeClr val="accent1"/>
+          </a:fillRef>
+          <a:effectRef idx="0">
+            <a:schemeClr val="accent1"/>
+          </a:effectRef>
+          <a:fontRef idx="minor">
+            <a:schemeClr val="lt1"/>
+          </a:fontRef>
+        </p:style>
+        <p:txBody>
+          <a:bodyPr rtlCol="0" anchor="ctr"/>
+          <a:lstStyle/>
+          <a:p>
+            <a:pPr algn="ctr"/>
+            <a:endParaRPr lang="en-US"/>
+          </a:p>
+        </p:txBody>
+      </p:sp>
+      <p:sp>
+        <p:nvSpPr>
+          <p:cNvPr id="11" name="TextBox 10">
+            <a:extLst>
+              <a:ext uri="{FF2B5EF4-FFF2-40B4-BE49-F238E27FC236}">
+                <a16:creationId xmlns:a16="http://schemas.microsoft.com/office/drawing/2014/main" id="{3ADB6175-1A65-30F3-0B61-27141DD57927}"/>
+              </a:ext>
+            </a:extLst>
+          </p:cNvPr>
+          <p:cNvSpPr txBox="1"/>
+          <p:nvPr/>
+        </p:nvSpPr>
+        <p:spPr>
+          <a:xfrm>
+            <a:off x="5704764" y="3126740"/>
+            <a:ext cx="2299860" cy="369332"/>
+          </a:xfrm>
+          <a:prstGeom prst="rect">
+            <a:avLst/>
+          </a:prstGeom>
+          <a:noFill/>
+        </p:spPr>
+        <p:txBody>
+          <a:bodyPr wrap="none" rtlCol="0">
+            <a:spAutoFit/>
           </a:bodyPr>
           <a:lstStyle/>
           <a:p>
             <a:r>
               <a:rPr lang="en-US" dirty="0"/>
-              <a:t>Installing Express.js</a:t>
-            </a:r>
-          </a:p>
-          <a:p>
-            <a:r>
-              <a:rPr lang="en-US" dirty="0"/>
-              <a:t>Handling different Routes</a:t>
-            </a:r>
-          </a:p>
-          <a:p>
-            <a:r>
-              <a:rPr lang="en-US" dirty="0"/>
-              <a:t>Parsing Incoming Requests</a:t>
-            </a:r>
-          </a:p>
-          <a:p>
-            <a:r>
-              <a:rPr lang="en-US" dirty="0"/>
-              <a:t>Execution to POST Requests</a:t>
-            </a:r>
-          </a:p>
-          <a:p>
-            <a:r>
-              <a:rPr lang="en-US" dirty="0"/>
-              <a:t>Using express Router</a:t>
-            </a:r>
-          </a:p>
-          <a:p>
-            <a:r>
-              <a:rPr lang="en-US" dirty="0"/>
-              <a:t>Adding a 404 Error Page</a:t>
-            </a:r>
-          </a:p>
-          <a:p>
-            <a:r>
-              <a:rPr lang="en-US" dirty="0"/>
-              <a:t>Filtering Paths</a:t>
-            </a:r>
-          </a:p>
-          <a:p>
-            <a:r>
-              <a:rPr lang="en-US" dirty="0"/>
-              <a:t>Creating HTML Pages</a:t>
-            </a:r>
-          </a:p>
-          <a:p>
-            <a:r>
-              <a:rPr lang="en-US" dirty="0"/>
-              <a:t>Serving HTML Pages</a:t>
-            </a:r>
-          </a:p>
-          <a:p>
-            <a:r>
-              <a:rPr lang="en-US" dirty="0"/>
-              <a:t>Returning a 404 page</a:t>
+              <a:t>(req, res, next) =&gt; { … }</a:t>
+            </a:r>
+          </a:p>
+        </p:txBody>
+      </p:sp>
+      <p:sp>
+        <p:nvSpPr>
+          <p:cNvPr id="12" name="TextBox 11">
+            <a:extLst>
+              <a:ext uri="{FF2B5EF4-FFF2-40B4-BE49-F238E27FC236}">
+                <a16:creationId xmlns:a16="http://schemas.microsoft.com/office/drawing/2014/main" id="{C52DBD79-1EAE-E3C2-02C2-AE1406320BFD}"/>
+              </a:ext>
+            </a:extLst>
+          </p:cNvPr>
+          <p:cNvSpPr txBox="1"/>
+          <p:nvPr/>
+        </p:nvSpPr>
+        <p:spPr>
+          <a:xfrm>
+            <a:off x="5704764" y="4455572"/>
+            <a:ext cx="2299860" cy="369332"/>
+          </a:xfrm>
+          <a:prstGeom prst="rect">
+            <a:avLst/>
+          </a:prstGeom>
+          <a:noFill/>
+        </p:spPr>
+        <p:txBody>
+          <a:bodyPr wrap="none" rtlCol="0">
+            <a:spAutoFit/>
+          </a:bodyPr>
+          <a:lstStyle/>
+          <a:p>
+            <a:r>
+              <a:rPr lang="en-US" dirty="0"/>
+              <a:t>(req, res, next) =&gt; { … }</a:t>
+            </a:r>
+          </a:p>
+        </p:txBody>
+      </p:sp>
+      <p:sp>
+        <p:nvSpPr>
+          <p:cNvPr id="13" name="TextBox 12">
+            <a:extLst>
+              <a:ext uri="{FF2B5EF4-FFF2-40B4-BE49-F238E27FC236}">
+                <a16:creationId xmlns:a16="http://schemas.microsoft.com/office/drawing/2014/main" id="{5EFD16AA-8CA4-F2D5-D042-BDACB080C8B4}"/>
+              </a:ext>
+            </a:extLst>
+          </p:cNvPr>
+          <p:cNvSpPr txBox="1"/>
+          <p:nvPr/>
+        </p:nvSpPr>
+        <p:spPr>
+          <a:xfrm>
+            <a:off x="4271749" y="3800479"/>
+            <a:ext cx="763799" cy="369332"/>
+          </a:xfrm>
+          <a:prstGeom prst="rect">
+            <a:avLst/>
+          </a:prstGeom>
+          <a:noFill/>
+        </p:spPr>
+        <p:txBody>
+          <a:bodyPr wrap="none" rtlCol="0">
+            <a:spAutoFit/>
+          </a:bodyPr>
+          <a:lstStyle/>
+          <a:p>
+            <a:r>
+              <a:rPr lang="en-US" dirty="0"/>
+              <a:t>Next()</a:t>
+            </a:r>
+          </a:p>
+        </p:txBody>
+      </p:sp>
+      <p:sp>
+        <p:nvSpPr>
+          <p:cNvPr id="14" name="TextBox 13">
+            <a:extLst>
+              <a:ext uri="{FF2B5EF4-FFF2-40B4-BE49-F238E27FC236}">
+                <a16:creationId xmlns:a16="http://schemas.microsoft.com/office/drawing/2014/main" id="{8327B208-2B81-63D4-1507-B13FBB606B94}"/>
+              </a:ext>
+            </a:extLst>
+          </p:cNvPr>
+          <p:cNvSpPr txBox="1"/>
+          <p:nvPr/>
+        </p:nvSpPr>
+        <p:spPr>
+          <a:xfrm>
+            <a:off x="4436237" y="5027960"/>
+            <a:ext cx="1158459" cy="369332"/>
+          </a:xfrm>
+          <a:prstGeom prst="rect">
+            <a:avLst/>
+          </a:prstGeom>
+          <a:noFill/>
+        </p:spPr>
+        <p:txBody>
+          <a:bodyPr wrap="none" rtlCol="0">
+            <a:spAutoFit/>
+          </a:bodyPr>
+          <a:lstStyle/>
+          <a:p>
+            <a:r>
+              <a:rPr lang="en-US" dirty="0" err="1"/>
+              <a:t>Res.send</a:t>
+            </a:r>
+            <a:r>
+              <a:rPr lang="en-US" dirty="0"/>
+              <a:t>()</a:t>
             </a:r>
           </a:p>
         </p:txBody>
@@ -18503,7 +18903,7 @@
     </p:spTree>
     <p:extLst>
       <p:ext uri="{BB962C8B-B14F-4D97-AF65-F5344CB8AC3E}">
-        <p14:creationId xmlns:p14="http://schemas.microsoft.com/office/powerpoint/2010/main" val="3405965181"/>
+        <p14:creationId xmlns:p14="http://schemas.microsoft.com/office/powerpoint/2010/main" val="402300067"/>
       </p:ext>
     </p:extLst>
   </p:cSld>
@@ -18535,7 +18935,7 @@
           <p:cNvPr id="2" name="Title 1">
             <a:extLst>
               <a:ext uri="{FF2B5EF4-FFF2-40B4-BE49-F238E27FC236}">
-                <a16:creationId xmlns:a16="http://schemas.microsoft.com/office/drawing/2014/main" id="{3492903E-1C04-990F-C0C4-FAAC6B6F46F3}"/>
+                <a16:creationId xmlns:a16="http://schemas.microsoft.com/office/drawing/2014/main" id="{160F6124-31D9-61CF-C030-0933B27D25AB}"/>
               </a:ext>
             </a:extLst>
           </p:cNvPr>
@@ -18551,487 +18951,90 @@
           <a:bodyPr/>
           <a:lstStyle/>
           <a:p>
-            <a:r>
-              <a:rPr lang="en-US" dirty="0"/>
-              <a:t>All about Middleware</a:t>
-            </a:r>
-          </a:p>
-        </p:txBody>
-      </p:sp>
-      <p:sp>
-        <p:nvSpPr>
-          <p:cNvPr id="4" name="Rectangle 3">
-            <a:extLst>
-              <a:ext uri="{FF2B5EF4-FFF2-40B4-BE49-F238E27FC236}">
-                <a16:creationId xmlns:a16="http://schemas.microsoft.com/office/drawing/2014/main" id="{E31B798B-41A5-8B52-B6E5-C632C0BC1D77}"/>
-              </a:ext>
-            </a:extLst>
-          </p:cNvPr>
-          <p:cNvSpPr/>
-          <p:nvPr/>
-        </p:nvSpPr>
-        <p:spPr>
-          <a:xfrm>
-            <a:off x="2165444" y="1528549"/>
-            <a:ext cx="2925172" cy="655093"/>
-          </a:xfrm>
-          <a:prstGeom prst="rect">
-            <a:avLst/>
-          </a:prstGeom>
-        </p:spPr>
-        <p:style>
-          <a:lnRef idx="2">
-            <a:schemeClr val="accent1">
-              <a:shade val="50000"/>
-            </a:schemeClr>
-          </a:lnRef>
-          <a:fillRef idx="1">
-            <a:schemeClr val="accent1"/>
-          </a:fillRef>
-          <a:effectRef idx="0">
-            <a:schemeClr val="accent1"/>
-          </a:effectRef>
-          <a:fontRef idx="minor">
-            <a:schemeClr val="lt1"/>
-          </a:fontRef>
-        </p:style>
-        <p:txBody>
-          <a:bodyPr rtlCol="0" anchor="ctr"/>
-          <a:lstStyle/>
-          <a:p>
-            <a:pPr algn="ctr"/>
-            <a:r>
-              <a:rPr lang="en-US" dirty="0"/>
-              <a:t>Request</a:t>
-            </a:r>
-          </a:p>
-        </p:txBody>
-      </p:sp>
-      <p:sp>
-        <p:nvSpPr>
-          <p:cNvPr id="5" name="Rectangle 4">
-            <a:extLst>
-              <a:ext uri="{FF2B5EF4-FFF2-40B4-BE49-F238E27FC236}">
-                <a16:creationId xmlns:a16="http://schemas.microsoft.com/office/drawing/2014/main" id="{8134E9CB-7941-D574-416F-8D4BB130E675}"/>
-              </a:ext>
-            </a:extLst>
-          </p:cNvPr>
-          <p:cNvSpPr/>
-          <p:nvPr/>
-        </p:nvSpPr>
-        <p:spPr>
-          <a:xfrm>
-            <a:off x="2165444" y="2983860"/>
-            <a:ext cx="2925172" cy="655093"/>
-          </a:xfrm>
-          <a:prstGeom prst="rect">
-            <a:avLst/>
-          </a:prstGeom>
-        </p:spPr>
-        <p:style>
-          <a:lnRef idx="2">
-            <a:schemeClr val="accent1">
-              <a:shade val="50000"/>
-            </a:schemeClr>
-          </a:lnRef>
-          <a:fillRef idx="1">
-            <a:schemeClr val="accent1"/>
-          </a:fillRef>
-          <a:effectRef idx="0">
-            <a:schemeClr val="accent1"/>
-          </a:effectRef>
-          <a:fontRef idx="minor">
-            <a:schemeClr val="lt1"/>
-          </a:fontRef>
-        </p:style>
-        <p:txBody>
-          <a:bodyPr rtlCol="0" anchor="ctr"/>
-          <a:lstStyle/>
-          <a:p>
-            <a:pPr algn="ctr"/>
-            <a:r>
-              <a:rPr lang="en-US" dirty="0"/>
-              <a:t>Middleware</a:t>
-            </a:r>
-          </a:p>
-        </p:txBody>
-      </p:sp>
-      <p:sp>
-        <p:nvSpPr>
-          <p:cNvPr id="6" name="Rectangle 5">
-            <a:extLst>
-              <a:ext uri="{FF2B5EF4-FFF2-40B4-BE49-F238E27FC236}">
-                <a16:creationId xmlns:a16="http://schemas.microsoft.com/office/drawing/2014/main" id="{8D766063-C198-33DA-8562-B163437010CB}"/>
-              </a:ext>
-            </a:extLst>
-          </p:cNvPr>
-          <p:cNvSpPr/>
-          <p:nvPr/>
-        </p:nvSpPr>
-        <p:spPr>
-          <a:xfrm>
-            <a:off x="2165444" y="4312692"/>
-            <a:ext cx="2925172" cy="655093"/>
-          </a:xfrm>
-          <a:prstGeom prst="rect">
-            <a:avLst/>
-          </a:prstGeom>
-        </p:spPr>
-        <p:style>
-          <a:lnRef idx="2">
-            <a:schemeClr val="accent1">
-              <a:shade val="50000"/>
-            </a:schemeClr>
-          </a:lnRef>
-          <a:fillRef idx="1">
-            <a:schemeClr val="accent1"/>
-          </a:fillRef>
-          <a:effectRef idx="0">
-            <a:schemeClr val="accent1"/>
-          </a:effectRef>
-          <a:fontRef idx="minor">
-            <a:schemeClr val="lt1"/>
-          </a:fontRef>
-        </p:style>
-        <p:txBody>
-          <a:bodyPr rtlCol="0" anchor="ctr"/>
-          <a:lstStyle/>
-          <a:p>
-            <a:pPr algn="ctr"/>
-            <a:r>
-              <a:rPr lang="en-US" dirty="0"/>
-              <a:t>Middleware</a:t>
-            </a:r>
-          </a:p>
-        </p:txBody>
-      </p:sp>
-      <p:sp>
-        <p:nvSpPr>
-          <p:cNvPr id="7" name="Rectangle 6">
-            <a:extLst>
-              <a:ext uri="{FF2B5EF4-FFF2-40B4-BE49-F238E27FC236}">
-                <a16:creationId xmlns:a16="http://schemas.microsoft.com/office/drawing/2014/main" id="{A637279C-BE2E-99BA-73F6-42327B3FF3FC}"/>
-              </a:ext>
-            </a:extLst>
-          </p:cNvPr>
-          <p:cNvSpPr/>
-          <p:nvPr/>
-        </p:nvSpPr>
-        <p:spPr>
-          <a:xfrm>
-            <a:off x="2165444" y="5476116"/>
-            <a:ext cx="2925172" cy="655093"/>
-          </a:xfrm>
-          <a:prstGeom prst="rect">
-            <a:avLst/>
-          </a:prstGeom>
-        </p:spPr>
-        <p:style>
-          <a:lnRef idx="2">
-            <a:schemeClr val="accent1">
-              <a:shade val="50000"/>
-            </a:schemeClr>
-          </a:lnRef>
-          <a:fillRef idx="1">
-            <a:schemeClr val="accent1"/>
-          </a:fillRef>
-          <a:effectRef idx="0">
-            <a:schemeClr val="accent1"/>
-          </a:effectRef>
-          <a:fontRef idx="minor">
-            <a:schemeClr val="lt1"/>
-          </a:fontRef>
-        </p:style>
-        <p:txBody>
-          <a:bodyPr rtlCol="0" anchor="ctr"/>
-          <a:lstStyle/>
-          <a:p>
-            <a:pPr algn="ctr"/>
-            <a:r>
-              <a:rPr lang="en-US" dirty="0"/>
-              <a:t>Response</a:t>
-            </a:r>
-          </a:p>
-        </p:txBody>
-      </p:sp>
-      <p:sp>
-        <p:nvSpPr>
-          <p:cNvPr id="8" name="Arrow: Down 7">
-            <a:extLst>
-              <a:ext uri="{FF2B5EF4-FFF2-40B4-BE49-F238E27FC236}">
-                <a16:creationId xmlns:a16="http://schemas.microsoft.com/office/drawing/2014/main" id="{309BA848-ED3C-8FB9-CA3E-FD21E56EF260}"/>
-              </a:ext>
-            </a:extLst>
-          </p:cNvPr>
-          <p:cNvSpPr/>
-          <p:nvPr/>
-        </p:nvSpPr>
-        <p:spPr>
-          <a:xfrm>
-            <a:off x="3347113" y="2347414"/>
-            <a:ext cx="760863" cy="506697"/>
-          </a:xfrm>
-          <a:prstGeom prst="downArrow">
-            <a:avLst/>
-          </a:prstGeom>
-        </p:spPr>
-        <p:style>
-          <a:lnRef idx="2">
-            <a:schemeClr val="accent1">
-              <a:shade val="50000"/>
-            </a:schemeClr>
-          </a:lnRef>
-          <a:fillRef idx="1">
-            <a:schemeClr val="accent1"/>
-          </a:fillRef>
-          <a:effectRef idx="0">
-            <a:schemeClr val="accent1"/>
-          </a:effectRef>
-          <a:fontRef idx="minor">
-            <a:schemeClr val="lt1"/>
-          </a:fontRef>
-        </p:style>
-        <p:txBody>
-          <a:bodyPr rtlCol="0" anchor="ctr"/>
-          <a:lstStyle/>
-          <a:p>
-            <a:pPr algn="ctr"/>
             <a:endParaRPr lang="en-US"/>
           </a:p>
         </p:txBody>
       </p:sp>
       <p:sp>
         <p:nvSpPr>
-          <p:cNvPr id="9" name="Arrow: Down 8">
-            <a:extLst>
-              <a:ext uri="{FF2B5EF4-FFF2-40B4-BE49-F238E27FC236}">
-                <a16:creationId xmlns:a16="http://schemas.microsoft.com/office/drawing/2014/main" id="{A72D8F6F-B290-B397-3340-19F9DF02E311}"/>
-              </a:ext>
-            </a:extLst>
-          </p:cNvPr>
-          <p:cNvSpPr/>
-          <p:nvPr/>
-        </p:nvSpPr>
-        <p:spPr>
-          <a:xfrm>
-            <a:off x="3347113" y="3722474"/>
-            <a:ext cx="760863" cy="506697"/>
-          </a:xfrm>
-          <a:prstGeom prst="downArrow">
-            <a:avLst/>
-          </a:prstGeom>
-        </p:spPr>
-        <p:style>
-          <a:lnRef idx="2">
-            <a:schemeClr val="accent1">
-              <a:shade val="50000"/>
-            </a:schemeClr>
-          </a:lnRef>
-          <a:fillRef idx="1">
-            <a:schemeClr val="accent1"/>
-          </a:fillRef>
-          <a:effectRef idx="0">
-            <a:schemeClr val="accent1"/>
-          </a:effectRef>
-          <a:fontRef idx="minor">
-            <a:schemeClr val="lt1"/>
-          </a:fontRef>
-        </p:style>
-        <p:txBody>
-          <a:bodyPr rtlCol="0" anchor="ctr"/>
-          <a:lstStyle/>
-          <a:p>
-            <a:pPr algn="ctr"/>
-            <a:endParaRPr lang="en-US"/>
-          </a:p>
-        </p:txBody>
-      </p:sp>
-      <p:sp>
-        <p:nvSpPr>
-          <p:cNvPr id="10" name="Arrow: Down 9">
-            <a:extLst>
-              <a:ext uri="{FF2B5EF4-FFF2-40B4-BE49-F238E27FC236}">
-                <a16:creationId xmlns:a16="http://schemas.microsoft.com/office/drawing/2014/main" id="{EC32C9DC-8A17-EF04-D06D-1B5665178222}"/>
-              </a:ext>
-            </a:extLst>
-          </p:cNvPr>
-          <p:cNvSpPr/>
-          <p:nvPr/>
-        </p:nvSpPr>
-        <p:spPr>
-          <a:xfrm>
-            <a:off x="3347113" y="4959278"/>
-            <a:ext cx="760863" cy="506697"/>
-          </a:xfrm>
-          <a:prstGeom prst="downArrow">
-            <a:avLst/>
-          </a:prstGeom>
-        </p:spPr>
-        <p:style>
-          <a:lnRef idx="2">
-            <a:schemeClr val="accent1">
-              <a:shade val="50000"/>
-            </a:schemeClr>
-          </a:lnRef>
-          <a:fillRef idx="1">
-            <a:schemeClr val="accent1"/>
-          </a:fillRef>
-          <a:effectRef idx="0">
-            <a:schemeClr val="accent1"/>
-          </a:effectRef>
-          <a:fontRef idx="minor">
-            <a:schemeClr val="lt1"/>
-          </a:fontRef>
-        </p:style>
-        <p:txBody>
-          <a:bodyPr rtlCol="0" anchor="ctr"/>
-          <a:lstStyle/>
-          <a:p>
-            <a:pPr algn="ctr"/>
-            <a:endParaRPr lang="en-US"/>
-          </a:p>
-        </p:txBody>
-      </p:sp>
-      <p:sp>
-        <p:nvSpPr>
-          <p:cNvPr id="11" name="TextBox 10">
-            <a:extLst>
-              <a:ext uri="{FF2B5EF4-FFF2-40B4-BE49-F238E27FC236}">
-                <a16:creationId xmlns:a16="http://schemas.microsoft.com/office/drawing/2014/main" id="{3ADB6175-1A65-30F3-0B61-27141DD57927}"/>
-              </a:ext>
-            </a:extLst>
-          </p:cNvPr>
-          <p:cNvSpPr txBox="1"/>
-          <p:nvPr/>
-        </p:nvSpPr>
-        <p:spPr>
-          <a:xfrm>
-            <a:off x="5704764" y="3126740"/>
-            <a:ext cx="2299860" cy="369332"/>
-          </a:xfrm>
-          <a:prstGeom prst="rect">
-            <a:avLst/>
-          </a:prstGeom>
-          <a:noFill/>
-        </p:spPr>
-        <p:txBody>
-          <a:bodyPr wrap="none" rtlCol="0">
-            <a:spAutoFit/>
+          <p:cNvPr id="3" name="Content Placeholder 2">
+            <a:extLst>
+              <a:ext uri="{FF2B5EF4-FFF2-40B4-BE49-F238E27FC236}">
+                <a16:creationId xmlns:a16="http://schemas.microsoft.com/office/drawing/2014/main" id="{F820FC9E-2047-EE18-CBFC-B404DF4C82F8}"/>
+              </a:ext>
+            </a:extLst>
+          </p:cNvPr>
+          <p:cNvSpPr>
+            <a:spLocks noGrp="1"/>
+          </p:cNvSpPr>
+          <p:nvPr>
+            <p:ph idx="1"/>
+          </p:nvPr>
+        </p:nvSpPr>
+        <p:spPr/>
+        <p:txBody>
+          <a:bodyPr>
+            <a:normAutofit fontScale="92500" lnSpcReduction="20000"/>
           </a:bodyPr>
           <a:lstStyle/>
           <a:p>
             <a:r>
               <a:rPr lang="en-US" dirty="0"/>
-              <a:t>(req, res, next) =&gt; { … }</a:t>
-            </a:r>
-          </a:p>
-        </p:txBody>
-      </p:sp>
-      <p:sp>
-        <p:nvSpPr>
-          <p:cNvPr id="12" name="TextBox 11">
-            <a:extLst>
-              <a:ext uri="{FF2B5EF4-FFF2-40B4-BE49-F238E27FC236}">
-                <a16:creationId xmlns:a16="http://schemas.microsoft.com/office/drawing/2014/main" id="{C52DBD79-1EAE-E3C2-02C2-AE1406320BFD}"/>
-              </a:ext>
-            </a:extLst>
-          </p:cNvPr>
-          <p:cNvSpPr txBox="1"/>
-          <p:nvPr/>
-        </p:nvSpPr>
-        <p:spPr>
-          <a:xfrm>
-            <a:off x="5704764" y="4455572"/>
-            <a:ext cx="2299860" cy="369332"/>
-          </a:xfrm>
-          <a:prstGeom prst="rect">
-            <a:avLst/>
-          </a:prstGeom>
-          <a:noFill/>
-        </p:spPr>
-        <p:txBody>
-          <a:bodyPr wrap="none" rtlCol="0">
-            <a:spAutoFit/>
-          </a:bodyPr>
-          <a:lstStyle/>
-          <a:p>
-            <a:r>
-              <a:rPr lang="en-US" dirty="0"/>
-              <a:t>(req, res, next) =&gt; { … }</a:t>
-            </a:r>
-          </a:p>
-        </p:txBody>
-      </p:sp>
-      <p:sp>
-        <p:nvSpPr>
-          <p:cNvPr id="13" name="TextBox 12">
-            <a:extLst>
-              <a:ext uri="{FF2B5EF4-FFF2-40B4-BE49-F238E27FC236}">
-                <a16:creationId xmlns:a16="http://schemas.microsoft.com/office/drawing/2014/main" id="{5EFD16AA-8CA4-F2D5-D042-BDACB080C8B4}"/>
-              </a:ext>
-            </a:extLst>
-          </p:cNvPr>
-          <p:cNvSpPr txBox="1"/>
-          <p:nvPr/>
-        </p:nvSpPr>
-        <p:spPr>
-          <a:xfrm>
-            <a:off x="4271749" y="3800479"/>
-            <a:ext cx="763799" cy="369332"/>
-          </a:xfrm>
-          <a:prstGeom prst="rect">
-            <a:avLst/>
-          </a:prstGeom>
-          <a:noFill/>
-        </p:spPr>
-        <p:txBody>
-          <a:bodyPr wrap="none" rtlCol="0">
-            <a:spAutoFit/>
-          </a:bodyPr>
-          <a:lstStyle/>
-          <a:p>
-            <a:r>
-              <a:rPr lang="en-US" dirty="0"/>
-              <a:t>Next()</a:t>
-            </a:r>
-          </a:p>
-        </p:txBody>
-      </p:sp>
-      <p:sp>
-        <p:nvSpPr>
-          <p:cNvPr id="14" name="TextBox 13">
-            <a:extLst>
-              <a:ext uri="{FF2B5EF4-FFF2-40B4-BE49-F238E27FC236}">
-                <a16:creationId xmlns:a16="http://schemas.microsoft.com/office/drawing/2014/main" id="{8327B208-2B81-63D4-1507-B13FBB606B94}"/>
-              </a:ext>
-            </a:extLst>
-          </p:cNvPr>
-          <p:cNvSpPr txBox="1"/>
-          <p:nvPr/>
-        </p:nvSpPr>
-        <p:spPr>
-          <a:xfrm>
-            <a:off x="4436237" y="5027960"/>
-            <a:ext cx="1158459" cy="369332"/>
-          </a:xfrm>
-          <a:prstGeom prst="rect">
-            <a:avLst/>
-          </a:prstGeom>
-          <a:noFill/>
-        </p:spPr>
-        <p:txBody>
-          <a:bodyPr wrap="none" rtlCol="0">
-            <a:spAutoFit/>
-          </a:bodyPr>
-          <a:lstStyle/>
-          <a:p>
-            <a:r>
-              <a:rPr lang="en-US" dirty="0" err="1"/>
-              <a:t>Res.send</a:t>
-            </a:r>
-            <a:r>
-              <a:rPr lang="en-US" dirty="0"/>
-              <a:t>()</a:t>
+              <a:t>Installing Express.js</a:t>
+            </a:r>
+          </a:p>
+          <a:p>
+            <a:r>
+              <a:rPr lang="en-US" dirty="0"/>
+              <a:t>Handling different Routes</a:t>
+            </a:r>
+          </a:p>
+          <a:p>
+            <a:r>
+              <a:rPr lang="en-US" dirty="0"/>
+              <a:t>Parsing Incoming Requests</a:t>
+            </a:r>
+          </a:p>
+          <a:p>
+            <a:r>
+              <a:rPr lang="en-US" dirty="0"/>
+              <a:t>Execution to POST Requests</a:t>
+            </a:r>
+          </a:p>
+          <a:p>
+            <a:r>
+              <a:rPr lang="en-US" dirty="0"/>
+              <a:t>Using express Router</a:t>
+            </a:r>
+          </a:p>
+          <a:p>
+            <a:r>
+              <a:rPr lang="en-US" dirty="0"/>
+              <a:t>Adding a 404 Error Page</a:t>
+            </a:r>
+          </a:p>
+          <a:p>
+            <a:r>
+              <a:rPr lang="en-US" dirty="0"/>
+              <a:t>Filtering Paths</a:t>
+            </a:r>
+          </a:p>
+          <a:p>
+            <a:r>
+              <a:rPr lang="en-US" dirty="0"/>
+              <a:t>Creating HTML Pages</a:t>
+            </a:r>
+          </a:p>
+          <a:p>
+            <a:r>
+              <a:rPr lang="en-US" dirty="0"/>
+              <a:t>Serving HTML Pages</a:t>
+            </a:r>
+          </a:p>
+          <a:p>
+            <a:r>
+              <a:rPr lang="en-US" dirty="0"/>
+              <a:t>Returning a 404 page</a:t>
             </a:r>
           </a:p>
         </p:txBody>
@@ -19039,7 +19042,993 @@
     </p:spTree>
     <p:extLst>
       <p:ext uri="{BB962C8B-B14F-4D97-AF65-F5344CB8AC3E}">
-        <p14:creationId xmlns:p14="http://schemas.microsoft.com/office/powerpoint/2010/main" val="402300067"/>
+        <p14:creationId xmlns:p14="http://schemas.microsoft.com/office/powerpoint/2010/main" val="3405965181"/>
+      </p:ext>
+    </p:extLst>
+  </p:cSld>
+  <p:clrMapOvr>
+    <a:masterClrMapping/>
+  </p:clrMapOvr>
+</p:sld>
+</file>
+
+<file path=ppt/slides/slide53.xml><?xml version="1.0" encoding="utf-8"?>
+<p:sld xmlns:a="http://schemas.openxmlformats.org/drawingml/2006/main" xmlns:r="http://schemas.openxmlformats.org/officeDocument/2006/relationships" xmlns:p="http://schemas.openxmlformats.org/presentationml/2006/main">
+  <p:cSld>
+    <p:spTree>
+      <p:nvGrpSpPr>
+        <p:cNvPr id="1" name=""/>
+        <p:cNvGrpSpPr/>
+        <p:nvPr/>
+      </p:nvGrpSpPr>
+      <p:grpSpPr>
+        <a:xfrm>
+          <a:off x="0" y="0"/>
+          <a:ext cx="0" cy="0"/>
+          <a:chOff x="0" y="0"/>
+          <a:chExt cx="0" cy="0"/>
+        </a:xfrm>
+      </p:grpSpPr>
+      <p:sp>
+        <p:nvSpPr>
+          <p:cNvPr id="3" name="Content Placeholder 2">
+            <a:extLst>
+              <a:ext uri="{FF2B5EF4-FFF2-40B4-BE49-F238E27FC236}">
+                <a16:creationId xmlns:a16="http://schemas.microsoft.com/office/drawing/2014/main" id="{3C1C7540-797F-9679-C982-692CC49FB6C0}"/>
+              </a:ext>
+            </a:extLst>
+          </p:cNvPr>
+          <p:cNvSpPr>
+            <a:spLocks noGrp="1"/>
+          </p:cNvSpPr>
+          <p:nvPr>
+            <p:ph idx="1"/>
+          </p:nvPr>
+        </p:nvSpPr>
+        <p:spPr>
+          <a:xfrm>
+            <a:off x="838200" y="297180"/>
+            <a:ext cx="10515600" cy="5879783"/>
+          </a:xfrm>
+        </p:spPr>
+        <p:txBody>
+          <a:bodyPr/>
+          <a:lstStyle/>
+          <a:p>
+            <a:r>
+              <a:rPr lang="en-US" dirty="0"/>
+              <a:t>Using helper function for Navigation</a:t>
+            </a:r>
+          </a:p>
+          <a:p>
+            <a:r>
+              <a:rPr lang="en-US" dirty="0"/>
+              <a:t>Styling our Pages.</a:t>
+            </a:r>
+          </a:p>
+        </p:txBody>
+      </p:sp>
+    </p:spTree>
+    <p:extLst>
+      <p:ext uri="{BB962C8B-B14F-4D97-AF65-F5344CB8AC3E}">
+        <p14:creationId xmlns:p14="http://schemas.microsoft.com/office/powerpoint/2010/main" val="710650270"/>
+      </p:ext>
+    </p:extLst>
+  </p:cSld>
+  <p:clrMapOvr>
+    <a:masterClrMapping/>
+  </p:clrMapOvr>
+</p:sld>
+</file>
+
+<file path=ppt/slides/slide54.xml><?xml version="1.0" encoding="utf-8"?>
+<p:sld xmlns:a="http://schemas.openxmlformats.org/drawingml/2006/main" xmlns:r="http://schemas.openxmlformats.org/officeDocument/2006/relationships" xmlns:p="http://schemas.openxmlformats.org/presentationml/2006/main">
+  <p:cSld>
+    <p:spTree>
+      <p:nvGrpSpPr>
+        <p:cNvPr id="1" name=""/>
+        <p:cNvGrpSpPr/>
+        <p:nvPr/>
+      </p:nvGrpSpPr>
+      <p:grpSpPr>
+        <a:xfrm>
+          <a:off x="0" y="0"/>
+          <a:ext cx="0" cy="0"/>
+          <a:chOff x="0" y="0"/>
+          <a:chExt cx="0" cy="0"/>
+        </a:xfrm>
+      </p:grpSpPr>
+      <p:sp>
+        <p:nvSpPr>
+          <p:cNvPr id="2" name="Title 1">
+            <a:extLst>
+              <a:ext uri="{FF2B5EF4-FFF2-40B4-BE49-F238E27FC236}">
+                <a16:creationId xmlns:a16="http://schemas.microsoft.com/office/drawing/2014/main" id="{FAFEF7DD-5C7B-6242-5292-00E6495FBAC0}"/>
+              </a:ext>
+            </a:extLst>
+          </p:cNvPr>
+          <p:cNvSpPr>
+            <a:spLocks noGrp="1"/>
+          </p:cNvSpPr>
+          <p:nvPr>
+            <p:ph type="title"/>
+          </p:nvPr>
+        </p:nvSpPr>
+        <p:spPr>
+          <a:xfrm>
+            <a:off x="224051" y="228648"/>
+            <a:ext cx="3679209" cy="549275"/>
+          </a:xfrm>
+        </p:spPr>
+        <p:txBody>
+          <a:bodyPr>
+            <a:normAutofit/>
+          </a:bodyPr>
+          <a:lstStyle/>
+          <a:p>
+            <a:r>
+              <a:rPr lang="en-US" sz="3200" dirty="0"/>
+              <a:t>Module Summary</a:t>
+            </a:r>
+          </a:p>
+        </p:txBody>
+      </p:sp>
+      <p:grpSp>
+        <p:nvGrpSpPr>
+          <p:cNvPr id="6" name="Group 5">
+            <a:extLst>
+              <a:ext uri="{FF2B5EF4-FFF2-40B4-BE49-F238E27FC236}">
+                <a16:creationId xmlns:a16="http://schemas.microsoft.com/office/drawing/2014/main" id="{2CDFA146-A2C5-B43F-4AD6-5A5BDFD56C79}"/>
+              </a:ext>
+            </a:extLst>
+          </p:cNvPr>
+          <p:cNvGrpSpPr/>
+          <p:nvPr/>
+        </p:nvGrpSpPr>
+        <p:grpSpPr>
+          <a:xfrm>
+            <a:off x="382137" y="3739486"/>
+            <a:ext cx="4976884" cy="2743200"/>
+            <a:chOff x="1119116" y="1078173"/>
+            <a:chExt cx="3679209" cy="2743200"/>
+          </a:xfrm>
+        </p:grpSpPr>
+        <p:sp>
+          <p:nvSpPr>
+            <p:cNvPr id="4" name="Rectangle 3">
+              <a:extLst>
+                <a:ext uri="{FF2B5EF4-FFF2-40B4-BE49-F238E27FC236}">
+                  <a16:creationId xmlns:a16="http://schemas.microsoft.com/office/drawing/2014/main" id="{42BFC0F5-6B03-953C-43F2-CFEBA8C9F0A8}"/>
+                </a:ext>
+              </a:extLst>
+            </p:cNvPr>
+            <p:cNvSpPr/>
+            <p:nvPr/>
+          </p:nvSpPr>
+          <p:spPr>
+            <a:xfrm>
+              <a:off x="1119116" y="1078173"/>
+              <a:ext cx="3679209" cy="368490"/>
+            </a:xfrm>
+            <a:prstGeom prst="rect">
+              <a:avLst/>
+            </a:prstGeom>
+          </p:spPr>
+          <p:style>
+            <a:lnRef idx="2">
+              <a:schemeClr val="accent1">
+                <a:shade val="50000"/>
+              </a:schemeClr>
+            </a:lnRef>
+            <a:fillRef idx="1">
+              <a:schemeClr val="accent1"/>
+            </a:fillRef>
+            <a:effectRef idx="0">
+              <a:schemeClr val="accent1"/>
+            </a:effectRef>
+            <a:fontRef idx="minor">
+              <a:schemeClr val="lt1"/>
+            </a:fontRef>
+          </p:style>
+          <p:txBody>
+            <a:bodyPr rtlCol="0" anchor="ctr"/>
+            <a:lstStyle/>
+            <a:p>
+              <a:pPr algn="ctr"/>
+              <a:r>
+                <a:rPr lang="en-US" dirty="0">
+                  <a:ln w="0"/>
+                  <a:solidFill>
+                    <a:schemeClr val="tx1"/>
+                  </a:solidFill>
+                  <a:effectLst>
+                    <a:outerShdw blurRad="38100" dist="19050" dir="2700000" algn="tl" rotWithShape="0">
+                      <a:schemeClr val="dk1">
+                        <a:alpha val="40000"/>
+                      </a:schemeClr>
+                    </a:outerShdw>
+                  </a:effectLst>
+                </a:rPr>
+                <a:t>Middleware, next() and res()</a:t>
+              </a:r>
+            </a:p>
+          </p:txBody>
+        </p:sp>
+        <p:sp>
+          <p:nvSpPr>
+            <p:cNvPr id="5" name="Rectangle 4">
+              <a:extLst>
+                <a:ext uri="{FF2B5EF4-FFF2-40B4-BE49-F238E27FC236}">
+                  <a16:creationId xmlns:a16="http://schemas.microsoft.com/office/drawing/2014/main" id="{03C6FD19-509B-A08F-BEE3-F81264DC0281}"/>
+                </a:ext>
+              </a:extLst>
+            </p:cNvPr>
+            <p:cNvSpPr/>
+            <p:nvPr/>
+          </p:nvSpPr>
+          <p:spPr>
+            <a:xfrm>
+              <a:off x="1119116" y="1446662"/>
+              <a:ext cx="3679209" cy="2374711"/>
+            </a:xfrm>
+            <a:prstGeom prst="rect">
+              <a:avLst/>
+            </a:prstGeom>
+            <a:solidFill>
+              <a:schemeClr val="accent1">
+                <a:lumMod val="60000"/>
+                <a:lumOff val="40000"/>
+              </a:schemeClr>
+            </a:solidFill>
+          </p:spPr>
+          <p:style>
+            <a:lnRef idx="2">
+              <a:schemeClr val="accent1">
+                <a:shade val="50000"/>
+              </a:schemeClr>
+            </a:lnRef>
+            <a:fillRef idx="1">
+              <a:schemeClr val="accent1"/>
+            </a:fillRef>
+            <a:effectRef idx="0">
+              <a:schemeClr val="accent1"/>
+            </a:effectRef>
+            <a:fontRef idx="minor">
+              <a:schemeClr val="lt1"/>
+            </a:fontRef>
+          </p:style>
+          <p:txBody>
+            <a:bodyPr rtlCol="0" anchor="ctr"/>
+            <a:lstStyle/>
+            <a:p>
+              <a:pPr marL="285750" indent="-285750" algn="just">
+                <a:buFont typeface="Arial" panose="020B0604020202020204" pitchFamily="34" charset="0"/>
+                <a:buChar char="•"/>
+              </a:pPr>
+              <a:r>
+                <a:rPr lang="en-US" dirty="0">
+                  <a:ln w="0"/>
+                  <a:solidFill>
+                    <a:schemeClr val="tx1"/>
+                  </a:solidFill>
+                  <a:effectLst>
+                    <a:outerShdw blurRad="38100" dist="19050" dir="2700000" algn="tl" rotWithShape="0">
+                      <a:schemeClr val="dk1">
+                        <a:alpha val="40000"/>
+                      </a:schemeClr>
+                    </a:outerShdw>
+                  </a:effectLst>
+                </a:rPr>
+                <a:t>Express.js relies heavily on middleware functions – you can easily add them by calling use()</a:t>
+              </a:r>
+            </a:p>
+            <a:p>
+              <a:pPr marL="285750" indent="-285750" algn="just">
+                <a:buFont typeface="Arial" panose="020B0604020202020204" pitchFamily="34" charset="0"/>
+                <a:buChar char="•"/>
+              </a:pPr>
+              <a:r>
+                <a:rPr lang="en-US" dirty="0">
+                  <a:ln w="0"/>
+                  <a:solidFill>
+                    <a:schemeClr val="tx1"/>
+                  </a:solidFill>
+                  <a:effectLst>
+                    <a:outerShdw blurRad="38100" dist="19050" dir="2700000" algn="tl" rotWithShape="0">
+                      <a:schemeClr val="dk1">
+                        <a:alpha val="40000"/>
+                      </a:schemeClr>
+                    </a:outerShdw>
+                  </a:effectLst>
+                </a:rPr>
+                <a:t>Middleware functions handle a request and should call next() to forward the request to the next function in line or send a response</a:t>
+              </a:r>
+            </a:p>
+          </p:txBody>
+        </p:sp>
+      </p:grpSp>
+      <p:grpSp>
+        <p:nvGrpSpPr>
+          <p:cNvPr id="7" name="Group 6">
+            <a:extLst>
+              <a:ext uri="{FF2B5EF4-FFF2-40B4-BE49-F238E27FC236}">
+                <a16:creationId xmlns:a16="http://schemas.microsoft.com/office/drawing/2014/main" id="{5440085A-C8B5-6DEB-AF3D-D5FFF269B952}"/>
+              </a:ext>
+            </a:extLst>
+          </p:cNvPr>
+          <p:cNvGrpSpPr/>
+          <p:nvPr/>
+        </p:nvGrpSpPr>
+        <p:grpSpPr>
+          <a:xfrm>
+            <a:off x="224051" y="777923"/>
+            <a:ext cx="4976884" cy="2743200"/>
+            <a:chOff x="1119116" y="1078173"/>
+            <a:chExt cx="3679209" cy="2743200"/>
+          </a:xfrm>
+        </p:grpSpPr>
+        <p:sp>
+          <p:nvSpPr>
+            <p:cNvPr id="8" name="Rectangle 7">
+              <a:extLst>
+                <a:ext uri="{FF2B5EF4-FFF2-40B4-BE49-F238E27FC236}">
+                  <a16:creationId xmlns:a16="http://schemas.microsoft.com/office/drawing/2014/main" id="{58FB43F5-9D66-B02F-AF45-15038860C766}"/>
+                </a:ext>
+              </a:extLst>
+            </p:cNvPr>
+            <p:cNvSpPr/>
+            <p:nvPr/>
+          </p:nvSpPr>
+          <p:spPr>
+            <a:xfrm>
+              <a:off x="1119116" y="1078173"/>
+              <a:ext cx="3679209" cy="368490"/>
+            </a:xfrm>
+            <a:prstGeom prst="rect">
+              <a:avLst/>
+            </a:prstGeom>
+          </p:spPr>
+          <p:style>
+            <a:lnRef idx="2">
+              <a:schemeClr val="accent1">
+                <a:shade val="50000"/>
+              </a:schemeClr>
+            </a:lnRef>
+            <a:fillRef idx="1">
+              <a:schemeClr val="accent1"/>
+            </a:fillRef>
+            <a:effectRef idx="0">
+              <a:schemeClr val="accent1"/>
+            </a:effectRef>
+            <a:fontRef idx="minor">
+              <a:schemeClr val="lt1"/>
+            </a:fontRef>
+          </p:style>
+          <p:txBody>
+            <a:bodyPr rtlCol="0" anchor="ctr"/>
+            <a:lstStyle/>
+            <a:p>
+              <a:pPr algn="ctr"/>
+              <a:r>
+                <a:rPr lang="en-US" dirty="0">
+                  <a:ln w="0"/>
+                  <a:solidFill>
+                    <a:schemeClr val="tx1"/>
+                  </a:solidFill>
+                  <a:effectLst>
+                    <a:outerShdw blurRad="38100" dist="19050" dir="2700000" algn="tl" rotWithShape="0">
+                      <a:schemeClr val="dk1">
+                        <a:alpha val="40000"/>
+                      </a:schemeClr>
+                    </a:outerShdw>
+                  </a:effectLst>
+                </a:rPr>
+                <a:t>What is Express.js?</a:t>
+              </a:r>
+            </a:p>
+          </p:txBody>
+        </p:sp>
+        <p:sp>
+          <p:nvSpPr>
+            <p:cNvPr id="9" name="Rectangle 8">
+              <a:extLst>
+                <a:ext uri="{FF2B5EF4-FFF2-40B4-BE49-F238E27FC236}">
+                  <a16:creationId xmlns:a16="http://schemas.microsoft.com/office/drawing/2014/main" id="{06451C02-4D7F-0049-076C-0BD49E78B736}"/>
+                </a:ext>
+              </a:extLst>
+            </p:cNvPr>
+            <p:cNvSpPr/>
+            <p:nvPr/>
+          </p:nvSpPr>
+          <p:spPr>
+            <a:xfrm>
+              <a:off x="1119116" y="1446662"/>
+              <a:ext cx="3679209" cy="2374711"/>
+            </a:xfrm>
+            <a:prstGeom prst="rect">
+              <a:avLst/>
+            </a:prstGeom>
+            <a:solidFill>
+              <a:schemeClr val="accent1">
+                <a:lumMod val="60000"/>
+                <a:lumOff val="40000"/>
+              </a:schemeClr>
+            </a:solidFill>
+          </p:spPr>
+          <p:style>
+            <a:lnRef idx="2">
+              <a:schemeClr val="accent1">
+                <a:shade val="50000"/>
+              </a:schemeClr>
+            </a:lnRef>
+            <a:fillRef idx="1">
+              <a:schemeClr val="accent1"/>
+            </a:fillRef>
+            <a:effectRef idx="0">
+              <a:schemeClr val="accent1"/>
+            </a:effectRef>
+            <a:fontRef idx="minor">
+              <a:schemeClr val="lt1"/>
+            </a:fontRef>
+          </p:style>
+          <p:txBody>
+            <a:bodyPr rtlCol="0" anchor="ctr"/>
+            <a:lstStyle/>
+            <a:p>
+              <a:pPr marL="285750" indent="-285750" algn="just">
+                <a:buFont typeface="Arial" panose="020B0604020202020204" pitchFamily="34" charset="0"/>
+                <a:buChar char="•"/>
+              </a:pPr>
+              <a:r>
+                <a:rPr lang="en-US" dirty="0">
+                  <a:ln w="0"/>
+                  <a:solidFill>
+                    <a:schemeClr val="tx1"/>
+                  </a:solidFill>
+                  <a:effectLst>
+                    <a:outerShdw blurRad="38100" dist="19050" dir="2700000" algn="tl" rotWithShape="0">
+                      <a:schemeClr val="dk1">
+                        <a:alpha val="40000"/>
+                      </a:schemeClr>
+                    </a:outerShdw>
+                  </a:effectLst>
+                </a:rPr>
+                <a:t>Express.js is Node.js framework – a package that adds a bunch of utility functions and tools and a clear set of rules on how the app should be built (middleware)</a:t>
+              </a:r>
+            </a:p>
+            <a:p>
+              <a:pPr marL="285750" indent="-285750" algn="just">
+                <a:buFont typeface="Arial" panose="020B0604020202020204" pitchFamily="34" charset="0"/>
+                <a:buChar char="•"/>
+              </a:pPr>
+              <a:r>
+                <a:rPr lang="en-US" dirty="0">
+                  <a:ln w="0"/>
+                  <a:solidFill>
+                    <a:schemeClr val="tx1"/>
+                  </a:solidFill>
+                  <a:effectLst>
+                    <a:outerShdw blurRad="38100" dist="19050" dir="2700000" algn="tl" rotWithShape="0">
+                      <a:schemeClr val="dk1">
+                        <a:alpha val="40000"/>
+                      </a:schemeClr>
+                    </a:outerShdw>
+                  </a:effectLst>
+                </a:rPr>
+                <a:t>It’s highly extensible and other packages can be plugged into it (middleware!)</a:t>
+              </a:r>
+            </a:p>
+          </p:txBody>
+        </p:sp>
+      </p:grpSp>
+      <p:grpSp>
+        <p:nvGrpSpPr>
+          <p:cNvPr id="10" name="Group 9">
+            <a:extLst>
+              <a:ext uri="{FF2B5EF4-FFF2-40B4-BE49-F238E27FC236}">
+                <a16:creationId xmlns:a16="http://schemas.microsoft.com/office/drawing/2014/main" id="{62159BF3-0500-24E5-F271-F7649BF3C901}"/>
+              </a:ext>
+            </a:extLst>
+          </p:cNvPr>
+          <p:cNvGrpSpPr/>
+          <p:nvPr/>
+        </p:nvGrpSpPr>
+        <p:grpSpPr>
+          <a:xfrm>
+            <a:off x="6096000" y="3364174"/>
+            <a:ext cx="4976884" cy="2743200"/>
+            <a:chOff x="1119116" y="1078173"/>
+            <a:chExt cx="3679209" cy="2743200"/>
+          </a:xfrm>
+        </p:grpSpPr>
+        <p:sp>
+          <p:nvSpPr>
+            <p:cNvPr id="11" name="Rectangle 10">
+              <a:extLst>
+                <a:ext uri="{FF2B5EF4-FFF2-40B4-BE49-F238E27FC236}">
+                  <a16:creationId xmlns:a16="http://schemas.microsoft.com/office/drawing/2014/main" id="{EA41FF3F-6010-930B-C25D-8BB5C0B5E722}"/>
+                </a:ext>
+              </a:extLst>
+            </p:cNvPr>
+            <p:cNvSpPr/>
+            <p:nvPr/>
+          </p:nvSpPr>
+          <p:spPr>
+            <a:xfrm>
+              <a:off x="1119116" y="1078173"/>
+              <a:ext cx="3679209" cy="368490"/>
+            </a:xfrm>
+            <a:prstGeom prst="rect">
+              <a:avLst/>
+            </a:prstGeom>
+          </p:spPr>
+          <p:style>
+            <a:lnRef idx="2">
+              <a:schemeClr val="accent1">
+                <a:shade val="50000"/>
+              </a:schemeClr>
+            </a:lnRef>
+            <a:fillRef idx="1">
+              <a:schemeClr val="accent1"/>
+            </a:fillRef>
+            <a:effectRef idx="0">
+              <a:schemeClr val="accent1"/>
+            </a:effectRef>
+            <a:fontRef idx="minor">
+              <a:schemeClr val="lt1"/>
+            </a:fontRef>
+          </p:style>
+          <p:txBody>
+            <a:bodyPr rtlCol="0" anchor="ctr"/>
+            <a:lstStyle/>
+            <a:p>
+              <a:pPr algn="ctr"/>
+              <a:r>
+                <a:rPr lang="en-US" dirty="0">
+                  <a:ln w="0"/>
+                  <a:solidFill>
+                    <a:schemeClr val="tx1"/>
+                  </a:solidFill>
+                  <a:effectLst>
+                    <a:outerShdw blurRad="38100" dist="19050" dir="2700000" algn="tl" rotWithShape="0">
+                      <a:schemeClr val="dk1">
+                        <a:alpha val="40000"/>
+                      </a:schemeClr>
+                    </a:outerShdw>
+                  </a:effectLst>
+                </a:rPr>
+                <a:t>Serve Files</a:t>
+              </a:r>
+            </a:p>
+          </p:txBody>
+        </p:sp>
+        <p:sp>
+          <p:nvSpPr>
+            <p:cNvPr id="12" name="Rectangle 11">
+              <a:extLst>
+                <a:ext uri="{FF2B5EF4-FFF2-40B4-BE49-F238E27FC236}">
+                  <a16:creationId xmlns:a16="http://schemas.microsoft.com/office/drawing/2014/main" id="{0104C878-4D75-E077-F1D2-B51932266870}"/>
+                </a:ext>
+              </a:extLst>
+            </p:cNvPr>
+            <p:cNvSpPr/>
+            <p:nvPr/>
+          </p:nvSpPr>
+          <p:spPr>
+            <a:xfrm>
+              <a:off x="1119116" y="1446662"/>
+              <a:ext cx="3679209" cy="2374711"/>
+            </a:xfrm>
+            <a:prstGeom prst="rect">
+              <a:avLst/>
+            </a:prstGeom>
+            <a:solidFill>
+              <a:schemeClr val="accent1">
+                <a:lumMod val="60000"/>
+                <a:lumOff val="40000"/>
+              </a:schemeClr>
+            </a:solidFill>
+          </p:spPr>
+          <p:style>
+            <a:lnRef idx="2">
+              <a:schemeClr val="accent1">
+                <a:shade val="50000"/>
+              </a:schemeClr>
+            </a:lnRef>
+            <a:fillRef idx="1">
+              <a:schemeClr val="accent1"/>
+            </a:fillRef>
+            <a:effectRef idx="0">
+              <a:schemeClr val="accent1"/>
+            </a:effectRef>
+            <a:fontRef idx="minor">
+              <a:schemeClr val="lt1"/>
+            </a:fontRef>
+          </p:style>
+          <p:txBody>
+            <a:bodyPr rtlCol="0" anchor="ctr"/>
+            <a:lstStyle/>
+            <a:p>
+              <a:pPr marL="285750" indent="-285750" algn="just">
+                <a:buFont typeface="Arial" panose="020B0604020202020204" pitchFamily="34" charset="0"/>
+                <a:buChar char="•"/>
+              </a:pPr>
+              <a:r>
+                <a:rPr lang="en-US" dirty="0">
+                  <a:ln w="0"/>
+                  <a:solidFill>
+                    <a:schemeClr val="tx1"/>
+                  </a:solidFill>
+                  <a:effectLst>
+                    <a:outerShdw blurRad="38100" dist="19050" dir="2700000" algn="tl" rotWithShape="0">
+                      <a:schemeClr val="dk1">
+                        <a:alpha val="40000"/>
+                      </a:schemeClr>
+                    </a:outerShdw>
+                  </a:effectLst>
+                </a:rPr>
+                <a:t>You’re not limited to serving dummy text as a response</a:t>
+              </a:r>
+            </a:p>
+            <a:p>
+              <a:pPr marL="285750" indent="-285750" algn="just">
+                <a:buFont typeface="Arial" panose="020B0604020202020204" pitchFamily="34" charset="0"/>
+                <a:buChar char="•"/>
+              </a:pPr>
+              <a:r>
+                <a:rPr lang="en-US" dirty="0">
+                  <a:ln w="0"/>
+                  <a:solidFill>
+                    <a:schemeClr val="tx1"/>
+                  </a:solidFill>
+                  <a:effectLst>
+                    <a:outerShdw blurRad="38100" dist="19050" dir="2700000" algn="tl" rotWithShape="0">
+                      <a:schemeClr val="dk1">
+                        <a:alpha val="40000"/>
+                      </a:schemeClr>
+                    </a:outerShdw>
+                  </a:effectLst>
+                </a:rPr>
+                <a:t>You can sendFile()s to your users – e.g. HTML files</a:t>
+              </a:r>
+            </a:p>
+            <a:p>
+              <a:pPr marL="285750" indent="-285750" algn="just">
+                <a:buFont typeface="Arial" panose="020B0604020202020204" pitchFamily="34" charset="0"/>
+                <a:buChar char="•"/>
+              </a:pPr>
+              <a:r>
+                <a:rPr lang="en-US" dirty="0">
+                  <a:ln w="0"/>
+                  <a:solidFill>
+                    <a:schemeClr val="tx1"/>
+                  </a:solidFill>
+                  <a:effectLst>
+                    <a:outerShdw blurRad="38100" dist="19050" dir="2700000" algn="tl" rotWithShape="0">
+                      <a:schemeClr val="dk1">
+                        <a:alpha val="40000"/>
+                      </a:schemeClr>
+                    </a:outerShdw>
+                  </a:effectLst>
+                </a:rPr>
+                <a:t>If a request is directly made for a file(e.g. a .css file is requested),you can enable static serving for such files via </a:t>
+              </a:r>
+              <a:r>
+                <a:rPr lang="en-US" dirty="0" err="1">
+                  <a:ln w="0"/>
+                  <a:solidFill>
+                    <a:schemeClr val="tx1"/>
+                  </a:solidFill>
+                  <a:effectLst>
+                    <a:outerShdw blurRad="38100" dist="19050" dir="2700000" algn="tl" rotWithShape="0">
+                      <a:schemeClr val="dk1">
+                        <a:alpha val="40000"/>
+                      </a:schemeClr>
+                    </a:outerShdw>
+                  </a:effectLst>
+                </a:rPr>
+                <a:t>express.static</a:t>
+              </a:r>
+              <a:r>
+                <a:rPr lang="en-US" dirty="0">
+                  <a:ln w="0"/>
+                  <a:solidFill>
+                    <a:schemeClr val="tx1"/>
+                  </a:solidFill>
+                  <a:effectLst>
+                    <a:outerShdw blurRad="38100" dist="19050" dir="2700000" algn="tl" rotWithShape="0">
+                      <a:schemeClr val="dk1">
+                        <a:alpha val="40000"/>
+                      </a:schemeClr>
+                    </a:outerShdw>
+                  </a:effectLst>
+                </a:rPr>
+                <a:t>()</a:t>
+              </a:r>
+            </a:p>
+          </p:txBody>
+        </p:sp>
+      </p:grpSp>
+      <p:grpSp>
+        <p:nvGrpSpPr>
+          <p:cNvPr id="13" name="Group 12">
+            <a:extLst>
+              <a:ext uri="{FF2B5EF4-FFF2-40B4-BE49-F238E27FC236}">
+                <a16:creationId xmlns:a16="http://schemas.microsoft.com/office/drawing/2014/main" id="{5F6D7794-02FE-7DE5-47DA-2D95B92BBCB8}"/>
+              </a:ext>
+            </a:extLst>
+          </p:cNvPr>
+          <p:cNvGrpSpPr/>
+          <p:nvPr/>
+        </p:nvGrpSpPr>
+        <p:grpSpPr>
+          <a:xfrm>
+            <a:off x="6096000" y="382137"/>
+            <a:ext cx="4976884" cy="2743200"/>
+            <a:chOff x="1119116" y="1078173"/>
+            <a:chExt cx="3679209" cy="2743200"/>
+          </a:xfrm>
+        </p:grpSpPr>
+        <p:sp>
+          <p:nvSpPr>
+            <p:cNvPr id="14" name="Rectangle 13">
+              <a:extLst>
+                <a:ext uri="{FF2B5EF4-FFF2-40B4-BE49-F238E27FC236}">
+                  <a16:creationId xmlns:a16="http://schemas.microsoft.com/office/drawing/2014/main" id="{134C7AE0-E29C-A27A-A70A-A71E297250FE}"/>
+                </a:ext>
+              </a:extLst>
+            </p:cNvPr>
+            <p:cNvSpPr/>
+            <p:nvPr/>
+          </p:nvSpPr>
+          <p:spPr>
+            <a:xfrm>
+              <a:off x="1119116" y="1078173"/>
+              <a:ext cx="3679209" cy="368490"/>
+            </a:xfrm>
+            <a:prstGeom prst="rect">
+              <a:avLst/>
+            </a:prstGeom>
+          </p:spPr>
+          <p:style>
+            <a:lnRef idx="2">
+              <a:schemeClr val="accent1">
+                <a:shade val="50000"/>
+              </a:schemeClr>
+            </a:lnRef>
+            <a:fillRef idx="1">
+              <a:schemeClr val="accent1"/>
+            </a:fillRef>
+            <a:effectRef idx="0">
+              <a:schemeClr val="accent1"/>
+            </a:effectRef>
+            <a:fontRef idx="minor">
+              <a:schemeClr val="lt1"/>
+            </a:fontRef>
+          </p:style>
+          <p:txBody>
+            <a:bodyPr rtlCol="0" anchor="ctr"/>
+            <a:lstStyle/>
+            <a:p>
+              <a:pPr algn="ctr"/>
+              <a:r>
+                <a:rPr lang="en-US" dirty="0">
+                  <a:ln w="0"/>
+                  <a:solidFill>
+                    <a:schemeClr val="tx1"/>
+                  </a:solidFill>
+                  <a:effectLst>
+                    <a:outerShdw blurRad="38100" dist="19050" dir="2700000" algn="tl" rotWithShape="0">
+                      <a:schemeClr val="dk1">
+                        <a:alpha val="40000"/>
+                      </a:schemeClr>
+                    </a:outerShdw>
+                  </a:effectLst>
+                </a:rPr>
+                <a:t>Routing</a:t>
+              </a:r>
+            </a:p>
+          </p:txBody>
+        </p:sp>
+        <p:sp>
+          <p:nvSpPr>
+            <p:cNvPr id="15" name="Rectangle 14">
+              <a:extLst>
+                <a:ext uri="{FF2B5EF4-FFF2-40B4-BE49-F238E27FC236}">
+                  <a16:creationId xmlns:a16="http://schemas.microsoft.com/office/drawing/2014/main" id="{6ED58231-1DD4-BE49-5CF4-FF0E79865B48}"/>
+                </a:ext>
+              </a:extLst>
+            </p:cNvPr>
+            <p:cNvSpPr/>
+            <p:nvPr/>
+          </p:nvSpPr>
+          <p:spPr>
+            <a:xfrm>
+              <a:off x="1119116" y="1446662"/>
+              <a:ext cx="3679209" cy="2374711"/>
+            </a:xfrm>
+            <a:prstGeom prst="rect">
+              <a:avLst/>
+            </a:prstGeom>
+            <a:solidFill>
+              <a:schemeClr val="accent1">
+                <a:lumMod val="60000"/>
+                <a:lumOff val="40000"/>
+              </a:schemeClr>
+            </a:solidFill>
+          </p:spPr>
+          <p:style>
+            <a:lnRef idx="2">
+              <a:schemeClr val="accent1">
+                <a:shade val="50000"/>
+              </a:schemeClr>
+            </a:lnRef>
+            <a:fillRef idx="1">
+              <a:schemeClr val="accent1"/>
+            </a:fillRef>
+            <a:effectRef idx="0">
+              <a:schemeClr val="accent1"/>
+            </a:effectRef>
+            <a:fontRef idx="minor">
+              <a:schemeClr val="lt1"/>
+            </a:fontRef>
+          </p:style>
+          <p:txBody>
+            <a:bodyPr rtlCol="0" anchor="ctr"/>
+            <a:lstStyle/>
+            <a:p>
+              <a:pPr marL="285750" indent="-285750" algn="just">
+                <a:buFont typeface="Arial" panose="020B0604020202020204" pitchFamily="34" charset="0"/>
+                <a:buChar char="•"/>
+              </a:pPr>
+              <a:r>
+                <a:rPr lang="en-US" dirty="0">
+                  <a:ln w="0"/>
+                  <a:solidFill>
+                    <a:schemeClr val="tx1"/>
+                  </a:solidFill>
+                  <a:effectLst>
+                    <a:outerShdw blurRad="38100" dist="19050" dir="2700000" algn="tl" rotWithShape="0">
+                      <a:schemeClr val="dk1">
+                        <a:alpha val="40000"/>
+                      </a:schemeClr>
+                    </a:outerShdw>
+                  </a:effectLst>
+                </a:rPr>
+                <a:t>You can filter requests by path and method</a:t>
+              </a:r>
+            </a:p>
+            <a:p>
+              <a:pPr marL="285750" indent="-285750" algn="just">
+                <a:buFont typeface="Arial" panose="020B0604020202020204" pitchFamily="34" charset="0"/>
+                <a:buChar char="•"/>
+              </a:pPr>
+              <a:r>
+                <a:rPr lang="en-US" dirty="0">
+                  <a:ln w="0"/>
+                  <a:solidFill>
+                    <a:schemeClr val="tx1"/>
+                  </a:solidFill>
+                  <a:effectLst>
+                    <a:outerShdw blurRad="38100" dist="19050" dir="2700000" algn="tl" rotWithShape="0">
+                      <a:schemeClr val="dk1">
+                        <a:alpha val="40000"/>
+                      </a:schemeClr>
+                    </a:outerShdw>
+                  </a:effectLst>
+                </a:rPr>
+                <a:t>If you filter by method, paths are matched exactly, otherwise, the first segment of a URL is matched</a:t>
+              </a:r>
+            </a:p>
+            <a:p>
+              <a:pPr marL="285750" indent="-285750" algn="just">
+                <a:buFont typeface="Arial" panose="020B0604020202020204" pitchFamily="34" charset="0"/>
+                <a:buChar char="•"/>
+              </a:pPr>
+              <a:r>
+                <a:rPr lang="en-US" dirty="0">
+                  <a:ln w="0"/>
+                  <a:solidFill>
+                    <a:schemeClr val="tx1"/>
+                  </a:solidFill>
+                  <a:effectLst>
+                    <a:outerShdw blurRad="38100" dist="19050" dir="2700000" algn="tl" rotWithShape="0">
+                      <a:schemeClr val="dk1">
+                        <a:alpha val="40000"/>
+                      </a:schemeClr>
+                    </a:outerShdw>
+                  </a:effectLst>
+                </a:rPr>
+                <a:t>You can use the express.Router to split your routes across files elegantly</a:t>
+              </a:r>
+            </a:p>
+          </p:txBody>
+        </p:sp>
+      </p:grpSp>
+    </p:spTree>
+    <p:extLst>
+      <p:ext uri="{BB962C8B-B14F-4D97-AF65-F5344CB8AC3E}">
+        <p14:creationId xmlns:p14="http://schemas.microsoft.com/office/powerpoint/2010/main" val="3755865714"/>
+      </p:ext>
+    </p:extLst>
+  </p:cSld>
+  <p:clrMapOvr>
+    <a:masterClrMapping/>
+  </p:clrMapOvr>
+</p:sld>
+</file>
+
+<file path=ppt/slides/slide55.xml><?xml version="1.0" encoding="utf-8"?>
+<p:sld xmlns:a="http://schemas.openxmlformats.org/drawingml/2006/main" xmlns:r="http://schemas.openxmlformats.org/officeDocument/2006/relationships" xmlns:p="http://schemas.openxmlformats.org/presentationml/2006/main">
+  <p:cSld>
+    <p:spTree>
+      <p:nvGrpSpPr>
+        <p:cNvPr id="1" name=""/>
+        <p:cNvGrpSpPr/>
+        <p:nvPr/>
+      </p:nvGrpSpPr>
+      <p:grpSpPr>
+        <a:xfrm>
+          <a:off x="0" y="0"/>
+          <a:ext cx="0" cy="0"/>
+          <a:chOff x="0" y="0"/>
+          <a:chExt cx="0" cy="0"/>
+        </a:xfrm>
+      </p:grpSpPr>
+      <p:sp>
+        <p:nvSpPr>
+          <p:cNvPr id="2" name="Title 1">
+            <a:extLst>
+              <a:ext uri="{FF2B5EF4-FFF2-40B4-BE49-F238E27FC236}">
+                <a16:creationId xmlns:a16="http://schemas.microsoft.com/office/drawing/2014/main" id="{222A1768-A71F-2E4D-84E3-70CF89F0B8FC}"/>
+              </a:ext>
+            </a:extLst>
+          </p:cNvPr>
+          <p:cNvSpPr>
+            <a:spLocks noGrp="1"/>
+          </p:cNvSpPr>
+          <p:nvPr>
+            <p:ph type="title"/>
+          </p:nvPr>
+        </p:nvSpPr>
+        <p:spPr/>
+        <p:txBody>
+          <a:bodyPr/>
+          <a:lstStyle/>
+          <a:p>
+            <a:endParaRPr lang="en-US"/>
+          </a:p>
+        </p:txBody>
+      </p:sp>
+      <p:sp>
+        <p:nvSpPr>
+          <p:cNvPr id="3" name="Content Placeholder 2">
+            <a:extLst>
+              <a:ext uri="{FF2B5EF4-FFF2-40B4-BE49-F238E27FC236}">
+                <a16:creationId xmlns:a16="http://schemas.microsoft.com/office/drawing/2014/main" id="{F21EA31A-4A02-0775-4370-4A178153F02E}"/>
+              </a:ext>
+            </a:extLst>
+          </p:cNvPr>
+          <p:cNvSpPr>
+            <a:spLocks noGrp="1"/>
+          </p:cNvSpPr>
+          <p:nvPr>
+            <p:ph idx="1"/>
+          </p:nvPr>
+        </p:nvSpPr>
+        <p:spPr/>
+        <p:txBody>
+          <a:bodyPr/>
+          <a:lstStyle/>
+          <a:p>
+            <a:endParaRPr lang="en-US"/>
+          </a:p>
+        </p:txBody>
+      </p:sp>
+    </p:spTree>
+    <p:extLst>
+      <p:ext uri="{BB962C8B-B14F-4D97-AF65-F5344CB8AC3E}">
+        <p14:creationId xmlns:p14="http://schemas.microsoft.com/office/powerpoint/2010/main" val="3591980761"/>
       </p:ext>
     </p:extLst>
   </p:cSld>

--- a/What is Node.pptx
+++ b/What is Node.pptx
@@ -5,7 +5,7 @@
     <p:sldMasterId id="2147483648" r:id="rId1"/>
   </p:sldMasterIdLst>
   <p:notesMasterIdLst>
-    <p:notesMasterId r:id="rId57"/>
+    <p:notesMasterId r:id="rId58"/>
   </p:notesMasterIdLst>
   <p:sldIdLst>
     <p:sldId id="256" r:id="rId2"/>
@@ -62,7 +62,8 @@
     <p:sldId id="306" r:id="rId53"/>
     <p:sldId id="308" r:id="rId54"/>
     <p:sldId id="309" r:id="rId55"/>
-    <p:sldId id="310" r:id="rId56"/>
+    <p:sldId id="311" r:id="rId56"/>
+    <p:sldId id="310" r:id="rId57"/>
   </p:sldIdLst>
   <p:sldSz cx="12192000" cy="6858000"/>
   <p:notesSz cx="6858000" cy="9144000"/>
@@ -251,7 +252,7 @@
           <a:p>
             <a:fld id="{95AD9242-1F6D-4439-B4E3-3D1C86DAD4C7}" type="datetimeFigureOut">
               <a:rPr lang="en-US" smtClean="0"/>
-              <a:t>4/12/2023</a:t>
+              <a:t>4/13/2023</a:t>
             </a:fld>
             <a:endParaRPr lang="en-US"/>
           </a:p>
@@ -665,7 +666,7 @@
           <a:p>
             <a:fld id="{17C5991C-D94C-4C76-AE92-3C44B7FD323B}" type="datetimeFigureOut">
               <a:rPr lang="en-US" smtClean="0"/>
-              <a:t>4/12/2023</a:t>
+              <a:t>4/13/2023</a:t>
             </a:fld>
             <a:endParaRPr lang="en-US"/>
           </a:p>
@@ -863,7 +864,7 @@
           <a:p>
             <a:fld id="{17C5991C-D94C-4C76-AE92-3C44B7FD323B}" type="datetimeFigureOut">
               <a:rPr lang="en-US" smtClean="0"/>
-              <a:t>4/12/2023</a:t>
+              <a:t>4/13/2023</a:t>
             </a:fld>
             <a:endParaRPr lang="en-US"/>
           </a:p>
@@ -1071,7 +1072,7 @@
           <a:p>
             <a:fld id="{17C5991C-D94C-4C76-AE92-3C44B7FD323B}" type="datetimeFigureOut">
               <a:rPr lang="en-US" smtClean="0"/>
-              <a:t>4/12/2023</a:t>
+              <a:t>4/13/2023</a:t>
             </a:fld>
             <a:endParaRPr lang="en-US"/>
           </a:p>
@@ -1269,7 +1270,7 @@
           <a:p>
             <a:fld id="{17C5991C-D94C-4C76-AE92-3C44B7FD323B}" type="datetimeFigureOut">
               <a:rPr lang="en-US" smtClean="0"/>
-              <a:t>4/12/2023</a:t>
+              <a:t>4/13/2023</a:t>
             </a:fld>
             <a:endParaRPr lang="en-US"/>
           </a:p>
@@ -1544,7 +1545,7 @@
           <a:p>
             <a:fld id="{17C5991C-D94C-4C76-AE92-3C44B7FD323B}" type="datetimeFigureOut">
               <a:rPr lang="en-US" smtClean="0"/>
-              <a:t>4/12/2023</a:t>
+              <a:t>4/13/2023</a:t>
             </a:fld>
             <a:endParaRPr lang="en-US"/>
           </a:p>
@@ -1809,7 +1810,7 @@
           <a:p>
             <a:fld id="{17C5991C-D94C-4C76-AE92-3C44B7FD323B}" type="datetimeFigureOut">
               <a:rPr lang="en-US" smtClean="0"/>
-              <a:t>4/12/2023</a:t>
+              <a:t>4/13/2023</a:t>
             </a:fld>
             <a:endParaRPr lang="en-US"/>
           </a:p>
@@ -2221,7 +2222,7 @@
           <a:p>
             <a:fld id="{17C5991C-D94C-4C76-AE92-3C44B7FD323B}" type="datetimeFigureOut">
               <a:rPr lang="en-US" smtClean="0"/>
-              <a:t>4/12/2023</a:t>
+              <a:t>4/13/2023</a:t>
             </a:fld>
             <a:endParaRPr lang="en-US"/>
           </a:p>
@@ -2362,7 +2363,7 @@
           <a:p>
             <a:fld id="{17C5991C-D94C-4C76-AE92-3C44B7FD323B}" type="datetimeFigureOut">
               <a:rPr lang="en-US" smtClean="0"/>
-              <a:t>4/12/2023</a:t>
+              <a:t>4/13/2023</a:t>
             </a:fld>
             <a:endParaRPr lang="en-US"/>
           </a:p>
@@ -2475,7 +2476,7 @@
           <a:p>
             <a:fld id="{17C5991C-D94C-4C76-AE92-3C44B7FD323B}" type="datetimeFigureOut">
               <a:rPr lang="en-US" smtClean="0"/>
-              <a:t>4/12/2023</a:t>
+              <a:t>4/13/2023</a:t>
             </a:fld>
             <a:endParaRPr lang="en-US"/>
           </a:p>
@@ -2786,7 +2787,7 @@
           <a:p>
             <a:fld id="{17C5991C-D94C-4C76-AE92-3C44B7FD323B}" type="datetimeFigureOut">
               <a:rPr lang="en-US" smtClean="0"/>
-              <a:t>4/12/2023</a:t>
+              <a:t>4/13/2023</a:t>
             </a:fld>
             <a:endParaRPr lang="en-US"/>
           </a:p>
@@ -3074,7 +3075,7 @@
           <a:p>
             <a:fld id="{17C5991C-D94C-4C76-AE92-3C44B7FD323B}" type="datetimeFigureOut">
               <a:rPr lang="en-US" smtClean="0"/>
-              <a:t>4/12/2023</a:t>
+              <a:t>4/13/2023</a:t>
             </a:fld>
             <a:endParaRPr lang="en-US"/>
           </a:p>
@@ -3315,7 +3316,7 @@
           <a:p>
             <a:fld id="{17C5991C-D94C-4C76-AE92-3C44B7FD323B}" type="datetimeFigureOut">
               <a:rPr lang="en-US" smtClean="0"/>
-              <a:t>4/12/2023</a:t>
+              <a:t>4/13/2023</a:t>
             </a:fld>
             <a:endParaRPr lang="en-US"/>
           </a:p>
@@ -19977,6 +19978,81 @@
       </p:grpSpPr>
       <p:sp>
         <p:nvSpPr>
+          <p:cNvPr id="3" name="Content Placeholder 2">
+            <a:extLst>
+              <a:ext uri="{FF2B5EF4-FFF2-40B4-BE49-F238E27FC236}">
+                <a16:creationId xmlns:a16="http://schemas.microsoft.com/office/drawing/2014/main" id="{48490C68-2F87-6CB9-275C-D649DABEFFC5}"/>
+              </a:ext>
+            </a:extLst>
+          </p:cNvPr>
+          <p:cNvSpPr>
+            <a:spLocks noGrp="1"/>
+          </p:cNvSpPr>
+          <p:nvPr>
+            <p:ph idx="1"/>
+          </p:nvPr>
+        </p:nvSpPr>
+        <p:spPr>
+          <a:xfrm>
+            <a:off x="838200" y="218364"/>
+            <a:ext cx="10515600" cy="5958599"/>
+          </a:xfrm>
+        </p:spPr>
+        <p:txBody>
+          <a:bodyPr/>
+          <a:lstStyle/>
+          <a:p>
+            <a:r>
+              <a:rPr lang="en-US" dirty="0"/>
+              <a:t>Converting HTML Files to Pug</a:t>
+            </a:r>
+          </a:p>
+          <a:p>
+            <a:r>
+              <a:rPr lang="en-US" dirty="0"/>
+              <a:t>Adding a Layout</a:t>
+            </a:r>
+          </a:p>
+          <a:p>
+            <a:r>
+              <a:rPr lang="en-US" dirty="0"/>
+              <a:t>Finishing the Pug Template</a:t>
+            </a:r>
+          </a:p>
+        </p:txBody>
+      </p:sp>
+    </p:spTree>
+    <p:extLst>
+      <p:ext uri="{BB962C8B-B14F-4D97-AF65-F5344CB8AC3E}">
+        <p14:creationId xmlns:p14="http://schemas.microsoft.com/office/powerpoint/2010/main" val="3773576378"/>
+      </p:ext>
+    </p:extLst>
+  </p:cSld>
+  <p:clrMapOvr>
+    <a:masterClrMapping/>
+  </p:clrMapOvr>
+</p:sld>
+</file>
+
+<file path=ppt/slides/slide56.xml><?xml version="1.0" encoding="utf-8"?>
+<p:sld xmlns:a="http://schemas.openxmlformats.org/drawingml/2006/main" xmlns:r="http://schemas.openxmlformats.org/officeDocument/2006/relationships" xmlns:p="http://schemas.openxmlformats.org/presentationml/2006/main">
+  <p:cSld>
+    <p:spTree>
+      <p:nvGrpSpPr>
+        <p:cNvPr id="1" name=""/>
+        <p:cNvGrpSpPr/>
+        <p:nvPr/>
+      </p:nvGrpSpPr>
+      <p:grpSpPr>
+        <a:xfrm>
+          <a:off x="0" y="0"/>
+          <a:ext cx="0" cy="0"/>
+          <a:chOff x="0" y="0"/>
+          <a:chExt cx="0" cy="0"/>
+        </a:xfrm>
+      </p:grpSpPr>
+      <p:sp>
+        <p:nvSpPr>
           <p:cNvPr id="2" name="Title 1">
             <a:extLst>
               <a:ext uri="{FF2B5EF4-FFF2-40B4-BE49-F238E27FC236}">

--- a/What is Node.pptx
+++ b/What is Node.pptx
@@ -252,7 +252,7 @@
           <a:p>
             <a:fld id="{95AD9242-1F6D-4439-B4E3-3D1C86DAD4C7}" type="datetimeFigureOut">
               <a:rPr lang="en-US" smtClean="0"/>
-              <a:t>4/13/2023</a:t>
+              <a:t>4/17/2023</a:t>
             </a:fld>
             <a:endParaRPr lang="en-US"/>
           </a:p>
@@ -666,7 +666,7 @@
           <a:p>
             <a:fld id="{17C5991C-D94C-4C76-AE92-3C44B7FD323B}" type="datetimeFigureOut">
               <a:rPr lang="en-US" smtClean="0"/>
-              <a:t>4/13/2023</a:t>
+              <a:t>4/17/2023</a:t>
             </a:fld>
             <a:endParaRPr lang="en-US"/>
           </a:p>
@@ -864,7 +864,7 @@
           <a:p>
             <a:fld id="{17C5991C-D94C-4C76-AE92-3C44B7FD323B}" type="datetimeFigureOut">
               <a:rPr lang="en-US" smtClean="0"/>
-              <a:t>4/13/2023</a:t>
+              <a:t>4/17/2023</a:t>
             </a:fld>
             <a:endParaRPr lang="en-US"/>
           </a:p>
@@ -1072,7 +1072,7 @@
           <a:p>
             <a:fld id="{17C5991C-D94C-4C76-AE92-3C44B7FD323B}" type="datetimeFigureOut">
               <a:rPr lang="en-US" smtClean="0"/>
-              <a:t>4/13/2023</a:t>
+              <a:t>4/17/2023</a:t>
             </a:fld>
             <a:endParaRPr lang="en-US"/>
           </a:p>
@@ -1270,7 +1270,7 @@
           <a:p>
             <a:fld id="{17C5991C-D94C-4C76-AE92-3C44B7FD323B}" type="datetimeFigureOut">
               <a:rPr lang="en-US" smtClean="0"/>
-              <a:t>4/13/2023</a:t>
+              <a:t>4/17/2023</a:t>
             </a:fld>
             <a:endParaRPr lang="en-US"/>
           </a:p>
@@ -1545,7 +1545,7 @@
           <a:p>
             <a:fld id="{17C5991C-D94C-4C76-AE92-3C44B7FD323B}" type="datetimeFigureOut">
               <a:rPr lang="en-US" smtClean="0"/>
-              <a:t>4/13/2023</a:t>
+              <a:t>4/17/2023</a:t>
             </a:fld>
             <a:endParaRPr lang="en-US"/>
           </a:p>
@@ -1810,7 +1810,7 @@
           <a:p>
             <a:fld id="{17C5991C-D94C-4C76-AE92-3C44B7FD323B}" type="datetimeFigureOut">
               <a:rPr lang="en-US" smtClean="0"/>
-              <a:t>4/13/2023</a:t>
+              <a:t>4/17/2023</a:t>
             </a:fld>
             <a:endParaRPr lang="en-US"/>
           </a:p>
@@ -2222,7 +2222,7 @@
           <a:p>
             <a:fld id="{17C5991C-D94C-4C76-AE92-3C44B7FD323B}" type="datetimeFigureOut">
               <a:rPr lang="en-US" smtClean="0"/>
-              <a:t>4/13/2023</a:t>
+              <a:t>4/17/2023</a:t>
             </a:fld>
             <a:endParaRPr lang="en-US"/>
           </a:p>
@@ -2363,7 +2363,7 @@
           <a:p>
             <a:fld id="{17C5991C-D94C-4C76-AE92-3C44B7FD323B}" type="datetimeFigureOut">
               <a:rPr lang="en-US" smtClean="0"/>
-              <a:t>4/13/2023</a:t>
+              <a:t>4/17/2023</a:t>
             </a:fld>
             <a:endParaRPr lang="en-US"/>
           </a:p>
@@ -2476,7 +2476,7 @@
           <a:p>
             <a:fld id="{17C5991C-D94C-4C76-AE92-3C44B7FD323B}" type="datetimeFigureOut">
               <a:rPr lang="en-US" smtClean="0"/>
-              <a:t>4/13/2023</a:t>
+              <a:t>4/17/2023</a:t>
             </a:fld>
             <a:endParaRPr lang="en-US"/>
           </a:p>
@@ -2787,7 +2787,7 @@
           <a:p>
             <a:fld id="{17C5991C-D94C-4C76-AE92-3C44B7FD323B}" type="datetimeFigureOut">
               <a:rPr lang="en-US" smtClean="0"/>
-              <a:t>4/13/2023</a:t>
+              <a:t>4/17/2023</a:t>
             </a:fld>
             <a:endParaRPr lang="en-US"/>
           </a:p>
@@ -3075,7 +3075,7 @@
           <a:p>
             <a:fld id="{17C5991C-D94C-4C76-AE92-3C44B7FD323B}" type="datetimeFigureOut">
               <a:rPr lang="en-US" smtClean="0"/>
-              <a:t>4/13/2023</a:t>
+              <a:t>4/17/2023</a:t>
             </a:fld>
             <a:endParaRPr lang="en-US"/>
           </a:p>
@@ -3316,7 +3316,7 @@
           <a:p>
             <a:fld id="{17C5991C-D94C-4C76-AE92-3C44B7FD323B}" type="datetimeFigureOut">
               <a:rPr lang="en-US" smtClean="0"/>
-              <a:t>4/13/2023</a:t>
+              <a:t>4/17/2023</a:t>
             </a:fld>
             <a:endParaRPr lang="en-US"/>
           </a:p>
@@ -20072,7 +20072,10 @@
           <a:bodyPr/>
           <a:lstStyle/>
           <a:p>
-            <a:endParaRPr lang="en-US"/>
+            <a:r>
+              <a:rPr lang="en-US" dirty="0"/>
+              <a:t>Working with Handlebars</a:t>
+            </a:r>
           </a:p>
         </p:txBody>
       </p:sp>
@@ -20097,7 +20100,16 @@
           <a:bodyPr/>
           <a:lstStyle/>
           <a:p>
-            <a:endParaRPr lang="en-US"/>
+            <a:r>
+              <a:rPr lang="en-US" dirty="0"/>
+              <a:t>Converting our Project to Handlebars</a:t>
+            </a:r>
+          </a:p>
+          <a:p>
+            <a:r>
+              <a:rPr lang="en-US" dirty="0"/>
+              <a:t>Adding the Layout to Handlebars</a:t>
+            </a:r>
           </a:p>
         </p:txBody>
       </p:sp>

--- a/What is Node.pptx
+++ b/What is Node.pptx
@@ -252,7 +252,7 @@
           <a:p>
             <a:fld id="{95AD9242-1F6D-4439-B4E3-3D1C86DAD4C7}" type="datetimeFigureOut">
               <a:rPr lang="en-US" smtClean="0"/>
-              <a:t>4/17/2023</a:t>
+              <a:t>4/18/2023</a:t>
             </a:fld>
             <a:endParaRPr lang="en-US"/>
           </a:p>
@@ -666,7 +666,7 @@
           <a:p>
             <a:fld id="{17C5991C-D94C-4C76-AE92-3C44B7FD323B}" type="datetimeFigureOut">
               <a:rPr lang="en-US" smtClean="0"/>
-              <a:t>4/17/2023</a:t>
+              <a:t>4/18/2023</a:t>
             </a:fld>
             <a:endParaRPr lang="en-US"/>
           </a:p>
@@ -864,7 +864,7 @@
           <a:p>
             <a:fld id="{17C5991C-D94C-4C76-AE92-3C44B7FD323B}" type="datetimeFigureOut">
               <a:rPr lang="en-US" smtClean="0"/>
-              <a:t>4/17/2023</a:t>
+              <a:t>4/18/2023</a:t>
             </a:fld>
             <a:endParaRPr lang="en-US"/>
           </a:p>
@@ -1072,7 +1072,7 @@
           <a:p>
             <a:fld id="{17C5991C-D94C-4C76-AE92-3C44B7FD323B}" type="datetimeFigureOut">
               <a:rPr lang="en-US" smtClean="0"/>
-              <a:t>4/17/2023</a:t>
+              <a:t>4/18/2023</a:t>
             </a:fld>
             <a:endParaRPr lang="en-US"/>
           </a:p>
@@ -1270,7 +1270,7 @@
           <a:p>
             <a:fld id="{17C5991C-D94C-4C76-AE92-3C44B7FD323B}" type="datetimeFigureOut">
               <a:rPr lang="en-US" smtClean="0"/>
-              <a:t>4/17/2023</a:t>
+              <a:t>4/18/2023</a:t>
             </a:fld>
             <a:endParaRPr lang="en-US"/>
           </a:p>
@@ -1545,7 +1545,7 @@
           <a:p>
             <a:fld id="{17C5991C-D94C-4C76-AE92-3C44B7FD323B}" type="datetimeFigureOut">
               <a:rPr lang="en-US" smtClean="0"/>
-              <a:t>4/17/2023</a:t>
+              <a:t>4/18/2023</a:t>
             </a:fld>
             <a:endParaRPr lang="en-US"/>
           </a:p>
@@ -1810,7 +1810,7 @@
           <a:p>
             <a:fld id="{17C5991C-D94C-4C76-AE92-3C44B7FD323B}" type="datetimeFigureOut">
               <a:rPr lang="en-US" smtClean="0"/>
-              <a:t>4/17/2023</a:t>
+              <a:t>4/18/2023</a:t>
             </a:fld>
             <a:endParaRPr lang="en-US"/>
           </a:p>
@@ -2222,7 +2222,7 @@
           <a:p>
             <a:fld id="{17C5991C-D94C-4C76-AE92-3C44B7FD323B}" type="datetimeFigureOut">
               <a:rPr lang="en-US" smtClean="0"/>
-              <a:t>4/17/2023</a:t>
+              <a:t>4/18/2023</a:t>
             </a:fld>
             <a:endParaRPr lang="en-US"/>
           </a:p>
@@ -2363,7 +2363,7 @@
           <a:p>
             <a:fld id="{17C5991C-D94C-4C76-AE92-3C44B7FD323B}" type="datetimeFigureOut">
               <a:rPr lang="en-US" smtClean="0"/>
-              <a:t>4/17/2023</a:t>
+              <a:t>4/18/2023</a:t>
             </a:fld>
             <a:endParaRPr lang="en-US"/>
           </a:p>
@@ -2476,7 +2476,7 @@
           <a:p>
             <a:fld id="{17C5991C-D94C-4C76-AE92-3C44B7FD323B}" type="datetimeFigureOut">
               <a:rPr lang="en-US" smtClean="0"/>
-              <a:t>4/17/2023</a:t>
+              <a:t>4/18/2023</a:t>
             </a:fld>
             <a:endParaRPr lang="en-US"/>
           </a:p>
@@ -2787,7 +2787,7 @@
           <a:p>
             <a:fld id="{17C5991C-D94C-4C76-AE92-3C44B7FD323B}" type="datetimeFigureOut">
               <a:rPr lang="en-US" smtClean="0"/>
-              <a:t>4/17/2023</a:t>
+              <a:t>4/18/2023</a:t>
             </a:fld>
             <a:endParaRPr lang="en-US"/>
           </a:p>
@@ -3075,7 +3075,7 @@
           <a:p>
             <a:fld id="{17C5991C-D94C-4C76-AE92-3C44B7FD323B}" type="datetimeFigureOut">
               <a:rPr lang="en-US" smtClean="0"/>
-              <a:t>4/17/2023</a:t>
+              <a:t>4/18/2023</a:t>
             </a:fld>
             <a:endParaRPr lang="en-US"/>
           </a:p>
@@ -3316,7 +3316,7 @@
           <a:p>
             <a:fld id="{17C5991C-D94C-4C76-AE92-3C44B7FD323B}" type="datetimeFigureOut">
               <a:rPr lang="en-US" smtClean="0"/>
-              <a:t>4/17/2023</a:t>
+              <a:t>4/18/2023</a:t>
             </a:fld>
             <a:endParaRPr lang="en-US"/>
           </a:p>
@@ -20111,6 +20111,18 @@
               <a:t>Adding the Layout to Handlebars</a:t>
             </a:r>
           </a:p>
+          <a:p>
+            <a:r>
+              <a:rPr lang="en-US" dirty="0"/>
+              <a:t>Working with EJS</a:t>
+            </a:r>
+          </a:p>
+          <a:p>
+            <a:r>
+              <a:rPr lang="en-US" dirty="0"/>
+              <a:t>Working on the Layout with Partials.</a:t>
+            </a:r>
+          </a:p>
         </p:txBody>
       </p:sp>
     </p:spTree>

--- a/What is Node.pptx
+++ b/What is Node.pptx
@@ -5,7 +5,7 @@
     <p:sldMasterId id="2147483648" r:id="rId1"/>
   </p:sldMasterIdLst>
   <p:notesMasterIdLst>
-    <p:notesMasterId r:id="rId58"/>
+    <p:notesMasterId r:id="rId62"/>
   </p:notesMasterIdLst>
   <p:sldIdLst>
     <p:sldId id="256" r:id="rId2"/>
@@ -64,6 +64,10 @@
     <p:sldId id="309" r:id="rId55"/>
     <p:sldId id="311" r:id="rId56"/>
     <p:sldId id="310" r:id="rId57"/>
+    <p:sldId id="312" r:id="rId58"/>
+    <p:sldId id="313" r:id="rId59"/>
+    <p:sldId id="314" r:id="rId60"/>
+    <p:sldId id="315" r:id="rId61"/>
   </p:sldIdLst>
   <p:sldSz cx="12192000" cy="6858000"/>
   <p:notesSz cx="6858000" cy="9144000"/>
@@ -252,7 +256,7 @@
           <a:p>
             <a:fld id="{95AD9242-1F6D-4439-B4E3-3D1C86DAD4C7}" type="datetimeFigureOut">
               <a:rPr lang="en-US" smtClean="0"/>
-              <a:t>4/18/2023</a:t>
+              <a:t>4/19/2023</a:t>
             </a:fld>
             <a:endParaRPr lang="en-US"/>
           </a:p>
@@ -666,7 +670,7 @@
           <a:p>
             <a:fld id="{17C5991C-D94C-4C76-AE92-3C44B7FD323B}" type="datetimeFigureOut">
               <a:rPr lang="en-US" smtClean="0"/>
-              <a:t>4/18/2023</a:t>
+              <a:t>4/19/2023</a:t>
             </a:fld>
             <a:endParaRPr lang="en-US"/>
           </a:p>
@@ -864,7 +868,7 @@
           <a:p>
             <a:fld id="{17C5991C-D94C-4C76-AE92-3C44B7FD323B}" type="datetimeFigureOut">
               <a:rPr lang="en-US" smtClean="0"/>
-              <a:t>4/18/2023</a:t>
+              <a:t>4/19/2023</a:t>
             </a:fld>
             <a:endParaRPr lang="en-US"/>
           </a:p>
@@ -1072,7 +1076,7 @@
           <a:p>
             <a:fld id="{17C5991C-D94C-4C76-AE92-3C44B7FD323B}" type="datetimeFigureOut">
               <a:rPr lang="en-US" smtClean="0"/>
-              <a:t>4/18/2023</a:t>
+              <a:t>4/19/2023</a:t>
             </a:fld>
             <a:endParaRPr lang="en-US"/>
           </a:p>
@@ -1270,7 +1274,7 @@
           <a:p>
             <a:fld id="{17C5991C-D94C-4C76-AE92-3C44B7FD323B}" type="datetimeFigureOut">
               <a:rPr lang="en-US" smtClean="0"/>
-              <a:t>4/18/2023</a:t>
+              <a:t>4/19/2023</a:t>
             </a:fld>
             <a:endParaRPr lang="en-US"/>
           </a:p>
@@ -1545,7 +1549,7 @@
           <a:p>
             <a:fld id="{17C5991C-D94C-4C76-AE92-3C44B7FD323B}" type="datetimeFigureOut">
               <a:rPr lang="en-US" smtClean="0"/>
-              <a:t>4/18/2023</a:t>
+              <a:t>4/19/2023</a:t>
             </a:fld>
             <a:endParaRPr lang="en-US"/>
           </a:p>
@@ -1810,7 +1814,7 @@
           <a:p>
             <a:fld id="{17C5991C-D94C-4C76-AE92-3C44B7FD323B}" type="datetimeFigureOut">
               <a:rPr lang="en-US" smtClean="0"/>
-              <a:t>4/18/2023</a:t>
+              <a:t>4/19/2023</a:t>
             </a:fld>
             <a:endParaRPr lang="en-US"/>
           </a:p>
@@ -2222,7 +2226,7 @@
           <a:p>
             <a:fld id="{17C5991C-D94C-4C76-AE92-3C44B7FD323B}" type="datetimeFigureOut">
               <a:rPr lang="en-US" smtClean="0"/>
-              <a:t>4/18/2023</a:t>
+              <a:t>4/19/2023</a:t>
             </a:fld>
             <a:endParaRPr lang="en-US"/>
           </a:p>
@@ -2363,7 +2367,7 @@
           <a:p>
             <a:fld id="{17C5991C-D94C-4C76-AE92-3C44B7FD323B}" type="datetimeFigureOut">
               <a:rPr lang="en-US" smtClean="0"/>
-              <a:t>4/18/2023</a:t>
+              <a:t>4/19/2023</a:t>
             </a:fld>
             <a:endParaRPr lang="en-US"/>
           </a:p>
@@ -2476,7 +2480,7 @@
           <a:p>
             <a:fld id="{17C5991C-D94C-4C76-AE92-3C44B7FD323B}" type="datetimeFigureOut">
               <a:rPr lang="en-US" smtClean="0"/>
-              <a:t>4/18/2023</a:t>
+              <a:t>4/19/2023</a:t>
             </a:fld>
             <a:endParaRPr lang="en-US"/>
           </a:p>
@@ -2787,7 +2791,7 @@
           <a:p>
             <a:fld id="{17C5991C-D94C-4C76-AE92-3C44B7FD323B}" type="datetimeFigureOut">
               <a:rPr lang="en-US" smtClean="0"/>
-              <a:t>4/18/2023</a:t>
+              <a:t>4/19/2023</a:t>
             </a:fld>
             <a:endParaRPr lang="en-US"/>
           </a:p>
@@ -3075,7 +3079,7 @@
           <a:p>
             <a:fld id="{17C5991C-D94C-4C76-AE92-3C44B7FD323B}" type="datetimeFigureOut">
               <a:rPr lang="en-US" smtClean="0"/>
-              <a:t>4/18/2023</a:t>
+              <a:t>4/19/2023</a:t>
             </a:fld>
             <a:endParaRPr lang="en-US"/>
           </a:p>
@@ -3316,7 +3320,7 @@
           <a:p>
             <a:fld id="{17C5991C-D94C-4C76-AE92-3C44B7FD323B}" type="datetimeFigureOut">
               <a:rPr lang="en-US" smtClean="0"/>
-              <a:t>4/18/2023</a:t>
+              <a:t>4/19/2023</a:t>
             </a:fld>
             <a:endParaRPr lang="en-US"/>
           </a:p>
@@ -20138,6 +20142,852 @@
 </p:sld>
 </file>
 
+<file path=ppt/slides/slide57.xml><?xml version="1.0" encoding="utf-8"?>
+<p:sld xmlns:a="http://schemas.openxmlformats.org/drawingml/2006/main" xmlns:r="http://schemas.openxmlformats.org/officeDocument/2006/relationships" xmlns:p="http://schemas.openxmlformats.org/presentationml/2006/main">
+  <p:cSld>
+    <p:spTree>
+      <p:nvGrpSpPr>
+        <p:cNvPr id="1" name=""/>
+        <p:cNvGrpSpPr/>
+        <p:nvPr/>
+      </p:nvGrpSpPr>
+      <p:grpSpPr>
+        <a:xfrm>
+          <a:off x="0" y="0"/>
+          <a:ext cx="0" cy="0"/>
+          <a:chOff x="0" y="0"/>
+          <a:chExt cx="0" cy="0"/>
+        </a:xfrm>
+      </p:grpSpPr>
+      <p:sp>
+        <p:nvSpPr>
+          <p:cNvPr id="2" name="Title 1">
+            <a:extLst>
+              <a:ext uri="{FF2B5EF4-FFF2-40B4-BE49-F238E27FC236}">
+                <a16:creationId xmlns:a16="http://schemas.microsoft.com/office/drawing/2014/main" id="{4F2051B1-17FF-2474-A575-456EF97F39BD}"/>
+              </a:ext>
+            </a:extLst>
+          </p:cNvPr>
+          <p:cNvSpPr>
+            <a:spLocks noGrp="1"/>
+          </p:cNvSpPr>
+          <p:nvPr>
+            <p:ph type="title"/>
+          </p:nvPr>
+        </p:nvSpPr>
+        <p:spPr/>
+        <p:txBody>
+          <a:bodyPr/>
+          <a:lstStyle/>
+          <a:p>
+            <a:r>
+              <a:rPr lang="en-US" dirty="0"/>
+              <a:t>MVC Pattern</a:t>
+            </a:r>
+          </a:p>
+        </p:txBody>
+      </p:sp>
+      <p:sp>
+        <p:nvSpPr>
+          <p:cNvPr id="3" name="Content Placeholder 2">
+            <a:extLst>
+              <a:ext uri="{FF2B5EF4-FFF2-40B4-BE49-F238E27FC236}">
+                <a16:creationId xmlns:a16="http://schemas.microsoft.com/office/drawing/2014/main" id="{44BA3209-CD04-07FB-D245-E184BE0F9BB2}"/>
+              </a:ext>
+            </a:extLst>
+          </p:cNvPr>
+          <p:cNvSpPr>
+            <a:spLocks noGrp="1"/>
+          </p:cNvSpPr>
+          <p:nvPr>
+            <p:ph idx="1"/>
+          </p:nvPr>
+        </p:nvSpPr>
+        <p:spPr/>
+        <p:txBody>
+          <a:bodyPr/>
+          <a:lstStyle/>
+          <a:p>
+            <a:pPr marL="0" indent="0">
+              <a:buNone/>
+            </a:pPr>
+            <a:r>
+              <a:rPr lang="en-US" dirty="0"/>
+              <a:t>Model View Controller</a:t>
+            </a:r>
+          </a:p>
+        </p:txBody>
+      </p:sp>
+    </p:spTree>
+    <p:extLst>
+      <p:ext uri="{BB962C8B-B14F-4D97-AF65-F5344CB8AC3E}">
+        <p14:creationId xmlns:p14="http://schemas.microsoft.com/office/powerpoint/2010/main" val="1670480290"/>
+      </p:ext>
+    </p:extLst>
+  </p:cSld>
+  <p:clrMapOvr>
+    <a:masterClrMapping/>
+  </p:clrMapOvr>
+</p:sld>
+</file>
+
+<file path=ppt/slides/slide58.xml><?xml version="1.0" encoding="utf-8"?>
+<p:sld xmlns:a="http://schemas.openxmlformats.org/drawingml/2006/main" xmlns:r="http://schemas.openxmlformats.org/officeDocument/2006/relationships" xmlns:p="http://schemas.openxmlformats.org/presentationml/2006/main">
+  <p:cSld>
+    <p:spTree>
+      <p:nvGrpSpPr>
+        <p:cNvPr id="1" name=""/>
+        <p:cNvGrpSpPr/>
+        <p:nvPr/>
+      </p:nvGrpSpPr>
+      <p:grpSpPr>
+        <a:xfrm>
+          <a:off x="0" y="0"/>
+          <a:ext cx="0" cy="0"/>
+          <a:chOff x="0" y="0"/>
+          <a:chExt cx="0" cy="0"/>
+        </a:xfrm>
+      </p:grpSpPr>
+      <p:sp>
+        <p:nvSpPr>
+          <p:cNvPr id="2" name="Title 1">
+            <a:extLst>
+              <a:ext uri="{FF2B5EF4-FFF2-40B4-BE49-F238E27FC236}">
+                <a16:creationId xmlns:a16="http://schemas.microsoft.com/office/drawing/2014/main" id="{E07D8AEF-7112-3D47-F7F1-46D2F45CB07D}"/>
+              </a:ext>
+            </a:extLst>
+          </p:cNvPr>
+          <p:cNvSpPr>
+            <a:spLocks noGrp="1"/>
+          </p:cNvSpPr>
+          <p:nvPr>
+            <p:ph type="title"/>
+          </p:nvPr>
+        </p:nvSpPr>
+        <p:spPr/>
+        <p:txBody>
+          <a:bodyPr/>
+          <a:lstStyle/>
+          <a:p>
+            <a:r>
+              <a:rPr lang="en-US" dirty="0"/>
+              <a:t>What’s MVC?</a:t>
+            </a:r>
+          </a:p>
+        </p:txBody>
+      </p:sp>
+      <p:sp>
+        <p:nvSpPr>
+          <p:cNvPr id="4" name="Rectangle 3">
+            <a:extLst>
+              <a:ext uri="{FF2B5EF4-FFF2-40B4-BE49-F238E27FC236}">
+                <a16:creationId xmlns:a16="http://schemas.microsoft.com/office/drawing/2014/main" id="{8D49CF36-670C-CC29-E6E2-EC9A82D2310A}"/>
+              </a:ext>
+            </a:extLst>
+          </p:cNvPr>
+          <p:cNvSpPr/>
+          <p:nvPr/>
+        </p:nvSpPr>
+        <p:spPr>
+          <a:xfrm>
+            <a:off x="586854" y="2565777"/>
+            <a:ext cx="3070746" cy="736979"/>
+          </a:xfrm>
+          <a:prstGeom prst="rect">
+            <a:avLst/>
+          </a:prstGeom>
+          <a:solidFill>
+            <a:schemeClr val="accent2">
+              <a:lumMod val="50000"/>
+            </a:schemeClr>
+          </a:solidFill>
+        </p:spPr>
+        <p:style>
+          <a:lnRef idx="2">
+            <a:schemeClr val="accent1">
+              <a:shade val="50000"/>
+            </a:schemeClr>
+          </a:lnRef>
+          <a:fillRef idx="1">
+            <a:schemeClr val="accent1"/>
+          </a:fillRef>
+          <a:effectRef idx="0">
+            <a:schemeClr val="accent1"/>
+          </a:effectRef>
+          <a:fontRef idx="minor">
+            <a:schemeClr val="lt1"/>
+          </a:fontRef>
+        </p:style>
+        <p:txBody>
+          <a:bodyPr rtlCol="0" anchor="ctr"/>
+          <a:lstStyle/>
+          <a:p>
+            <a:pPr algn="ctr"/>
+            <a:r>
+              <a:rPr lang="en-US" dirty="0"/>
+              <a:t>Models</a:t>
+            </a:r>
+          </a:p>
+        </p:txBody>
+      </p:sp>
+      <p:sp>
+        <p:nvSpPr>
+          <p:cNvPr id="5" name="Rectangle 4">
+            <a:extLst>
+              <a:ext uri="{FF2B5EF4-FFF2-40B4-BE49-F238E27FC236}">
+                <a16:creationId xmlns:a16="http://schemas.microsoft.com/office/drawing/2014/main" id="{67C22F8E-D33A-B796-9140-0145EC4F84B8}"/>
+              </a:ext>
+            </a:extLst>
+          </p:cNvPr>
+          <p:cNvSpPr/>
+          <p:nvPr/>
+        </p:nvSpPr>
+        <p:spPr>
+          <a:xfrm>
+            <a:off x="4560627" y="2565778"/>
+            <a:ext cx="3070746" cy="736979"/>
+          </a:xfrm>
+          <a:prstGeom prst="rect">
+            <a:avLst/>
+          </a:prstGeom>
+          <a:solidFill>
+            <a:schemeClr val="accent4">
+              <a:lumMod val="50000"/>
+            </a:schemeClr>
+          </a:solidFill>
+        </p:spPr>
+        <p:style>
+          <a:lnRef idx="2">
+            <a:schemeClr val="accent1">
+              <a:shade val="50000"/>
+            </a:schemeClr>
+          </a:lnRef>
+          <a:fillRef idx="1">
+            <a:schemeClr val="accent1"/>
+          </a:fillRef>
+          <a:effectRef idx="0">
+            <a:schemeClr val="accent1"/>
+          </a:effectRef>
+          <a:fontRef idx="minor">
+            <a:schemeClr val="lt1"/>
+          </a:fontRef>
+        </p:style>
+        <p:txBody>
+          <a:bodyPr rtlCol="0" anchor="ctr"/>
+          <a:lstStyle/>
+          <a:p>
+            <a:pPr algn="ctr"/>
+            <a:r>
+              <a:rPr lang="en-US" dirty="0"/>
+              <a:t>Views</a:t>
+            </a:r>
+          </a:p>
+        </p:txBody>
+      </p:sp>
+      <p:sp>
+        <p:nvSpPr>
+          <p:cNvPr id="6" name="Rectangle 5">
+            <a:extLst>
+              <a:ext uri="{FF2B5EF4-FFF2-40B4-BE49-F238E27FC236}">
+                <a16:creationId xmlns:a16="http://schemas.microsoft.com/office/drawing/2014/main" id="{4A8BDBB4-C461-2542-89A9-63E1C024D202}"/>
+              </a:ext>
+            </a:extLst>
+          </p:cNvPr>
+          <p:cNvSpPr/>
+          <p:nvPr/>
+        </p:nvSpPr>
+        <p:spPr>
+          <a:xfrm>
+            <a:off x="8777785" y="2496719"/>
+            <a:ext cx="3070746" cy="736979"/>
+          </a:xfrm>
+          <a:prstGeom prst="rect">
+            <a:avLst/>
+          </a:prstGeom>
+          <a:solidFill>
+            <a:schemeClr val="accent6">
+              <a:lumMod val="50000"/>
+            </a:schemeClr>
+          </a:solidFill>
+        </p:spPr>
+        <p:style>
+          <a:lnRef idx="2">
+            <a:schemeClr val="accent1">
+              <a:shade val="50000"/>
+            </a:schemeClr>
+          </a:lnRef>
+          <a:fillRef idx="1">
+            <a:schemeClr val="accent1"/>
+          </a:fillRef>
+          <a:effectRef idx="0">
+            <a:schemeClr val="accent1"/>
+          </a:effectRef>
+          <a:fontRef idx="minor">
+            <a:schemeClr val="lt1"/>
+          </a:fontRef>
+        </p:style>
+        <p:txBody>
+          <a:bodyPr rtlCol="0" anchor="ctr"/>
+          <a:lstStyle/>
+          <a:p>
+            <a:pPr algn="ctr"/>
+            <a:r>
+              <a:rPr lang="en-US" dirty="0"/>
+              <a:t>Controllers</a:t>
+            </a:r>
+          </a:p>
+        </p:txBody>
+      </p:sp>
+      <p:sp>
+        <p:nvSpPr>
+          <p:cNvPr id="7" name="Rectangle 6">
+            <a:extLst>
+              <a:ext uri="{FF2B5EF4-FFF2-40B4-BE49-F238E27FC236}">
+                <a16:creationId xmlns:a16="http://schemas.microsoft.com/office/drawing/2014/main" id="{59CAEBE4-E8EE-2E7A-3D5A-5CD685FA250C}"/>
+              </a:ext>
+            </a:extLst>
+          </p:cNvPr>
+          <p:cNvSpPr/>
+          <p:nvPr/>
+        </p:nvSpPr>
+        <p:spPr>
+          <a:xfrm>
+            <a:off x="586854" y="3916905"/>
+            <a:ext cx="3070746" cy="736979"/>
+          </a:xfrm>
+          <a:prstGeom prst="rect">
+            <a:avLst/>
+          </a:prstGeom>
+          <a:solidFill>
+            <a:schemeClr val="accent2">
+              <a:lumMod val="60000"/>
+              <a:lumOff val="40000"/>
+            </a:schemeClr>
+          </a:solidFill>
+        </p:spPr>
+        <p:style>
+          <a:lnRef idx="2">
+            <a:schemeClr val="accent1">
+              <a:shade val="50000"/>
+            </a:schemeClr>
+          </a:lnRef>
+          <a:fillRef idx="1">
+            <a:schemeClr val="accent1"/>
+          </a:fillRef>
+          <a:effectRef idx="0">
+            <a:schemeClr val="accent1"/>
+          </a:effectRef>
+          <a:fontRef idx="minor">
+            <a:schemeClr val="lt1"/>
+          </a:fontRef>
+        </p:style>
+        <p:txBody>
+          <a:bodyPr rtlCol="0" anchor="ctr"/>
+          <a:lstStyle/>
+          <a:p>
+            <a:pPr algn="ctr"/>
+            <a:r>
+              <a:rPr lang="en-US" dirty="0">
+                <a:ln w="0"/>
+                <a:solidFill>
+                  <a:schemeClr val="tx1"/>
+                </a:solidFill>
+                <a:effectLst>
+                  <a:outerShdw blurRad="38100" dist="19050" dir="2700000" algn="tl" rotWithShape="0">
+                    <a:schemeClr val="dk1">
+                      <a:alpha val="40000"/>
+                    </a:schemeClr>
+                  </a:outerShdw>
+                </a:effectLst>
+              </a:rPr>
+              <a:t>Represent your data in your code</a:t>
+            </a:r>
+          </a:p>
+        </p:txBody>
+      </p:sp>
+      <p:sp>
+        <p:nvSpPr>
+          <p:cNvPr id="8" name="Rectangle 7">
+            <a:extLst>
+              <a:ext uri="{FF2B5EF4-FFF2-40B4-BE49-F238E27FC236}">
+                <a16:creationId xmlns:a16="http://schemas.microsoft.com/office/drawing/2014/main" id="{7D46F26E-33FB-BC67-614D-F28A1AD1B7C5}"/>
+              </a:ext>
+            </a:extLst>
+          </p:cNvPr>
+          <p:cNvSpPr/>
+          <p:nvPr/>
+        </p:nvSpPr>
+        <p:spPr>
+          <a:xfrm>
+            <a:off x="586854" y="5022374"/>
+            <a:ext cx="3070746" cy="736979"/>
+          </a:xfrm>
+          <a:prstGeom prst="rect">
+            <a:avLst/>
+          </a:prstGeom>
+          <a:solidFill>
+            <a:schemeClr val="accent2">
+              <a:lumMod val="60000"/>
+              <a:lumOff val="40000"/>
+            </a:schemeClr>
+          </a:solidFill>
+        </p:spPr>
+        <p:style>
+          <a:lnRef idx="2">
+            <a:schemeClr val="accent1">
+              <a:shade val="50000"/>
+            </a:schemeClr>
+          </a:lnRef>
+          <a:fillRef idx="1">
+            <a:schemeClr val="accent1"/>
+          </a:fillRef>
+          <a:effectRef idx="0">
+            <a:schemeClr val="accent1"/>
+          </a:effectRef>
+          <a:fontRef idx="minor">
+            <a:schemeClr val="lt1"/>
+          </a:fontRef>
+        </p:style>
+        <p:txBody>
+          <a:bodyPr rtlCol="0" anchor="ctr"/>
+          <a:lstStyle/>
+          <a:p>
+            <a:pPr algn="ctr"/>
+            <a:r>
+              <a:rPr lang="en-US" dirty="0">
+                <a:ln w="0"/>
+                <a:solidFill>
+                  <a:schemeClr val="tx1"/>
+                </a:solidFill>
+                <a:effectLst>
+                  <a:outerShdw blurRad="38100" dist="19050" dir="2700000" algn="tl" rotWithShape="0">
+                    <a:schemeClr val="dk1">
+                      <a:alpha val="40000"/>
+                    </a:schemeClr>
+                  </a:outerShdw>
+                </a:effectLst>
+              </a:rPr>
+              <a:t>Work with your data (e.g. save, fetch)</a:t>
+            </a:r>
+          </a:p>
+        </p:txBody>
+      </p:sp>
+      <p:sp>
+        <p:nvSpPr>
+          <p:cNvPr id="9" name="Rectangle 8">
+            <a:extLst>
+              <a:ext uri="{FF2B5EF4-FFF2-40B4-BE49-F238E27FC236}">
+                <a16:creationId xmlns:a16="http://schemas.microsoft.com/office/drawing/2014/main" id="{1F51399B-B58E-AD81-E16A-A3F5732E34B9}"/>
+              </a:ext>
+            </a:extLst>
+          </p:cNvPr>
+          <p:cNvSpPr/>
+          <p:nvPr/>
+        </p:nvSpPr>
+        <p:spPr>
+          <a:xfrm>
+            <a:off x="4560627" y="3916904"/>
+            <a:ext cx="3070746" cy="736979"/>
+          </a:xfrm>
+          <a:prstGeom prst="rect">
+            <a:avLst/>
+          </a:prstGeom>
+          <a:solidFill>
+            <a:schemeClr val="accent4">
+              <a:lumMod val="60000"/>
+              <a:lumOff val="40000"/>
+            </a:schemeClr>
+          </a:solidFill>
+        </p:spPr>
+        <p:style>
+          <a:lnRef idx="2">
+            <a:schemeClr val="accent1">
+              <a:shade val="50000"/>
+            </a:schemeClr>
+          </a:lnRef>
+          <a:fillRef idx="1">
+            <a:schemeClr val="accent1"/>
+          </a:fillRef>
+          <a:effectRef idx="0">
+            <a:schemeClr val="accent1"/>
+          </a:effectRef>
+          <a:fontRef idx="minor">
+            <a:schemeClr val="lt1"/>
+          </a:fontRef>
+        </p:style>
+        <p:txBody>
+          <a:bodyPr rtlCol="0" anchor="ctr"/>
+          <a:lstStyle/>
+          <a:p>
+            <a:pPr algn="ctr"/>
+            <a:r>
+              <a:rPr lang="en-US" dirty="0">
+                <a:ln w="0"/>
+                <a:solidFill>
+                  <a:schemeClr val="tx1"/>
+                </a:solidFill>
+                <a:effectLst>
+                  <a:outerShdw blurRad="38100" dist="19050" dir="2700000" algn="tl" rotWithShape="0">
+                    <a:schemeClr val="dk1">
+                      <a:alpha val="40000"/>
+                    </a:schemeClr>
+                  </a:outerShdw>
+                </a:effectLst>
+              </a:rPr>
+              <a:t>What the users sees</a:t>
+            </a:r>
+          </a:p>
+        </p:txBody>
+      </p:sp>
+      <p:sp>
+        <p:nvSpPr>
+          <p:cNvPr id="10" name="Rectangle 9">
+            <a:extLst>
+              <a:ext uri="{FF2B5EF4-FFF2-40B4-BE49-F238E27FC236}">
+                <a16:creationId xmlns:a16="http://schemas.microsoft.com/office/drawing/2014/main" id="{8BB78558-72F5-37C0-8CA4-EC006BA41BBB}"/>
+              </a:ext>
+            </a:extLst>
+          </p:cNvPr>
+          <p:cNvSpPr/>
+          <p:nvPr/>
+        </p:nvSpPr>
+        <p:spPr>
+          <a:xfrm>
+            <a:off x="4560627" y="5022373"/>
+            <a:ext cx="3070746" cy="736979"/>
+          </a:xfrm>
+          <a:prstGeom prst="rect">
+            <a:avLst/>
+          </a:prstGeom>
+          <a:solidFill>
+            <a:schemeClr val="accent4">
+              <a:lumMod val="60000"/>
+              <a:lumOff val="40000"/>
+            </a:schemeClr>
+          </a:solidFill>
+        </p:spPr>
+        <p:style>
+          <a:lnRef idx="2">
+            <a:schemeClr val="accent1">
+              <a:shade val="50000"/>
+            </a:schemeClr>
+          </a:lnRef>
+          <a:fillRef idx="1">
+            <a:schemeClr val="accent1"/>
+          </a:fillRef>
+          <a:effectRef idx="0">
+            <a:schemeClr val="accent1"/>
+          </a:effectRef>
+          <a:fontRef idx="minor">
+            <a:schemeClr val="lt1"/>
+          </a:fontRef>
+        </p:style>
+        <p:txBody>
+          <a:bodyPr rtlCol="0" anchor="ctr"/>
+          <a:lstStyle/>
+          <a:p>
+            <a:pPr algn="ctr"/>
+            <a:r>
+              <a:rPr lang="en-US" dirty="0">
+                <a:ln w="0"/>
+                <a:solidFill>
+                  <a:schemeClr val="tx1"/>
+                </a:solidFill>
+                <a:effectLst>
+                  <a:outerShdw blurRad="38100" dist="19050" dir="2700000" algn="tl" rotWithShape="0">
+                    <a:schemeClr val="dk1">
+                      <a:alpha val="40000"/>
+                    </a:schemeClr>
+                  </a:outerShdw>
+                </a:effectLst>
+              </a:rPr>
+              <a:t>Decoupled from your application code</a:t>
+            </a:r>
+          </a:p>
+        </p:txBody>
+      </p:sp>
+      <p:sp>
+        <p:nvSpPr>
+          <p:cNvPr id="11" name="Rectangle 10">
+            <a:extLst>
+              <a:ext uri="{FF2B5EF4-FFF2-40B4-BE49-F238E27FC236}">
+                <a16:creationId xmlns:a16="http://schemas.microsoft.com/office/drawing/2014/main" id="{89CA5CF6-C404-8F7B-6A76-C4FD3EBF6922}"/>
+              </a:ext>
+            </a:extLst>
+          </p:cNvPr>
+          <p:cNvSpPr/>
+          <p:nvPr/>
+        </p:nvSpPr>
+        <p:spPr>
+          <a:xfrm>
+            <a:off x="8777785" y="3916903"/>
+            <a:ext cx="3070746" cy="736979"/>
+          </a:xfrm>
+          <a:prstGeom prst="rect">
+            <a:avLst/>
+          </a:prstGeom>
+          <a:solidFill>
+            <a:schemeClr val="accent6">
+              <a:lumMod val="60000"/>
+              <a:lumOff val="40000"/>
+            </a:schemeClr>
+          </a:solidFill>
+        </p:spPr>
+        <p:style>
+          <a:lnRef idx="2">
+            <a:schemeClr val="accent1">
+              <a:shade val="50000"/>
+            </a:schemeClr>
+          </a:lnRef>
+          <a:fillRef idx="1">
+            <a:schemeClr val="accent1"/>
+          </a:fillRef>
+          <a:effectRef idx="0">
+            <a:schemeClr val="accent1"/>
+          </a:effectRef>
+          <a:fontRef idx="minor">
+            <a:schemeClr val="lt1"/>
+          </a:fontRef>
+        </p:style>
+        <p:txBody>
+          <a:bodyPr rtlCol="0" anchor="ctr"/>
+          <a:lstStyle/>
+          <a:p>
+            <a:pPr algn="ctr"/>
+            <a:r>
+              <a:rPr lang="en-US" dirty="0">
+                <a:ln w="0"/>
+                <a:solidFill>
+                  <a:schemeClr val="tx1"/>
+                </a:solidFill>
+                <a:effectLst>
+                  <a:outerShdw blurRad="38100" dist="19050" dir="2700000" algn="tl" rotWithShape="0">
+                    <a:schemeClr val="dk1">
+                      <a:alpha val="40000"/>
+                    </a:schemeClr>
+                  </a:outerShdw>
+                </a:effectLst>
+              </a:rPr>
+              <a:t>Connecting your Models and your Views</a:t>
+            </a:r>
+          </a:p>
+        </p:txBody>
+      </p:sp>
+      <p:sp>
+        <p:nvSpPr>
+          <p:cNvPr id="12" name="Rectangle 11">
+            <a:extLst>
+              <a:ext uri="{FF2B5EF4-FFF2-40B4-BE49-F238E27FC236}">
+                <a16:creationId xmlns:a16="http://schemas.microsoft.com/office/drawing/2014/main" id="{F82A78C8-C8DF-546C-2CAB-1CDC32E45D42}"/>
+              </a:ext>
+            </a:extLst>
+          </p:cNvPr>
+          <p:cNvSpPr/>
+          <p:nvPr/>
+        </p:nvSpPr>
+        <p:spPr>
+          <a:xfrm>
+            <a:off x="8777785" y="5022372"/>
+            <a:ext cx="3070746" cy="736979"/>
+          </a:xfrm>
+          <a:prstGeom prst="rect">
+            <a:avLst/>
+          </a:prstGeom>
+          <a:solidFill>
+            <a:schemeClr val="accent6">
+              <a:lumMod val="60000"/>
+              <a:lumOff val="40000"/>
+            </a:schemeClr>
+          </a:solidFill>
+        </p:spPr>
+        <p:style>
+          <a:lnRef idx="2">
+            <a:schemeClr val="accent1">
+              <a:shade val="50000"/>
+            </a:schemeClr>
+          </a:lnRef>
+          <a:fillRef idx="1">
+            <a:schemeClr val="accent1"/>
+          </a:fillRef>
+          <a:effectRef idx="0">
+            <a:schemeClr val="accent1"/>
+          </a:effectRef>
+          <a:fontRef idx="minor">
+            <a:schemeClr val="lt1"/>
+          </a:fontRef>
+        </p:style>
+        <p:txBody>
+          <a:bodyPr rtlCol="0" anchor="ctr"/>
+          <a:lstStyle/>
+          <a:p>
+            <a:pPr algn="ctr"/>
+            <a:r>
+              <a:rPr lang="en-US" dirty="0">
+                <a:ln w="0"/>
+                <a:solidFill>
+                  <a:schemeClr val="tx1"/>
+                </a:solidFill>
+                <a:effectLst>
+                  <a:outerShdw blurRad="38100" dist="19050" dir="2700000" algn="tl" rotWithShape="0">
+                    <a:schemeClr val="dk1">
+                      <a:alpha val="40000"/>
+                    </a:schemeClr>
+                  </a:outerShdw>
+                </a:effectLst>
+              </a:rPr>
+              <a:t>Contains the ‘in-between’ logic</a:t>
+            </a:r>
+          </a:p>
+        </p:txBody>
+      </p:sp>
+      <p:sp>
+        <p:nvSpPr>
+          <p:cNvPr id="13" name="Rectangle 12">
+            <a:extLst>
+              <a:ext uri="{FF2B5EF4-FFF2-40B4-BE49-F238E27FC236}">
+                <a16:creationId xmlns:a16="http://schemas.microsoft.com/office/drawing/2014/main" id="{26D5DF71-0AB0-8F0A-C375-1C4A5E505983}"/>
+              </a:ext>
+            </a:extLst>
+          </p:cNvPr>
+          <p:cNvSpPr/>
+          <p:nvPr/>
+        </p:nvSpPr>
+        <p:spPr>
+          <a:xfrm>
+            <a:off x="8777785" y="979318"/>
+            <a:ext cx="3070746" cy="736979"/>
+          </a:xfrm>
+          <a:prstGeom prst="rect">
+            <a:avLst/>
+          </a:prstGeom>
+          <a:solidFill>
+            <a:schemeClr val="accent6">
+              <a:lumMod val="50000"/>
+            </a:schemeClr>
+          </a:solidFill>
+        </p:spPr>
+        <p:style>
+          <a:lnRef idx="2">
+            <a:schemeClr val="accent1">
+              <a:shade val="50000"/>
+            </a:schemeClr>
+          </a:lnRef>
+          <a:fillRef idx="1">
+            <a:schemeClr val="accent1"/>
+          </a:fillRef>
+          <a:effectRef idx="0">
+            <a:schemeClr val="accent1"/>
+          </a:effectRef>
+          <a:fontRef idx="minor">
+            <a:schemeClr val="lt1"/>
+          </a:fontRef>
+        </p:style>
+        <p:txBody>
+          <a:bodyPr rtlCol="0" anchor="ctr"/>
+          <a:lstStyle/>
+          <a:p>
+            <a:pPr algn="ctr"/>
+            <a:r>
+              <a:rPr lang="en-US" dirty="0"/>
+              <a:t>Routes</a:t>
+            </a:r>
+          </a:p>
+        </p:txBody>
+      </p:sp>
+    </p:spTree>
+    <p:extLst>
+      <p:ext uri="{BB962C8B-B14F-4D97-AF65-F5344CB8AC3E}">
+        <p14:creationId xmlns:p14="http://schemas.microsoft.com/office/powerpoint/2010/main" val="3162973505"/>
+      </p:ext>
+    </p:extLst>
+  </p:cSld>
+  <p:clrMapOvr>
+    <a:masterClrMapping/>
+  </p:clrMapOvr>
+</p:sld>
+</file>
+
+<file path=ppt/slides/slide59.xml><?xml version="1.0" encoding="utf-8"?>
+<p:sld xmlns:a="http://schemas.openxmlformats.org/drawingml/2006/main" xmlns:r="http://schemas.openxmlformats.org/officeDocument/2006/relationships" xmlns:p="http://schemas.openxmlformats.org/presentationml/2006/main">
+  <p:cSld>
+    <p:spTree>
+      <p:nvGrpSpPr>
+        <p:cNvPr id="1" name=""/>
+        <p:cNvGrpSpPr/>
+        <p:nvPr/>
+      </p:nvGrpSpPr>
+      <p:grpSpPr>
+        <a:xfrm>
+          <a:off x="0" y="0"/>
+          <a:ext cx="0" cy="0"/>
+          <a:chOff x="0" y="0"/>
+          <a:chExt cx="0" cy="0"/>
+        </a:xfrm>
+      </p:grpSpPr>
+      <p:sp>
+        <p:nvSpPr>
+          <p:cNvPr id="3" name="Content Placeholder 2">
+            <a:extLst>
+              <a:ext uri="{FF2B5EF4-FFF2-40B4-BE49-F238E27FC236}">
+                <a16:creationId xmlns:a16="http://schemas.microsoft.com/office/drawing/2014/main" id="{40F55FC3-CE27-9905-3091-E0CEFB93A77C}"/>
+              </a:ext>
+            </a:extLst>
+          </p:cNvPr>
+          <p:cNvSpPr>
+            <a:spLocks noGrp="1"/>
+          </p:cNvSpPr>
+          <p:nvPr>
+            <p:ph idx="1"/>
+          </p:nvPr>
+        </p:nvSpPr>
+        <p:spPr>
+          <a:xfrm>
+            <a:off x="838200" y="395785"/>
+            <a:ext cx="10515600" cy="5781178"/>
+          </a:xfrm>
+        </p:spPr>
+        <p:txBody>
+          <a:bodyPr/>
+          <a:lstStyle/>
+          <a:p>
+            <a:r>
+              <a:rPr lang="en-US" dirty="0"/>
+              <a:t>Adding Controllers</a:t>
+            </a:r>
+          </a:p>
+          <a:p>
+            <a:r>
+              <a:rPr lang="en-US" dirty="0"/>
+              <a:t>Finishing the controllers</a:t>
+            </a:r>
+          </a:p>
+          <a:p>
+            <a:r>
+              <a:rPr lang="en-US" dirty="0"/>
+              <a:t>Adding a Product Model</a:t>
+            </a:r>
+          </a:p>
+          <a:p>
+            <a:r>
+              <a:rPr lang="en-US" dirty="0"/>
+              <a:t>Storing Data in Files Via the Model</a:t>
+            </a:r>
+          </a:p>
+        </p:txBody>
+      </p:sp>
+    </p:spTree>
+    <p:extLst>
+      <p:ext uri="{BB962C8B-B14F-4D97-AF65-F5344CB8AC3E}">
+        <p14:creationId xmlns:p14="http://schemas.microsoft.com/office/powerpoint/2010/main" val="3240428448"/>
+      </p:ext>
+    </p:extLst>
+  </p:cSld>
+  <p:clrMapOvr>
+    <a:masterClrMapping/>
+  </p:clrMapOvr>
+</p:sld>
+</file>
+
 <file path=ppt/slides/slide6.xml><?xml version="1.0" encoding="utf-8"?>
 <p:sld xmlns:a="http://schemas.openxmlformats.org/drawingml/2006/main" xmlns:r="http://schemas.openxmlformats.org/officeDocument/2006/relationships" xmlns:p="http://schemas.openxmlformats.org/presentationml/2006/main">
   <p:cSld>
@@ -20250,6 +21100,614 @@
     <p:extLst>
       <p:ext uri="{BB962C8B-B14F-4D97-AF65-F5344CB8AC3E}">
         <p14:creationId xmlns:p14="http://schemas.microsoft.com/office/powerpoint/2010/main" val="541987969"/>
+      </p:ext>
+    </p:extLst>
+  </p:cSld>
+  <p:clrMapOvr>
+    <a:masterClrMapping/>
+  </p:clrMapOvr>
+</p:sld>
+</file>
+
+<file path=ppt/slides/slide60.xml><?xml version="1.0" encoding="utf-8"?>
+<p:sld xmlns:a="http://schemas.openxmlformats.org/drawingml/2006/main" xmlns:r="http://schemas.openxmlformats.org/officeDocument/2006/relationships" xmlns:p="http://schemas.openxmlformats.org/presentationml/2006/main">
+  <p:cSld>
+    <p:spTree>
+      <p:nvGrpSpPr>
+        <p:cNvPr id="1" name=""/>
+        <p:cNvGrpSpPr/>
+        <p:nvPr/>
+      </p:nvGrpSpPr>
+      <p:grpSpPr>
+        <a:xfrm>
+          <a:off x="0" y="0"/>
+          <a:ext cx="0" cy="0"/>
+          <a:chOff x="0" y="0"/>
+          <a:chExt cx="0" cy="0"/>
+        </a:xfrm>
+      </p:grpSpPr>
+      <p:sp>
+        <p:nvSpPr>
+          <p:cNvPr id="2" name="Title 1">
+            <a:extLst>
+              <a:ext uri="{FF2B5EF4-FFF2-40B4-BE49-F238E27FC236}">
+                <a16:creationId xmlns:a16="http://schemas.microsoft.com/office/drawing/2014/main" id="{6B1EE5D5-5661-A459-B66F-E72CD08EA314}"/>
+              </a:ext>
+            </a:extLst>
+          </p:cNvPr>
+          <p:cNvSpPr>
+            <a:spLocks noGrp="1"/>
+          </p:cNvSpPr>
+          <p:nvPr>
+            <p:ph type="title"/>
+          </p:nvPr>
+        </p:nvSpPr>
+        <p:spPr>
+          <a:xfrm>
+            <a:off x="838200" y="365125"/>
+            <a:ext cx="9247496" cy="753991"/>
+          </a:xfrm>
+        </p:spPr>
+        <p:txBody>
+          <a:bodyPr/>
+          <a:lstStyle/>
+          <a:p>
+            <a:r>
+              <a:rPr lang="en-US" dirty="0"/>
+              <a:t>Module Summary</a:t>
+            </a:r>
+          </a:p>
+        </p:txBody>
+      </p:sp>
+      <p:grpSp>
+        <p:nvGrpSpPr>
+          <p:cNvPr id="6" name="Group 5">
+            <a:extLst>
+              <a:ext uri="{FF2B5EF4-FFF2-40B4-BE49-F238E27FC236}">
+                <a16:creationId xmlns:a16="http://schemas.microsoft.com/office/drawing/2014/main" id="{4440A386-5952-633D-A441-E3EAA73C00C1}"/>
+              </a:ext>
+            </a:extLst>
+          </p:cNvPr>
+          <p:cNvGrpSpPr/>
+          <p:nvPr/>
+        </p:nvGrpSpPr>
+        <p:grpSpPr>
+          <a:xfrm>
+            <a:off x="1032453" y="1400945"/>
+            <a:ext cx="4303821" cy="2147473"/>
+            <a:chOff x="1032453" y="1400945"/>
+            <a:chExt cx="4303821" cy="2147473"/>
+          </a:xfrm>
+        </p:grpSpPr>
+        <p:sp>
+          <p:nvSpPr>
+            <p:cNvPr id="4" name="Rectangle 3">
+              <a:extLst>
+                <a:ext uri="{FF2B5EF4-FFF2-40B4-BE49-F238E27FC236}">
+                  <a16:creationId xmlns:a16="http://schemas.microsoft.com/office/drawing/2014/main" id="{5C64AF64-7687-3A92-C905-C605C7AB0D65}"/>
+                </a:ext>
+              </a:extLst>
+            </p:cNvPr>
+            <p:cNvSpPr/>
+            <p:nvPr/>
+          </p:nvSpPr>
+          <p:spPr>
+            <a:xfrm>
+              <a:off x="1032453" y="1815153"/>
+              <a:ext cx="4303821" cy="1733265"/>
+            </a:xfrm>
+            <a:prstGeom prst="rect">
+              <a:avLst/>
+            </a:prstGeom>
+            <a:solidFill>
+              <a:schemeClr val="accent1">
+                <a:lumMod val="60000"/>
+                <a:lumOff val="40000"/>
+              </a:schemeClr>
+            </a:solidFill>
+          </p:spPr>
+          <p:style>
+            <a:lnRef idx="2">
+              <a:schemeClr val="accent1">
+                <a:shade val="50000"/>
+              </a:schemeClr>
+            </a:lnRef>
+            <a:fillRef idx="1">
+              <a:schemeClr val="accent1"/>
+            </a:fillRef>
+            <a:effectRef idx="0">
+              <a:schemeClr val="accent1"/>
+            </a:effectRef>
+            <a:fontRef idx="minor">
+              <a:schemeClr val="lt1"/>
+            </a:fontRef>
+          </p:style>
+          <p:txBody>
+            <a:bodyPr rtlCol="0" anchor="ctr"/>
+            <a:lstStyle/>
+            <a:p>
+              <a:pPr marL="285750" indent="-285750" algn="ctr">
+                <a:buFont typeface="Arial" panose="020B0604020202020204" pitchFamily="34" charset="0"/>
+                <a:buChar char="•"/>
+              </a:pPr>
+              <a:r>
+                <a:rPr lang="en-US" dirty="0">
+                  <a:ln w="0"/>
+                  <a:solidFill>
+                    <a:schemeClr val="tx1"/>
+                  </a:solidFill>
+                  <a:effectLst>
+                    <a:outerShdw blurRad="38100" dist="19050" dir="2700000" algn="tl" rotWithShape="0">
+                      <a:schemeClr val="dk1">
+                        <a:alpha val="40000"/>
+                      </a:schemeClr>
+                    </a:outerShdw>
+                  </a:effectLst>
+                </a:rPr>
+                <a:t>Responsible for representing your data</a:t>
+              </a:r>
+            </a:p>
+            <a:p>
+              <a:pPr marL="285750" indent="-285750" algn="ctr">
+                <a:buFont typeface="Arial" panose="020B0604020202020204" pitchFamily="34" charset="0"/>
+                <a:buChar char="•"/>
+              </a:pPr>
+              <a:r>
+                <a:rPr lang="en-US" dirty="0">
+                  <a:ln w="0"/>
+                  <a:solidFill>
+                    <a:schemeClr val="tx1"/>
+                  </a:solidFill>
+                  <a:effectLst>
+                    <a:outerShdw blurRad="38100" dist="19050" dir="2700000" algn="tl" rotWithShape="0">
+                      <a:schemeClr val="dk1">
+                        <a:alpha val="40000"/>
+                      </a:schemeClr>
+                    </a:outerShdw>
+                  </a:effectLst>
+                </a:rPr>
+                <a:t>Responsible for managing your data (saving, fetching…)</a:t>
+              </a:r>
+            </a:p>
+            <a:p>
+              <a:pPr marL="285750" indent="-285750" algn="ctr">
+                <a:buFont typeface="Arial" panose="020B0604020202020204" pitchFamily="34" charset="0"/>
+                <a:buChar char="•"/>
+              </a:pPr>
+              <a:r>
+                <a:rPr lang="en-US" dirty="0">
+                  <a:ln w="0"/>
+                  <a:solidFill>
+                    <a:schemeClr val="tx1"/>
+                  </a:solidFill>
+                  <a:effectLst>
+                    <a:outerShdw blurRad="38100" dist="19050" dir="2700000" algn="tl" rotWithShape="0">
+                      <a:schemeClr val="dk1">
+                        <a:alpha val="40000"/>
+                      </a:schemeClr>
+                    </a:outerShdw>
+                  </a:effectLst>
+                </a:rPr>
+                <a:t>Doesn’t matter if you manage data in memory, files, databases</a:t>
+              </a:r>
+            </a:p>
+            <a:p>
+              <a:pPr marL="285750" indent="-285750" algn="ctr">
+                <a:buFont typeface="Arial" panose="020B0604020202020204" pitchFamily="34" charset="0"/>
+                <a:buChar char="•"/>
+              </a:pPr>
+              <a:r>
+                <a:rPr lang="en-US" dirty="0">
+                  <a:ln w="0"/>
+                  <a:solidFill>
+                    <a:schemeClr val="tx1"/>
+                  </a:solidFill>
+                  <a:effectLst>
+                    <a:outerShdw blurRad="38100" dist="19050" dir="2700000" algn="tl" rotWithShape="0">
+                      <a:schemeClr val="dk1">
+                        <a:alpha val="40000"/>
+                      </a:schemeClr>
+                    </a:outerShdw>
+                  </a:effectLst>
+                </a:rPr>
+                <a:t>Contains data-related logic</a:t>
+              </a:r>
+            </a:p>
+          </p:txBody>
+        </p:sp>
+        <p:sp>
+          <p:nvSpPr>
+            <p:cNvPr id="5" name="Rectangle 4">
+              <a:extLst>
+                <a:ext uri="{FF2B5EF4-FFF2-40B4-BE49-F238E27FC236}">
+                  <a16:creationId xmlns:a16="http://schemas.microsoft.com/office/drawing/2014/main" id="{D5D36C4F-6353-91D1-A00D-CC39D050A0B6}"/>
+                </a:ext>
+              </a:extLst>
+            </p:cNvPr>
+            <p:cNvSpPr/>
+            <p:nvPr/>
+          </p:nvSpPr>
+          <p:spPr>
+            <a:xfrm>
+              <a:off x="1032453" y="1400945"/>
+              <a:ext cx="4303821" cy="414208"/>
+            </a:xfrm>
+            <a:prstGeom prst="rect">
+              <a:avLst/>
+            </a:prstGeom>
+            <a:solidFill>
+              <a:schemeClr val="accent1">
+                <a:lumMod val="50000"/>
+              </a:schemeClr>
+            </a:solidFill>
+          </p:spPr>
+          <p:style>
+            <a:lnRef idx="2">
+              <a:schemeClr val="accent1">
+                <a:shade val="50000"/>
+              </a:schemeClr>
+            </a:lnRef>
+            <a:fillRef idx="1">
+              <a:schemeClr val="accent1"/>
+            </a:fillRef>
+            <a:effectRef idx="0">
+              <a:schemeClr val="accent1"/>
+            </a:effectRef>
+            <a:fontRef idx="minor">
+              <a:schemeClr val="lt1"/>
+            </a:fontRef>
+          </p:style>
+          <p:txBody>
+            <a:bodyPr rtlCol="0" anchor="ctr"/>
+            <a:lstStyle/>
+            <a:p>
+              <a:pPr algn="ctr"/>
+              <a:r>
+                <a:rPr lang="en-US" dirty="0"/>
+                <a:t>Model</a:t>
+              </a:r>
+            </a:p>
+          </p:txBody>
+        </p:sp>
+      </p:grpSp>
+      <p:grpSp>
+        <p:nvGrpSpPr>
+          <p:cNvPr id="7" name="Group 6">
+            <a:extLst>
+              <a:ext uri="{FF2B5EF4-FFF2-40B4-BE49-F238E27FC236}">
+                <a16:creationId xmlns:a16="http://schemas.microsoft.com/office/drawing/2014/main" id="{A205B5D0-082C-4358-356C-71931E1E2969}"/>
+              </a:ext>
+            </a:extLst>
+          </p:cNvPr>
+          <p:cNvGrpSpPr/>
+          <p:nvPr/>
+        </p:nvGrpSpPr>
+        <p:grpSpPr>
+          <a:xfrm>
+            <a:off x="6682626" y="1482831"/>
+            <a:ext cx="4303821" cy="2147473"/>
+            <a:chOff x="1032453" y="1400945"/>
+            <a:chExt cx="4303821" cy="2147473"/>
+          </a:xfrm>
+        </p:grpSpPr>
+        <p:sp>
+          <p:nvSpPr>
+            <p:cNvPr id="8" name="Rectangle 7">
+              <a:extLst>
+                <a:ext uri="{FF2B5EF4-FFF2-40B4-BE49-F238E27FC236}">
+                  <a16:creationId xmlns:a16="http://schemas.microsoft.com/office/drawing/2014/main" id="{F994E639-2E36-2757-F500-988E760B9C7B}"/>
+                </a:ext>
+              </a:extLst>
+            </p:cNvPr>
+            <p:cNvSpPr/>
+            <p:nvPr/>
+          </p:nvSpPr>
+          <p:spPr>
+            <a:xfrm>
+              <a:off x="1032453" y="1815153"/>
+              <a:ext cx="4303821" cy="1733265"/>
+            </a:xfrm>
+            <a:prstGeom prst="rect">
+              <a:avLst/>
+            </a:prstGeom>
+            <a:solidFill>
+              <a:schemeClr val="accent1">
+                <a:lumMod val="60000"/>
+                <a:lumOff val="40000"/>
+              </a:schemeClr>
+            </a:solidFill>
+          </p:spPr>
+          <p:style>
+            <a:lnRef idx="2">
+              <a:schemeClr val="accent1">
+                <a:shade val="50000"/>
+              </a:schemeClr>
+            </a:lnRef>
+            <a:fillRef idx="1">
+              <a:schemeClr val="accent1"/>
+            </a:fillRef>
+            <a:effectRef idx="0">
+              <a:schemeClr val="accent1"/>
+            </a:effectRef>
+            <a:fontRef idx="minor">
+              <a:schemeClr val="lt1"/>
+            </a:fontRef>
+          </p:style>
+          <p:txBody>
+            <a:bodyPr rtlCol="0" anchor="ctr"/>
+            <a:lstStyle/>
+            <a:p>
+              <a:pPr marL="285750" indent="-285750" algn="ctr">
+                <a:buFont typeface="Arial" panose="020B0604020202020204" pitchFamily="34" charset="0"/>
+                <a:buChar char="•"/>
+              </a:pPr>
+              <a:r>
+                <a:rPr lang="en-US" dirty="0">
+                  <a:ln w="0"/>
+                  <a:solidFill>
+                    <a:schemeClr val="tx1"/>
+                  </a:solidFill>
+                  <a:effectLst>
+                    <a:outerShdw blurRad="38100" dist="19050" dir="2700000" algn="tl" rotWithShape="0">
+                      <a:schemeClr val="dk1">
+                        <a:alpha val="40000"/>
+                      </a:schemeClr>
+                    </a:outerShdw>
+                  </a:effectLst>
+                </a:rPr>
+                <a:t>Connects Model and View</a:t>
+              </a:r>
+            </a:p>
+            <a:p>
+              <a:pPr marL="285750" indent="-285750" algn="ctr">
+                <a:buFont typeface="Arial" panose="020B0604020202020204" pitchFamily="34" charset="0"/>
+                <a:buChar char="•"/>
+              </a:pPr>
+              <a:r>
+                <a:rPr lang="en-US" dirty="0">
+                  <a:ln w="0"/>
+                  <a:solidFill>
+                    <a:schemeClr val="tx1"/>
+                  </a:solidFill>
+                  <a:effectLst>
+                    <a:outerShdw blurRad="38100" dist="19050" dir="2700000" algn="tl" rotWithShape="0">
+                      <a:schemeClr val="dk1">
+                        <a:alpha val="40000"/>
+                      </a:schemeClr>
+                    </a:outerShdw>
+                  </a:effectLst>
+                </a:rPr>
+                <a:t>Should only make sure that the two can communicate ( in both directions)</a:t>
+              </a:r>
+            </a:p>
+          </p:txBody>
+        </p:sp>
+        <p:sp>
+          <p:nvSpPr>
+            <p:cNvPr id="9" name="Rectangle 8">
+              <a:extLst>
+                <a:ext uri="{FF2B5EF4-FFF2-40B4-BE49-F238E27FC236}">
+                  <a16:creationId xmlns:a16="http://schemas.microsoft.com/office/drawing/2014/main" id="{A923A70C-3062-98D0-038E-DF8816D87BE0}"/>
+                </a:ext>
+              </a:extLst>
+            </p:cNvPr>
+            <p:cNvSpPr/>
+            <p:nvPr/>
+          </p:nvSpPr>
+          <p:spPr>
+            <a:xfrm>
+              <a:off x="1032453" y="1400945"/>
+              <a:ext cx="4303821" cy="414208"/>
+            </a:xfrm>
+            <a:prstGeom prst="rect">
+              <a:avLst/>
+            </a:prstGeom>
+            <a:solidFill>
+              <a:schemeClr val="accent1">
+                <a:lumMod val="50000"/>
+              </a:schemeClr>
+            </a:solidFill>
+          </p:spPr>
+          <p:style>
+            <a:lnRef idx="2">
+              <a:schemeClr val="accent1">
+                <a:shade val="50000"/>
+              </a:schemeClr>
+            </a:lnRef>
+            <a:fillRef idx="1">
+              <a:schemeClr val="accent1"/>
+            </a:fillRef>
+            <a:effectRef idx="0">
+              <a:schemeClr val="accent1"/>
+            </a:effectRef>
+            <a:fontRef idx="minor">
+              <a:schemeClr val="lt1"/>
+            </a:fontRef>
+          </p:style>
+          <p:txBody>
+            <a:bodyPr rtlCol="0" anchor="ctr"/>
+            <a:lstStyle/>
+            <a:p>
+              <a:pPr algn="ctr"/>
+              <a:r>
+                <a:rPr lang="en-US" dirty="0"/>
+                <a:t>Controller</a:t>
+              </a:r>
+            </a:p>
+          </p:txBody>
+        </p:sp>
+      </p:grpSp>
+      <p:grpSp>
+        <p:nvGrpSpPr>
+          <p:cNvPr id="11" name="Group 10">
+            <a:extLst>
+              <a:ext uri="{FF2B5EF4-FFF2-40B4-BE49-F238E27FC236}">
+                <a16:creationId xmlns:a16="http://schemas.microsoft.com/office/drawing/2014/main" id="{74852520-AE03-B21F-FA9D-2ABCDC8CFA10}"/>
+              </a:ext>
+            </a:extLst>
+          </p:cNvPr>
+          <p:cNvGrpSpPr/>
+          <p:nvPr/>
+        </p:nvGrpSpPr>
+        <p:grpSpPr>
+          <a:xfrm>
+            <a:off x="3448107" y="4103201"/>
+            <a:ext cx="4303821" cy="2147473"/>
+            <a:chOff x="1032453" y="1400945"/>
+            <a:chExt cx="4303821" cy="2147473"/>
+          </a:xfrm>
+        </p:grpSpPr>
+        <p:sp>
+          <p:nvSpPr>
+            <p:cNvPr id="12" name="Rectangle 11">
+              <a:extLst>
+                <a:ext uri="{FF2B5EF4-FFF2-40B4-BE49-F238E27FC236}">
+                  <a16:creationId xmlns:a16="http://schemas.microsoft.com/office/drawing/2014/main" id="{832AB98A-4F49-A82D-6D46-D7C2DA952289}"/>
+                </a:ext>
+              </a:extLst>
+            </p:cNvPr>
+            <p:cNvSpPr/>
+            <p:nvPr/>
+          </p:nvSpPr>
+          <p:spPr>
+            <a:xfrm>
+              <a:off x="1032453" y="1815153"/>
+              <a:ext cx="4303821" cy="1733265"/>
+            </a:xfrm>
+            <a:prstGeom prst="rect">
+              <a:avLst/>
+            </a:prstGeom>
+            <a:solidFill>
+              <a:schemeClr val="accent1">
+                <a:lumMod val="60000"/>
+                <a:lumOff val="40000"/>
+              </a:schemeClr>
+            </a:solidFill>
+          </p:spPr>
+          <p:style>
+            <a:lnRef idx="2">
+              <a:schemeClr val="accent1">
+                <a:shade val="50000"/>
+              </a:schemeClr>
+            </a:lnRef>
+            <a:fillRef idx="1">
+              <a:schemeClr val="accent1"/>
+            </a:fillRef>
+            <a:effectRef idx="0">
+              <a:schemeClr val="accent1"/>
+            </a:effectRef>
+            <a:fontRef idx="minor">
+              <a:schemeClr val="lt1"/>
+            </a:fontRef>
+          </p:style>
+          <p:txBody>
+            <a:bodyPr rtlCol="0" anchor="ctr"/>
+            <a:lstStyle/>
+            <a:p>
+              <a:pPr marL="285750" indent="-285750" algn="ctr">
+                <a:buFont typeface="Arial" panose="020B0604020202020204" pitchFamily="34" charset="0"/>
+                <a:buChar char="•"/>
+              </a:pPr>
+              <a:r>
+                <a:rPr lang="en-US" dirty="0">
+                  <a:ln w="0"/>
+                  <a:solidFill>
+                    <a:schemeClr val="tx1"/>
+                  </a:solidFill>
+                  <a:effectLst>
+                    <a:outerShdw blurRad="38100" dist="19050" dir="2700000" algn="tl" rotWithShape="0">
+                      <a:schemeClr val="dk1">
+                        <a:alpha val="40000"/>
+                      </a:schemeClr>
+                    </a:outerShdw>
+                  </a:effectLst>
+                </a:rPr>
+                <a:t>What the user sees</a:t>
+              </a:r>
+            </a:p>
+            <a:p>
+              <a:pPr marL="285750" indent="-285750" algn="ctr">
+                <a:buFont typeface="Arial" panose="020B0604020202020204" pitchFamily="34" charset="0"/>
+                <a:buChar char="•"/>
+              </a:pPr>
+              <a:r>
+                <a:rPr lang="en-US" dirty="0">
+                  <a:ln w="0"/>
+                  <a:solidFill>
+                    <a:schemeClr val="tx1"/>
+                  </a:solidFill>
+                  <a:effectLst>
+                    <a:outerShdw blurRad="38100" dist="19050" dir="2700000" algn="tl" rotWithShape="0">
+                      <a:schemeClr val="dk1">
+                        <a:alpha val="40000"/>
+                      </a:schemeClr>
+                    </a:outerShdw>
+                  </a:effectLst>
+                </a:rPr>
+                <a:t>Shouldn’t contain too much logic (Handlebars!)</a:t>
+              </a:r>
+            </a:p>
+          </p:txBody>
+        </p:sp>
+        <p:sp>
+          <p:nvSpPr>
+            <p:cNvPr id="13" name="Rectangle 12">
+              <a:extLst>
+                <a:ext uri="{FF2B5EF4-FFF2-40B4-BE49-F238E27FC236}">
+                  <a16:creationId xmlns:a16="http://schemas.microsoft.com/office/drawing/2014/main" id="{C4617E0F-D1B8-D9A2-B24A-D2FFB2332A54}"/>
+                </a:ext>
+              </a:extLst>
+            </p:cNvPr>
+            <p:cNvSpPr/>
+            <p:nvPr/>
+          </p:nvSpPr>
+          <p:spPr>
+            <a:xfrm>
+              <a:off x="1032453" y="1400945"/>
+              <a:ext cx="4303821" cy="414208"/>
+            </a:xfrm>
+            <a:prstGeom prst="rect">
+              <a:avLst/>
+            </a:prstGeom>
+            <a:solidFill>
+              <a:schemeClr val="accent1">
+                <a:lumMod val="50000"/>
+              </a:schemeClr>
+            </a:solidFill>
+          </p:spPr>
+          <p:style>
+            <a:lnRef idx="2">
+              <a:schemeClr val="accent1">
+                <a:shade val="50000"/>
+              </a:schemeClr>
+            </a:lnRef>
+            <a:fillRef idx="1">
+              <a:schemeClr val="accent1"/>
+            </a:fillRef>
+            <a:effectRef idx="0">
+              <a:schemeClr val="accent1"/>
+            </a:effectRef>
+            <a:fontRef idx="minor">
+              <a:schemeClr val="lt1"/>
+            </a:fontRef>
+          </p:style>
+          <p:txBody>
+            <a:bodyPr rtlCol="0" anchor="ctr"/>
+            <a:lstStyle/>
+            <a:p>
+              <a:pPr algn="ctr"/>
+              <a:r>
+                <a:rPr lang="en-US" dirty="0"/>
+                <a:t>View</a:t>
+              </a:r>
+            </a:p>
+          </p:txBody>
+        </p:sp>
+      </p:grpSp>
+    </p:spTree>
+    <p:extLst>
+      <p:ext uri="{BB962C8B-B14F-4D97-AF65-F5344CB8AC3E}">
+        <p14:creationId xmlns:p14="http://schemas.microsoft.com/office/powerpoint/2010/main" val="1431341512"/>
       </p:ext>
     </p:extLst>
   </p:cSld>

--- a/What is Node.pptx
+++ b/What is Node.pptx
@@ -5,7 +5,7 @@
     <p:sldMasterId id="2147483648" r:id="rId1"/>
   </p:sldMasterIdLst>
   <p:notesMasterIdLst>
-    <p:notesMasterId r:id="rId62"/>
+    <p:notesMasterId r:id="rId63"/>
   </p:notesMasterIdLst>
   <p:sldIdLst>
     <p:sldId id="256" r:id="rId2"/>
@@ -68,6 +68,7 @@
     <p:sldId id="313" r:id="rId59"/>
     <p:sldId id="314" r:id="rId60"/>
     <p:sldId id="315" r:id="rId61"/>
+    <p:sldId id="316" r:id="rId62"/>
   </p:sldIdLst>
   <p:sldSz cx="12192000" cy="6858000"/>
   <p:notesSz cx="6858000" cy="9144000"/>
@@ -167,6 +168,79 @@
     </a:lvl9pPr>
   </p:defaultTextStyle>
   <p:extLst>
+    <p:ext uri="{521415D9-36F7-43E2-AB2F-B90AF26B5E84}">
+      <p14:sectionLst xmlns:p14="http://schemas.microsoft.com/office/powerpoint/2010/main">
+        <p14:section name="Default Section" id="{CE3DCA0F-A5DD-4491-930E-B69D7A27CF15}">
+          <p14:sldIdLst>
+            <p14:sldId id="256"/>
+            <p14:sldId id="257"/>
+            <p14:sldId id="258"/>
+            <p14:sldId id="259"/>
+            <p14:sldId id="260"/>
+            <p14:sldId id="261"/>
+            <p14:sldId id="262"/>
+            <p14:sldId id="264"/>
+            <p14:sldId id="265"/>
+            <p14:sldId id="266"/>
+            <p14:sldId id="267"/>
+            <p14:sldId id="268"/>
+            <p14:sldId id="263"/>
+            <p14:sldId id="269"/>
+            <p14:sldId id="270"/>
+            <p14:sldId id="271"/>
+            <p14:sldId id="272"/>
+            <p14:sldId id="273"/>
+            <p14:sldId id="274"/>
+            <p14:sldId id="275"/>
+            <p14:sldId id="276"/>
+            <p14:sldId id="277"/>
+            <p14:sldId id="278"/>
+            <p14:sldId id="279"/>
+            <p14:sldId id="280"/>
+            <p14:sldId id="281"/>
+            <p14:sldId id="282"/>
+            <p14:sldId id="283"/>
+            <p14:sldId id="284"/>
+            <p14:sldId id="286"/>
+            <p14:sldId id="287"/>
+            <p14:sldId id="285"/>
+            <p14:sldId id="288"/>
+            <p14:sldId id="289"/>
+            <p14:sldId id="290"/>
+            <p14:sldId id="291"/>
+            <p14:sldId id="292"/>
+            <p14:sldId id="293"/>
+            <p14:sldId id="294"/>
+            <p14:sldId id="295"/>
+            <p14:sldId id="296"/>
+            <p14:sldId id="297"/>
+            <p14:sldId id="298"/>
+            <p14:sldId id="299"/>
+            <p14:sldId id="300"/>
+            <p14:sldId id="301"/>
+            <p14:sldId id="302"/>
+            <p14:sldId id="303"/>
+            <p14:sldId id="304"/>
+            <p14:sldId id="305"/>
+            <p14:sldId id="307"/>
+            <p14:sldId id="306"/>
+            <p14:sldId id="308"/>
+            <p14:sldId id="309"/>
+            <p14:sldId id="311"/>
+            <p14:sldId id="310"/>
+            <p14:sldId id="312"/>
+            <p14:sldId id="313"/>
+            <p14:sldId id="314"/>
+          </p14:sldIdLst>
+        </p14:section>
+        <p14:section name="Untitled Section" id="{A690DC99-4BD3-4B8E-8474-6308FCEC7D88}">
+          <p14:sldIdLst>
+            <p14:sldId id="315"/>
+            <p14:sldId id="316"/>
+          </p14:sldIdLst>
+        </p14:section>
+      </p14:sectionLst>
+    </p:ext>
     <p:ext uri="{EFAFB233-063F-42B5-8137-9DF3F51BA10A}">
       <p15:sldGuideLst xmlns:p15="http://schemas.microsoft.com/office/powerpoint/2012/main"/>
     </p:ext>
@@ -256,7 +330,7 @@
           <a:p>
             <a:fld id="{95AD9242-1F6D-4439-B4E3-3D1C86DAD4C7}" type="datetimeFigureOut">
               <a:rPr lang="en-US" smtClean="0"/>
-              <a:t>4/19/2023</a:t>
+              <a:t>4/20/2023</a:t>
             </a:fld>
             <a:endParaRPr lang="en-US"/>
           </a:p>
@@ -670,7 +744,7 @@
           <a:p>
             <a:fld id="{17C5991C-D94C-4C76-AE92-3C44B7FD323B}" type="datetimeFigureOut">
               <a:rPr lang="en-US" smtClean="0"/>
-              <a:t>4/19/2023</a:t>
+              <a:t>4/20/2023</a:t>
             </a:fld>
             <a:endParaRPr lang="en-US"/>
           </a:p>
@@ -868,7 +942,7 @@
           <a:p>
             <a:fld id="{17C5991C-D94C-4C76-AE92-3C44B7FD323B}" type="datetimeFigureOut">
               <a:rPr lang="en-US" smtClean="0"/>
-              <a:t>4/19/2023</a:t>
+              <a:t>4/20/2023</a:t>
             </a:fld>
             <a:endParaRPr lang="en-US"/>
           </a:p>
@@ -1076,7 +1150,7 @@
           <a:p>
             <a:fld id="{17C5991C-D94C-4C76-AE92-3C44B7FD323B}" type="datetimeFigureOut">
               <a:rPr lang="en-US" smtClean="0"/>
-              <a:t>4/19/2023</a:t>
+              <a:t>4/20/2023</a:t>
             </a:fld>
             <a:endParaRPr lang="en-US"/>
           </a:p>
@@ -1274,7 +1348,7 @@
           <a:p>
             <a:fld id="{17C5991C-D94C-4C76-AE92-3C44B7FD323B}" type="datetimeFigureOut">
               <a:rPr lang="en-US" smtClean="0"/>
-              <a:t>4/19/2023</a:t>
+              <a:t>4/20/2023</a:t>
             </a:fld>
             <a:endParaRPr lang="en-US"/>
           </a:p>
@@ -1549,7 +1623,7 @@
           <a:p>
             <a:fld id="{17C5991C-D94C-4C76-AE92-3C44B7FD323B}" type="datetimeFigureOut">
               <a:rPr lang="en-US" smtClean="0"/>
-              <a:t>4/19/2023</a:t>
+              <a:t>4/20/2023</a:t>
             </a:fld>
             <a:endParaRPr lang="en-US"/>
           </a:p>
@@ -1814,7 +1888,7 @@
           <a:p>
             <a:fld id="{17C5991C-D94C-4C76-AE92-3C44B7FD323B}" type="datetimeFigureOut">
               <a:rPr lang="en-US" smtClean="0"/>
-              <a:t>4/19/2023</a:t>
+              <a:t>4/20/2023</a:t>
             </a:fld>
             <a:endParaRPr lang="en-US"/>
           </a:p>
@@ -2226,7 +2300,7 @@
           <a:p>
             <a:fld id="{17C5991C-D94C-4C76-AE92-3C44B7FD323B}" type="datetimeFigureOut">
               <a:rPr lang="en-US" smtClean="0"/>
-              <a:t>4/19/2023</a:t>
+              <a:t>4/20/2023</a:t>
             </a:fld>
             <a:endParaRPr lang="en-US"/>
           </a:p>
@@ -2367,7 +2441,7 @@
           <a:p>
             <a:fld id="{17C5991C-D94C-4C76-AE92-3C44B7FD323B}" type="datetimeFigureOut">
               <a:rPr lang="en-US" smtClean="0"/>
-              <a:t>4/19/2023</a:t>
+              <a:t>4/20/2023</a:t>
             </a:fld>
             <a:endParaRPr lang="en-US"/>
           </a:p>
@@ -2480,7 +2554,7 @@
           <a:p>
             <a:fld id="{17C5991C-D94C-4C76-AE92-3C44B7FD323B}" type="datetimeFigureOut">
               <a:rPr lang="en-US" smtClean="0"/>
-              <a:t>4/19/2023</a:t>
+              <a:t>4/20/2023</a:t>
             </a:fld>
             <a:endParaRPr lang="en-US"/>
           </a:p>
@@ -2791,7 +2865,7 @@
           <a:p>
             <a:fld id="{17C5991C-D94C-4C76-AE92-3C44B7FD323B}" type="datetimeFigureOut">
               <a:rPr lang="en-US" smtClean="0"/>
-              <a:t>4/19/2023</a:t>
+              <a:t>4/20/2023</a:t>
             </a:fld>
             <a:endParaRPr lang="en-US"/>
           </a:p>
@@ -3079,7 +3153,7 @@
           <a:p>
             <a:fld id="{17C5991C-D94C-4C76-AE92-3C44B7FD323B}" type="datetimeFigureOut">
               <a:rPr lang="en-US" smtClean="0"/>
-              <a:t>4/19/2023</a:t>
+              <a:t>4/20/2023</a:t>
             </a:fld>
             <a:endParaRPr lang="en-US"/>
           </a:p>
@@ -3320,7 +3394,7 @@
           <a:p>
             <a:fld id="{17C5991C-D94C-4C76-AE92-3C44B7FD323B}" type="datetimeFigureOut">
               <a:rPr lang="en-US" smtClean="0"/>
-              <a:t>4/19/2023</a:t>
+              <a:t>4/20/2023</a:t>
             </a:fld>
             <a:endParaRPr lang="en-US"/>
           </a:p>
@@ -21717,6 +21791,69 @@
 </p:sld>
 </file>
 
+<file path=ppt/slides/slide61.xml><?xml version="1.0" encoding="utf-8"?>
+<p:sld xmlns:a="http://schemas.openxmlformats.org/drawingml/2006/main" xmlns:r="http://schemas.openxmlformats.org/officeDocument/2006/relationships" xmlns:p="http://schemas.openxmlformats.org/presentationml/2006/main">
+  <p:cSld>
+    <p:spTree>
+      <p:nvGrpSpPr>
+        <p:cNvPr id="1" name=""/>
+        <p:cNvGrpSpPr/>
+        <p:nvPr/>
+      </p:nvGrpSpPr>
+      <p:grpSpPr>
+        <a:xfrm>
+          <a:off x="0" y="0"/>
+          <a:ext cx="0" cy="0"/>
+          <a:chOff x="0" y="0"/>
+          <a:chExt cx="0" cy="0"/>
+        </a:xfrm>
+      </p:grpSpPr>
+      <p:sp>
+        <p:nvSpPr>
+          <p:cNvPr id="3" name="Content Placeholder 2">
+            <a:extLst>
+              <a:ext uri="{FF2B5EF4-FFF2-40B4-BE49-F238E27FC236}">
+                <a16:creationId xmlns:a16="http://schemas.microsoft.com/office/drawing/2014/main" id="{9B55B029-122D-AC54-2C88-151CAE02890D}"/>
+              </a:ext>
+            </a:extLst>
+          </p:cNvPr>
+          <p:cNvSpPr>
+            <a:spLocks noGrp="1"/>
+          </p:cNvSpPr>
+          <p:nvPr>
+            <p:ph idx="1"/>
+          </p:nvPr>
+        </p:nvSpPr>
+        <p:spPr>
+          <a:xfrm>
+            <a:off x="838200" y="218364"/>
+            <a:ext cx="10515600" cy="5958599"/>
+          </a:xfrm>
+        </p:spPr>
+        <p:txBody>
+          <a:bodyPr/>
+          <a:lstStyle/>
+          <a:p>
+            <a:r>
+              <a:rPr lang="en-US" dirty="0"/>
+              <a:t>Creating the Shop Structure</a:t>
+            </a:r>
+          </a:p>
+        </p:txBody>
+      </p:sp>
+    </p:spTree>
+    <p:extLst>
+      <p:ext uri="{BB962C8B-B14F-4D97-AF65-F5344CB8AC3E}">
+        <p14:creationId xmlns:p14="http://schemas.microsoft.com/office/powerpoint/2010/main" val="1141547604"/>
+      </p:ext>
+    </p:extLst>
+  </p:cSld>
+  <p:clrMapOvr>
+    <a:masterClrMapping/>
+  </p:clrMapOvr>
+</p:sld>
+</file>
+
 <file path=ppt/slides/slide7.xml><?xml version="1.0" encoding="utf-8"?>
 <p:sld xmlns:a="http://schemas.openxmlformats.org/drawingml/2006/main" xmlns:r="http://schemas.openxmlformats.org/officeDocument/2006/relationships" xmlns:p="http://schemas.openxmlformats.org/presentationml/2006/main">
   <p:cSld>

--- a/What is Node.pptx
+++ b/What is Node.pptx
@@ -330,7 +330,7 @@
           <a:p>
             <a:fld id="{95AD9242-1F6D-4439-B4E3-3D1C86DAD4C7}" type="datetimeFigureOut">
               <a:rPr lang="en-US" smtClean="0"/>
-              <a:t>4/20/2023</a:t>
+              <a:t>4/21/2023</a:t>
             </a:fld>
             <a:endParaRPr lang="en-US"/>
           </a:p>
@@ -744,7 +744,7 @@
           <a:p>
             <a:fld id="{17C5991C-D94C-4C76-AE92-3C44B7FD323B}" type="datetimeFigureOut">
               <a:rPr lang="en-US" smtClean="0"/>
-              <a:t>4/20/2023</a:t>
+              <a:t>4/21/2023</a:t>
             </a:fld>
             <a:endParaRPr lang="en-US"/>
           </a:p>
@@ -942,7 +942,7 @@
           <a:p>
             <a:fld id="{17C5991C-D94C-4C76-AE92-3C44B7FD323B}" type="datetimeFigureOut">
               <a:rPr lang="en-US" smtClean="0"/>
-              <a:t>4/20/2023</a:t>
+              <a:t>4/21/2023</a:t>
             </a:fld>
             <a:endParaRPr lang="en-US"/>
           </a:p>
@@ -1150,7 +1150,7 @@
           <a:p>
             <a:fld id="{17C5991C-D94C-4C76-AE92-3C44B7FD323B}" type="datetimeFigureOut">
               <a:rPr lang="en-US" smtClean="0"/>
-              <a:t>4/20/2023</a:t>
+              <a:t>4/21/2023</a:t>
             </a:fld>
             <a:endParaRPr lang="en-US"/>
           </a:p>
@@ -1348,7 +1348,7 @@
           <a:p>
             <a:fld id="{17C5991C-D94C-4C76-AE92-3C44B7FD323B}" type="datetimeFigureOut">
               <a:rPr lang="en-US" smtClean="0"/>
-              <a:t>4/20/2023</a:t>
+              <a:t>4/21/2023</a:t>
             </a:fld>
             <a:endParaRPr lang="en-US"/>
           </a:p>
@@ -1623,7 +1623,7 @@
           <a:p>
             <a:fld id="{17C5991C-D94C-4C76-AE92-3C44B7FD323B}" type="datetimeFigureOut">
               <a:rPr lang="en-US" smtClean="0"/>
-              <a:t>4/20/2023</a:t>
+              <a:t>4/21/2023</a:t>
             </a:fld>
             <a:endParaRPr lang="en-US"/>
           </a:p>
@@ -1888,7 +1888,7 @@
           <a:p>
             <a:fld id="{17C5991C-D94C-4C76-AE92-3C44B7FD323B}" type="datetimeFigureOut">
               <a:rPr lang="en-US" smtClean="0"/>
-              <a:t>4/20/2023</a:t>
+              <a:t>4/21/2023</a:t>
             </a:fld>
             <a:endParaRPr lang="en-US"/>
           </a:p>
@@ -2300,7 +2300,7 @@
           <a:p>
             <a:fld id="{17C5991C-D94C-4C76-AE92-3C44B7FD323B}" type="datetimeFigureOut">
               <a:rPr lang="en-US" smtClean="0"/>
-              <a:t>4/20/2023</a:t>
+              <a:t>4/21/2023</a:t>
             </a:fld>
             <a:endParaRPr lang="en-US"/>
           </a:p>
@@ -2441,7 +2441,7 @@
           <a:p>
             <a:fld id="{17C5991C-D94C-4C76-AE92-3C44B7FD323B}" type="datetimeFigureOut">
               <a:rPr lang="en-US" smtClean="0"/>
-              <a:t>4/20/2023</a:t>
+              <a:t>4/21/2023</a:t>
             </a:fld>
             <a:endParaRPr lang="en-US"/>
           </a:p>
@@ -2554,7 +2554,7 @@
           <a:p>
             <a:fld id="{17C5991C-D94C-4C76-AE92-3C44B7FD323B}" type="datetimeFigureOut">
               <a:rPr lang="en-US" smtClean="0"/>
-              <a:t>4/20/2023</a:t>
+              <a:t>4/21/2023</a:t>
             </a:fld>
             <a:endParaRPr lang="en-US"/>
           </a:p>
@@ -2865,7 +2865,7 @@
           <a:p>
             <a:fld id="{17C5991C-D94C-4C76-AE92-3C44B7FD323B}" type="datetimeFigureOut">
               <a:rPr lang="en-US" smtClean="0"/>
-              <a:t>4/20/2023</a:t>
+              <a:t>4/21/2023</a:t>
             </a:fld>
             <a:endParaRPr lang="en-US"/>
           </a:p>
@@ -3153,7 +3153,7 @@
           <a:p>
             <a:fld id="{17C5991C-D94C-4C76-AE92-3C44B7FD323B}" type="datetimeFigureOut">
               <a:rPr lang="en-US" smtClean="0"/>
-              <a:t>4/20/2023</a:t>
+              <a:t>4/21/2023</a:t>
             </a:fld>
             <a:endParaRPr lang="en-US"/>
           </a:p>
@@ -3394,7 +3394,7 @@
           <a:p>
             <a:fld id="{17C5991C-D94C-4C76-AE92-3C44B7FD323B}" type="datetimeFigureOut">
               <a:rPr lang="en-US" smtClean="0"/>
-              <a:t>4/20/2023</a:t>
+              <a:t>4/21/2023</a:t>
             </a:fld>
             <a:endParaRPr lang="en-US"/>
           </a:p>
@@ -21839,6 +21839,27 @@
               <a:t>Creating the Shop Structure</a:t>
             </a:r>
           </a:p>
+          <a:p>
+            <a:r>
+              <a:rPr lang="en-US" dirty="0"/>
+              <a:t>Registering the Routes</a:t>
+            </a:r>
+          </a:p>
+          <a:p>
+            <a:r>
+              <a:rPr lang="en-US" dirty="0"/>
+              <a:t>Storing Product Data</a:t>
+            </a:r>
+          </a:p>
+          <a:p>
+            <a:r>
+              <a:rPr lang="en-US" dirty="0"/>
+              <a:t>Displaying Product data</a:t>
+            </a:r>
+          </a:p>
+          <a:p>
+            <a:endParaRPr lang="en-US" dirty="0"/>
+          </a:p>
         </p:txBody>
       </p:sp>
     </p:spTree>

--- a/What is Node.pptx
+++ b/What is Node.pptx
@@ -5,7 +5,7 @@
     <p:sldMasterId id="2147483648" r:id="rId1"/>
   </p:sldMasterIdLst>
   <p:notesMasterIdLst>
-    <p:notesMasterId r:id="rId63"/>
+    <p:notesMasterId r:id="rId64"/>
   </p:notesMasterIdLst>
   <p:sldIdLst>
     <p:sldId id="256" r:id="rId2"/>
@@ -69,6 +69,7 @@
     <p:sldId id="314" r:id="rId60"/>
     <p:sldId id="315" r:id="rId61"/>
     <p:sldId id="316" r:id="rId62"/>
+    <p:sldId id="317" r:id="rId63"/>
   </p:sldIdLst>
   <p:sldSz cx="12192000" cy="6858000"/>
   <p:notesSz cx="6858000" cy="9144000"/>
@@ -237,6 +238,7 @@
           <p14:sldIdLst>
             <p14:sldId id="315"/>
             <p14:sldId id="316"/>
+            <p14:sldId id="317"/>
           </p14:sldIdLst>
         </p14:section>
       </p14:sectionLst>
@@ -330,7 +332,7 @@
           <a:p>
             <a:fld id="{95AD9242-1F6D-4439-B4E3-3D1C86DAD4C7}" type="datetimeFigureOut">
               <a:rPr lang="en-US" smtClean="0"/>
-              <a:t>4/21/2023</a:t>
+              <a:t>4/25/2023</a:t>
             </a:fld>
             <a:endParaRPr lang="en-US"/>
           </a:p>
@@ -744,7 +746,7 @@
           <a:p>
             <a:fld id="{17C5991C-D94C-4C76-AE92-3C44B7FD323B}" type="datetimeFigureOut">
               <a:rPr lang="en-US" smtClean="0"/>
-              <a:t>4/21/2023</a:t>
+              <a:t>4/25/2023</a:t>
             </a:fld>
             <a:endParaRPr lang="en-US"/>
           </a:p>
@@ -942,7 +944,7 @@
           <a:p>
             <a:fld id="{17C5991C-D94C-4C76-AE92-3C44B7FD323B}" type="datetimeFigureOut">
               <a:rPr lang="en-US" smtClean="0"/>
-              <a:t>4/21/2023</a:t>
+              <a:t>4/25/2023</a:t>
             </a:fld>
             <a:endParaRPr lang="en-US"/>
           </a:p>
@@ -1150,7 +1152,7 @@
           <a:p>
             <a:fld id="{17C5991C-D94C-4C76-AE92-3C44B7FD323B}" type="datetimeFigureOut">
               <a:rPr lang="en-US" smtClean="0"/>
-              <a:t>4/21/2023</a:t>
+              <a:t>4/25/2023</a:t>
             </a:fld>
             <a:endParaRPr lang="en-US"/>
           </a:p>
@@ -1348,7 +1350,7 @@
           <a:p>
             <a:fld id="{17C5991C-D94C-4C76-AE92-3C44B7FD323B}" type="datetimeFigureOut">
               <a:rPr lang="en-US" smtClean="0"/>
-              <a:t>4/21/2023</a:t>
+              <a:t>4/25/2023</a:t>
             </a:fld>
             <a:endParaRPr lang="en-US"/>
           </a:p>
@@ -1623,7 +1625,7 @@
           <a:p>
             <a:fld id="{17C5991C-D94C-4C76-AE92-3C44B7FD323B}" type="datetimeFigureOut">
               <a:rPr lang="en-US" smtClean="0"/>
-              <a:t>4/21/2023</a:t>
+              <a:t>4/25/2023</a:t>
             </a:fld>
             <a:endParaRPr lang="en-US"/>
           </a:p>
@@ -1888,7 +1890,7 @@
           <a:p>
             <a:fld id="{17C5991C-D94C-4C76-AE92-3C44B7FD323B}" type="datetimeFigureOut">
               <a:rPr lang="en-US" smtClean="0"/>
-              <a:t>4/21/2023</a:t>
+              <a:t>4/25/2023</a:t>
             </a:fld>
             <a:endParaRPr lang="en-US"/>
           </a:p>
@@ -2300,7 +2302,7 @@
           <a:p>
             <a:fld id="{17C5991C-D94C-4C76-AE92-3C44B7FD323B}" type="datetimeFigureOut">
               <a:rPr lang="en-US" smtClean="0"/>
-              <a:t>4/21/2023</a:t>
+              <a:t>4/25/2023</a:t>
             </a:fld>
             <a:endParaRPr lang="en-US"/>
           </a:p>
@@ -2441,7 +2443,7 @@
           <a:p>
             <a:fld id="{17C5991C-D94C-4C76-AE92-3C44B7FD323B}" type="datetimeFigureOut">
               <a:rPr lang="en-US" smtClean="0"/>
-              <a:t>4/21/2023</a:t>
+              <a:t>4/25/2023</a:t>
             </a:fld>
             <a:endParaRPr lang="en-US"/>
           </a:p>
@@ -2554,7 +2556,7 @@
           <a:p>
             <a:fld id="{17C5991C-D94C-4C76-AE92-3C44B7FD323B}" type="datetimeFigureOut">
               <a:rPr lang="en-US" smtClean="0"/>
-              <a:t>4/21/2023</a:t>
+              <a:t>4/25/2023</a:t>
             </a:fld>
             <a:endParaRPr lang="en-US"/>
           </a:p>
@@ -2865,7 +2867,7 @@
           <a:p>
             <a:fld id="{17C5991C-D94C-4C76-AE92-3C44B7FD323B}" type="datetimeFigureOut">
               <a:rPr lang="en-US" smtClean="0"/>
-              <a:t>4/21/2023</a:t>
+              <a:t>4/25/2023</a:t>
             </a:fld>
             <a:endParaRPr lang="en-US"/>
           </a:p>
@@ -3153,7 +3155,7 @@
           <a:p>
             <a:fld id="{17C5991C-D94C-4C76-AE92-3C44B7FD323B}" type="datetimeFigureOut">
               <a:rPr lang="en-US" smtClean="0"/>
-              <a:t>4/21/2023</a:t>
+              <a:t>4/25/2023</a:t>
             </a:fld>
             <a:endParaRPr lang="en-US"/>
           </a:p>
@@ -3394,7 +3396,7 @@
           <a:p>
             <a:fld id="{17C5991C-D94C-4C76-AE92-3C44B7FD323B}" type="datetimeFigureOut">
               <a:rPr lang="en-US" smtClean="0"/>
-              <a:t>4/21/2023</a:t>
+              <a:t>4/25/2023</a:t>
             </a:fld>
             <a:endParaRPr lang="en-US"/>
           </a:p>
@@ -21858,6 +21860,12 @@
             </a:r>
           </a:p>
           <a:p>
+            <a:r>
+              <a:rPr lang="en-US" dirty="0"/>
+              <a:t>Editing &amp; Deleting Products</a:t>
+            </a:r>
+          </a:p>
+          <a:p>
             <a:endParaRPr lang="en-US" dirty="0"/>
           </a:p>
         </p:txBody>
@@ -21866,6 +21874,142 @@
     <p:extLst>
       <p:ext uri="{BB962C8B-B14F-4D97-AF65-F5344CB8AC3E}">
         <p14:creationId xmlns:p14="http://schemas.microsoft.com/office/powerpoint/2010/main" val="1141547604"/>
+      </p:ext>
+    </p:extLst>
+  </p:cSld>
+  <p:clrMapOvr>
+    <a:masterClrMapping/>
+  </p:clrMapOvr>
+</p:sld>
+</file>
+
+<file path=ppt/slides/slide62.xml><?xml version="1.0" encoding="utf-8"?>
+<p:sld xmlns:a="http://schemas.openxmlformats.org/drawingml/2006/main" xmlns:r="http://schemas.openxmlformats.org/officeDocument/2006/relationships" xmlns:p="http://schemas.openxmlformats.org/presentationml/2006/main">
+  <p:cSld>
+    <p:spTree>
+      <p:nvGrpSpPr>
+        <p:cNvPr id="1" name=""/>
+        <p:cNvGrpSpPr/>
+        <p:nvPr/>
+      </p:nvGrpSpPr>
+      <p:grpSpPr>
+        <a:xfrm>
+          <a:off x="0" y="0"/>
+          <a:ext cx="0" cy="0"/>
+          <a:chOff x="0" y="0"/>
+          <a:chExt cx="0" cy="0"/>
+        </a:xfrm>
+      </p:grpSpPr>
+      <p:sp>
+        <p:nvSpPr>
+          <p:cNvPr id="2" name="Title 1">
+            <a:extLst>
+              <a:ext uri="{FF2B5EF4-FFF2-40B4-BE49-F238E27FC236}">
+                <a16:creationId xmlns:a16="http://schemas.microsoft.com/office/drawing/2014/main" id="{D62CFC30-BFA0-145B-FAA6-15F0F092496E}"/>
+              </a:ext>
+            </a:extLst>
+          </p:cNvPr>
+          <p:cNvSpPr>
+            <a:spLocks noGrp="1"/>
+          </p:cNvSpPr>
+          <p:nvPr>
+            <p:ph type="title"/>
+          </p:nvPr>
+        </p:nvSpPr>
+        <p:spPr/>
+        <p:txBody>
+          <a:bodyPr/>
+          <a:lstStyle/>
+          <a:p>
+            <a:r>
+              <a:rPr lang="en-US" dirty="0"/>
+              <a:t>Dynamic Routes &amp; Advanced Models</a:t>
+            </a:r>
+          </a:p>
+        </p:txBody>
+      </p:sp>
+      <p:sp>
+        <p:nvSpPr>
+          <p:cNvPr id="3" name="Content Placeholder 2">
+            <a:extLst>
+              <a:ext uri="{FF2B5EF4-FFF2-40B4-BE49-F238E27FC236}">
+                <a16:creationId xmlns:a16="http://schemas.microsoft.com/office/drawing/2014/main" id="{1C649668-C6F9-B42B-8A19-23300046F474}"/>
+              </a:ext>
+            </a:extLst>
+          </p:cNvPr>
+          <p:cNvSpPr>
+            <a:spLocks noGrp="1"/>
+          </p:cNvSpPr>
+          <p:nvPr>
+            <p:ph idx="1"/>
+          </p:nvPr>
+        </p:nvSpPr>
+        <p:spPr/>
+        <p:txBody>
+          <a:bodyPr>
+            <a:normAutofit lnSpcReduction="10000"/>
+          </a:bodyPr>
+          <a:lstStyle/>
+          <a:p>
+            <a:r>
+              <a:rPr lang="en-US" dirty="0"/>
+              <a:t>Passing and Using Dynamic Data</a:t>
+            </a:r>
+          </a:p>
+          <a:p>
+            <a:r>
+              <a:rPr lang="en-US" dirty="0"/>
+              <a:t>Adding the Product ID to the Path</a:t>
+            </a:r>
+          </a:p>
+          <a:p>
+            <a:r>
+              <a:rPr lang="en-US" dirty="0"/>
+              <a:t>Extracting Dynamic Params</a:t>
+            </a:r>
+          </a:p>
+          <a:p>
+            <a:r>
+              <a:rPr lang="en-US" dirty="0"/>
+              <a:t>Rendering the Product Detail View via Product ID</a:t>
+            </a:r>
+          </a:p>
+          <a:p>
+            <a:r>
+              <a:rPr lang="en-US" dirty="0"/>
+              <a:t>Passing data with POST Requests</a:t>
+            </a:r>
+          </a:p>
+          <a:p>
+            <a:r>
+              <a:rPr lang="en-US" dirty="0"/>
+              <a:t>Adding a Cart Model</a:t>
+            </a:r>
+          </a:p>
+          <a:p>
+            <a:r>
+              <a:rPr lang="en-US" dirty="0"/>
+              <a:t>Using query Params</a:t>
+            </a:r>
+          </a:p>
+          <a:p>
+            <a:r>
+              <a:rPr lang="en-US" dirty="0"/>
+              <a:t>Pre-populating the Edit Product Page with Data</a:t>
+            </a:r>
+          </a:p>
+          <a:p>
+            <a:r>
+              <a:rPr lang="en-US" dirty="0"/>
+              <a:t>Linking to the Edit Page</a:t>
+            </a:r>
+          </a:p>
+        </p:txBody>
+      </p:sp>
+    </p:spTree>
+    <p:extLst>
+      <p:ext uri="{BB962C8B-B14F-4D97-AF65-F5344CB8AC3E}">
+        <p14:creationId xmlns:p14="http://schemas.microsoft.com/office/powerpoint/2010/main" val="1553636603"/>
       </p:ext>
     </p:extLst>
   </p:cSld>

--- a/What is Node.pptx
+++ b/What is Node.pptx
@@ -5,7 +5,7 @@
     <p:sldMasterId id="2147483648" r:id="rId1"/>
   </p:sldMasterIdLst>
   <p:notesMasterIdLst>
-    <p:notesMasterId r:id="rId64"/>
+    <p:notesMasterId r:id="rId65"/>
   </p:notesMasterIdLst>
   <p:sldIdLst>
     <p:sldId id="256" r:id="rId2"/>
@@ -70,6 +70,7 @@
     <p:sldId id="315" r:id="rId61"/>
     <p:sldId id="316" r:id="rId62"/>
     <p:sldId id="317" r:id="rId63"/>
+    <p:sldId id="318" r:id="rId64"/>
   </p:sldIdLst>
   <p:sldSz cx="12192000" cy="6858000"/>
   <p:notesSz cx="6858000" cy="9144000"/>
@@ -239,6 +240,7 @@
             <p14:sldId id="315"/>
             <p14:sldId id="316"/>
             <p14:sldId id="317"/>
+            <p14:sldId id="318"/>
           </p14:sldIdLst>
         </p14:section>
       </p14:sectionLst>
@@ -332,7 +334,7 @@
           <a:p>
             <a:fld id="{95AD9242-1F6D-4439-B4E3-3D1C86DAD4C7}" type="datetimeFigureOut">
               <a:rPr lang="en-US" smtClean="0"/>
-              <a:t>4/25/2023</a:t>
+              <a:t>4/27/2023</a:t>
             </a:fld>
             <a:endParaRPr lang="en-US"/>
           </a:p>
@@ -746,7 +748,7 @@
           <a:p>
             <a:fld id="{17C5991C-D94C-4C76-AE92-3C44B7FD323B}" type="datetimeFigureOut">
               <a:rPr lang="en-US" smtClean="0"/>
-              <a:t>4/25/2023</a:t>
+              <a:t>4/27/2023</a:t>
             </a:fld>
             <a:endParaRPr lang="en-US"/>
           </a:p>
@@ -944,7 +946,7 @@
           <a:p>
             <a:fld id="{17C5991C-D94C-4C76-AE92-3C44B7FD323B}" type="datetimeFigureOut">
               <a:rPr lang="en-US" smtClean="0"/>
-              <a:t>4/25/2023</a:t>
+              <a:t>4/27/2023</a:t>
             </a:fld>
             <a:endParaRPr lang="en-US"/>
           </a:p>
@@ -1152,7 +1154,7 @@
           <a:p>
             <a:fld id="{17C5991C-D94C-4C76-AE92-3C44B7FD323B}" type="datetimeFigureOut">
               <a:rPr lang="en-US" smtClean="0"/>
-              <a:t>4/25/2023</a:t>
+              <a:t>4/27/2023</a:t>
             </a:fld>
             <a:endParaRPr lang="en-US"/>
           </a:p>
@@ -1350,7 +1352,7 @@
           <a:p>
             <a:fld id="{17C5991C-D94C-4C76-AE92-3C44B7FD323B}" type="datetimeFigureOut">
               <a:rPr lang="en-US" smtClean="0"/>
-              <a:t>4/25/2023</a:t>
+              <a:t>4/27/2023</a:t>
             </a:fld>
             <a:endParaRPr lang="en-US"/>
           </a:p>
@@ -1625,7 +1627,7 @@
           <a:p>
             <a:fld id="{17C5991C-D94C-4C76-AE92-3C44B7FD323B}" type="datetimeFigureOut">
               <a:rPr lang="en-US" smtClean="0"/>
-              <a:t>4/25/2023</a:t>
+              <a:t>4/27/2023</a:t>
             </a:fld>
             <a:endParaRPr lang="en-US"/>
           </a:p>
@@ -1890,7 +1892,7 @@
           <a:p>
             <a:fld id="{17C5991C-D94C-4C76-AE92-3C44B7FD323B}" type="datetimeFigureOut">
               <a:rPr lang="en-US" smtClean="0"/>
-              <a:t>4/25/2023</a:t>
+              <a:t>4/27/2023</a:t>
             </a:fld>
             <a:endParaRPr lang="en-US"/>
           </a:p>
@@ -2302,7 +2304,7 @@
           <a:p>
             <a:fld id="{17C5991C-D94C-4C76-AE92-3C44B7FD323B}" type="datetimeFigureOut">
               <a:rPr lang="en-US" smtClean="0"/>
-              <a:t>4/25/2023</a:t>
+              <a:t>4/27/2023</a:t>
             </a:fld>
             <a:endParaRPr lang="en-US"/>
           </a:p>
@@ -2443,7 +2445,7 @@
           <a:p>
             <a:fld id="{17C5991C-D94C-4C76-AE92-3C44B7FD323B}" type="datetimeFigureOut">
               <a:rPr lang="en-US" smtClean="0"/>
-              <a:t>4/25/2023</a:t>
+              <a:t>4/27/2023</a:t>
             </a:fld>
             <a:endParaRPr lang="en-US"/>
           </a:p>
@@ -2556,7 +2558,7 @@
           <a:p>
             <a:fld id="{17C5991C-D94C-4C76-AE92-3C44B7FD323B}" type="datetimeFigureOut">
               <a:rPr lang="en-US" smtClean="0"/>
-              <a:t>4/25/2023</a:t>
+              <a:t>4/27/2023</a:t>
             </a:fld>
             <a:endParaRPr lang="en-US"/>
           </a:p>
@@ -2867,7 +2869,7 @@
           <a:p>
             <a:fld id="{17C5991C-D94C-4C76-AE92-3C44B7FD323B}" type="datetimeFigureOut">
               <a:rPr lang="en-US" smtClean="0"/>
-              <a:t>4/25/2023</a:t>
+              <a:t>4/27/2023</a:t>
             </a:fld>
             <a:endParaRPr lang="en-US"/>
           </a:p>
@@ -3155,7 +3157,7 @@
           <a:p>
             <a:fld id="{17C5991C-D94C-4C76-AE92-3C44B7FD323B}" type="datetimeFigureOut">
               <a:rPr lang="en-US" smtClean="0"/>
-              <a:t>4/25/2023</a:t>
+              <a:t>4/27/2023</a:t>
             </a:fld>
             <a:endParaRPr lang="en-US"/>
           </a:p>
@@ -3396,7 +3398,7 @@
           <a:p>
             <a:fld id="{17C5991C-D94C-4C76-AE92-3C44B7FD323B}" type="datetimeFigureOut">
               <a:rPr lang="en-US" smtClean="0"/>
-              <a:t>4/25/2023</a:t>
+              <a:t>4/27/2023</a:t>
             </a:fld>
             <a:endParaRPr lang="en-US"/>
           </a:p>
@@ -21946,8 +21948,8 @@
         </p:nvSpPr>
         <p:spPr/>
         <p:txBody>
-          <a:bodyPr>
-            <a:normAutofit lnSpcReduction="10000"/>
+          <a:bodyPr numCol="2">
+            <a:normAutofit/>
           </a:bodyPr>
           <a:lstStyle/>
           <a:p>
@@ -22002,6 +22004,30 @@
             <a:r>
               <a:rPr lang="en-US" dirty="0"/>
               <a:t>Linking to the Edit Page</a:t>
+            </a:r>
+          </a:p>
+          <a:p>
+            <a:r>
+              <a:rPr lang="en-US" dirty="0"/>
+              <a:t>Editing the Product Data</a:t>
+            </a:r>
+          </a:p>
+          <a:p>
+            <a:r>
+              <a:rPr lang="en-US" dirty="0"/>
+              <a:t>Adding the Product Delete Functionality</a:t>
+            </a:r>
+          </a:p>
+          <a:p>
+            <a:r>
+              <a:rPr lang="en-US" dirty="0"/>
+              <a:t>Deleting Cart Items</a:t>
+            </a:r>
+          </a:p>
+          <a:p>
+            <a:r>
+              <a:rPr lang="en-US" dirty="0"/>
+              <a:t>Displaying Cart Items on the Cart Page</a:t>
             </a:r>
           </a:p>
         </p:txBody>
@@ -22010,6 +22036,507 @@
     <p:extLst>
       <p:ext uri="{BB962C8B-B14F-4D97-AF65-F5344CB8AC3E}">
         <p14:creationId xmlns:p14="http://schemas.microsoft.com/office/powerpoint/2010/main" val="1553636603"/>
+      </p:ext>
+    </p:extLst>
+  </p:cSld>
+  <p:clrMapOvr>
+    <a:masterClrMapping/>
+  </p:clrMapOvr>
+</p:sld>
+</file>
+
+<file path=ppt/slides/slide63.xml><?xml version="1.0" encoding="utf-8"?>
+<p:sld xmlns:a="http://schemas.openxmlformats.org/drawingml/2006/main" xmlns:r="http://schemas.openxmlformats.org/officeDocument/2006/relationships" xmlns:p="http://schemas.openxmlformats.org/presentationml/2006/main">
+  <p:cSld>
+    <p:spTree>
+      <p:nvGrpSpPr>
+        <p:cNvPr id="1" name=""/>
+        <p:cNvGrpSpPr/>
+        <p:nvPr/>
+      </p:nvGrpSpPr>
+      <p:grpSpPr>
+        <a:xfrm>
+          <a:off x="0" y="0"/>
+          <a:ext cx="0" cy="0"/>
+          <a:chOff x="0" y="0"/>
+          <a:chExt cx="0" cy="0"/>
+        </a:xfrm>
+      </p:grpSpPr>
+      <p:sp>
+        <p:nvSpPr>
+          <p:cNvPr id="2" name="Title 1">
+            <a:extLst>
+              <a:ext uri="{FF2B5EF4-FFF2-40B4-BE49-F238E27FC236}">
+                <a16:creationId xmlns:a16="http://schemas.microsoft.com/office/drawing/2014/main" id="{24D65BDD-4530-FAEE-EE81-3E8AFA898894}"/>
+              </a:ext>
+            </a:extLst>
+          </p:cNvPr>
+          <p:cNvSpPr>
+            <a:spLocks noGrp="1"/>
+          </p:cNvSpPr>
+          <p:nvPr>
+            <p:ph type="title"/>
+          </p:nvPr>
+        </p:nvSpPr>
+        <p:spPr/>
+        <p:txBody>
+          <a:bodyPr/>
+          <a:lstStyle/>
+          <a:p>
+            <a:r>
+              <a:rPr lang="en-US" dirty="0"/>
+              <a:t>Module Summary</a:t>
+            </a:r>
+          </a:p>
+        </p:txBody>
+      </p:sp>
+      <p:sp>
+        <p:nvSpPr>
+          <p:cNvPr id="4" name="Rectangle 3">
+            <a:extLst>
+              <a:ext uri="{FF2B5EF4-FFF2-40B4-BE49-F238E27FC236}">
+                <a16:creationId xmlns:a16="http://schemas.microsoft.com/office/drawing/2014/main" id="{B99F0953-FCA9-35DF-85E0-DBFC0389B3F8}"/>
+              </a:ext>
+            </a:extLst>
+          </p:cNvPr>
+          <p:cNvSpPr/>
+          <p:nvPr/>
+        </p:nvSpPr>
+        <p:spPr>
+          <a:xfrm>
+            <a:off x="1078173" y="1690688"/>
+            <a:ext cx="4094328" cy="574840"/>
+          </a:xfrm>
+          <a:prstGeom prst="rect">
+            <a:avLst/>
+          </a:prstGeom>
+        </p:spPr>
+        <p:style>
+          <a:lnRef idx="2">
+            <a:schemeClr val="accent1">
+              <a:shade val="50000"/>
+            </a:schemeClr>
+          </a:lnRef>
+          <a:fillRef idx="1">
+            <a:schemeClr val="accent1"/>
+          </a:fillRef>
+          <a:effectRef idx="0">
+            <a:schemeClr val="accent1"/>
+          </a:effectRef>
+          <a:fontRef idx="minor">
+            <a:schemeClr val="lt1"/>
+          </a:fontRef>
+        </p:style>
+        <p:txBody>
+          <a:bodyPr rtlCol="0" anchor="ctr"/>
+          <a:lstStyle/>
+          <a:p>
+            <a:pPr algn="ctr"/>
+            <a:r>
+              <a:rPr lang="en-US" dirty="0">
+                <a:ln w="0"/>
+                <a:solidFill>
+                  <a:schemeClr val="tx1"/>
+                </a:solidFill>
+                <a:effectLst>
+                  <a:outerShdw blurRad="38100" dist="19050" dir="2700000" algn="tl" rotWithShape="0">
+                    <a:schemeClr val="dk1">
+                      <a:alpha val="40000"/>
+                    </a:schemeClr>
+                  </a:outerShdw>
+                </a:effectLst>
+              </a:rPr>
+              <a:t>Dynamic Routing</a:t>
+            </a:r>
+          </a:p>
+        </p:txBody>
+      </p:sp>
+      <p:sp>
+        <p:nvSpPr>
+          <p:cNvPr id="5" name="Rectangle 4">
+            <a:extLst>
+              <a:ext uri="{FF2B5EF4-FFF2-40B4-BE49-F238E27FC236}">
+                <a16:creationId xmlns:a16="http://schemas.microsoft.com/office/drawing/2014/main" id="{39D99227-4147-8E4D-C42D-86E8D2272886}"/>
+              </a:ext>
+            </a:extLst>
+          </p:cNvPr>
+          <p:cNvSpPr/>
+          <p:nvPr/>
+        </p:nvSpPr>
+        <p:spPr>
+          <a:xfrm>
+            <a:off x="1078173" y="2265528"/>
+            <a:ext cx="4094328" cy="3562066"/>
+          </a:xfrm>
+          <a:prstGeom prst="rect">
+            <a:avLst/>
+          </a:prstGeom>
+          <a:solidFill>
+            <a:schemeClr val="accent1">
+              <a:lumMod val="60000"/>
+              <a:lumOff val="40000"/>
+            </a:schemeClr>
+          </a:solidFill>
+        </p:spPr>
+        <p:style>
+          <a:lnRef idx="2">
+            <a:schemeClr val="accent1">
+              <a:shade val="50000"/>
+            </a:schemeClr>
+          </a:lnRef>
+          <a:fillRef idx="1">
+            <a:schemeClr val="accent1"/>
+          </a:fillRef>
+          <a:effectRef idx="0">
+            <a:schemeClr val="accent1"/>
+          </a:effectRef>
+          <a:fontRef idx="minor">
+            <a:schemeClr val="lt1"/>
+          </a:fontRef>
+        </p:style>
+        <p:txBody>
+          <a:bodyPr rtlCol="0" anchor="ctr"/>
+          <a:lstStyle/>
+          <a:p>
+            <a:pPr marL="285750" indent="-285750">
+              <a:buFont typeface="Arial" panose="020B0604020202020204" pitchFamily="34" charset="0"/>
+              <a:buChar char="•"/>
+            </a:pPr>
+            <a:r>
+              <a:rPr lang="en-US" dirty="0">
+                <a:ln w="0"/>
+                <a:solidFill>
+                  <a:schemeClr val="tx1"/>
+                </a:solidFill>
+                <a:effectLst>
+                  <a:outerShdw blurRad="38100" dist="19050" dir="2700000" algn="tl" rotWithShape="0">
+                    <a:schemeClr val="dk1">
+                      <a:alpha val="40000"/>
+                    </a:schemeClr>
+                  </a:outerShdw>
+                </a:effectLst>
+              </a:rPr>
+              <a:t>You can pass dynamic path segments by adding a “:” to the Express router path</a:t>
+            </a:r>
+          </a:p>
+          <a:p>
+            <a:pPr marL="285750" indent="-285750">
+              <a:buFont typeface="Arial" panose="020B0604020202020204" pitchFamily="34" charset="0"/>
+              <a:buChar char="•"/>
+            </a:pPr>
+            <a:r>
+              <a:rPr lang="en-US" dirty="0">
+                <a:ln w="0"/>
+                <a:solidFill>
+                  <a:schemeClr val="tx1"/>
+                </a:solidFill>
+                <a:effectLst>
+                  <a:outerShdw blurRad="38100" dist="19050" dir="2700000" algn="tl" rotWithShape="0">
+                    <a:schemeClr val="dk1">
+                      <a:alpha val="40000"/>
+                    </a:schemeClr>
+                  </a:outerShdw>
+                </a:effectLst>
+              </a:rPr>
+              <a:t>The name you add after “:” is the name by which you can extract the data on </a:t>
+            </a:r>
+            <a:r>
+              <a:rPr lang="en-US" dirty="0" err="1">
+                <a:ln w="0"/>
+                <a:solidFill>
+                  <a:schemeClr val="tx1"/>
+                </a:solidFill>
+                <a:effectLst>
+                  <a:outerShdw blurRad="38100" dist="19050" dir="2700000" algn="tl" rotWithShape="0">
+                    <a:schemeClr val="dk1">
+                      <a:alpha val="40000"/>
+                    </a:schemeClr>
+                  </a:outerShdw>
+                </a:effectLst>
+              </a:rPr>
+              <a:t>req.params</a:t>
+            </a:r>
+            <a:endParaRPr lang="en-US" dirty="0">
+              <a:ln w="0"/>
+              <a:solidFill>
+                <a:schemeClr val="tx1"/>
+              </a:solidFill>
+              <a:effectLst>
+                <a:outerShdw blurRad="38100" dist="19050" dir="2700000" algn="tl" rotWithShape="0">
+                  <a:schemeClr val="dk1">
+                    <a:alpha val="40000"/>
+                  </a:schemeClr>
+                </a:outerShdw>
+              </a:effectLst>
+            </a:endParaRPr>
+          </a:p>
+          <a:p>
+            <a:pPr marL="285750" indent="-285750">
+              <a:buFont typeface="Arial" panose="020B0604020202020204" pitchFamily="34" charset="0"/>
+              <a:buChar char="•"/>
+            </a:pPr>
+            <a:r>
+              <a:rPr lang="en-US" dirty="0">
+                <a:ln w="0"/>
+                <a:solidFill>
+                  <a:schemeClr val="tx1"/>
+                </a:solidFill>
+                <a:effectLst>
+                  <a:outerShdw blurRad="38100" dist="19050" dir="2700000" algn="tl" rotWithShape="0">
+                    <a:schemeClr val="dk1">
+                      <a:alpha val="40000"/>
+                    </a:schemeClr>
+                  </a:outerShdw>
+                </a:effectLst>
+              </a:rPr>
+              <a:t>Optional (query) parameters can also be passed (?param=</a:t>
+            </a:r>
+            <a:r>
+              <a:rPr lang="en-US" dirty="0" err="1">
+                <a:ln w="0"/>
+                <a:solidFill>
+                  <a:schemeClr val="tx1"/>
+                </a:solidFill>
+                <a:effectLst>
+                  <a:outerShdw blurRad="38100" dist="19050" dir="2700000" algn="tl" rotWithShape="0">
+                    <a:schemeClr val="dk1">
+                      <a:alpha val="40000"/>
+                    </a:schemeClr>
+                  </a:outerShdw>
+                </a:effectLst>
+              </a:rPr>
+              <a:t>value&amp;b</a:t>
+            </a:r>
+            <a:r>
+              <a:rPr lang="en-US" dirty="0">
+                <a:ln w="0"/>
+                <a:solidFill>
+                  <a:schemeClr val="tx1"/>
+                </a:solidFill>
+                <a:effectLst>
+                  <a:outerShdw blurRad="38100" dist="19050" dir="2700000" algn="tl" rotWithShape="0">
+                    <a:schemeClr val="dk1">
+                      <a:alpha val="40000"/>
+                    </a:schemeClr>
+                  </a:outerShdw>
+                </a:effectLst>
+              </a:rPr>
+              <a:t>=2) and extracted (</a:t>
+            </a:r>
+            <a:r>
+              <a:rPr lang="en-US" dirty="0" err="1">
+                <a:ln w="0"/>
+                <a:solidFill>
+                  <a:schemeClr val="tx1"/>
+                </a:solidFill>
+                <a:effectLst>
+                  <a:outerShdw blurRad="38100" dist="19050" dir="2700000" algn="tl" rotWithShape="0">
+                    <a:schemeClr val="dk1">
+                      <a:alpha val="40000"/>
+                    </a:schemeClr>
+                  </a:outerShdw>
+                </a:effectLst>
+              </a:rPr>
+              <a:t>req.query.myParam</a:t>
+            </a:r>
+            <a:r>
+              <a:rPr lang="en-US" dirty="0">
+                <a:ln w="0"/>
+                <a:solidFill>
+                  <a:schemeClr val="tx1"/>
+                </a:solidFill>
+                <a:effectLst>
+                  <a:outerShdw blurRad="38100" dist="19050" dir="2700000" algn="tl" rotWithShape="0">
+                    <a:schemeClr val="dk1">
+                      <a:alpha val="40000"/>
+                    </a:schemeClr>
+                  </a:outerShdw>
+                </a:effectLst>
+              </a:rPr>
+              <a:t>)</a:t>
+            </a:r>
+          </a:p>
+        </p:txBody>
+      </p:sp>
+      <p:sp>
+        <p:nvSpPr>
+          <p:cNvPr id="6" name="Rectangle 5">
+            <a:extLst>
+              <a:ext uri="{FF2B5EF4-FFF2-40B4-BE49-F238E27FC236}">
+                <a16:creationId xmlns:a16="http://schemas.microsoft.com/office/drawing/2014/main" id="{E4D8C234-098E-D5D5-CAB6-883B1536D6C8}"/>
+              </a:ext>
+            </a:extLst>
+          </p:cNvPr>
+          <p:cNvSpPr/>
+          <p:nvPr/>
+        </p:nvSpPr>
+        <p:spPr>
+          <a:xfrm>
+            <a:off x="6646459" y="1240312"/>
+            <a:ext cx="4094328" cy="574840"/>
+          </a:xfrm>
+          <a:prstGeom prst="rect">
+            <a:avLst/>
+          </a:prstGeom>
+        </p:spPr>
+        <p:style>
+          <a:lnRef idx="2">
+            <a:schemeClr val="accent1">
+              <a:shade val="50000"/>
+            </a:schemeClr>
+          </a:lnRef>
+          <a:fillRef idx="1">
+            <a:schemeClr val="accent1"/>
+          </a:fillRef>
+          <a:effectRef idx="0">
+            <a:schemeClr val="accent1"/>
+          </a:effectRef>
+          <a:fontRef idx="minor">
+            <a:schemeClr val="lt1"/>
+          </a:fontRef>
+        </p:style>
+        <p:txBody>
+          <a:bodyPr rtlCol="0" anchor="ctr"/>
+          <a:lstStyle/>
+          <a:p>
+            <a:pPr algn="ctr"/>
+            <a:r>
+              <a:rPr lang="en-US" dirty="0">
+                <a:ln w="0"/>
+                <a:solidFill>
+                  <a:schemeClr val="tx1"/>
+                </a:solidFill>
+                <a:effectLst>
+                  <a:outerShdw blurRad="38100" dist="19050" dir="2700000" algn="tl" rotWithShape="0">
+                    <a:schemeClr val="dk1">
+                      <a:alpha val="40000"/>
+                    </a:schemeClr>
+                  </a:outerShdw>
+                </a:effectLst>
+              </a:rPr>
+              <a:t>More on Models</a:t>
+            </a:r>
+          </a:p>
+        </p:txBody>
+      </p:sp>
+      <p:sp>
+        <p:nvSpPr>
+          <p:cNvPr id="7" name="Rectangle 6">
+            <a:extLst>
+              <a:ext uri="{FF2B5EF4-FFF2-40B4-BE49-F238E27FC236}">
+                <a16:creationId xmlns:a16="http://schemas.microsoft.com/office/drawing/2014/main" id="{39A41B20-EF5B-CC77-0E9E-157BCFAA0394}"/>
+              </a:ext>
+            </a:extLst>
+          </p:cNvPr>
+          <p:cNvSpPr/>
+          <p:nvPr/>
+        </p:nvSpPr>
+        <p:spPr>
+          <a:xfrm>
+            <a:off x="6646459" y="1815152"/>
+            <a:ext cx="4094328" cy="3562066"/>
+          </a:xfrm>
+          <a:prstGeom prst="rect">
+            <a:avLst/>
+          </a:prstGeom>
+          <a:solidFill>
+            <a:schemeClr val="accent1">
+              <a:lumMod val="60000"/>
+              <a:lumOff val="40000"/>
+            </a:schemeClr>
+          </a:solidFill>
+        </p:spPr>
+        <p:style>
+          <a:lnRef idx="2">
+            <a:schemeClr val="accent1">
+              <a:shade val="50000"/>
+            </a:schemeClr>
+          </a:lnRef>
+          <a:fillRef idx="1">
+            <a:schemeClr val="accent1"/>
+          </a:fillRef>
+          <a:effectRef idx="0">
+            <a:schemeClr val="accent1"/>
+          </a:effectRef>
+          <a:fontRef idx="minor">
+            <a:schemeClr val="lt1"/>
+          </a:fontRef>
+        </p:style>
+        <p:txBody>
+          <a:bodyPr rtlCol="0" anchor="ctr"/>
+          <a:lstStyle/>
+          <a:p>
+            <a:pPr marL="285750" indent="-285750">
+              <a:buFont typeface="Arial" panose="020B0604020202020204" pitchFamily="34" charset="0"/>
+              <a:buChar char="•"/>
+            </a:pPr>
+            <a:r>
+              <a:rPr lang="en-US" dirty="0">
+                <a:ln w="0"/>
+                <a:solidFill>
+                  <a:schemeClr val="tx1"/>
+                </a:solidFill>
+                <a:effectLst>
+                  <a:outerShdw blurRad="38100" dist="19050" dir="2700000" algn="tl" rotWithShape="0">
+                    <a:schemeClr val="dk1">
+                      <a:alpha val="40000"/>
+                    </a:schemeClr>
+                  </a:outerShdw>
+                </a:effectLst>
+              </a:rPr>
+              <a:t>A Cart model was added – it holds static methods only</a:t>
+            </a:r>
+          </a:p>
+          <a:p>
+            <a:pPr marL="285750" indent="-285750">
+              <a:buFont typeface="Arial" panose="020B0604020202020204" pitchFamily="34" charset="0"/>
+              <a:buChar char="•"/>
+            </a:pPr>
+            <a:r>
+              <a:rPr lang="en-US" dirty="0">
+                <a:ln w="0"/>
+                <a:solidFill>
+                  <a:schemeClr val="tx1"/>
+                </a:solidFill>
+                <a:effectLst>
+                  <a:outerShdw blurRad="38100" dist="19050" dir="2700000" algn="tl" rotWithShape="0">
+                    <a:schemeClr val="dk1">
+                      <a:alpha val="40000"/>
+                    </a:schemeClr>
+                  </a:outerShdw>
+                </a:effectLst>
+              </a:rPr>
+              <a:t>You can interact between models (e.g. delete cart item if a product is deleted)</a:t>
+            </a:r>
+          </a:p>
+          <a:p>
+            <a:pPr marL="285750" indent="-285750">
+              <a:buFont typeface="Arial" panose="020B0604020202020204" pitchFamily="34" charset="0"/>
+              <a:buChar char="•"/>
+            </a:pPr>
+            <a:r>
+              <a:rPr lang="en-US" dirty="0">
+                <a:ln w="0"/>
+                <a:solidFill>
+                  <a:schemeClr val="tx1"/>
+                </a:solidFill>
+                <a:effectLst>
+                  <a:outerShdw blurRad="38100" dist="19050" dir="2700000" algn="tl" rotWithShape="0">
+                    <a:schemeClr val="dk1">
+                      <a:alpha val="40000"/>
+                    </a:schemeClr>
+                  </a:outerShdw>
+                </a:effectLst>
+              </a:rPr>
+              <a:t>Working with files for data storage is suboptimal for bigger amounts of data</a:t>
+            </a:r>
+          </a:p>
+        </p:txBody>
+      </p:sp>
+    </p:spTree>
+    <p:extLst>
+      <p:ext uri="{BB962C8B-B14F-4D97-AF65-F5344CB8AC3E}">
+        <p14:creationId xmlns:p14="http://schemas.microsoft.com/office/powerpoint/2010/main" val="2642767901"/>
       </p:ext>
     </p:extLst>
   </p:cSld>
